--- a/Progetto_HPC.pptx
+++ b/Progetto_HPC.pptx
@@ -5,7 +5,7 @@
     <p:sldMasterId id="2147483702" r:id="rId1"/>
   </p:sldMasterIdLst>
   <p:notesMasterIdLst>
-    <p:notesMasterId r:id="rId9"/>
+    <p:notesMasterId r:id="rId16"/>
   </p:notesMasterIdLst>
   <p:sldIdLst>
     <p:sldId id="256" r:id="rId2"/>
@@ -15,6 +15,13 @@
     <p:sldId id="261" r:id="rId6"/>
     <p:sldId id="262" r:id="rId7"/>
     <p:sldId id="263" r:id="rId8"/>
+    <p:sldId id="264" r:id="rId9"/>
+    <p:sldId id="268" r:id="rId10"/>
+    <p:sldId id="269" r:id="rId11"/>
+    <p:sldId id="270" r:id="rId12"/>
+    <p:sldId id="265" r:id="rId13"/>
+    <p:sldId id="266" r:id="rId14"/>
+    <p:sldId id="267" r:id="rId15"/>
   </p:sldIdLst>
   <p:sldSz cx="12192000" cy="6858000"/>
   <p:notesSz cx="6858000" cy="9144000"/>
@@ -203,7 +210,7 @@
           <a:p>
             <a:fld id="{7A6B8BA8-9730-4143-87AF-75D0AEF250E9}" type="datetimeFigureOut">
               <a:rPr lang="it-IT" smtClean="0"/>
-              <a:t>20/05/2025</a:t>
+              <a:t>31/05/2025</a:t>
             </a:fld>
             <a:endParaRPr lang="it-IT"/>
           </a:p>
@@ -649,7 +656,7 @@
           <a:effectLst/>
           <a:extLst>
             <a:ext uri="{91240B29-F687-4f45-9708-019B960494DF}">
-              <a14:hiddenLine xmlns:a14="http://schemas.microsoft.com/office/drawing/2010/main" xmlns="" w="9525">
+              <a14:hiddenLine xmlns="" xmlns:a14="http://schemas.microsoft.com/office/drawing/2010/main" w="9525">
                 <a:solidFill>
                   <a:srgbClr val="000000"/>
                 </a:solidFill>
@@ -841,7 +848,7 @@
           <a:p>
             <a:fld id="{D755A5FA-FE2E-4D01-B65C-4DF6F364A15B}" type="datetimeFigureOut">
               <a:rPr lang="it-IT" smtClean="0"/>
-              <a:t>20/05/2025</a:t>
+              <a:t>31/05/2025</a:t>
             </a:fld>
             <a:endParaRPr lang="it-IT"/>
           </a:p>
@@ -1159,7 +1166,7 @@
           <a:p>
             <a:fld id="{D755A5FA-FE2E-4D01-B65C-4DF6F364A15B}" type="datetimeFigureOut">
               <a:rPr lang="it-IT" smtClean="0"/>
-              <a:t>20/05/2025</a:t>
+              <a:t>31/05/2025</a:t>
             </a:fld>
             <a:endParaRPr lang="it-IT"/>
           </a:p>
@@ -1647,7 +1654,7 @@
           <a:p>
             <a:fld id="{D755A5FA-FE2E-4D01-B65C-4DF6F364A15B}" type="datetimeFigureOut">
               <a:rPr lang="it-IT" smtClean="0"/>
-              <a:t>20/05/2025</a:t>
+              <a:t>31/05/2025</a:t>
             </a:fld>
             <a:endParaRPr lang="it-IT"/>
           </a:p>
@@ -2016,7 +2023,7 @@
           <a:p>
             <a:fld id="{D755A5FA-FE2E-4D01-B65C-4DF6F364A15B}" type="datetimeFigureOut">
               <a:rPr lang="it-IT" smtClean="0"/>
-              <a:t>20/05/2025</a:t>
+              <a:t>31/05/2025</a:t>
             </a:fld>
             <a:endParaRPr lang="it-IT"/>
           </a:p>
@@ -2171,7 +2178,7 @@
           <a:ln/>
           <a:extLst>
             <a:ext uri="{91240B29-F687-4f45-9708-019B960494DF}">
-              <a14:hiddenLine xmlns:a14="http://schemas.microsoft.com/office/drawing/2010/main" xmlns="" w="9525">
+              <a14:hiddenLine xmlns="" xmlns:a14="http://schemas.microsoft.com/office/drawing/2010/main" w="9525">
                 <a:solidFill>
                   <a:srgbClr val="000000"/>
                 </a:solidFill>
@@ -2289,7 +2296,7 @@
           <a:p>
             <a:fld id="{D755A5FA-FE2E-4D01-B65C-4DF6F364A15B}" type="datetimeFigureOut">
               <a:rPr lang="it-IT" smtClean="0"/>
-              <a:t>20/05/2025</a:t>
+              <a:t>31/05/2025</a:t>
             </a:fld>
             <a:endParaRPr lang="it-IT"/>
           </a:p>
@@ -2446,7 +2453,7 @@
           <a:ln/>
           <a:extLst>
             <a:ext uri="{91240B29-F687-4f45-9708-019B960494DF}">
-              <a14:hiddenLine xmlns:a14="http://schemas.microsoft.com/office/drawing/2010/main" xmlns="" w="9525">
+              <a14:hiddenLine xmlns="" xmlns:a14="http://schemas.microsoft.com/office/drawing/2010/main" w="9525">
                 <a:solidFill>
                   <a:srgbClr val="000000"/>
                 </a:solidFill>
@@ -2574,7 +2581,7 @@
           <a:p>
             <a:fld id="{D755A5FA-FE2E-4D01-B65C-4DF6F364A15B}" type="datetimeFigureOut">
               <a:rPr lang="it-IT" smtClean="0"/>
-              <a:t>20/05/2025</a:t>
+              <a:t>31/05/2025</a:t>
             </a:fld>
             <a:endParaRPr lang="it-IT"/>
           </a:p>
@@ -2729,7 +2736,7 @@
           <a:ln/>
           <a:extLst>
             <a:ext uri="{91240B29-F687-4f45-9708-019B960494DF}">
-              <a14:hiddenLine xmlns:a14="http://schemas.microsoft.com/office/drawing/2010/main" xmlns="" w="9525">
+              <a14:hiddenLine xmlns="" xmlns:a14="http://schemas.microsoft.com/office/drawing/2010/main" w="9525">
                 <a:solidFill>
                   <a:srgbClr val="000000"/>
                 </a:solidFill>
@@ -2857,7 +2864,7 @@
           <a:p>
             <a:fld id="{D755A5FA-FE2E-4D01-B65C-4DF6F364A15B}" type="datetimeFigureOut">
               <a:rPr lang="it-IT" smtClean="0"/>
-              <a:t>20/05/2025</a:t>
+              <a:t>31/05/2025</a:t>
             </a:fld>
             <a:endParaRPr lang="it-IT"/>
           </a:p>
@@ -3200,7 +3207,7 @@
           <a:p>
             <a:fld id="{D755A5FA-FE2E-4D01-B65C-4DF6F364A15B}" type="datetimeFigureOut">
               <a:rPr lang="it-IT" smtClean="0"/>
-              <a:t>20/05/2025</a:t>
+              <a:t>31/05/2025</a:t>
             </a:fld>
             <a:endParaRPr lang="it-IT"/>
           </a:p>
@@ -3355,7 +3362,7 @@
           <a:ln/>
           <a:extLst>
             <a:ext uri="{91240B29-F687-4f45-9708-019B960494DF}">
-              <a14:hiddenLine xmlns:a14="http://schemas.microsoft.com/office/drawing/2010/main" xmlns="" w="9525">
+              <a14:hiddenLine xmlns="" xmlns:a14="http://schemas.microsoft.com/office/drawing/2010/main" w="9525">
                 <a:solidFill>
                   <a:srgbClr val="000000"/>
                 </a:solidFill>
@@ -3539,7 +3546,7 @@
           <a:p>
             <a:fld id="{D755A5FA-FE2E-4D01-B65C-4DF6F364A15B}" type="datetimeFigureOut">
               <a:rPr lang="it-IT" smtClean="0"/>
-              <a:t>20/05/2025</a:t>
+              <a:t>31/05/2025</a:t>
             </a:fld>
             <a:endParaRPr lang="it-IT"/>
           </a:p>
@@ -3694,7 +3701,7 @@
           <a:ln/>
           <a:extLst>
             <a:ext uri="{91240B29-F687-4f45-9708-019B960494DF}">
-              <a14:hiddenLine xmlns:a14="http://schemas.microsoft.com/office/drawing/2010/main" xmlns="" w="9525">
+              <a14:hiddenLine xmlns="" xmlns:a14="http://schemas.microsoft.com/office/drawing/2010/main" w="9525">
                 <a:solidFill>
                   <a:srgbClr val="000000"/>
                 </a:solidFill>
@@ -4016,7 +4023,7 @@
           <a:p>
             <a:fld id="{D755A5FA-FE2E-4D01-B65C-4DF6F364A15B}" type="datetimeFigureOut">
               <a:rPr lang="it-IT" smtClean="0"/>
-              <a:t>20/05/2025</a:t>
+              <a:t>31/05/2025</a:t>
             </a:fld>
             <a:endParaRPr lang="it-IT"/>
           </a:p>
@@ -4171,7 +4178,7 @@
           <a:ln/>
           <a:extLst>
             <a:ext uri="{91240B29-F687-4f45-9708-019B960494DF}">
-              <a14:hiddenLine xmlns:a14="http://schemas.microsoft.com/office/drawing/2010/main" xmlns="" w="9525">
+              <a14:hiddenLine xmlns="" xmlns:a14="http://schemas.microsoft.com/office/drawing/2010/main" w="9525">
                 <a:solidFill>
                   <a:srgbClr val="000000"/>
                 </a:solidFill>
@@ -4237,7 +4244,7 @@
           <a:p>
             <a:fld id="{D755A5FA-FE2E-4D01-B65C-4DF6F364A15B}" type="datetimeFigureOut">
               <a:rPr lang="it-IT" smtClean="0"/>
-              <a:t>20/05/2025</a:t>
+              <a:t>31/05/2025</a:t>
             </a:fld>
             <a:endParaRPr lang="it-IT"/>
           </a:p>
@@ -4332,7 +4339,7 @@
           <a:p>
             <a:fld id="{D755A5FA-FE2E-4D01-B65C-4DF6F364A15B}" type="datetimeFigureOut">
               <a:rPr lang="it-IT" smtClean="0"/>
-              <a:t>20/05/2025</a:t>
+              <a:t>31/05/2025</a:t>
             </a:fld>
             <a:endParaRPr lang="it-IT"/>
           </a:p>
@@ -4600,7 +4607,7 @@
           <a:ln/>
           <a:extLst>
             <a:ext uri="{91240B29-F687-4f45-9708-019B960494DF}">
-              <a14:hiddenLine xmlns:a14="http://schemas.microsoft.com/office/drawing/2010/main" xmlns="" w="9525">
+              <a14:hiddenLine xmlns="" xmlns:a14="http://schemas.microsoft.com/office/drawing/2010/main" w="9525">
                 <a:solidFill>
                   <a:srgbClr val="000000"/>
                 </a:solidFill>
@@ -4799,7 +4806,7 @@
           <a:p>
             <a:fld id="{D755A5FA-FE2E-4D01-B65C-4DF6F364A15B}" type="datetimeFigureOut">
               <a:rPr lang="it-IT" smtClean="0"/>
-              <a:t>20/05/2025</a:t>
+              <a:t>31/05/2025</a:t>
             </a:fld>
             <a:endParaRPr lang="it-IT"/>
           </a:p>
@@ -5112,7 +5119,7 @@
           <a:p>
             <a:fld id="{D755A5FA-FE2E-4D01-B65C-4DF6F364A15B}" type="datetimeFigureOut">
               <a:rPr lang="it-IT" smtClean="0"/>
-              <a:t>20/05/2025</a:t>
+              <a:t>31/05/2025</a:t>
             </a:fld>
             <a:endParaRPr lang="it-IT"/>
           </a:p>
@@ -5382,7 +5389,7 @@
           <a:p>
             <a:fld id="{D755A5FA-FE2E-4D01-B65C-4DF6F364A15B}" type="datetimeFigureOut">
               <a:rPr lang="it-IT" smtClean="0"/>
-              <a:t>20/05/2025</a:t>
+              <a:t>31/05/2025</a:t>
             </a:fld>
             <a:endParaRPr lang="it-IT"/>
           </a:p>
@@ -6030,6 +6037,2408 @@
     <p:extLst>
       <p:ext uri="{BB962C8B-B14F-4D97-AF65-F5344CB8AC3E}">
         <p14:creationId xmlns:p14="http://schemas.microsoft.com/office/powerpoint/2010/main" val="4127981370"/>
+      </p:ext>
+    </p:extLst>
+  </p:cSld>
+  <p:clrMapOvr>
+    <a:masterClrMapping/>
+  </p:clrMapOvr>
+</p:sld>
+</file>
+
+<file path=ppt/slides/slide10.xml><?xml version="1.0" encoding="utf-8"?>
+<p:sld xmlns:a="http://schemas.openxmlformats.org/drawingml/2006/main" xmlns:r="http://schemas.openxmlformats.org/officeDocument/2006/relationships" xmlns:p="http://schemas.openxmlformats.org/presentationml/2006/main">
+  <p:cSld>
+    <p:spTree>
+      <p:nvGrpSpPr>
+        <p:cNvPr id="1" name="">
+          <a:extLst>
+            <a:ext uri="{FF2B5EF4-FFF2-40B4-BE49-F238E27FC236}">
+              <a16:creationId xmlns:a16="http://schemas.microsoft.com/office/drawing/2014/main" id="{22264A8D-8BB6-9282-85ED-817506CD16E9}"/>
+            </a:ext>
+          </a:extLst>
+        </p:cNvPr>
+        <p:cNvGrpSpPr/>
+        <p:nvPr/>
+      </p:nvGrpSpPr>
+      <p:grpSpPr>
+        <a:xfrm>
+          <a:off x="0" y="0"/>
+          <a:ext cx="0" cy="0"/>
+          <a:chOff x="0" y="0"/>
+          <a:chExt cx="0" cy="0"/>
+        </a:xfrm>
+      </p:grpSpPr>
+      <p:sp>
+        <p:nvSpPr>
+          <p:cNvPr id="2" name="Titolo 1">
+            <a:extLst>
+              <a:ext uri="{FF2B5EF4-FFF2-40B4-BE49-F238E27FC236}">
+                <a16:creationId xmlns:a16="http://schemas.microsoft.com/office/drawing/2014/main" id="{186CA645-9334-FC14-629F-80E8A6E5800C}"/>
+              </a:ext>
+            </a:extLst>
+          </p:cNvPr>
+          <p:cNvSpPr>
+            <a:spLocks noGrp="1"/>
+          </p:cNvSpPr>
+          <p:nvPr>
+            <p:ph type="title"/>
+          </p:nvPr>
+        </p:nvSpPr>
+        <p:spPr/>
+        <p:txBody>
+          <a:bodyPr/>
+          <a:lstStyle/>
+          <a:p>
+            <a:r>
+              <a:rPr lang="it-IT" dirty="0" err="1"/>
+              <a:t>Parallelization</a:t>
+            </a:r>
+            <a:r>
+              <a:rPr lang="it-IT" dirty="0"/>
+              <a:t> (2)</a:t>
+            </a:r>
+          </a:p>
+        </p:txBody>
+      </p:sp>
+      <p:grpSp>
+        <p:nvGrpSpPr>
+          <p:cNvPr id="14" name="Gruppo 13">
+            <a:extLst>
+              <a:ext uri="{FF2B5EF4-FFF2-40B4-BE49-F238E27FC236}">
+                <a16:creationId xmlns:a16="http://schemas.microsoft.com/office/drawing/2014/main" id="{8A4AD944-BC1D-29A6-5A7C-59E13A534B60}"/>
+              </a:ext>
+            </a:extLst>
+          </p:cNvPr>
+          <p:cNvGrpSpPr/>
+          <p:nvPr/>
+        </p:nvGrpSpPr>
+        <p:grpSpPr>
+          <a:xfrm>
+            <a:off x="897507" y="3063303"/>
+            <a:ext cx="4201111" cy="2276793"/>
+            <a:chOff x="404519" y="2585878"/>
+            <a:chExt cx="4201111" cy="2276793"/>
+          </a:xfrm>
+        </p:grpSpPr>
+        <p:pic>
+          <p:nvPicPr>
+            <p:cNvPr id="4" name="Immagine 3">
+              <a:extLst>
+                <a:ext uri="{FF2B5EF4-FFF2-40B4-BE49-F238E27FC236}">
+                  <a16:creationId xmlns:a16="http://schemas.microsoft.com/office/drawing/2014/main" id="{DAF919C8-706B-EAFA-8B6D-77905E917C3E}"/>
+                </a:ext>
+              </a:extLst>
+            </p:cNvPr>
+            <p:cNvPicPr>
+              <a:picLocks noChangeAspect="1"/>
+            </p:cNvPicPr>
+            <p:nvPr/>
+          </p:nvPicPr>
+          <p:blipFill>
+            <a:blip r:embed="rId2"/>
+            <a:stretch>
+              <a:fillRect/>
+            </a:stretch>
+          </p:blipFill>
+          <p:spPr>
+            <a:xfrm>
+              <a:off x="404519" y="2585878"/>
+              <a:ext cx="4201111" cy="2276793"/>
+            </a:xfrm>
+            <a:prstGeom prst="rect">
+              <a:avLst/>
+            </a:prstGeom>
+          </p:spPr>
+        </p:pic>
+        <p:sp>
+          <p:nvSpPr>
+            <p:cNvPr id="8" name="Rettangolo 7">
+              <a:extLst>
+                <a:ext uri="{FF2B5EF4-FFF2-40B4-BE49-F238E27FC236}">
+                  <a16:creationId xmlns:a16="http://schemas.microsoft.com/office/drawing/2014/main" id="{8AB2DD19-22FA-A0B0-A9FF-5C54BC0D9FEA}"/>
+                </a:ext>
+              </a:extLst>
+            </p:cNvPr>
+            <p:cNvSpPr/>
+            <p:nvPr/>
+          </p:nvSpPr>
+          <p:spPr>
+            <a:xfrm>
+              <a:off x="676656" y="3118104"/>
+              <a:ext cx="3529584" cy="420624"/>
+            </a:xfrm>
+            <a:prstGeom prst="rect">
+              <a:avLst/>
+            </a:prstGeom>
+            <a:noFill/>
+            <a:ln>
+              <a:solidFill>
+                <a:srgbClr val="FF0000"/>
+              </a:solidFill>
+            </a:ln>
+          </p:spPr>
+          <p:style>
+            <a:lnRef idx="2">
+              <a:schemeClr val="accent1">
+                <a:shade val="15000"/>
+              </a:schemeClr>
+            </a:lnRef>
+            <a:fillRef idx="1">
+              <a:schemeClr val="accent1"/>
+            </a:fillRef>
+            <a:effectRef idx="0">
+              <a:schemeClr val="accent1"/>
+            </a:effectRef>
+            <a:fontRef idx="minor">
+              <a:schemeClr val="lt1"/>
+            </a:fontRef>
+          </p:style>
+          <p:txBody>
+            <a:bodyPr rtlCol="0" anchor="ctr"/>
+            <a:lstStyle/>
+            <a:p>
+              <a:pPr algn="ctr"/>
+              <a:endParaRPr lang="it-IT"/>
+            </a:p>
+          </p:txBody>
+        </p:sp>
+        <p:sp>
+          <p:nvSpPr>
+            <p:cNvPr id="10" name="Rettangolo 9">
+              <a:extLst>
+                <a:ext uri="{FF2B5EF4-FFF2-40B4-BE49-F238E27FC236}">
+                  <a16:creationId xmlns:a16="http://schemas.microsoft.com/office/drawing/2014/main" id="{1D337033-481A-C7DF-BB95-8BEA8978514E}"/>
+                </a:ext>
+              </a:extLst>
+            </p:cNvPr>
+            <p:cNvSpPr/>
+            <p:nvPr/>
+          </p:nvSpPr>
+          <p:spPr>
+            <a:xfrm>
+              <a:off x="1322832" y="4038600"/>
+              <a:ext cx="807720" cy="420624"/>
+            </a:xfrm>
+            <a:prstGeom prst="rect">
+              <a:avLst/>
+            </a:prstGeom>
+            <a:noFill/>
+            <a:ln>
+              <a:solidFill>
+                <a:srgbClr val="FF0000"/>
+              </a:solidFill>
+            </a:ln>
+          </p:spPr>
+          <p:style>
+            <a:lnRef idx="2">
+              <a:schemeClr val="accent1">
+                <a:shade val="15000"/>
+              </a:schemeClr>
+            </a:lnRef>
+            <a:fillRef idx="1">
+              <a:schemeClr val="accent1"/>
+            </a:fillRef>
+            <a:effectRef idx="0">
+              <a:schemeClr val="accent1"/>
+            </a:effectRef>
+            <a:fontRef idx="minor">
+              <a:schemeClr val="lt1"/>
+            </a:fontRef>
+          </p:style>
+          <p:txBody>
+            <a:bodyPr rtlCol="0" anchor="ctr"/>
+            <a:lstStyle/>
+            <a:p>
+              <a:pPr algn="ctr"/>
+              <a:endParaRPr lang="it-IT"/>
+            </a:p>
+          </p:txBody>
+        </p:sp>
+      </p:grpSp>
+      <p:grpSp>
+        <p:nvGrpSpPr>
+          <p:cNvPr id="13" name="Gruppo 12">
+            <a:extLst>
+              <a:ext uri="{FF2B5EF4-FFF2-40B4-BE49-F238E27FC236}">
+                <a16:creationId xmlns:a16="http://schemas.microsoft.com/office/drawing/2014/main" id="{A93F6ABB-3404-6298-F255-7CDFA5098FE4}"/>
+              </a:ext>
+            </a:extLst>
+          </p:cNvPr>
+          <p:cNvGrpSpPr/>
+          <p:nvPr/>
+        </p:nvGrpSpPr>
+        <p:grpSpPr>
+          <a:xfrm>
+            <a:off x="5737911" y="2390701"/>
+            <a:ext cx="5830114" cy="4020111"/>
+            <a:chOff x="5957367" y="2390701"/>
+            <a:chExt cx="5830114" cy="4020111"/>
+          </a:xfrm>
+        </p:grpSpPr>
+        <p:pic>
+          <p:nvPicPr>
+            <p:cNvPr id="6" name="Immagine 5">
+              <a:extLst>
+                <a:ext uri="{FF2B5EF4-FFF2-40B4-BE49-F238E27FC236}">
+                  <a16:creationId xmlns:a16="http://schemas.microsoft.com/office/drawing/2014/main" id="{8E61E8BC-7C6A-E814-BDC1-F5D2F884B800}"/>
+                </a:ext>
+              </a:extLst>
+            </p:cNvPr>
+            <p:cNvPicPr>
+              <a:picLocks noChangeAspect="1"/>
+            </p:cNvPicPr>
+            <p:nvPr/>
+          </p:nvPicPr>
+          <p:blipFill>
+            <a:blip r:embed="rId3"/>
+            <a:stretch>
+              <a:fillRect/>
+            </a:stretch>
+          </p:blipFill>
+          <p:spPr>
+            <a:xfrm>
+              <a:off x="5957367" y="2390701"/>
+              <a:ext cx="5830114" cy="4020111"/>
+            </a:xfrm>
+            <a:prstGeom prst="rect">
+              <a:avLst/>
+            </a:prstGeom>
+          </p:spPr>
+        </p:pic>
+        <p:sp>
+          <p:nvSpPr>
+            <p:cNvPr id="11" name="Rettangolo 10">
+              <a:extLst>
+                <a:ext uri="{FF2B5EF4-FFF2-40B4-BE49-F238E27FC236}">
+                  <a16:creationId xmlns:a16="http://schemas.microsoft.com/office/drawing/2014/main" id="{EB432676-687E-7CE7-D494-7604B38C177B}"/>
+                </a:ext>
+              </a:extLst>
+            </p:cNvPr>
+            <p:cNvSpPr/>
+            <p:nvPr/>
+          </p:nvSpPr>
+          <p:spPr>
+            <a:xfrm>
+              <a:off x="6278880" y="2932176"/>
+              <a:ext cx="3529584" cy="420624"/>
+            </a:xfrm>
+            <a:prstGeom prst="rect">
+              <a:avLst/>
+            </a:prstGeom>
+            <a:noFill/>
+            <a:ln>
+              <a:solidFill>
+                <a:srgbClr val="FF0000"/>
+              </a:solidFill>
+            </a:ln>
+          </p:spPr>
+          <p:style>
+            <a:lnRef idx="2">
+              <a:schemeClr val="accent1">
+                <a:shade val="15000"/>
+              </a:schemeClr>
+            </a:lnRef>
+            <a:fillRef idx="1">
+              <a:schemeClr val="accent1"/>
+            </a:fillRef>
+            <a:effectRef idx="0">
+              <a:schemeClr val="accent1"/>
+            </a:effectRef>
+            <a:fontRef idx="minor">
+              <a:schemeClr val="lt1"/>
+            </a:fontRef>
+          </p:style>
+          <p:txBody>
+            <a:bodyPr rtlCol="0" anchor="ctr"/>
+            <a:lstStyle/>
+            <a:p>
+              <a:pPr algn="ctr"/>
+              <a:endParaRPr lang="it-IT"/>
+            </a:p>
+          </p:txBody>
+        </p:sp>
+        <p:sp>
+          <p:nvSpPr>
+            <p:cNvPr id="12" name="Rettangolo 11">
+              <a:extLst>
+                <a:ext uri="{FF2B5EF4-FFF2-40B4-BE49-F238E27FC236}">
+                  <a16:creationId xmlns:a16="http://schemas.microsoft.com/office/drawing/2014/main" id="{D5C559E6-E482-F82E-328D-CA5A796B4997}"/>
+                </a:ext>
+              </a:extLst>
+            </p:cNvPr>
+            <p:cNvSpPr/>
+            <p:nvPr/>
+          </p:nvSpPr>
+          <p:spPr>
+            <a:xfrm>
+              <a:off x="7674864" y="5096256"/>
+              <a:ext cx="2712720" cy="243840"/>
+            </a:xfrm>
+            <a:prstGeom prst="rect">
+              <a:avLst/>
+            </a:prstGeom>
+            <a:noFill/>
+            <a:ln>
+              <a:solidFill>
+                <a:srgbClr val="FF0000"/>
+              </a:solidFill>
+            </a:ln>
+          </p:spPr>
+          <p:style>
+            <a:lnRef idx="2">
+              <a:schemeClr val="accent1">
+                <a:shade val="15000"/>
+              </a:schemeClr>
+            </a:lnRef>
+            <a:fillRef idx="1">
+              <a:schemeClr val="accent1"/>
+            </a:fillRef>
+            <a:effectRef idx="0">
+              <a:schemeClr val="accent1"/>
+            </a:effectRef>
+            <a:fontRef idx="minor">
+              <a:schemeClr val="lt1"/>
+            </a:fontRef>
+          </p:style>
+          <p:txBody>
+            <a:bodyPr rtlCol="0" anchor="ctr"/>
+            <a:lstStyle/>
+            <a:p>
+              <a:pPr algn="ctr"/>
+              <a:endParaRPr lang="it-IT"/>
+            </a:p>
+          </p:txBody>
+        </p:sp>
+      </p:grpSp>
+    </p:spTree>
+    <p:extLst>
+      <p:ext uri="{BB962C8B-B14F-4D97-AF65-F5344CB8AC3E}">
+        <p14:creationId xmlns:p14="http://schemas.microsoft.com/office/powerpoint/2010/main" val="839717583"/>
+      </p:ext>
+    </p:extLst>
+  </p:cSld>
+  <p:clrMapOvr>
+    <a:masterClrMapping/>
+  </p:clrMapOvr>
+</p:sld>
+</file>
+
+<file path=ppt/slides/slide11.xml><?xml version="1.0" encoding="utf-8"?>
+<p:sld xmlns:a="http://schemas.openxmlformats.org/drawingml/2006/main" xmlns:r="http://schemas.openxmlformats.org/officeDocument/2006/relationships" xmlns:p="http://schemas.openxmlformats.org/presentationml/2006/main">
+  <p:cSld>
+    <p:spTree>
+      <p:nvGrpSpPr>
+        <p:cNvPr id="1" name="">
+          <a:extLst>
+            <a:ext uri="{FF2B5EF4-FFF2-40B4-BE49-F238E27FC236}">
+              <a16:creationId xmlns:a16="http://schemas.microsoft.com/office/drawing/2014/main" id="{FAA579CA-717E-3135-0EC6-E2FA07C970D3}"/>
+            </a:ext>
+          </a:extLst>
+        </p:cNvPr>
+        <p:cNvGrpSpPr/>
+        <p:nvPr/>
+      </p:nvGrpSpPr>
+      <p:grpSpPr>
+        <a:xfrm>
+          <a:off x="0" y="0"/>
+          <a:ext cx="0" cy="0"/>
+          <a:chOff x="0" y="0"/>
+          <a:chExt cx="0" cy="0"/>
+        </a:xfrm>
+      </p:grpSpPr>
+      <p:sp>
+        <p:nvSpPr>
+          <p:cNvPr id="2" name="Titolo 1">
+            <a:extLst>
+              <a:ext uri="{FF2B5EF4-FFF2-40B4-BE49-F238E27FC236}">
+                <a16:creationId xmlns:a16="http://schemas.microsoft.com/office/drawing/2014/main" id="{B54B5C57-DA56-EF39-E16B-E34A929067EB}"/>
+              </a:ext>
+            </a:extLst>
+          </p:cNvPr>
+          <p:cNvSpPr>
+            <a:spLocks noGrp="1"/>
+          </p:cNvSpPr>
+          <p:nvPr>
+            <p:ph type="title"/>
+          </p:nvPr>
+        </p:nvSpPr>
+        <p:spPr/>
+        <p:txBody>
+          <a:bodyPr/>
+          <a:lstStyle/>
+          <a:p>
+            <a:r>
+              <a:rPr lang="it-IT" dirty="0"/>
+              <a:t>Profiling CUDA</a:t>
+            </a:r>
+          </a:p>
+        </p:txBody>
+      </p:sp>
+      <p:sp>
+        <p:nvSpPr>
+          <p:cNvPr id="7" name="Segnaposto contenuto 2">
+            <a:extLst>
+              <a:ext uri="{FF2B5EF4-FFF2-40B4-BE49-F238E27FC236}">
+                <a16:creationId xmlns:a16="http://schemas.microsoft.com/office/drawing/2014/main" id="{6C9ABBFB-48C6-F9CF-AF31-03DEE91B23B5}"/>
+              </a:ext>
+            </a:extLst>
+          </p:cNvPr>
+          <p:cNvSpPr>
+            <a:spLocks noGrp="1"/>
+          </p:cNvSpPr>
+          <p:nvPr>
+            <p:ph idx="1"/>
+          </p:nvPr>
+        </p:nvSpPr>
+        <p:spPr>
+          <a:xfrm>
+            <a:off x="917419" y="4507992"/>
+            <a:ext cx="9998640" cy="2020824"/>
+          </a:xfrm>
+        </p:spPr>
+        <p:txBody>
+          <a:bodyPr>
+            <a:normAutofit/>
+          </a:bodyPr>
+          <a:lstStyle/>
+          <a:p>
+            <a:r>
+              <a:rPr lang="en-US" dirty="0"/>
+              <a:t>Kernel execution and memory transfer timings were profiled using </a:t>
+            </a:r>
+            <a:r>
+              <a:rPr lang="en-US" dirty="0" err="1">
+                <a:latin typeface="Monotype"/>
+              </a:rPr>
+              <a:t>nvprof</a:t>
+            </a:r>
+            <a:r>
+              <a:rPr lang="en-US" dirty="0"/>
+              <a:t>.</a:t>
+            </a:r>
+          </a:p>
+          <a:p>
+            <a:r>
+              <a:rPr lang="en-US" dirty="0"/>
+              <a:t>Using this pageable solution, the data transfer overhead was minimal and not notably affected total execution time (same as pinned and UVM).</a:t>
+            </a:r>
+          </a:p>
+          <a:p>
+            <a:r>
+              <a:rPr lang="en-US" dirty="0"/>
+              <a:t>The pageable memory solution was chosen because it is the simplest to implement (and the execution time is the same).</a:t>
+            </a:r>
+            <a:endParaRPr lang="it-IT" dirty="0"/>
+          </a:p>
+        </p:txBody>
+      </p:sp>
+      <p:pic>
+        <p:nvPicPr>
+          <p:cNvPr id="16" name="Immagine 15" descr="Immagine che contiene testo, schermata, Carattere, nero&#10;&#10;Il contenuto generato dall'IA potrebbe non essere corretto.">
+            <a:extLst>
+              <a:ext uri="{FF2B5EF4-FFF2-40B4-BE49-F238E27FC236}">
+                <a16:creationId xmlns:a16="http://schemas.microsoft.com/office/drawing/2014/main" id="{CD3CD9F2-C60E-9AC3-E768-140F24C3D2DD}"/>
+              </a:ext>
+            </a:extLst>
+          </p:cNvPr>
+          <p:cNvPicPr>
+            <a:picLocks noChangeAspect="1"/>
+          </p:cNvPicPr>
+          <p:nvPr/>
+        </p:nvPicPr>
+        <p:blipFill>
+          <a:blip r:embed="rId2">
+            <a:extLst>
+              <a:ext uri="{28A0092B-C50C-407E-A947-70E740481C1C}">
+                <a14:useLocalDpi xmlns:a14="http://schemas.microsoft.com/office/drawing/2010/main" val="0"/>
+              </a:ext>
+            </a:extLst>
+          </a:blip>
+          <a:stretch>
+            <a:fillRect/>
+          </a:stretch>
+        </p:blipFill>
+        <p:spPr>
+          <a:xfrm>
+            <a:off x="1016126" y="2667000"/>
+            <a:ext cx="9801225" cy="1524000"/>
+          </a:xfrm>
+          <a:prstGeom prst="rect">
+            <a:avLst/>
+          </a:prstGeom>
+        </p:spPr>
+      </p:pic>
+    </p:spTree>
+    <p:extLst>
+      <p:ext uri="{BB962C8B-B14F-4D97-AF65-F5344CB8AC3E}">
+        <p14:creationId xmlns:p14="http://schemas.microsoft.com/office/powerpoint/2010/main" val="3344971347"/>
+      </p:ext>
+    </p:extLst>
+  </p:cSld>
+  <p:clrMapOvr>
+    <a:masterClrMapping/>
+  </p:clrMapOvr>
+</p:sld>
+</file>
+
+<file path=ppt/slides/slide12.xml><?xml version="1.0" encoding="utf-8"?>
+<p:sld xmlns:a="http://schemas.openxmlformats.org/drawingml/2006/main" xmlns:r="http://schemas.openxmlformats.org/officeDocument/2006/relationships" xmlns:p="http://schemas.openxmlformats.org/presentationml/2006/main">
+  <p:cSld>
+    <p:spTree>
+      <p:nvGrpSpPr>
+        <p:cNvPr id="1" name="">
+          <a:extLst>
+            <a:ext uri="{FF2B5EF4-FFF2-40B4-BE49-F238E27FC236}">
+              <a16:creationId xmlns:a16="http://schemas.microsoft.com/office/drawing/2014/main" id="{9A0899A8-4AD4-90DF-0EFA-7EB21192C83A}"/>
+            </a:ext>
+          </a:extLst>
+        </p:cNvPr>
+        <p:cNvGrpSpPr/>
+        <p:nvPr/>
+      </p:nvGrpSpPr>
+      <p:grpSpPr>
+        <a:xfrm>
+          <a:off x="0" y="0"/>
+          <a:ext cx="0" cy="0"/>
+          <a:chOff x="0" y="0"/>
+          <a:chExt cx="0" cy="0"/>
+        </a:xfrm>
+      </p:grpSpPr>
+      <p:sp>
+        <p:nvSpPr>
+          <p:cNvPr id="2" name="Titolo 1">
+            <a:extLst>
+              <a:ext uri="{FF2B5EF4-FFF2-40B4-BE49-F238E27FC236}">
+                <a16:creationId xmlns:a16="http://schemas.microsoft.com/office/drawing/2014/main" id="{766DDA4D-B19F-71A3-51F2-AC1BBD45E1E6}"/>
+              </a:ext>
+            </a:extLst>
+          </p:cNvPr>
+          <p:cNvSpPr>
+            <a:spLocks noGrp="1"/>
+          </p:cNvSpPr>
+          <p:nvPr>
+            <p:ph type="title"/>
+          </p:nvPr>
+        </p:nvSpPr>
+        <p:spPr/>
+        <p:txBody>
+          <a:bodyPr/>
+          <a:lstStyle/>
+          <a:p>
+            <a:r>
+              <a:rPr lang="it-IT" dirty="0" err="1"/>
+              <a:t>Measures</a:t>
+            </a:r>
+            <a:endParaRPr lang="it-IT" dirty="0"/>
+          </a:p>
+        </p:txBody>
+      </p:sp>
+      <p:pic>
+        <p:nvPicPr>
+          <p:cNvPr id="7" name="Immagine 6" descr="Immagine che contiene testo, diagramma, schermata, linea&#10;&#10;Il contenuto generato dall'IA potrebbe non essere corretto.">
+            <a:extLst>
+              <a:ext uri="{FF2B5EF4-FFF2-40B4-BE49-F238E27FC236}">
+                <a16:creationId xmlns:a16="http://schemas.microsoft.com/office/drawing/2014/main" id="{BBDA4D62-2D92-573F-09F1-EBAE3DB7135B}"/>
+              </a:ext>
+            </a:extLst>
+          </p:cNvPr>
+          <p:cNvPicPr>
+            <a:picLocks noChangeAspect="1"/>
+          </p:cNvPicPr>
+          <p:nvPr/>
+        </p:nvPicPr>
+        <p:blipFill>
+          <a:blip r:embed="rId2">
+            <a:extLst>
+              <a:ext uri="{28A0092B-C50C-407E-A947-70E740481C1C}">
+                <a14:useLocalDpi xmlns:a14="http://schemas.microsoft.com/office/drawing/2010/main" val="0"/>
+              </a:ext>
+            </a:extLst>
+          </a:blip>
+          <a:stretch>
+            <a:fillRect/>
+          </a:stretch>
+        </p:blipFill>
+        <p:spPr>
+          <a:xfrm>
+            <a:off x="3857624" y="2033587"/>
+            <a:ext cx="8058161" cy="4700594"/>
+          </a:xfrm>
+          <a:prstGeom prst="rect">
+            <a:avLst/>
+          </a:prstGeom>
+        </p:spPr>
+      </p:pic>
+      <p:sp>
+        <p:nvSpPr>
+          <p:cNvPr id="8" name="Segnaposto contenuto 2">
+            <a:extLst>
+              <a:ext uri="{FF2B5EF4-FFF2-40B4-BE49-F238E27FC236}">
+                <a16:creationId xmlns:a16="http://schemas.microsoft.com/office/drawing/2014/main" id="{DEFAB67C-05E3-52FD-2B6F-8C7C296EF85C}"/>
+              </a:ext>
+            </a:extLst>
+          </p:cNvPr>
+          <p:cNvSpPr>
+            <a:spLocks noGrp="1"/>
+          </p:cNvSpPr>
+          <p:nvPr>
+            <p:ph idx="1"/>
+          </p:nvPr>
+        </p:nvSpPr>
+        <p:spPr>
+          <a:xfrm>
+            <a:off x="276215" y="2386584"/>
+            <a:ext cx="3244225" cy="4197096"/>
+          </a:xfrm>
+        </p:spPr>
+        <p:txBody>
+          <a:bodyPr anchor="ctr">
+            <a:normAutofit/>
+          </a:bodyPr>
+          <a:lstStyle/>
+          <a:p>
+            <a:pPr marL="0" indent="0">
+              <a:buNone/>
+            </a:pPr>
+            <a:r>
+              <a:rPr lang="en-US" dirty="0"/>
+              <a:t>The best speedup is reached using the CUDA method with a </a:t>
+            </a:r>
+            <a:r>
+              <a:rPr lang="en-US" b="1" dirty="0"/>
+              <a:t>x549 </a:t>
+            </a:r>
+            <a:r>
+              <a:rPr lang="en-US" dirty="0"/>
+              <a:t>factor!</a:t>
+            </a:r>
+          </a:p>
+          <a:p>
+            <a:pPr marL="0" indent="0">
+              <a:buNone/>
+            </a:pPr>
+            <a:endParaRPr lang="en-US" b="1" dirty="0"/>
+          </a:p>
+          <a:p>
+            <a:pPr marL="0" indent="0">
+              <a:buNone/>
+            </a:pPr>
+            <a:r>
+              <a:rPr lang="en-US" dirty="0"/>
+              <a:t>Other methods of parallelization with OpenMP give a good speedup, but CUDA is better for each dataset</a:t>
+            </a:r>
+            <a:endParaRPr lang="en-US" b="1" dirty="0"/>
+          </a:p>
+        </p:txBody>
+      </p:sp>
+    </p:spTree>
+    <p:extLst>
+      <p:ext uri="{BB962C8B-B14F-4D97-AF65-F5344CB8AC3E}">
+        <p14:creationId xmlns:p14="http://schemas.microsoft.com/office/powerpoint/2010/main" val="3297199905"/>
+      </p:ext>
+    </p:extLst>
+  </p:cSld>
+  <p:clrMapOvr>
+    <a:masterClrMapping/>
+  </p:clrMapOvr>
+</p:sld>
+</file>
+
+<file path=ppt/slides/slide13.xml><?xml version="1.0" encoding="utf-8"?>
+<p:sld xmlns:a="http://schemas.openxmlformats.org/drawingml/2006/main" xmlns:r="http://schemas.openxmlformats.org/officeDocument/2006/relationships" xmlns:p="http://schemas.openxmlformats.org/presentationml/2006/main">
+  <p:cSld>
+    <p:spTree>
+      <p:nvGrpSpPr>
+        <p:cNvPr id="1" name="">
+          <a:extLst>
+            <a:ext uri="{FF2B5EF4-FFF2-40B4-BE49-F238E27FC236}">
+              <a16:creationId xmlns:a16="http://schemas.microsoft.com/office/drawing/2014/main" id="{E34D4E8D-FFD0-500A-946C-FBE908AE7071}"/>
+            </a:ext>
+          </a:extLst>
+        </p:cNvPr>
+        <p:cNvGrpSpPr/>
+        <p:nvPr/>
+      </p:nvGrpSpPr>
+      <p:grpSpPr>
+        <a:xfrm>
+          <a:off x="0" y="0"/>
+          <a:ext cx="0" cy="0"/>
+          <a:chOff x="0" y="0"/>
+          <a:chExt cx="0" cy="0"/>
+        </a:xfrm>
+      </p:grpSpPr>
+      <p:sp>
+        <p:nvSpPr>
+          <p:cNvPr id="2" name="Titolo 1">
+            <a:extLst>
+              <a:ext uri="{FF2B5EF4-FFF2-40B4-BE49-F238E27FC236}">
+                <a16:creationId xmlns:a16="http://schemas.microsoft.com/office/drawing/2014/main" id="{FF6D713E-C7FB-AD39-08C3-F8C9A5B1EDB9}"/>
+              </a:ext>
+            </a:extLst>
+          </p:cNvPr>
+          <p:cNvSpPr>
+            <a:spLocks noGrp="1"/>
+          </p:cNvSpPr>
+          <p:nvPr>
+            <p:ph type="title"/>
+          </p:nvPr>
+        </p:nvSpPr>
+        <p:spPr/>
+        <p:txBody>
+          <a:bodyPr/>
+          <a:lstStyle/>
+          <a:p>
+            <a:r>
+              <a:rPr lang="it-IT" dirty="0" err="1"/>
+              <a:t>OpenMP</a:t>
+            </a:r>
+            <a:r>
+              <a:rPr lang="it-IT" dirty="0"/>
+              <a:t> vs CUDA</a:t>
+            </a:r>
+          </a:p>
+        </p:txBody>
+      </p:sp>
+      <p:graphicFrame>
+        <p:nvGraphicFramePr>
+          <p:cNvPr id="6" name="Segnaposto contenuto 5">
+            <a:extLst>
+              <a:ext uri="{FF2B5EF4-FFF2-40B4-BE49-F238E27FC236}">
+                <a16:creationId xmlns:a16="http://schemas.microsoft.com/office/drawing/2014/main" id="{21F639BA-317C-2F18-0DCA-43E401AD5099}"/>
+              </a:ext>
+            </a:extLst>
+          </p:cNvPr>
+          <p:cNvGraphicFramePr>
+            <a:graphicFrameLocks noGrp="1"/>
+          </p:cNvGraphicFramePr>
+          <p:nvPr>
+            <p:ph idx="1"/>
+            <p:extLst>
+              <p:ext uri="{D42A27DB-BD31-4B8C-83A1-F6EECF244321}">
+                <p14:modId xmlns:p14="http://schemas.microsoft.com/office/powerpoint/2010/main" val="2774826778"/>
+              </p:ext>
+            </p:extLst>
+          </p:nvPr>
+        </p:nvGraphicFramePr>
+        <p:xfrm>
+          <a:off x="810000" y="3803904"/>
+          <a:ext cx="10553701" cy="2225040"/>
+        </p:xfrm>
+        <a:graphic>
+          <a:graphicData uri="http://schemas.openxmlformats.org/drawingml/2006/table">
+            <a:tbl>
+              <a:tblPr firstRow="1" bandRow="1">
+                <a:tableStyleId>{5C22544A-7EE6-4342-B048-85BDC9FD1C3A}</a:tableStyleId>
+              </a:tblPr>
+              <a:tblGrid>
+                <a:gridCol w="1695456">
+                  <a:extLst>
+                    <a:ext uri="{9D8B030D-6E8A-4147-A177-3AD203B41FA5}">
+                      <a16:colId xmlns:a16="http://schemas.microsoft.com/office/drawing/2014/main" val="3578536761"/>
+                    </a:ext>
+                  </a:extLst>
+                </a:gridCol>
+                <a:gridCol w="1645920">
+                  <a:extLst>
+                    <a:ext uri="{9D8B030D-6E8A-4147-A177-3AD203B41FA5}">
+                      <a16:colId xmlns:a16="http://schemas.microsoft.com/office/drawing/2014/main" val="2137906087"/>
+                    </a:ext>
+                  </a:extLst>
+                </a:gridCol>
+                <a:gridCol w="2231136">
+                  <a:extLst>
+                    <a:ext uri="{9D8B030D-6E8A-4147-A177-3AD203B41FA5}">
+                      <a16:colId xmlns:a16="http://schemas.microsoft.com/office/drawing/2014/main" val="3474886067"/>
+                    </a:ext>
+                  </a:extLst>
+                </a:gridCol>
+                <a:gridCol w="2395728">
+                  <a:extLst>
+                    <a:ext uri="{9D8B030D-6E8A-4147-A177-3AD203B41FA5}">
+                      <a16:colId xmlns:a16="http://schemas.microsoft.com/office/drawing/2014/main" val="1679850134"/>
+                    </a:ext>
+                  </a:extLst>
+                </a:gridCol>
+                <a:gridCol w="2585461">
+                  <a:extLst>
+                    <a:ext uri="{9D8B030D-6E8A-4147-A177-3AD203B41FA5}">
+                      <a16:colId xmlns:a16="http://schemas.microsoft.com/office/drawing/2014/main" val="787533092"/>
+                    </a:ext>
+                  </a:extLst>
+                </a:gridCol>
+              </a:tblGrid>
+              <a:tr h="370840">
+                <a:tc>
+                  <a:txBody>
+                    <a:bodyPr/>
+                    <a:lstStyle/>
+                    <a:p>
+                      <a:pPr algn="ctr"/>
+                      <a:r>
+                        <a:rPr lang="it-IT" dirty="0"/>
+                        <a:t>DATASET</a:t>
+                      </a:r>
+                    </a:p>
+                  </a:txBody>
+                  <a:tcPr/>
+                </a:tc>
+                <a:tc>
+                  <a:txBody>
+                    <a:bodyPr/>
+                    <a:lstStyle/>
+                    <a:p>
+                      <a:pPr algn="ctr"/>
+                      <a:r>
+                        <a:rPr lang="it-IT" dirty="0"/>
+                        <a:t>SEQUENTIAL</a:t>
+                      </a:r>
+                    </a:p>
+                  </a:txBody>
+                  <a:tcPr/>
+                </a:tc>
+                <a:tc>
+                  <a:txBody>
+                    <a:bodyPr/>
+                    <a:lstStyle/>
+                    <a:p>
+                      <a:pPr algn="ctr"/>
+                      <a:r>
+                        <a:rPr lang="it-IT" dirty="0"/>
+                        <a:t>PARALLEL_TASK</a:t>
+                      </a:r>
+                    </a:p>
+                  </a:txBody>
+                  <a:tcPr/>
+                </a:tc>
+                <a:tc>
+                  <a:txBody>
+                    <a:bodyPr/>
+                    <a:lstStyle/>
+                    <a:p>
+                      <a:pPr algn="ctr"/>
+                      <a:r>
+                        <a:rPr lang="it-IT" dirty="0"/>
+                        <a:t>PARALLEL_TARGET</a:t>
+                      </a:r>
+                    </a:p>
+                  </a:txBody>
+                  <a:tcPr/>
+                </a:tc>
+                <a:tc>
+                  <a:txBody>
+                    <a:bodyPr/>
+                    <a:lstStyle/>
+                    <a:p>
+                      <a:pPr algn="ctr"/>
+                      <a:r>
+                        <a:rPr lang="it-IT" dirty="0"/>
+                        <a:t>CUDA</a:t>
+                      </a:r>
+                    </a:p>
+                  </a:txBody>
+                  <a:tcPr/>
+                </a:tc>
+                <a:extLst>
+                  <a:ext uri="{0D108BD9-81ED-4DB2-BD59-A6C34878D82A}">
+                    <a16:rowId xmlns:a16="http://schemas.microsoft.com/office/drawing/2014/main" val="2912136785"/>
+                  </a:ext>
+                </a:extLst>
+              </a:tr>
+              <a:tr h="370840">
+                <a:tc>
+                  <a:txBody>
+                    <a:bodyPr/>
+                    <a:lstStyle/>
+                    <a:p>
+                      <a:pPr algn="ctr"/>
+                      <a:r>
+                        <a:rPr lang="it-IT" dirty="0"/>
+                        <a:t>MINI</a:t>
+                      </a:r>
+                    </a:p>
+                  </a:txBody>
+                  <a:tcPr/>
+                </a:tc>
+                <a:tc>
+                  <a:txBody>
+                    <a:bodyPr/>
+                    <a:lstStyle/>
+                    <a:p>
+                      <a:pPr marL="0" marR="0" lvl="0" indent="0" algn="ctr" defTabSz="457200" rtl="0" eaLnBrk="1" fontAlgn="auto" latinLnBrk="0" hangingPunct="1">
+                        <a:lnSpc>
+                          <a:spcPct val="100000"/>
+                        </a:lnSpc>
+                        <a:spcBef>
+                          <a:spcPts val="0"/>
+                        </a:spcBef>
+                        <a:spcAft>
+                          <a:spcPts val="0"/>
+                        </a:spcAft>
+                        <a:buClrTx/>
+                        <a:buSzTx/>
+                        <a:buFontTx/>
+                        <a:buNone/>
+                        <a:tabLst/>
+                        <a:defRPr/>
+                      </a:pPr>
+                      <a:r>
+                        <a:rPr lang="it-IT" sz="1800" b="0" kern="1200" dirty="0">
+                          <a:solidFill>
+                            <a:schemeClr val="dk1"/>
+                          </a:solidFill>
+                          <a:effectLst/>
+                          <a:latin typeface="+mn-lt"/>
+                          <a:ea typeface="+mn-ea"/>
+                          <a:cs typeface="+mn-cs"/>
+                        </a:rPr>
+                        <a:t>0.00024</a:t>
+                      </a:r>
+                    </a:p>
+                  </a:txBody>
+                  <a:tcPr/>
+                </a:tc>
+                <a:tc>
+                  <a:txBody>
+                    <a:bodyPr/>
+                    <a:lstStyle/>
+                    <a:p>
+                      <a:pPr marL="0" marR="0" lvl="0" indent="0" algn="ctr" defTabSz="457200" rtl="0" eaLnBrk="1" fontAlgn="auto" latinLnBrk="0" hangingPunct="1">
+                        <a:lnSpc>
+                          <a:spcPct val="100000"/>
+                        </a:lnSpc>
+                        <a:spcBef>
+                          <a:spcPts val="0"/>
+                        </a:spcBef>
+                        <a:spcAft>
+                          <a:spcPts val="0"/>
+                        </a:spcAft>
+                        <a:buClrTx/>
+                        <a:buSzTx/>
+                        <a:buFontTx/>
+                        <a:buNone/>
+                        <a:tabLst/>
+                        <a:defRPr/>
+                      </a:pPr>
+                      <a:r>
+                        <a:rPr lang="it-IT" sz="1800" b="0" kern="1200" dirty="0">
+                          <a:solidFill>
+                            <a:schemeClr val="dk1"/>
+                          </a:solidFill>
+                          <a:effectLst/>
+                          <a:latin typeface="+mn-lt"/>
+                          <a:ea typeface="+mn-ea"/>
+                          <a:cs typeface="+mn-cs"/>
+                        </a:rPr>
+                        <a:t>0.04 </a:t>
+                      </a:r>
+                      <a:r>
+                        <a:rPr lang="it-IT" sz="1800" b="1" kern="1200" dirty="0">
+                          <a:solidFill>
+                            <a:srgbClr val="FF0000"/>
+                          </a:solidFill>
+                          <a:effectLst/>
+                          <a:latin typeface="+mn-lt"/>
+                          <a:ea typeface="+mn-ea"/>
+                          <a:cs typeface="+mn-cs"/>
+                        </a:rPr>
+                        <a:t>[x0.006]</a:t>
+                      </a:r>
+                    </a:p>
+                  </a:txBody>
+                  <a:tcPr/>
+                </a:tc>
+                <a:tc>
+                  <a:txBody>
+                    <a:bodyPr/>
+                    <a:lstStyle/>
+                    <a:p>
+                      <a:pPr marL="0" marR="0" lvl="0" indent="0" algn="ctr" defTabSz="457200" rtl="0" eaLnBrk="1" fontAlgn="auto" latinLnBrk="0" hangingPunct="1">
+                        <a:lnSpc>
+                          <a:spcPct val="100000"/>
+                        </a:lnSpc>
+                        <a:spcBef>
+                          <a:spcPts val="0"/>
+                        </a:spcBef>
+                        <a:spcAft>
+                          <a:spcPts val="0"/>
+                        </a:spcAft>
+                        <a:buClrTx/>
+                        <a:buSzTx/>
+                        <a:buFontTx/>
+                        <a:buNone/>
+                        <a:tabLst/>
+                        <a:defRPr/>
+                      </a:pPr>
+                      <a:r>
+                        <a:rPr lang="it-IT" sz="1800" b="0" kern="1200" dirty="0">
+                          <a:solidFill>
+                            <a:schemeClr val="dk1"/>
+                          </a:solidFill>
+                          <a:effectLst/>
+                          <a:latin typeface="+mn-lt"/>
+                          <a:ea typeface="+mn-ea"/>
+                          <a:cs typeface="+mn-cs"/>
+                        </a:rPr>
+                        <a:t>1.284 </a:t>
+                      </a:r>
+                      <a:r>
+                        <a:rPr lang="it-IT" sz="1800" b="1" kern="1200" dirty="0">
+                          <a:solidFill>
+                            <a:srgbClr val="FF0000"/>
+                          </a:solidFill>
+                          <a:effectLst/>
+                          <a:latin typeface="+mn-lt"/>
+                          <a:ea typeface="+mn-ea"/>
+                          <a:cs typeface="+mn-cs"/>
+                        </a:rPr>
+                        <a:t>[x0.0001]</a:t>
+                      </a:r>
+                      <a:endParaRPr lang="it-IT" sz="1800" b="0" kern="1200" dirty="0">
+                        <a:solidFill>
+                          <a:srgbClr val="FF0000"/>
+                        </a:solidFill>
+                        <a:effectLst/>
+                        <a:latin typeface="+mn-lt"/>
+                        <a:ea typeface="+mn-ea"/>
+                        <a:cs typeface="+mn-cs"/>
+                      </a:endParaRPr>
+                    </a:p>
+                  </a:txBody>
+                  <a:tcPr/>
+                </a:tc>
+                <a:tc>
+                  <a:txBody>
+                    <a:bodyPr/>
+                    <a:lstStyle/>
+                    <a:p>
+                      <a:pPr marL="0" marR="0" lvl="0" indent="0" algn="ctr" defTabSz="457200" rtl="0" eaLnBrk="1" fontAlgn="auto" latinLnBrk="0" hangingPunct="1">
+                        <a:lnSpc>
+                          <a:spcPct val="100000"/>
+                        </a:lnSpc>
+                        <a:spcBef>
+                          <a:spcPts val="0"/>
+                        </a:spcBef>
+                        <a:spcAft>
+                          <a:spcPts val="0"/>
+                        </a:spcAft>
+                        <a:buClrTx/>
+                        <a:buSzTx/>
+                        <a:buFontTx/>
+                        <a:buNone/>
+                        <a:tabLst/>
+                        <a:defRPr/>
+                      </a:pPr>
+                      <a:r>
+                        <a:rPr lang="it-IT" sz="1800" b="0" kern="1200" dirty="0">
+                          <a:solidFill>
+                            <a:schemeClr val="dk1"/>
+                          </a:solidFill>
+                          <a:effectLst/>
+                          <a:latin typeface="+mn-lt"/>
+                          <a:ea typeface="+mn-ea"/>
+                          <a:cs typeface="+mn-cs"/>
+                        </a:rPr>
+                        <a:t>0.000316 </a:t>
+                      </a:r>
+                      <a:r>
+                        <a:rPr lang="it-IT" sz="1800" b="1" kern="1200" dirty="0">
+                          <a:solidFill>
+                            <a:srgbClr val="FF0000"/>
+                          </a:solidFill>
+                          <a:effectLst/>
+                          <a:latin typeface="+mn-lt"/>
+                          <a:ea typeface="+mn-ea"/>
+                          <a:cs typeface="+mn-cs"/>
+                        </a:rPr>
+                        <a:t>[x0.76]</a:t>
+                      </a:r>
+                      <a:endParaRPr lang="it-IT" sz="1800" b="0" kern="1200" dirty="0">
+                        <a:solidFill>
+                          <a:srgbClr val="FF0000"/>
+                        </a:solidFill>
+                        <a:effectLst/>
+                        <a:latin typeface="+mn-lt"/>
+                        <a:ea typeface="+mn-ea"/>
+                        <a:cs typeface="+mn-cs"/>
+                      </a:endParaRPr>
+                    </a:p>
+                  </a:txBody>
+                  <a:tcPr/>
+                </a:tc>
+                <a:extLst>
+                  <a:ext uri="{0D108BD9-81ED-4DB2-BD59-A6C34878D82A}">
+                    <a16:rowId xmlns:a16="http://schemas.microsoft.com/office/drawing/2014/main" val="3183653864"/>
+                  </a:ext>
+                </a:extLst>
+              </a:tr>
+              <a:tr h="370840">
+                <a:tc>
+                  <a:txBody>
+                    <a:bodyPr/>
+                    <a:lstStyle/>
+                    <a:p>
+                      <a:pPr algn="ctr"/>
+                      <a:r>
+                        <a:rPr lang="it-IT" dirty="0"/>
+                        <a:t>SMALL</a:t>
+                      </a:r>
+                    </a:p>
+                  </a:txBody>
+                  <a:tcPr/>
+                </a:tc>
+                <a:tc>
+                  <a:txBody>
+                    <a:bodyPr/>
+                    <a:lstStyle/>
+                    <a:p>
+                      <a:pPr marL="0" marR="0" lvl="0" indent="0" algn="ctr" defTabSz="457200" rtl="0" eaLnBrk="1" fontAlgn="auto" latinLnBrk="0" hangingPunct="1">
+                        <a:lnSpc>
+                          <a:spcPct val="100000"/>
+                        </a:lnSpc>
+                        <a:spcBef>
+                          <a:spcPts val="0"/>
+                        </a:spcBef>
+                        <a:spcAft>
+                          <a:spcPts val="0"/>
+                        </a:spcAft>
+                        <a:buClrTx/>
+                        <a:buSzTx/>
+                        <a:buFontTx/>
+                        <a:buNone/>
+                        <a:tabLst/>
+                        <a:defRPr/>
+                      </a:pPr>
+                      <a:r>
+                        <a:rPr lang="it-IT" sz="1800" b="0" kern="1200" dirty="0">
+                          <a:solidFill>
+                            <a:schemeClr val="dk1"/>
+                          </a:solidFill>
+                          <a:effectLst/>
+                          <a:latin typeface="+mn-lt"/>
+                          <a:ea typeface="+mn-ea"/>
+                          <a:cs typeface="+mn-cs"/>
+                        </a:rPr>
+                        <a:t>0.36</a:t>
+                      </a:r>
+                    </a:p>
+                  </a:txBody>
+                  <a:tcPr/>
+                </a:tc>
+                <a:tc>
+                  <a:txBody>
+                    <a:bodyPr/>
+                    <a:lstStyle/>
+                    <a:p>
+                      <a:pPr marL="0" marR="0" lvl="0" indent="0" algn="ctr" defTabSz="457200" rtl="0" eaLnBrk="1" fontAlgn="auto" latinLnBrk="0" hangingPunct="1">
+                        <a:lnSpc>
+                          <a:spcPct val="100000"/>
+                        </a:lnSpc>
+                        <a:spcBef>
+                          <a:spcPts val="0"/>
+                        </a:spcBef>
+                        <a:spcAft>
+                          <a:spcPts val="0"/>
+                        </a:spcAft>
+                        <a:buClrTx/>
+                        <a:buSzTx/>
+                        <a:buFontTx/>
+                        <a:buNone/>
+                        <a:tabLst/>
+                        <a:defRPr/>
+                      </a:pPr>
+                      <a:r>
+                        <a:rPr lang="it-IT" sz="1800" b="0" kern="1200" dirty="0">
+                          <a:solidFill>
+                            <a:schemeClr val="dk1"/>
+                          </a:solidFill>
+                          <a:effectLst/>
+                          <a:latin typeface="+mn-lt"/>
+                          <a:ea typeface="+mn-ea"/>
+                          <a:cs typeface="+mn-cs"/>
+                        </a:rPr>
+                        <a:t>0.476 </a:t>
+                      </a:r>
+                      <a:r>
+                        <a:rPr lang="it-IT" sz="1800" b="1" kern="1200" dirty="0">
+                          <a:solidFill>
+                            <a:srgbClr val="FF0000"/>
+                          </a:solidFill>
+                          <a:effectLst/>
+                          <a:latin typeface="+mn-lt"/>
+                          <a:ea typeface="+mn-ea"/>
+                          <a:cs typeface="+mn-cs"/>
+                        </a:rPr>
+                        <a:t>[x0.75]</a:t>
+                      </a:r>
+                    </a:p>
+                  </a:txBody>
+                  <a:tcPr/>
+                </a:tc>
+                <a:tc>
+                  <a:txBody>
+                    <a:bodyPr/>
+                    <a:lstStyle/>
+                    <a:p>
+                      <a:pPr marL="0" marR="0" lvl="0" indent="0" algn="ctr" defTabSz="457200" rtl="0" eaLnBrk="1" fontAlgn="auto" latinLnBrk="0" hangingPunct="1">
+                        <a:lnSpc>
+                          <a:spcPct val="100000"/>
+                        </a:lnSpc>
+                        <a:spcBef>
+                          <a:spcPts val="0"/>
+                        </a:spcBef>
+                        <a:spcAft>
+                          <a:spcPts val="0"/>
+                        </a:spcAft>
+                        <a:buClrTx/>
+                        <a:buSzTx/>
+                        <a:buFontTx/>
+                        <a:buNone/>
+                        <a:tabLst/>
+                        <a:defRPr/>
+                      </a:pPr>
+                      <a:r>
+                        <a:rPr lang="it-IT" sz="1800" b="0" kern="1200" dirty="0">
+                          <a:solidFill>
+                            <a:schemeClr val="dk1"/>
+                          </a:solidFill>
+                          <a:effectLst/>
+                          <a:latin typeface="+mn-lt"/>
+                          <a:ea typeface="+mn-ea"/>
+                          <a:cs typeface="+mn-cs"/>
+                        </a:rPr>
+                        <a:t>1.299 </a:t>
+                      </a:r>
+                      <a:r>
+                        <a:rPr lang="it-IT" sz="1800" b="1" kern="1200" dirty="0">
+                          <a:solidFill>
+                            <a:srgbClr val="FF0000"/>
+                          </a:solidFill>
+                          <a:effectLst/>
+                          <a:latin typeface="+mn-lt"/>
+                          <a:ea typeface="+mn-ea"/>
+                          <a:cs typeface="+mn-cs"/>
+                        </a:rPr>
+                        <a:t>[x0.28]</a:t>
+                      </a:r>
+                      <a:endParaRPr lang="it-IT" sz="1800" b="0" kern="1200" dirty="0">
+                        <a:solidFill>
+                          <a:srgbClr val="FF0000"/>
+                        </a:solidFill>
+                        <a:effectLst/>
+                        <a:latin typeface="+mn-lt"/>
+                        <a:ea typeface="+mn-ea"/>
+                        <a:cs typeface="+mn-cs"/>
+                      </a:endParaRPr>
+                    </a:p>
+                  </a:txBody>
+                  <a:tcPr/>
+                </a:tc>
+                <a:tc>
+                  <a:txBody>
+                    <a:bodyPr/>
+                    <a:lstStyle/>
+                    <a:p>
+                      <a:pPr marL="0" marR="0" lvl="0" indent="0" algn="ctr" defTabSz="457200" rtl="0" eaLnBrk="1" fontAlgn="auto" latinLnBrk="0" hangingPunct="1">
+                        <a:lnSpc>
+                          <a:spcPct val="100000"/>
+                        </a:lnSpc>
+                        <a:spcBef>
+                          <a:spcPts val="0"/>
+                        </a:spcBef>
+                        <a:spcAft>
+                          <a:spcPts val="0"/>
+                        </a:spcAft>
+                        <a:buClrTx/>
+                        <a:buSzTx/>
+                        <a:buFontTx/>
+                        <a:buNone/>
+                        <a:tabLst/>
+                        <a:defRPr/>
+                      </a:pPr>
+                      <a:r>
+                        <a:rPr lang="it-IT" sz="1800" b="0" kern="1200" dirty="0">
+                          <a:solidFill>
+                            <a:schemeClr val="dk1"/>
+                          </a:solidFill>
+                          <a:effectLst/>
+                          <a:latin typeface="+mn-lt"/>
+                          <a:ea typeface="+mn-ea"/>
+                          <a:cs typeface="+mn-cs"/>
+                        </a:rPr>
+                        <a:t>0.002146 </a:t>
+                      </a:r>
+                      <a:r>
+                        <a:rPr lang="it-IT" sz="1800" b="1" kern="1200" dirty="0">
+                          <a:solidFill>
+                            <a:srgbClr val="00B050"/>
+                          </a:solidFill>
+                          <a:effectLst/>
+                          <a:latin typeface="+mn-lt"/>
+                          <a:ea typeface="+mn-ea"/>
+                          <a:cs typeface="+mn-cs"/>
+                        </a:rPr>
+                        <a:t>[x167]</a:t>
+                      </a:r>
+                      <a:endParaRPr lang="it-IT" sz="1800" b="0" kern="1200" dirty="0">
+                        <a:solidFill>
+                          <a:srgbClr val="00B050"/>
+                        </a:solidFill>
+                        <a:effectLst/>
+                        <a:latin typeface="+mn-lt"/>
+                        <a:ea typeface="+mn-ea"/>
+                        <a:cs typeface="+mn-cs"/>
+                      </a:endParaRPr>
+                    </a:p>
+                  </a:txBody>
+                  <a:tcPr/>
+                </a:tc>
+                <a:extLst>
+                  <a:ext uri="{0D108BD9-81ED-4DB2-BD59-A6C34878D82A}">
+                    <a16:rowId xmlns:a16="http://schemas.microsoft.com/office/drawing/2014/main" val="994080264"/>
+                  </a:ext>
+                </a:extLst>
+              </a:tr>
+              <a:tr h="370840">
+                <a:tc>
+                  <a:txBody>
+                    <a:bodyPr/>
+                    <a:lstStyle/>
+                    <a:p>
+                      <a:pPr algn="ctr"/>
+                      <a:r>
+                        <a:rPr lang="it-IT" dirty="0"/>
+                        <a:t>STANDARD</a:t>
+                      </a:r>
+                    </a:p>
+                  </a:txBody>
+                  <a:tcPr/>
+                </a:tc>
+                <a:tc>
+                  <a:txBody>
+                    <a:bodyPr/>
+                    <a:lstStyle/>
+                    <a:p>
+                      <a:pPr marL="0" marR="0" lvl="0" indent="0" algn="ctr" defTabSz="457200" rtl="0" eaLnBrk="1" fontAlgn="auto" latinLnBrk="0" hangingPunct="1">
+                        <a:lnSpc>
+                          <a:spcPct val="100000"/>
+                        </a:lnSpc>
+                        <a:spcBef>
+                          <a:spcPts val="0"/>
+                        </a:spcBef>
+                        <a:spcAft>
+                          <a:spcPts val="0"/>
+                        </a:spcAft>
+                        <a:buClrTx/>
+                        <a:buSzTx/>
+                        <a:buFontTx/>
+                        <a:buNone/>
+                        <a:tabLst/>
+                        <a:defRPr/>
+                      </a:pPr>
+                      <a:r>
+                        <a:rPr lang="it-IT" sz="1800" b="0" kern="1200" dirty="0">
+                          <a:solidFill>
+                            <a:schemeClr val="dk1"/>
+                          </a:solidFill>
+                          <a:effectLst/>
+                          <a:latin typeface="+mn-lt"/>
+                          <a:ea typeface="+mn-ea"/>
+                          <a:cs typeface="+mn-cs"/>
+                        </a:rPr>
+                        <a:t>3.01</a:t>
+                      </a:r>
+                    </a:p>
+                  </a:txBody>
+                  <a:tcPr/>
+                </a:tc>
+                <a:tc>
+                  <a:txBody>
+                    <a:bodyPr/>
+                    <a:lstStyle/>
+                    <a:p>
+                      <a:pPr marL="0" marR="0" lvl="0" indent="0" algn="ctr" defTabSz="457200" rtl="0" eaLnBrk="1" fontAlgn="auto" latinLnBrk="0" hangingPunct="1">
+                        <a:lnSpc>
+                          <a:spcPct val="100000"/>
+                        </a:lnSpc>
+                        <a:spcBef>
+                          <a:spcPts val="0"/>
+                        </a:spcBef>
+                        <a:spcAft>
+                          <a:spcPts val="0"/>
+                        </a:spcAft>
+                        <a:buClrTx/>
+                        <a:buSzTx/>
+                        <a:buFontTx/>
+                        <a:buNone/>
+                        <a:tabLst/>
+                        <a:defRPr/>
+                      </a:pPr>
+                      <a:r>
+                        <a:rPr lang="it-IT" sz="1800" b="0" kern="1200" dirty="0">
+                          <a:solidFill>
+                            <a:schemeClr val="dk1"/>
+                          </a:solidFill>
+                          <a:effectLst/>
+                          <a:latin typeface="+mn-lt"/>
+                          <a:ea typeface="+mn-ea"/>
+                          <a:cs typeface="+mn-cs"/>
+                        </a:rPr>
+                        <a:t>0.714 </a:t>
+                      </a:r>
+                      <a:r>
+                        <a:rPr lang="it-IT" sz="1800" b="1" kern="1200" dirty="0">
+                          <a:solidFill>
+                            <a:srgbClr val="00B050"/>
+                          </a:solidFill>
+                          <a:effectLst/>
+                          <a:latin typeface="+mn-lt"/>
+                          <a:ea typeface="+mn-ea"/>
+                          <a:cs typeface="+mn-cs"/>
+                        </a:rPr>
+                        <a:t>[x4.2]</a:t>
+                      </a:r>
+                    </a:p>
+                  </a:txBody>
+                  <a:tcPr/>
+                </a:tc>
+                <a:tc>
+                  <a:txBody>
+                    <a:bodyPr/>
+                    <a:lstStyle/>
+                    <a:p>
+                      <a:pPr marL="0" marR="0" lvl="0" indent="0" algn="ctr" defTabSz="457200" rtl="0" eaLnBrk="1" fontAlgn="auto" latinLnBrk="0" hangingPunct="1">
+                        <a:lnSpc>
+                          <a:spcPct val="100000"/>
+                        </a:lnSpc>
+                        <a:spcBef>
+                          <a:spcPts val="0"/>
+                        </a:spcBef>
+                        <a:spcAft>
+                          <a:spcPts val="0"/>
+                        </a:spcAft>
+                        <a:buClrTx/>
+                        <a:buSzTx/>
+                        <a:buFontTx/>
+                        <a:buNone/>
+                        <a:tabLst/>
+                        <a:defRPr/>
+                      </a:pPr>
+                      <a:r>
+                        <a:rPr lang="it-IT" sz="1800" b="0" kern="1200" dirty="0">
+                          <a:solidFill>
+                            <a:schemeClr val="dk1"/>
+                          </a:solidFill>
+                          <a:effectLst/>
+                          <a:latin typeface="+mn-lt"/>
+                          <a:ea typeface="+mn-ea"/>
+                          <a:cs typeface="+mn-cs"/>
+                        </a:rPr>
+                        <a:t>1.426 </a:t>
+                      </a:r>
+                      <a:r>
+                        <a:rPr lang="it-IT" sz="1800" b="1" kern="1200" dirty="0">
+                          <a:solidFill>
+                            <a:srgbClr val="00B050"/>
+                          </a:solidFill>
+                          <a:effectLst/>
+                          <a:latin typeface="+mn-lt"/>
+                          <a:ea typeface="+mn-ea"/>
+                          <a:cs typeface="+mn-cs"/>
+                        </a:rPr>
+                        <a:t>[x2.1]</a:t>
+                      </a:r>
+                      <a:endParaRPr lang="it-IT" sz="1800" b="0" kern="1200" dirty="0">
+                        <a:solidFill>
+                          <a:srgbClr val="00B050"/>
+                        </a:solidFill>
+                        <a:effectLst/>
+                        <a:latin typeface="+mn-lt"/>
+                        <a:ea typeface="+mn-ea"/>
+                        <a:cs typeface="+mn-cs"/>
+                      </a:endParaRPr>
+                    </a:p>
+                  </a:txBody>
+                  <a:tcPr/>
+                </a:tc>
+                <a:tc>
+                  <a:txBody>
+                    <a:bodyPr/>
+                    <a:lstStyle/>
+                    <a:p>
+                      <a:pPr marL="0" marR="0" lvl="0" indent="0" algn="ctr" defTabSz="457200" rtl="0" eaLnBrk="1" fontAlgn="auto" latinLnBrk="0" hangingPunct="1">
+                        <a:lnSpc>
+                          <a:spcPct val="100000"/>
+                        </a:lnSpc>
+                        <a:spcBef>
+                          <a:spcPts val="0"/>
+                        </a:spcBef>
+                        <a:spcAft>
+                          <a:spcPts val="0"/>
+                        </a:spcAft>
+                        <a:buClrTx/>
+                        <a:buSzTx/>
+                        <a:buFontTx/>
+                        <a:buNone/>
+                        <a:tabLst/>
+                        <a:defRPr/>
+                      </a:pPr>
+                      <a:r>
+                        <a:rPr lang="it-IT" sz="1800" b="0" kern="1200" dirty="0">
+                          <a:solidFill>
+                            <a:schemeClr val="dk1"/>
+                          </a:solidFill>
+                          <a:effectLst/>
+                          <a:latin typeface="+mn-lt"/>
+                          <a:ea typeface="+mn-ea"/>
+                          <a:cs typeface="+mn-cs"/>
+                        </a:rPr>
+                        <a:t>0.00932 </a:t>
+                      </a:r>
+                      <a:r>
+                        <a:rPr lang="it-IT" sz="1800" b="1" kern="1200" dirty="0">
+                          <a:solidFill>
+                            <a:srgbClr val="00B050"/>
+                          </a:solidFill>
+                          <a:effectLst/>
+                          <a:latin typeface="+mn-lt"/>
+                          <a:ea typeface="+mn-ea"/>
+                          <a:cs typeface="+mn-cs"/>
+                        </a:rPr>
+                        <a:t>[x323]</a:t>
+                      </a:r>
+                      <a:endParaRPr lang="it-IT" sz="1800" b="0" kern="1200" dirty="0">
+                        <a:solidFill>
+                          <a:srgbClr val="00B050"/>
+                        </a:solidFill>
+                        <a:effectLst/>
+                        <a:latin typeface="+mn-lt"/>
+                        <a:ea typeface="+mn-ea"/>
+                        <a:cs typeface="+mn-cs"/>
+                      </a:endParaRPr>
+                    </a:p>
+                  </a:txBody>
+                  <a:tcPr/>
+                </a:tc>
+                <a:extLst>
+                  <a:ext uri="{0D108BD9-81ED-4DB2-BD59-A6C34878D82A}">
+                    <a16:rowId xmlns:a16="http://schemas.microsoft.com/office/drawing/2014/main" val="3772638076"/>
+                  </a:ext>
+                </a:extLst>
+              </a:tr>
+              <a:tr h="370840">
+                <a:tc>
+                  <a:txBody>
+                    <a:bodyPr/>
+                    <a:lstStyle/>
+                    <a:p>
+                      <a:pPr algn="ctr"/>
+                      <a:r>
+                        <a:rPr lang="it-IT" dirty="0"/>
+                        <a:t>LARGE</a:t>
+                      </a:r>
+                    </a:p>
+                  </a:txBody>
+                  <a:tcPr/>
+                </a:tc>
+                <a:tc>
+                  <a:txBody>
+                    <a:bodyPr/>
+                    <a:lstStyle/>
+                    <a:p>
+                      <a:pPr marL="0" marR="0" lvl="0" indent="0" algn="ctr" defTabSz="457200" rtl="0" eaLnBrk="1" fontAlgn="auto" latinLnBrk="0" hangingPunct="1">
+                        <a:lnSpc>
+                          <a:spcPct val="100000"/>
+                        </a:lnSpc>
+                        <a:spcBef>
+                          <a:spcPts val="0"/>
+                        </a:spcBef>
+                        <a:spcAft>
+                          <a:spcPts val="0"/>
+                        </a:spcAft>
+                        <a:buClrTx/>
+                        <a:buSzTx/>
+                        <a:buFontTx/>
+                        <a:buNone/>
+                        <a:tabLst/>
+                        <a:defRPr/>
+                      </a:pPr>
+                      <a:r>
+                        <a:rPr lang="it-IT" sz="1800" b="0" kern="1200" dirty="0">
+                          <a:solidFill>
+                            <a:schemeClr val="dk1"/>
+                          </a:solidFill>
+                          <a:effectLst/>
+                          <a:latin typeface="+mn-lt"/>
+                          <a:ea typeface="+mn-ea"/>
+                          <a:cs typeface="+mn-cs"/>
+                        </a:rPr>
+                        <a:t>37.07</a:t>
+                      </a:r>
+                    </a:p>
+                  </a:txBody>
+                  <a:tcPr/>
+                </a:tc>
+                <a:tc>
+                  <a:txBody>
+                    <a:bodyPr/>
+                    <a:lstStyle/>
+                    <a:p>
+                      <a:pPr marL="0" marR="0" lvl="0" indent="0" algn="ctr" defTabSz="457200" rtl="0" eaLnBrk="1" fontAlgn="auto" latinLnBrk="0" hangingPunct="1">
+                        <a:lnSpc>
+                          <a:spcPct val="100000"/>
+                        </a:lnSpc>
+                        <a:spcBef>
+                          <a:spcPts val="0"/>
+                        </a:spcBef>
+                        <a:spcAft>
+                          <a:spcPts val="0"/>
+                        </a:spcAft>
+                        <a:buClrTx/>
+                        <a:buSzTx/>
+                        <a:buFontTx/>
+                        <a:buNone/>
+                        <a:tabLst/>
+                        <a:defRPr/>
+                      </a:pPr>
+                      <a:r>
+                        <a:rPr lang="it-IT" sz="1800" b="0" kern="1200" dirty="0">
+                          <a:solidFill>
+                            <a:schemeClr val="dk1"/>
+                          </a:solidFill>
+                          <a:effectLst/>
+                          <a:latin typeface="+mn-lt"/>
+                          <a:ea typeface="+mn-ea"/>
+                          <a:cs typeface="+mn-cs"/>
+                        </a:rPr>
+                        <a:t>7.3996 </a:t>
+                      </a:r>
+                      <a:r>
+                        <a:rPr lang="it-IT" sz="1800" b="1" kern="1200" dirty="0">
+                          <a:solidFill>
+                            <a:srgbClr val="00B050"/>
+                          </a:solidFill>
+                          <a:effectLst/>
+                          <a:latin typeface="+mn-lt"/>
+                          <a:ea typeface="+mn-ea"/>
+                          <a:cs typeface="+mn-cs"/>
+                        </a:rPr>
+                        <a:t>[x5]</a:t>
+                      </a:r>
+                    </a:p>
+                  </a:txBody>
+                  <a:tcPr/>
+                </a:tc>
+                <a:tc>
+                  <a:txBody>
+                    <a:bodyPr/>
+                    <a:lstStyle/>
+                    <a:p>
+                      <a:pPr marL="0" marR="0" lvl="0" indent="0" algn="ctr" defTabSz="457200" rtl="0" eaLnBrk="1" fontAlgn="auto" latinLnBrk="0" hangingPunct="1">
+                        <a:lnSpc>
+                          <a:spcPct val="100000"/>
+                        </a:lnSpc>
+                        <a:spcBef>
+                          <a:spcPts val="0"/>
+                        </a:spcBef>
+                        <a:spcAft>
+                          <a:spcPts val="0"/>
+                        </a:spcAft>
+                        <a:buClrTx/>
+                        <a:buSzTx/>
+                        <a:buFontTx/>
+                        <a:buNone/>
+                        <a:tabLst/>
+                        <a:defRPr/>
+                      </a:pPr>
+                      <a:r>
+                        <a:rPr lang="it-IT" sz="1800" b="0" kern="1200" dirty="0">
+                          <a:solidFill>
+                            <a:schemeClr val="dk1"/>
+                          </a:solidFill>
+                          <a:effectLst/>
+                          <a:latin typeface="+mn-lt"/>
+                          <a:ea typeface="+mn-ea"/>
+                          <a:cs typeface="+mn-cs"/>
+                        </a:rPr>
+                        <a:t>1.358 </a:t>
+                      </a:r>
+                      <a:r>
+                        <a:rPr lang="it-IT" sz="1800" b="1" kern="1200" dirty="0">
+                          <a:solidFill>
+                            <a:srgbClr val="00B050"/>
+                          </a:solidFill>
+                          <a:effectLst/>
+                          <a:latin typeface="+mn-lt"/>
+                          <a:ea typeface="+mn-ea"/>
+                          <a:cs typeface="+mn-cs"/>
+                        </a:rPr>
+                        <a:t>[x27.3]</a:t>
+                      </a:r>
+                      <a:endParaRPr lang="it-IT" sz="1800" b="0" kern="1200" dirty="0">
+                        <a:solidFill>
+                          <a:srgbClr val="00B050"/>
+                        </a:solidFill>
+                        <a:effectLst/>
+                        <a:latin typeface="+mn-lt"/>
+                        <a:ea typeface="+mn-ea"/>
+                        <a:cs typeface="+mn-cs"/>
+                      </a:endParaRPr>
+                    </a:p>
+                  </a:txBody>
+                  <a:tcPr/>
+                </a:tc>
+                <a:tc>
+                  <a:txBody>
+                    <a:bodyPr/>
+                    <a:lstStyle/>
+                    <a:p>
+                      <a:pPr marL="0" marR="0" lvl="0" indent="0" algn="ctr" defTabSz="457200" rtl="0" eaLnBrk="1" fontAlgn="auto" latinLnBrk="0" hangingPunct="1">
+                        <a:lnSpc>
+                          <a:spcPct val="100000"/>
+                        </a:lnSpc>
+                        <a:spcBef>
+                          <a:spcPts val="0"/>
+                        </a:spcBef>
+                        <a:spcAft>
+                          <a:spcPts val="0"/>
+                        </a:spcAft>
+                        <a:buClrTx/>
+                        <a:buSzTx/>
+                        <a:buFontTx/>
+                        <a:buNone/>
+                        <a:tabLst/>
+                        <a:defRPr/>
+                      </a:pPr>
+                      <a:r>
+                        <a:rPr lang="it-IT" sz="1800" b="0" kern="1200" dirty="0">
+                          <a:solidFill>
+                            <a:schemeClr val="dk1"/>
+                          </a:solidFill>
+                          <a:effectLst/>
+                          <a:latin typeface="+mn-lt"/>
+                          <a:ea typeface="+mn-ea"/>
+                          <a:cs typeface="+mn-cs"/>
+                        </a:rPr>
+                        <a:t>0.05428 </a:t>
+                      </a:r>
+                      <a:r>
+                        <a:rPr lang="it-IT" sz="1800" b="1" kern="1200" dirty="0">
+                          <a:solidFill>
+                            <a:srgbClr val="00B050"/>
+                          </a:solidFill>
+                          <a:effectLst/>
+                          <a:latin typeface="+mn-lt"/>
+                          <a:ea typeface="+mn-ea"/>
+                          <a:cs typeface="+mn-cs"/>
+                        </a:rPr>
+                        <a:t>[x683]</a:t>
+                      </a:r>
+                      <a:endParaRPr lang="it-IT" sz="1800" b="0" kern="1200" dirty="0">
+                        <a:solidFill>
+                          <a:srgbClr val="00B050"/>
+                        </a:solidFill>
+                        <a:effectLst/>
+                        <a:latin typeface="+mn-lt"/>
+                        <a:ea typeface="+mn-ea"/>
+                        <a:cs typeface="+mn-cs"/>
+                      </a:endParaRPr>
+                    </a:p>
+                  </a:txBody>
+                  <a:tcPr/>
+                </a:tc>
+                <a:extLst>
+                  <a:ext uri="{0D108BD9-81ED-4DB2-BD59-A6C34878D82A}">
+                    <a16:rowId xmlns:a16="http://schemas.microsoft.com/office/drawing/2014/main" val="819807490"/>
+                  </a:ext>
+                </a:extLst>
+              </a:tr>
+              <a:tr h="370840">
+                <a:tc>
+                  <a:txBody>
+                    <a:bodyPr/>
+                    <a:lstStyle/>
+                    <a:p>
+                      <a:pPr algn="ctr"/>
+                      <a:r>
+                        <a:rPr lang="it-IT" dirty="0"/>
+                        <a:t>EXTRALARGE</a:t>
+                      </a:r>
+                    </a:p>
+                  </a:txBody>
+                  <a:tcPr/>
+                </a:tc>
+                <a:tc>
+                  <a:txBody>
+                    <a:bodyPr/>
+                    <a:lstStyle/>
+                    <a:p>
+                      <a:pPr marL="0" marR="0" lvl="0" indent="0" algn="ctr" defTabSz="457200" rtl="0" eaLnBrk="1" fontAlgn="auto" latinLnBrk="0" hangingPunct="1">
+                        <a:lnSpc>
+                          <a:spcPct val="100000"/>
+                        </a:lnSpc>
+                        <a:spcBef>
+                          <a:spcPts val="0"/>
+                        </a:spcBef>
+                        <a:spcAft>
+                          <a:spcPts val="0"/>
+                        </a:spcAft>
+                        <a:buClrTx/>
+                        <a:buSzTx/>
+                        <a:buFontTx/>
+                        <a:buNone/>
+                        <a:tabLst/>
+                        <a:defRPr/>
+                      </a:pPr>
+                      <a:r>
+                        <a:rPr lang="it-IT" sz="1800" b="0" kern="1200" dirty="0">
+                          <a:solidFill>
+                            <a:schemeClr val="dk1"/>
+                          </a:solidFill>
+                          <a:effectLst/>
+                          <a:latin typeface="+mn-lt"/>
+                          <a:ea typeface="+mn-ea"/>
+                          <a:cs typeface="+mn-cs"/>
+                        </a:rPr>
+                        <a:t>366.46</a:t>
+                      </a:r>
+                    </a:p>
+                  </a:txBody>
+                  <a:tcPr/>
+                </a:tc>
+                <a:tc>
+                  <a:txBody>
+                    <a:bodyPr/>
+                    <a:lstStyle/>
+                    <a:p>
+                      <a:pPr marL="0" marR="0" lvl="0" indent="0" algn="ctr" defTabSz="457200" rtl="0" eaLnBrk="1" fontAlgn="auto" latinLnBrk="0" hangingPunct="1">
+                        <a:lnSpc>
+                          <a:spcPct val="100000"/>
+                        </a:lnSpc>
+                        <a:spcBef>
+                          <a:spcPts val="0"/>
+                        </a:spcBef>
+                        <a:spcAft>
+                          <a:spcPts val="0"/>
+                        </a:spcAft>
+                        <a:buClrTx/>
+                        <a:buSzTx/>
+                        <a:buFontTx/>
+                        <a:buNone/>
+                        <a:tabLst/>
+                        <a:defRPr/>
+                      </a:pPr>
+                      <a:r>
+                        <a:rPr lang="it-IT" sz="1800" b="0" kern="1200" dirty="0">
+                          <a:solidFill>
+                            <a:schemeClr val="dk1"/>
+                          </a:solidFill>
+                          <a:effectLst/>
+                          <a:latin typeface="+mn-lt"/>
+                          <a:ea typeface="+mn-ea"/>
+                          <a:cs typeface="+mn-cs"/>
+                        </a:rPr>
+                        <a:t>78.263 </a:t>
+                      </a:r>
+                      <a:r>
+                        <a:rPr lang="it-IT" sz="1800" b="1" kern="1200" dirty="0">
+                          <a:solidFill>
+                            <a:srgbClr val="00B050"/>
+                          </a:solidFill>
+                          <a:effectLst/>
+                          <a:latin typeface="+mn-lt"/>
+                          <a:ea typeface="+mn-ea"/>
+                          <a:cs typeface="+mn-cs"/>
+                        </a:rPr>
+                        <a:t>[x4.7]</a:t>
+                      </a:r>
+                    </a:p>
+                  </a:txBody>
+                  <a:tcPr/>
+                </a:tc>
+                <a:tc>
+                  <a:txBody>
+                    <a:bodyPr/>
+                    <a:lstStyle/>
+                    <a:p>
+                      <a:pPr marL="0" marR="0" lvl="0" indent="0" algn="ctr" defTabSz="457200" rtl="0" eaLnBrk="1" fontAlgn="auto" latinLnBrk="0" hangingPunct="1">
+                        <a:lnSpc>
+                          <a:spcPct val="100000"/>
+                        </a:lnSpc>
+                        <a:spcBef>
+                          <a:spcPts val="0"/>
+                        </a:spcBef>
+                        <a:spcAft>
+                          <a:spcPts val="0"/>
+                        </a:spcAft>
+                        <a:buClrTx/>
+                        <a:buSzTx/>
+                        <a:buFontTx/>
+                        <a:buNone/>
+                        <a:tabLst/>
+                        <a:defRPr/>
+                      </a:pPr>
+                      <a:r>
+                        <a:rPr lang="it-IT" sz="1800" b="0" kern="1200" dirty="0">
+                          <a:solidFill>
+                            <a:schemeClr val="dk1"/>
+                          </a:solidFill>
+                          <a:effectLst/>
+                          <a:latin typeface="+mn-lt"/>
+                          <a:ea typeface="+mn-ea"/>
+                          <a:cs typeface="+mn-cs"/>
+                        </a:rPr>
+                        <a:t>10.38 </a:t>
+                      </a:r>
+                      <a:r>
+                        <a:rPr lang="it-IT" sz="1800" b="1" kern="1200" dirty="0">
+                          <a:solidFill>
+                            <a:srgbClr val="00B050"/>
+                          </a:solidFill>
+                          <a:effectLst/>
+                          <a:latin typeface="+mn-lt"/>
+                          <a:ea typeface="+mn-ea"/>
+                          <a:cs typeface="+mn-cs"/>
+                        </a:rPr>
+                        <a:t>[x35.3]</a:t>
+                      </a:r>
+                      <a:endParaRPr lang="it-IT" sz="1800" b="0" kern="1200" dirty="0">
+                        <a:solidFill>
+                          <a:srgbClr val="00B050"/>
+                        </a:solidFill>
+                        <a:effectLst/>
+                        <a:latin typeface="+mn-lt"/>
+                        <a:ea typeface="+mn-ea"/>
+                        <a:cs typeface="+mn-cs"/>
+                      </a:endParaRPr>
+                    </a:p>
+                  </a:txBody>
+                  <a:tcPr/>
+                </a:tc>
+                <a:tc>
+                  <a:txBody>
+                    <a:bodyPr/>
+                    <a:lstStyle/>
+                    <a:p>
+                      <a:pPr marL="0" marR="0" lvl="0" indent="0" algn="ctr" defTabSz="457200" rtl="0" eaLnBrk="1" fontAlgn="auto" latinLnBrk="0" hangingPunct="1">
+                        <a:lnSpc>
+                          <a:spcPct val="100000"/>
+                        </a:lnSpc>
+                        <a:spcBef>
+                          <a:spcPts val="0"/>
+                        </a:spcBef>
+                        <a:spcAft>
+                          <a:spcPts val="0"/>
+                        </a:spcAft>
+                        <a:buClrTx/>
+                        <a:buSzTx/>
+                        <a:buFontTx/>
+                        <a:buNone/>
+                        <a:tabLst/>
+                        <a:defRPr/>
+                      </a:pPr>
+                      <a:r>
+                        <a:rPr lang="it-IT" sz="1800" b="0" kern="1200" dirty="0">
+                          <a:solidFill>
+                            <a:schemeClr val="dk1"/>
+                          </a:solidFill>
+                          <a:effectLst/>
+                          <a:latin typeface="+mn-lt"/>
+                          <a:ea typeface="+mn-ea"/>
+                          <a:cs typeface="+mn-cs"/>
+                        </a:rPr>
+                        <a:t>0.667 </a:t>
+                      </a:r>
+                      <a:r>
+                        <a:rPr lang="it-IT" sz="1800" b="1" kern="1200" dirty="0">
+                          <a:solidFill>
+                            <a:srgbClr val="00B050"/>
+                          </a:solidFill>
+                          <a:effectLst/>
+                          <a:latin typeface="+mn-lt"/>
+                          <a:ea typeface="+mn-ea"/>
+                          <a:cs typeface="+mn-cs"/>
+                        </a:rPr>
+                        <a:t>[x549]</a:t>
+                      </a:r>
+                      <a:endParaRPr lang="it-IT" sz="1800" b="0" kern="1200" dirty="0">
+                        <a:solidFill>
+                          <a:srgbClr val="00B050"/>
+                        </a:solidFill>
+                        <a:effectLst/>
+                        <a:latin typeface="+mn-lt"/>
+                        <a:ea typeface="+mn-ea"/>
+                        <a:cs typeface="+mn-cs"/>
+                      </a:endParaRPr>
+                    </a:p>
+                  </a:txBody>
+                  <a:tcPr/>
+                </a:tc>
+                <a:extLst>
+                  <a:ext uri="{0D108BD9-81ED-4DB2-BD59-A6C34878D82A}">
+                    <a16:rowId xmlns:a16="http://schemas.microsoft.com/office/drawing/2014/main" val="4145051401"/>
+                  </a:ext>
+                </a:extLst>
+              </a:tr>
+            </a:tbl>
+          </a:graphicData>
+        </a:graphic>
+      </p:graphicFrame>
+      <p:sp>
+        <p:nvSpPr>
+          <p:cNvPr id="7" name="Segnaposto contenuto 2">
+            <a:extLst>
+              <a:ext uri="{FF2B5EF4-FFF2-40B4-BE49-F238E27FC236}">
+                <a16:creationId xmlns:a16="http://schemas.microsoft.com/office/drawing/2014/main" id="{FA724C3A-8ECF-4049-AC77-A0A7BF78962B}"/>
+              </a:ext>
+            </a:extLst>
+          </p:cNvPr>
+          <p:cNvSpPr txBox="1">
+            <a:spLocks/>
+          </p:cNvSpPr>
+          <p:nvPr/>
+        </p:nvSpPr>
+        <p:spPr>
+          <a:xfrm>
+            <a:off x="809999" y="2386584"/>
+            <a:ext cx="10553702" cy="1417320"/>
+          </a:xfrm>
+          <a:prstGeom prst="rect">
+            <a:avLst/>
+          </a:prstGeom>
+          <a:effectLst>
+            <a:outerShdw blurRad="50800" dir="14400000">
+              <a:srgbClr val="000000">
+                <a:alpha val="40000"/>
+              </a:srgbClr>
+            </a:outerShdw>
+          </a:effectLst>
+        </p:spPr>
+        <p:txBody>
+          <a:bodyPr vert="horz" lIns="91440" tIns="45720" rIns="91440" bIns="45720" rtlCol="0" anchor="ctr">
+            <a:normAutofit/>
+          </a:bodyPr>
+          <a:lstStyle>
+            <a:lvl1pPr marL="342900" indent="-342900" algn="l" defTabSz="457200" rtl="0" eaLnBrk="1" latinLnBrk="0" hangingPunct="1">
+              <a:spcBef>
+                <a:spcPct val="20000"/>
+              </a:spcBef>
+              <a:spcAft>
+                <a:spcPts val="600"/>
+              </a:spcAft>
+              <a:buClr>
+                <a:schemeClr val="accent1"/>
+              </a:buClr>
+              <a:buFont typeface="Wingdings 2" charset="2"/>
+              <a:buChar char=""/>
+              <a:defRPr sz="1800" kern="1200">
+                <a:solidFill>
+                  <a:schemeClr val="tx1"/>
+                </a:solidFill>
+                <a:latin typeface="+mn-lt"/>
+                <a:ea typeface="+mn-ea"/>
+                <a:cs typeface="+mn-cs"/>
+              </a:defRPr>
+            </a:lvl1pPr>
+            <a:lvl2pPr marL="742950" indent="-285750" algn="l" defTabSz="457200" rtl="0" eaLnBrk="1" latinLnBrk="0" hangingPunct="1">
+              <a:spcBef>
+                <a:spcPct val="20000"/>
+              </a:spcBef>
+              <a:spcAft>
+                <a:spcPts val="600"/>
+              </a:spcAft>
+              <a:buClr>
+                <a:schemeClr val="accent1"/>
+              </a:buClr>
+              <a:buFont typeface="Wingdings 2" charset="2"/>
+              <a:buChar char=""/>
+              <a:defRPr sz="1600" kern="1200">
+                <a:solidFill>
+                  <a:schemeClr val="tx1"/>
+                </a:solidFill>
+                <a:latin typeface="+mn-lt"/>
+                <a:ea typeface="+mn-ea"/>
+                <a:cs typeface="+mn-cs"/>
+              </a:defRPr>
+            </a:lvl2pPr>
+            <a:lvl3pPr marL="1143000" indent="-228600" algn="l" defTabSz="457200" rtl="0" eaLnBrk="1" latinLnBrk="0" hangingPunct="1">
+              <a:spcBef>
+                <a:spcPct val="20000"/>
+              </a:spcBef>
+              <a:spcAft>
+                <a:spcPts val="600"/>
+              </a:spcAft>
+              <a:buClr>
+                <a:schemeClr val="accent1"/>
+              </a:buClr>
+              <a:buFont typeface="Wingdings 2" charset="2"/>
+              <a:buChar char=""/>
+              <a:defRPr sz="1400" kern="1200">
+                <a:solidFill>
+                  <a:schemeClr val="tx1"/>
+                </a:solidFill>
+                <a:latin typeface="+mn-lt"/>
+                <a:ea typeface="+mn-ea"/>
+                <a:cs typeface="+mn-cs"/>
+              </a:defRPr>
+            </a:lvl3pPr>
+            <a:lvl4pPr marL="1600200" indent="-228600" algn="l" defTabSz="457200" rtl="0" eaLnBrk="1" latinLnBrk="0" hangingPunct="1">
+              <a:spcBef>
+                <a:spcPct val="20000"/>
+              </a:spcBef>
+              <a:spcAft>
+                <a:spcPts val="600"/>
+              </a:spcAft>
+              <a:buClr>
+                <a:schemeClr val="accent1"/>
+              </a:buClr>
+              <a:buFont typeface="Wingdings 2" charset="2"/>
+              <a:buChar char=""/>
+              <a:defRPr sz="1200" kern="1200">
+                <a:solidFill>
+                  <a:schemeClr val="tx1"/>
+                </a:solidFill>
+                <a:latin typeface="+mn-lt"/>
+                <a:ea typeface="+mn-ea"/>
+                <a:cs typeface="+mn-cs"/>
+              </a:defRPr>
+            </a:lvl4pPr>
+            <a:lvl5pPr marL="2057400" indent="-228600" algn="l" defTabSz="457200" rtl="0" eaLnBrk="1" latinLnBrk="0" hangingPunct="1">
+              <a:spcBef>
+                <a:spcPct val="20000"/>
+              </a:spcBef>
+              <a:spcAft>
+                <a:spcPts val="600"/>
+              </a:spcAft>
+              <a:buClr>
+                <a:schemeClr val="accent1"/>
+              </a:buClr>
+              <a:buFont typeface="Wingdings 2" charset="2"/>
+              <a:buChar char=""/>
+              <a:defRPr sz="1200" kern="1200">
+                <a:solidFill>
+                  <a:schemeClr val="tx1"/>
+                </a:solidFill>
+                <a:latin typeface="+mn-lt"/>
+                <a:ea typeface="+mn-ea"/>
+                <a:cs typeface="+mn-cs"/>
+              </a:defRPr>
+            </a:lvl5pPr>
+            <a:lvl6pPr marL="2400000" indent="-228600" algn="l" defTabSz="457200" rtl="0" eaLnBrk="1" latinLnBrk="0" hangingPunct="1">
+              <a:spcBef>
+                <a:spcPct val="20000"/>
+              </a:spcBef>
+              <a:spcAft>
+                <a:spcPts val="600"/>
+              </a:spcAft>
+              <a:buClr>
+                <a:schemeClr val="accent1"/>
+              </a:buClr>
+              <a:buFont typeface="Wingdings 2" charset="2"/>
+              <a:buChar char=""/>
+              <a:defRPr sz="1200" kern="1200">
+                <a:solidFill>
+                  <a:schemeClr val="tx1"/>
+                </a:solidFill>
+                <a:latin typeface="+mn-lt"/>
+                <a:ea typeface="+mn-ea"/>
+                <a:cs typeface="+mn-cs"/>
+              </a:defRPr>
+            </a:lvl6pPr>
+            <a:lvl7pPr marL="2800000" indent="-228600" algn="l" defTabSz="457200" rtl="0" eaLnBrk="1" latinLnBrk="0" hangingPunct="1">
+              <a:spcBef>
+                <a:spcPct val="20000"/>
+              </a:spcBef>
+              <a:spcAft>
+                <a:spcPts val="600"/>
+              </a:spcAft>
+              <a:buClr>
+                <a:schemeClr val="accent1"/>
+              </a:buClr>
+              <a:buFont typeface="Wingdings 2" charset="2"/>
+              <a:buChar char=""/>
+              <a:defRPr sz="1200" kern="1200">
+                <a:solidFill>
+                  <a:schemeClr val="tx1"/>
+                </a:solidFill>
+                <a:latin typeface="+mn-lt"/>
+                <a:ea typeface="+mn-ea"/>
+                <a:cs typeface="+mn-cs"/>
+              </a:defRPr>
+            </a:lvl7pPr>
+            <a:lvl8pPr marL="3200000" indent="-228600" algn="l" defTabSz="457200" rtl="0" eaLnBrk="1" latinLnBrk="0" hangingPunct="1">
+              <a:spcBef>
+                <a:spcPct val="20000"/>
+              </a:spcBef>
+              <a:spcAft>
+                <a:spcPts val="600"/>
+              </a:spcAft>
+              <a:buClr>
+                <a:schemeClr val="accent1"/>
+              </a:buClr>
+              <a:buFont typeface="Wingdings 2" charset="2"/>
+              <a:buChar char=""/>
+              <a:defRPr sz="1200" kern="1200">
+                <a:solidFill>
+                  <a:schemeClr val="tx1"/>
+                </a:solidFill>
+                <a:latin typeface="+mn-lt"/>
+                <a:ea typeface="+mn-ea"/>
+                <a:cs typeface="+mn-cs"/>
+              </a:defRPr>
+            </a:lvl8pPr>
+            <a:lvl9pPr marL="3600000" indent="-228600" algn="l" defTabSz="457200" rtl="0" eaLnBrk="1" latinLnBrk="0" hangingPunct="1">
+              <a:spcBef>
+                <a:spcPct val="20000"/>
+              </a:spcBef>
+              <a:spcAft>
+                <a:spcPts val="600"/>
+              </a:spcAft>
+              <a:buClr>
+                <a:schemeClr val="accent1"/>
+              </a:buClr>
+              <a:buFont typeface="Wingdings 2" charset="2"/>
+              <a:buChar char=""/>
+              <a:defRPr sz="1200" kern="1200">
+                <a:solidFill>
+                  <a:schemeClr val="tx1"/>
+                </a:solidFill>
+                <a:latin typeface="+mn-lt"/>
+                <a:ea typeface="+mn-ea"/>
+                <a:cs typeface="+mn-cs"/>
+              </a:defRPr>
+            </a:lvl9pPr>
+          </a:lstStyle>
+          <a:p>
+            <a:pPr marL="0" indent="0">
+              <a:buFont typeface="Wingdings 2" charset="2"/>
+              <a:buNone/>
+            </a:pPr>
+            <a:r>
+              <a:rPr lang="en-US" dirty="0"/>
+              <a:t>Near the execution time, is indicated relative speedup</a:t>
+            </a:r>
+            <a:endParaRPr lang="en-US" b="1" dirty="0"/>
+          </a:p>
+        </p:txBody>
+      </p:sp>
+    </p:spTree>
+    <p:extLst>
+      <p:ext uri="{BB962C8B-B14F-4D97-AF65-F5344CB8AC3E}">
+        <p14:creationId xmlns:p14="http://schemas.microsoft.com/office/powerpoint/2010/main" val="318371318"/>
+      </p:ext>
+    </p:extLst>
+  </p:cSld>
+  <p:clrMapOvr>
+    <a:masterClrMapping/>
+  </p:clrMapOvr>
+</p:sld>
+</file>
+
+<file path=ppt/slides/slide14.xml><?xml version="1.0" encoding="utf-8"?>
+<p:sld xmlns:a="http://schemas.openxmlformats.org/drawingml/2006/main" xmlns:r="http://schemas.openxmlformats.org/officeDocument/2006/relationships" xmlns:p="http://schemas.openxmlformats.org/presentationml/2006/main">
+  <p:cSld>
+    <p:spTree>
+      <p:nvGrpSpPr>
+        <p:cNvPr id="1" name="">
+          <a:extLst>
+            <a:ext uri="{FF2B5EF4-FFF2-40B4-BE49-F238E27FC236}">
+              <a16:creationId xmlns:a16="http://schemas.microsoft.com/office/drawing/2014/main" id="{419C1D40-7DD0-0683-A4FB-E462F198AC11}"/>
+            </a:ext>
+          </a:extLst>
+        </p:cNvPr>
+        <p:cNvGrpSpPr/>
+        <p:nvPr/>
+      </p:nvGrpSpPr>
+      <p:grpSpPr>
+        <a:xfrm>
+          <a:off x="0" y="0"/>
+          <a:ext cx="0" cy="0"/>
+          <a:chOff x="0" y="0"/>
+          <a:chExt cx="0" cy="0"/>
+        </a:xfrm>
+      </p:grpSpPr>
+      <p:sp>
+        <p:nvSpPr>
+          <p:cNvPr id="2" name="Titolo 1">
+            <a:extLst>
+              <a:ext uri="{FF2B5EF4-FFF2-40B4-BE49-F238E27FC236}">
+                <a16:creationId xmlns:a16="http://schemas.microsoft.com/office/drawing/2014/main" id="{CD1F8165-7DF8-7051-530E-616CB5D12832}"/>
+              </a:ext>
+            </a:extLst>
+          </p:cNvPr>
+          <p:cNvSpPr>
+            <a:spLocks noGrp="1"/>
+          </p:cNvSpPr>
+          <p:nvPr>
+            <p:ph type="title"/>
+          </p:nvPr>
+        </p:nvSpPr>
+        <p:spPr/>
+        <p:txBody>
+          <a:bodyPr/>
+          <a:lstStyle/>
+          <a:p>
+            <a:r>
+              <a:rPr lang="it-IT" dirty="0" err="1"/>
+              <a:t>Conclusions</a:t>
+            </a:r>
+            <a:endParaRPr lang="it-IT" dirty="0"/>
+          </a:p>
+        </p:txBody>
+      </p:sp>
+      <p:sp>
+        <p:nvSpPr>
+          <p:cNvPr id="3" name="Segnaposto contenuto 2">
+            <a:extLst>
+              <a:ext uri="{FF2B5EF4-FFF2-40B4-BE49-F238E27FC236}">
+                <a16:creationId xmlns:a16="http://schemas.microsoft.com/office/drawing/2014/main" id="{35AE46BF-52E5-82DF-9C96-2A3E92FF825A}"/>
+              </a:ext>
+            </a:extLst>
+          </p:cNvPr>
+          <p:cNvSpPr>
+            <a:spLocks noGrp="1"/>
+          </p:cNvSpPr>
+          <p:nvPr>
+            <p:ph idx="1"/>
+          </p:nvPr>
+        </p:nvSpPr>
+        <p:spPr>
+          <a:xfrm>
+            <a:off x="818712" y="2222287"/>
+            <a:ext cx="10554574" cy="4188525"/>
+          </a:xfrm>
+        </p:spPr>
+        <p:txBody>
+          <a:bodyPr>
+            <a:normAutofit/>
+          </a:bodyPr>
+          <a:lstStyle/>
+          <a:p>
+            <a:r>
+              <a:rPr lang="en-US" dirty="0"/>
+              <a:t>The CUDA implementation achieved an impressive speedup of up to x549 compared to the sequential version. Thanks to its ability to execute thousands of threads concurrently, CUDA is the best choice for most of datasets from small one.</a:t>
+            </a:r>
+          </a:p>
+          <a:p>
+            <a:r>
+              <a:rPr lang="en-US" dirty="0"/>
+              <a:t>OpenMP delivered good results (up to x35 speedup), with lower development complexity while CUDA is ideal in high-performance environments and large datasets, where NVIDIA GPUs are available, but the implementation is more complex.</a:t>
+            </a:r>
+          </a:p>
+          <a:p>
+            <a:r>
+              <a:rPr lang="en-US" dirty="0"/>
+              <a:t>In this case, identify which parts to parallelize was partial helpful because only one of four functions was the most time-consuming. However, in general, this is the key to achieve efficient parallelization. In this project in particular, the choice of parallelize also faster parts, makes the parallelization more scalable</a:t>
+            </a:r>
+            <a:endParaRPr lang="it-IT" dirty="0"/>
+          </a:p>
+        </p:txBody>
+      </p:sp>
+    </p:spTree>
+    <p:extLst>
+      <p:ext uri="{BB962C8B-B14F-4D97-AF65-F5344CB8AC3E}">
+        <p14:creationId xmlns:p14="http://schemas.microsoft.com/office/powerpoint/2010/main" val="430587197"/>
       </p:ext>
     </p:extLst>
   </p:cSld>
@@ -9982,6 +12391,1011 @@
 </p:sld>
 </file>
 
+<file path=ppt/slides/slide8.xml><?xml version="1.0" encoding="utf-8"?>
+<p:sld xmlns:a="http://schemas.openxmlformats.org/drawingml/2006/main" xmlns:r="http://schemas.openxmlformats.org/officeDocument/2006/relationships" xmlns:p="http://schemas.openxmlformats.org/presentationml/2006/main">
+  <p:cSld>
+    <p:spTree>
+      <p:nvGrpSpPr>
+        <p:cNvPr id="1" name="">
+          <a:extLst>
+            <a:ext uri="{FF2B5EF4-FFF2-40B4-BE49-F238E27FC236}">
+              <a16:creationId xmlns:a16="http://schemas.microsoft.com/office/drawing/2014/main" id="{DC5B405E-2E81-3F61-0BD5-E28EAC13BF85}"/>
+            </a:ext>
+          </a:extLst>
+        </p:cNvPr>
+        <p:cNvGrpSpPr/>
+        <p:nvPr/>
+      </p:nvGrpSpPr>
+      <p:grpSpPr>
+        <a:xfrm>
+          <a:off x="0" y="0"/>
+          <a:ext cx="0" cy="0"/>
+          <a:chOff x="0" y="0"/>
+          <a:chExt cx="0" cy="0"/>
+        </a:xfrm>
+      </p:grpSpPr>
+      <p:sp>
+        <p:nvSpPr>
+          <p:cNvPr id="2" name="Titolo 1">
+            <a:extLst>
+              <a:ext uri="{FF2B5EF4-FFF2-40B4-BE49-F238E27FC236}">
+                <a16:creationId xmlns:a16="http://schemas.microsoft.com/office/drawing/2014/main" id="{DCC42E06-C07D-8C03-2209-63A16E66D7AC}"/>
+              </a:ext>
+            </a:extLst>
+          </p:cNvPr>
+          <p:cNvSpPr>
+            <a:spLocks noGrp="1"/>
+          </p:cNvSpPr>
+          <p:nvPr>
+            <p:ph type="title"/>
+          </p:nvPr>
+        </p:nvSpPr>
+        <p:spPr/>
+        <p:txBody>
+          <a:bodyPr/>
+          <a:lstStyle/>
+          <a:p>
+            <a:r>
+              <a:rPr lang="it-IT" dirty="0"/>
+              <a:t>Idea</a:t>
+            </a:r>
+          </a:p>
+        </p:txBody>
+      </p:sp>
+      <p:sp>
+        <p:nvSpPr>
+          <p:cNvPr id="3" name="Segnaposto contenuto 2">
+            <a:extLst>
+              <a:ext uri="{FF2B5EF4-FFF2-40B4-BE49-F238E27FC236}">
+                <a16:creationId xmlns:a16="http://schemas.microsoft.com/office/drawing/2014/main" id="{96F4ACCE-9B00-2A3A-D7D4-E2070BFBB958}"/>
+              </a:ext>
+            </a:extLst>
+          </p:cNvPr>
+          <p:cNvSpPr>
+            <a:spLocks noGrp="1"/>
+          </p:cNvSpPr>
+          <p:nvPr>
+            <p:ph idx="1"/>
+          </p:nvPr>
+        </p:nvSpPr>
+        <p:spPr>
+          <a:xfrm>
+            <a:off x="818712" y="2222287"/>
+            <a:ext cx="5277288" cy="4188525"/>
+          </a:xfrm>
+        </p:spPr>
+        <p:txBody>
+          <a:bodyPr>
+            <a:normAutofit/>
+          </a:bodyPr>
+          <a:lstStyle/>
+          <a:p>
+            <a:r>
+              <a:rPr lang="en-US" dirty="0"/>
+              <a:t>The calculation of </a:t>
+            </a:r>
+            <a:r>
+              <a:rPr lang="en-US" b="1" dirty="0"/>
+              <a:t>mean</a:t>
+            </a:r>
+            <a:r>
+              <a:rPr lang="en-US" dirty="0"/>
+              <a:t> and </a:t>
+            </a:r>
+            <a:r>
+              <a:rPr lang="en-US" b="1" dirty="0"/>
+              <a:t>standard deviation</a:t>
+            </a:r>
+            <a:r>
+              <a:rPr lang="en-US" dirty="0"/>
+              <a:t> for each column does not depend on the others</a:t>
+            </a:r>
+          </a:p>
+          <a:p>
+            <a:r>
+              <a:rPr lang="en-US" dirty="0"/>
+              <a:t>The </a:t>
+            </a:r>
+            <a:r>
+              <a:rPr lang="en-US" b="1" dirty="0"/>
+              <a:t>normalization</a:t>
+            </a:r>
+            <a:r>
+              <a:rPr lang="en-US" dirty="0"/>
+              <a:t> of each value is independent</a:t>
+            </a:r>
+          </a:p>
+          <a:p>
+            <a:r>
+              <a:rPr lang="en-US" dirty="0"/>
+              <a:t>Each element of the </a:t>
+            </a:r>
+            <a:r>
+              <a:rPr lang="en-US" b="1" dirty="0"/>
+              <a:t>correlation matrix </a:t>
+            </a:r>
+            <a:r>
+              <a:rPr lang="en-US" dirty="0"/>
+              <a:t>can be computed separately, since it only requires data from those columns</a:t>
+            </a:r>
+            <a:endParaRPr lang="it-IT" dirty="0"/>
+          </a:p>
+        </p:txBody>
+      </p:sp>
+      <p:sp>
+        <p:nvSpPr>
+          <p:cNvPr id="4" name="Segnaposto contenuto 2">
+            <a:extLst>
+              <a:ext uri="{FF2B5EF4-FFF2-40B4-BE49-F238E27FC236}">
+                <a16:creationId xmlns:a16="http://schemas.microsoft.com/office/drawing/2014/main" id="{F13B7D2E-DB30-8633-8DD2-8F913BA5B8D6}"/>
+              </a:ext>
+            </a:extLst>
+          </p:cNvPr>
+          <p:cNvSpPr txBox="1">
+            <a:spLocks/>
+          </p:cNvSpPr>
+          <p:nvPr/>
+        </p:nvSpPr>
+        <p:spPr>
+          <a:xfrm>
+            <a:off x="6658680" y="2222286"/>
+            <a:ext cx="5277288" cy="4188525"/>
+          </a:xfrm>
+          <a:prstGeom prst="rect">
+            <a:avLst/>
+          </a:prstGeom>
+          <a:effectLst>
+            <a:outerShdw blurRad="50800" dir="14400000">
+              <a:srgbClr val="000000">
+                <a:alpha val="40000"/>
+              </a:srgbClr>
+            </a:outerShdw>
+          </a:effectLst>
+        </p:spPr>
+        <p:txBody>
+          <a:bodyPr vert="horz" lIns="91440" tIns="45720" rIns="91440" bIns="45720" rtlCol="0" anchor="ctr">
+            <a:normAutofit/>
+          </a:bodyPr>
+          <a:lstStyle>
+            <a:lvl1pPr marL="342900" indent="-342900" algn="l" defTabSz="457200" rtl="0" eaLnBrk="1" latinLnBrk="0" hangingPunct="1">
+              <a:spcBef>
+                <a:spcPct val="20000"/>
+              </a:spcBef>
+              <a:spcAft>
+                <a:spcPts val="600"/>
+              </a:spcAft>
+              <a:buClr>
+                <a:schemeClr val="accent1"/>
+              </a:buClr>
+              <a:buFont typeface="Wingdings 2" charset="2"/>
+              <a:buChar char=""/>
+              <a:defRPr sz="1800" kern="1200">
+                <a:solidFill>
+                  <a:schemeClr val="tx1"/>
+                </a:solidFill>
+                <a:latin typeface="+mn-lt"/>
+                <a:ea typeface="+mn-ea"/>
+                <a:cs typeface="+mn-cs"/>
+              </a:defRPr>
+            </a:lvl1pPr>
+            <a:lvl2pPr marL="742950" indent="-285750" algn="l" defTabSz="457200" rtl="0" eaLnBrk="1" latinLnBrk="0" hangingPunct="1">
+              <a:spcBef>
+                <a:spcPct val="20000"/>
+              </a:spcBef>
+              <a:spcAft>
+                <a:spcPts val="600"/>
+              </a:spcAft>
+              <a:buClr>
+                <a:schemeClr val="accent1"/>
+              </a:buClr>
+              <a:buFont typeface="Wingdings 2" charset="2"/>
+              <a:buChar char=""/>
+              <a:defRPr sz="1600" kern="1200">
+                <a:solidFill>
+                  <a:schemeClr val="tx1"/>
+                </a:solidFill>
+                <a:latin typeface="+mn-lt"/>
+                <a:ea typeface="+mn-ea"/>
+                <a:cs typeface="+mn-cs"/>
+              </a:defRPr>
+            </a:lvl2pPr>
+            <a:lvl3pPr marL="1143000" indent="-228600" algn="l" defTabSz="457200" rtl="0" eaLnBrk="1" latinLnBrk="0" hangingPunct="1">
+              <a:spcBef>
+                <a:spcPct val="20000"/>
+              </a:spcBef>
+              <a:spcAft>
+                <a:spcPts val="600"/>
+              </a:spcAft>
+              <a:buClr>
+                <a:schemeClr val="accent1"/>
+              </a:buClr>
+              <a:buFont typeface="Wingdings 2" charset="2"/>
+              <a:buChar char=""/>
+              <a:defRPr sz="1400" kern="1200">
+                <a:solidFill>
+                  <a:schemeClr val="tx1"/>
+                </a:solidFill>
+                <a:latin typeface="+mn-lt"/>
+                <a:ea typeface="+mn-ea"/>
+                <a:cs typeface="+mn-cs"/>
+              </a:defRPr>
+            </a:lvl3pPr>
+            <a:lvl4pPr marL="1600200" indent="-228600" algn="l" defTabSz="457200" rtl="0" eaLnBrk="1" latinLnBrk="0" hangingPunct="1">
+              <a:spcBef>
+                <a:spcPct val="20000"/>
+              </a:spcBef>
+              <a:spcAft>
+                <a:spcPts val="600"/>
+              </a:spcAft>
+              <a:buClr>
+                <a:schemeClr val="accent1"/>
+              </a:buClr>
+              <a:buFont typeface="Wingdings 2" charset="2"/>
+              <a:buChar char=""/>
+              <a:defRPr sz="1200" kern="1200">
+                <a:solidFill>
+                  <a:schemeClr val="tx1"/>
+                </a:solidFill>
+                <a:latin typeface="+mn-lt"/>
+                <a:ea typeface="+mn-ea"/>
+                <a:cs typeface="+mn-cs"/>
+              </a:defRPr>
+            </a:lvl4pPr>
+            <a:lvl5pPr marL="2057400" indent="-228600" algn="l" defTabSz="457200" rtl="0" eaLnBrk="1" latinLnBrk="0" hangingPunct="1">
+              <a:spcBef>
+                <a:spcPct val="20000"/>
+              </a:spcBef>
+              <a:spcAft>
+                <a:spcPts val="600"/>
+              </a:spcAft>
+              <a:buClr>
+                <a:schemeClr val="accent1"/>
+              </a:buClr>
+              <a:buFont typeface="Wingdings 2" charset="2"/>
+              <a:buChar char=""/>
+              <a:defRPr sz="1200" kern="1200">
+                <a:solidFill>
+                  <a:schemeClr val="tx1"/>
+                </a:solidFill>
+                <a:latin typeface="+mn-lt"/>
+                <a:ea typeface="+mn-ea"/>
+                <a:cs typeface="+mn-cs"/>
+              </a:defRPr>
+            </a:lvl5pPr>
+            <a:lvl6pPr marL="2400000" indent="-228600" algn="l" defTabSz="457200" rtl="0" eaLnBrk="1" latinLnBrk="0" hangingPunct="1">
+              <a:spcBef>
+                <a:spcPct val="20000"/>
+              </a:spcBef>
+              <a:spcAft>
+                <a:spcPts val="600"/>
+              </a:spcAft>
+              <a:buClr>
+                <a:schemeClr val="accent1"/>
+              </a:buClr>
+              <a:buFont typeface="Wingdings 2" charset="2"/>
+              <a:buChar char=""/>
+              <a:defRPr sz="1200" kern="1200">
+                <a:solidFill>
+                  <a:schemeClr val="tx1"/>
+                </a:solidFill>
+                <a:latin typeface="+mn-lt"/>
+                <a:ea typeface="+mn-ea"/>
+                <a:cs typeface="+mn-cs"/>
+              </a:defRPr>
+            </a:lvl6pPr>
+            <a:lvl7pPr marL="2800000" indent="-228600" algn="l" defTabSz="457200" rtl="0" eaLnBrk="1" latinLnBrk="0" hangingPunct="1">
+              <a:spcBef>
+                <a:spcPct val="20000"/>
+              </a:spcBef>
+              <a:spcAft>
+                <a:spcPts val="600"/>
+              </a:spcAft>
+              <a:buClr>
+                <a:schemeClr val="accent1"/>
+              </a:buClr>
+              <a:buFont typeface="Wingdings 2" charset="2"/>
+              <a:buChar char=""/>
+              <a:defRPr sz="1200" kern="1200">
+                <a:solidFill>
+                  <a:schemeClr val="tx1"/>
+                </a:solidFill>
+                <a:latin typeface="+mn-lt"/>
+                <a:ea typeface="+mn-ea"/>
+                <a:cs typeface="+mn-cs"/>
+              </a:defRPr>
+            </a:lvl7pPr>
+            <a:lvl8pPr marL="3200000" indent="-228600" algn="l" defTabSz="457200" rtl="0" eaLnBrk="1" latinLnBrk="0" hangingPunct="1">
+              <a:spcBef>
+                <a:spcPct val="20000"/>
+              </a:spcBef>
+              <a:spcAft>
+                <a:spcPts val="600"/>
+              </a:spcAft>
+              <a:buClr>
+                <a:schemeClr val="accent1"/>
+              </a:buClr>
+              <a:buFont typeface="Wingdings 2" charset="2"/>
+              <a:buChar char=""/>
+              <a:defRPr sz="1200" kern="1200">
+                <a:solidFill>
+                  <a:schemeClr val="tx1"/>
+                </a:solidFill>
+                <a:latin typeface="+mn-lt"/>
+                <a:ea typeface="+mn-ea"/>
+                <a:cs typeface="+mn-cs"/>
+              </a:defRPr>
+            </a:lvl8pPr>
+            <a:lvl9pPr marL="3600000" indent="-228600" algn="l" defTabSz="457200" rtl="0" eaLnBrk="1" latinLnBrk="0" hangingPunct="1">
+              <a:spcBef>
+                <a:spcPct val="20000"/>
+              </a:spcBef>
+              <a:spcAft>
+                <a:spcPts val="600"/>
+              </a:spcAft>
+              <a:buClr>
+                <a:schemeClr val="accent1"/>
+              </a:buClr>
+              <a:buFont typeface="Wingdings 2" charset="2"/>
+              <a:buChar char=""/>
+              <a:defRPr sz="1200" kern="1200">
+                <a:solidFill>
+                  <a:schemeClr val="tx1"/>
+                </a:solidFill>
+                <a:latin typeface="+mn-lt"/>
+                <a:ea typeface="+mn-ea"/>
+                <a:cs typeface="+mn-cs"/>
+              </a:defRPr>
+            </a:lvl9pPr>
+          </a:lstStyle>
+          <a:p>
+            <a:r>
+              <a:rPr lang="en-US" dirty="0"/>
+              <a:t>To simplify memory transfers from host to device, and to facilitate index calculations within kernels, matrices could be represented as 1D arrays. </a:t>
+            </a:r>
+          </a:p>
+          <a:p>
+            <a:r>
+              <a:rPr lang="en-US" dirty="0"/>
+              <a:t>Use 256 threads per block due to recommendations because it is supported by the most of GPUs*</a:t>
+            </a:r>
+            <a:endParaRPr lang="it-IT" dirty="0"/>
+          </a:p>
+        </p:txBody>
+      </p:sp>
+      <p:sp>
+        <p:nvSpPr>
+          <p:cNvPr id="6" name="Segnaposto contenuto 2">
+            <a:extLst>
+              <a:ext uri="{FF2B5EF4-FFF2-40B4-BE49-F238E27FC236}">
+                <a16:creationId xmlns:a16="http://schemas.microsoft.com/office/drawing/2014/main" id="{38EE985A-97E6-B7DB-CCDA-515E6C630D07}"/>
+              </a:ext>
+            </a:extLst>
+          </p:cNvPr>
+          <p:cNvSpPr txBox="1">
+            <a:spLocks/>
+          </p:cNvSpPr>
+          <p:nvPr/>
+        </p:nvSpPr>
+        <p:spPr>
+          <a:xfrm>
+            <a:off x="530352" y="6109059"/>
+            <a:ext cx="10506456" cy="603504"/>
+          </a:xfrm>
+          <a:prstGeom prst="rect">
+            <a:avLst/>
+          </a:prstGeom>
+          <a:effectLst>
+            <a:outerShdw blurRad="50800" dir="14400000">
+              <a:srgbClr val="000000">
+                <a:alpha val="40000"/>
+              </a:srgbClr>
+            </a:outerShdw>
+          </a:effectLst>
+        </p:spPr>
+        <p:txBody>
+          <a:bodyPr vert="horz" lIns="91440" tIns="45720" rIns="91440" bIns="45720" rtlCol="0" anchor="ctr">
+            <a:normAutofit/>
+          </a:bodyPr>
+          <a:lstStyle>
+            <a:lvl1pPr marL="342900" indent="-342900" algn="l" defTabSz="457200" rtl="0" eaLnBrk="1" latinLnBrk="0" hangingPunct="1">
+              <a:spcBef>
+                <a:spcPct val="20000"/>
+              </a:spcBef>
+              <a:spcAft>
+                <a:spcPts val="600"/>
+              </a:spcAft>
+              <a:buClr>
+                <a:schemeClr val="accent1"/>
+              </a:buClr>
+              <a:buFont typeface="Wingdings 2" charset="2"/>
+              <a:buChar char=""/>
+              <a:defRPr sz="1800" kern="1200">
+                <a:solidFill>
+                  <a:schemeClr val="tx1"/>
+                </a:solidFill>
+                <a:latin typeface="+mn-lt"/>
+                <a:ea typeface="+mn-ea"/>
+                <a:cs typeface="+mn-cs"/>
+              </a:defRPr>
+            </a:lvl1pPr>
+            <a:lvl2pPr marL="742950" indent="-285750" algn="l" defTabSz="457200" rtl="0" eaLnBrk="1" latinLnBrk="0" hangingPunct="1">
+              <a:spcBef>
+                <a:spcPct val="20000"/>
+              </a:spcBef>
+              <a:spcAft>
+                <a:spcPts val="600"/>
+              </a:spcAft>
+              <a:buClr>
+                <a:schemeClr val="accent1"/>
+              </a:buClr>
+              <a:buFont typeface="Wingdings 2" charset="2"/>
+              <a:buChar char=""/>
+              <a:defRPr sz="1600" kern="1200">
+                <a:solidFill>
+                  <a:schemeClr val="tx1"/>
+                </a:solidFill>
+                <a:latin typeface="+mn-lt"/>
+                <a:ea typeface="+mn-ea"/>
+                <a:cs typeface="+mn-cs"/>
+              </a:defRPr>
+            </a:lvl2pPr>
+            <a:lvl3pPr marL="1143000" indent="-228600" algn="l" defTabSz="457200" rtl="0" eaLnBrk="1" latinLnBrk="0" hangingPunct="1">
+              <a:spcBef>
+                <a:spcPct val="20000"/>
+              </a:spcBef>
+              <a:spcAft>
+                <a:spcPts val="600"/>
+              </a:spcAft>
+              <a:buClr>
+                <a:schemeClr val="accent1"/>
+              </a:buClr>
+              <a:buFont typeface="Wingdings 2" charset="2"/>
+              <a:buChar char=""/>
+              <a:defRPr sz="1400" kern="1200">
+                <a:solidFill>
+                  <a:schemeClr val="tx1"/>
+                </a:solidFill>
+                <a:latin typeface="+mn-lt"/>
+                <a:ea typeface="+mn-ea"/>
+                <a:cs typeface="+mn-cs"/>
+              </a:defRPr>
+            </a:lvl3pPr>
+            <a:lvl4pPr marL="1600200" indent="-228600" algn="l" defTabSz="457200" rtl="0" eaLnBrk="1" latinLnBrk="0" hangingPunct="1">
+              <a:spcBef>
+                <a:spcPct val="20000"/>
+              </a:spcBef>
+              <a:spcAft>
+                <a:spcPts val="600"/>
+              </a:spcAft>
+              <a:buClr>
+                <a:schemeClr val="accent1"/>
+              </a:buClr>
+              <a:buFont typeface="Wingdings 2" charset="2"/>
+              <a:buChar char=""/>
+              <a:defRPr sz="1200" kern="1200">
+                <a:solidFill>
+                  <a:schemeClr val="tx1"/>
+                </a:solidFill>
+                <a:latin typeface="+mn-lt"/>
+                <a:ea typeface="+mn-ea"/>
+                <a:cs typeface="+mn-cs"/>
+              </a:defRPr>
+            </a:lvl4pPr>
+            <a:lvl5pPr marL="2057400" indent="-228600" algn="l" defTabSz="457200" rtl="0" eaLnBrk="1" latinLnBrk="0" hangingPunct="1">
+              <a:spcBef>
+                <a:spcPct val="20000"/>
+              </a:spcBef>
+              <a:spcAft>
+                <a:spcPts val="600"/>
+              </a:spcAft>
+              <a:buClr>
+                <a:schemeClr val="accent1"/>
+              </a:buClr>
+              <a:buFont typeface="Wingdings 2" charset="2"/>
+              <a:buChar char=""/>
+              <a:defRPr sz="1200" kern="1200">
+                <a:solidFill>
+                  <a:schemeClr val="tx1"/>
+                </a:solidFill>
+                <a:latin typeface="+mn-lt"/>
+                <a:ea typeface="+mn-ea"/>
+                <a:cs typeface="+mn-cs"/>
+              </a:defRPr>
+            </a:lvl5pPr>
+            <a:lvl6pPr marL="2400000" indent="-228600" algn="l" defTabSz="457200" rtl="0" eaLnBrk="1" latinLnBrk="0" hangingPunct="1">
+              <a:spcBef>
+                <a:spcPct val="20000"/>
+              </a:spcBef>
+              <a:spcAft>
+                <a:spcPts val="600"/>
+              </a:spcAft>
+              <a:buClr>
+                <a:schemeClr val="accent1"/>
+              </a:buClr>
+              <a:buFont typeface="Wingdings 2" charset="2"/>
+              <a:buChar char=""/>
+              <a:defRPr sz="1200" kern="1200">
+                <a:solidFill>
+                  <a:schemeClr val="tx1"/>
+                </a:solidFill>
+                <a:latin typeface="+mn-lt"/>
+                <a:ea typeface="+mn-ea"/>
+                <a:cs typeface="+mn-cs"/>
+              </a:defRPr>
+            </a:lvl6pPr>
+            <a:lvl7pPr marL="2800000" indent="-228600" algn="l" defTabSz="457200" rtl="0" eaLnBrk="1" latinLnBrk="0" hangingPunct="1">
+              <a:spcBef>
+                <a:spcPct val="20000"/>
+              </a:spcBef>
+              <a:spcAft>
+                <a:spcPts val="600"/>
+              </a:spcAft>
+              <a:buClr>
+                <a:schemeClr val="accent1"/>
+              </a:buClr>
+              <a:buFont typeface="Wingdings 2" charset="2"/>
+              <a:buChar char=""/>
+              <a:defRPr sz="1200" kern="1200">
+                <a:solidFill>
+                  <a:schemeClr val="tx1"/>
+                </a:solidFill>
+                <a:latin typeface="+mn-lt"/>
+                <a:ea typeface="+mn-ea"/>
+                <a:cs typeface="+mn-cs"/>
+              </a:defRPr>
+            </a:lvl7pPr>
+            <a:lvl8pPr marL="3200000" indent="-228600" algn="l" defTabSz="457200" rtl="0" eaLnBrk="1" latinLnBrk="0" hangingPunct="1">
+              <a:spcBef>
+                <a:spcPct val="20000"/>
+              </a:spcBef>
+              <a:spcAft>
+                <a:spcPts val="600"/>
+              </a:spcAft>
+              <a:buClr>
+                <a:schemeClr val="accent1"/>
+              </a:buClr>
+              <a:buFont typeface="Wingdings 2" charset="2"/>
+              <a:buChar char=""/>
+              <a:defRPr sz="1200" kern="1200">
+                <a:solidFill>
+                  <a:schemeClr val="tx1"/>
+                </a:solidFill>
+                <a:latin typeface="+mn-lt"/>
+                <a:ea typeface="+mn-ea"/>
+                <a:cs typeface="+mn-cs"/>
+              </a:defRPr>
+            </a:lvl8pPr>
+            <a:lvl9pPr marL="3600000" indent="-228600" algn="l" defTabSz="457200" rtl="0" eaLnBrk="1" latinLnBrk="0" hangingPunct="1">
+              <a:spcBef>
+                <a:spcPct val="20000"/>
+              </a:spcBef>
+              <a:spcAft>
+                <a:spcPts val="600"/>
+              </a:spcAft>
+              <a:buClr>
+                <a:schemeClr val="accent1"/>
+              </a:buClr>
+              <a:buFont typeface="Wingdings 2" charset="2"/>
+              <a:buChar char=""/>
+              <a:defRPr sz="1200" kern="1200">
+                <a:solidFill>
+                  <a:schemeClr val="tx1"/>
+                </a:solidFill>
+                <a:latin typeface="+mn-lt"/>
+                <a:ea typeface="+mn-ea"/>
+                <a:cs typeface="+mn-cs"/>
+              </a:defRPr>
+            </a:lvl9pPr>
+          </a:lstStyle>
+          <a:p>
+            <a:pPr marL="0" indent="0">
+              <a:buNone/>
+            </a:pPr>
+            <a:r>
+              <a:rPr lang="it-IT" sz="1200" dirty="0"/>
+              <a:t>* </a:t>
+            </a:r>
+            <a:r>
+              <a:rPr lang="it-IT" sz="1200" dirty="0">
+                <a:hlinkClick r:id="rId2"/>
+              </a:rPr>
+              <a:t>https://docs.nvidia.com/cuda/cuda-c-programming-guide/index.html#thread-hierarchy</a:t>
+            </a:r>
+            <a:endParaRPr lang="it-IT" sz="1200" dirty="0"/>
+          </a:p>
+        </p:txBody>
+      </p:sp>
+    </p:spTree>
+    <p:extLst>
+      <p:ext uri="{BB962C8B-B14F-4D97-AF65-F5344CB8AC3E}">
+        <p14:creationId xmlns:p14="http://schemas.microsoft.com/office/powerpoint/2010/main" val="41277479"/>
+      </p:ext>
+    </p:extLst>
+  </p:cSld>
+  <p:clrMapOvr>
+    <a:masterClrMapping/>
+  </p:clrMapOvr>
+</p:sld>
+</file>
+
+<file path=ppt/slides/slide9.xml><?xml version="1.0" encoding="utf-8"?>
+<p:sld xmlns:a="http://schemas.openxmlformats.org/drawingml/2006/main" xmlns:r="http://schemas.openxmlformats.org/officeDocument/2006/relationships" xmlns:p="http://schemas.openxmlformats.org/presentationml/2006/main">
+  <p:cSld>
+    <p:spTree>
+      <p:nvGrpSpPr>
+        <p:cNvPr id="1" name="">
+          <a:extLst>
+            <a:ext uri="{FF2B5EF4-FFF2-40B4-BE49-F238E27FC236}">
+              <a16:creationId xmlns:a16="http://schemas.microsoft.com/office/drawing/2014/main" id="{A06A31FC-632D-A9EA-457B-B92E57F57D0E}"/>
+            </a:ext>
+          </a:extLst>
+        </p:cNvPr>
+        <p:cNvGrpSpPr/>
+        <p:nvPr/>
+      </p:nvGrpSpPr>
+      <p:grpSpPr>
+        <a:xfrm>
+          <a:off x="0" y="0"/>
+          <a:ext cx="0" cy="0"/>
+          <a:chOff x="0" y="0"/>
+          <a:chExt cx="0" cy="0"/>
+        </a:xfrm>
+      </p:grpSpPr>
+      <p:sp>
+        <p:nvSpPr>
+          <p:cNvPr id="2" name="Titolo 1">
+            <a:extLst>
+              <a:ext uri="{FF2B5EF4-FFF2-40B4-BE49-F238E27FC236}">
+                <a16:creationId xmlns:a16="http://schemas.microsoft.com/office/drawing/2014/main" id="{27D96129-1749-64CC-F41B-7822FFD42191}"/>
+              </a:ext>
+            </a:extLst>
+          </p:cNvPr>
+          <p:cNvSpPr>
+            <a:spLocks noGrp="1"/>
+          </p:cNvSpPr>
+          <p:nvPr>
+            <p:ph type="title"/>
+          </p:nvPr>
+        </p:nvSpPr>
+        <p:spPr/>
+        <p:txBody>
+          <a:bodyPr/>
+          <a:lstStyle/>
+          <a:p>
+            <a:r>
+              <a:rPr lang="it-IT" dirty="0" err="1"/>
+              <a:t>Parallelization</a:t>
+            </a:r>
+            <a:r>
+              <a:rPr lang="it-IT" dirty="0"/>
+              <a:t> (1)</a:t>
+            </a:r>
+          </a:p>
+        </p:txBody>
+      </p:sp>
+      <p:grpSp>
+        <p:nvGrpSpPr>
+          <p:cNvPr id="14" name="Gruppo 13">
+            <a:extLst>
+              <a:ext uri="{FF2B5EF4-FFF2-40B4-BE49-F238E27FC236}">
+                <a16:creationId xmlns:a16="http://schemas.microsoft.com/office/drawing/2014/main" id="{E40FC6D6-0A00-BF83-0FDF-16DC7F9CF151}"/>
+              </a:ext>
+            </a:extLst>
+          </p:cNvPr>
+          <p:cNvGrpSpPr/>
+          <p:nvPr/>
+        </p:nvGrpSpPr>
+        <p:grpSpPr>
+          <a:xfrm>
+            <a:off x="1183948" y="2803384"/>
+            <a:ext cx="4134427" cy="2924583"/>
+            <a:chOff x="672938" y="2423908"/>
+            <a:chExt cx="4134427" cy="2924583"/>
+          </a:xfrm>
+        </p:grpSpPr>
+        <p:pic>
+          <p:nvPicPr>
+            <p:cNvPr id="7" name="Immagine 6">
+              <a:extLst>
+                <a:ext uri="{FF2B5EF4-FFF2-40B4-BE49-F238E27FC236}">
+                  <a16:creationId xmlns:a16="http://schemas.microsoft.com/office/drawing/2014/main" id="{40CCA695-3694-57AA-BAB0-7562AB394ED4}"/>
+                </a:ext>
+              </a:extLst>
+            </p:cNvPr>
+            <p:cNvPicPr>
+              <a:picLocks noChangeAspect="1"/>
+            </p:cNvPicPr>
+            <p:nvPr/>
+          </p:nvPicPr>
+          <p:blipFill>
+            <a:blip r:embed="rId2"/>
+            <a:stretch>
+              <a:fillRect/>
+            </a:stretch>
+          </p:blipFill>
+          <p:spPr>
+            <a:xfrm>
+              <a:off x="672938" y="2423908"/>
+              <a:ext cx="4134427" cy="2924583"/>
+            </a:xfrm>
+            <a:prstGeom prst="rect">
+              <a:avLst/>
+            </a:prstGeom>
+          </p:spPr>
+        </p:pic>
+        <p:sp>
+          <p:nvSpPr>
+            <p:cNvPr id="10" name="Rettangolo 9">
+              <a:extLst>
+                <a:ext uri="{FF2B5EF4-FFF2-40B4-BE49-F238E27FC236}">
+                  <a16:creationId xmlns:a16="http://schemas.microsoft.com/office/drawing/2014/main" id="{3DCABD34-3F69-959A-1464-2B1A9F8EF7E1}"/>
+                </a:ext>
+              </a:extLst>
+            </p:cNvPr>
+            <p:cNvSpPr/>
+            <p:nvPr/>
+          </p:nvSpPr>
+          <p:spPr>
+            <a:xfrm>
+              <a:off x="923925" y="2962275"/>
+              <a:ext cx="3505200" cy="276225"/>
+            </a:xfrm>
+            <a:prstGeom prst="rect">
+              <a:avLst/>
+            </a:prstGeom>
+            <a:noFill/>
+            <a:ln>
+              <a:solidFill>
+                <a:srgbClr val="FF0000"/>
+              </a:solidFill>
+            </a:ln>
+          </p:spPr>
+          <p:style>
+            <a:lnRef idx="2">
+              <a:schemeClr val="accent1">
+                <a:shade val="15000"/>
+              </a:schemeClr>
+            </a:lnRef>
+            <a:fillRef idx="1">
+              <a:schemeClr val="accent1"/>
+            </a:fillRef>
+            <a:effectRef idx="0">
+              <a:schemeClr val="accent1"/>
+            </a:effectRef>
+            <a:fontRef idx="minor">
+              <a:schemeClr val="lt1"/>
+            </a:fontRef>
+          </p:style>
+          <p:txBody>
+            <a:bodyPr rtlCol="0" anchor="ctr"/>
+            <a:lstStyle/>
+            <a:p>
+              <a:pPr algn="ctr"/>
+              <a:endParaRPr lang="it-IT"/>
+            </a:p>
+          </p:txBody>
+        </p:sp>
+        <p:sp>
+          <p:nvSpPr>
+            <p:cNvPr id="12" name="Rettangolo 11">
+              <a:extLst>
+                <a:ext uri="{FF2B5EF4-FFF2-40B4-BE49-F238E27FC236}">
+                  <a16:creationId xmlns:a16="http://schemas.microsoft.com/office/drawing/2014/main" id="{0CAE6CBA-9AA0-A93E-1DF7-01B496DA5FFE}"/>
+                </a:ext>
+              </a:extLst>
+            </p:cNvPr>
+            <p:cNvSpPr/>
+            <p:nvPr/>
+          </p:nvSpPr>
+          <p:spPr>
+            <a:xfrm>
+              <a:off x="2374773" y="4244770"/>
+              <a:ext cx="917067" cy="243410"/>
+            </a:xfrm>
+            <a:prstGeom prst="rect">
+              <a:avLst/>
+            </a:prstGeom>
+            <a:noFill/>
+            <a:ln>
+              <a:solidFill>
+                <a:srgbClr val="FF0000"/>
+              </a:solidFill>
+            </a:ln>
+          </p:spPr>
+          <p:style>
+            <a:lnRef idx="2">
+              <a:schemeClr val="accent1">
+                <a:shade val="15000"/>
+              </a:schemeClr>
+            </a:lnRef>
+            <a:fillRef idx="1">
+              <a:schemeClr val="accent1"/>
+            </a:fillRef>
+            <a:effectRef idx="0">
+              <a:schemeClr val="accent1"/>
+            </a:effectRef>
+            <a:fontRef idx="minor">
+              <a:schemeClr val="lt1"/>
+            </a:fontRef>
+          </p:style>
+          <p:txBody>
+            <a:bodyPr rtlCol="0" anchor="ctr"/>
+            <a:lstStyle/>
+            <a:p>
+              <a:pPr algn="ctr"/>
+              <a:endParaRPr lang="it-IT"/>
+            </a:p>
+          </p:txBody>
+        </p:sp>
+      </p:grpSp>
+      <p:grpSp>
+        <p:nvGrpSpPr>
+          <p:cNvPr id="15" name="Gruppo 14">
+            <a:extLst>
+              <a:ext uri="{FF2B5EF4-FFF2-40B4-BE49-F238E27FC236}">
+                <a16:creationId xmlns:a16="http://schemas.microsoft.com/office/drawing/2014/main" id="{693EEAD8-69B9-3AF1-38A9-ACDB9DBAD8C5}"/>
+              </a:ext>
+            </a:extLst>
+          </p:cNvPr>
+          <p:cNvGrpSpPr/>
+          <p:nvPr/>
+        </p:nvGrpSpPr>
+        <p:grpSpPr>
+          <a:xfrm>
+            <a:off x="6282993" y="2433052"/>
+            <a:ext cx="4725059" cy="3896269"/>
+            <a:chOff x="6656939" y="2423908"/>
+            <a:chExt cx="4725059" cy="3896269"/>
+          </a:xfrm>
+        </p:grpSpPr>
+        <p:pic>
+          <p:nvPicPr>
+            <p:cNvPr id="9" name="Immagine 8">
+              <a:extLst>
+                <a:ext uri="{FF2B5EF4-FFF2-40B4-BE49-F238E27FC236}">
+                  <a16:creationId xmlns:a16="http://schemas.microsoft.com/office/drawing/2014/main" id="{032AEF6C-AE9B-AA02-5E38-933CC609404C}"/>
+                </a:ext>
+              </a:extLst>
+            </p:cNvPr>
+            <p:cNvPicPr>
+              <a:picLocks noChangeAspect="1"/>
+            </p:cNvPicPr>
+            <p:nvPr/>
+          </p:nvPicPr>
+          <p:blipFill>
+            <a:blip r:embed="rId3"/>
+            <a:stretch>
+              <a:fillRect/>
+            </a:stretch>
+          </p:blipFill>
+          <p:spPr>
+            <a:xfrm>
+              <a:off x="6656939" y="2423908"/>
+              <a:ext cx="4725059" cy="3896269"/>
+            </a:xfrm>
+            <a:prstGeom prst="rect">
+              <a:avLst/>
+            </a:prstGeom>
+          </p:spPr>
+        </p:pic>
+        <p:sp>
+          <p:nvSpPr>
+            <p:cNvPr id="11" name="Rettangolo 10">
+              <a:extLst>
+                <a:ext uri="{FF2B5EF4-FFF2-40B4-BE49-F238E27FC236}">
+                  <a16:creationId xmlns:a16="http://schemas.microsoft.com/office/drawing/2014/main" id="{AFEA9FF0-FD74-14ED-9652-0374653D8548}"/>
+                </a:ext>
+              </a:extLst>
+            </p:cNvPr>
+            <p:cNvSpPr/>
+            <p:nvPr/>
+          </p:nvSpPr>
+          <p:spPr>
+            <a:xfrm>
+              <a:off x="6910197" y="2950083"/>
+              <a:ext cx="3505200" cy="276225"/>
+            </a:xfrm>
+            <a:prstGeom prst="rect">
+              <a:avLst/>
+            </a:prstGeom>
+            <a:noFill/>
+            <a:ln>
+              <a:solidFill>
+                <a:srgbClr val="FF0000"/>
+              </a:solidFill>
+            </a:ln>
+          </p:spPr>
+          <p:style>
+            <a:lnRef idx="2">
+              <a:schemeClr val="accent1">
+                <a:shade val="15000"/>
+              </a:schemeClr>
+            </a:lnRef>
+            <a:fillRef idx="1">
+              <a:schemeClr val="accent1"/>
+            </a:fillRef>
+            <a:effectRef idx="0">
+              <a:schemeClr val="accent1"/>
+            </a:effectRef>
+            <a:fontRef idx="minor">
+              <a:schemeClr val="lt1"/>
+            </a:fontRef>
+          </p:style>
+          <p:txBody>
+            <a:bodyPr rtlCol="0" anchor="ctr"/>
+            <a:lstStyle/>
+            <a:p>
+              <a:pPr algn="ctr"/>
+              <a:endParaRPr lang="it-IT"/>
+            </a:p>
+          </p:txBody>
+        </p:sp>
+        <p:sp>
+          <p:nvSpPr>
+            <p:cNvPr id="13" name="Rettangolo 12">
+              <a:extLst>
+                <a:ext uri="{FF2B5EF4-FFF2-40B4-BE49-F238E27FC236}">
+                  <a16:creationId xmlns:a16="http://schemas.microsoft.com/office/drawing/2014/main" id="{F61B5D6A-065E-9E44-B691-F9DC1439B28A}"/>
+                </a:ext>
+              </a:extLst>
+            </p:cNvPr>
+            <p:cNvSpPr/>
+            <p:nvPr/>
+          </p:nvSpPr>
+          <p:spPr>
+            <a:xfrm>
+              <a:off x="8873109" y="4022266"/>
+              <a:ext cx="917067" cy="243410"/>
+            </a:xfrm>
+            <a:prstGeom prst="rect">
+              <a:avLst/>
+            </a:prstGeom>
+            <a:noFill/>
+            <a:ln>
+              <a:solidFill>
+                <a:srgbClr val="FF0000"/>
+              </a:solidFill>
+            </a:ln>
+          </p:spPr>
+          <p:style>
+            <a:lnRef idx="2">
+              <a:schemeClr val="accent1">
+                <a:shade val="15000"/>
+              </a:schemeClr>
+            </a:lnRef>
+            <a:fillRef idx="1">
+              <a:schemeClr val="accent1"/>
+            </a:fillRef>
+            <a:effectRef idx="0">
+              <a:schemeClr val="accent1"/>
+            </a:effectRef>
+            <a:fontRef idx="minor">
+              <a:schemeClr val="lt1"/>
+            </a:fontRef>
+          </p:style>
+          <p:txBody>
+            <a:bodyPr rtlCol="0" anchor="ctr"/>
+            <a:lstStyle/>
+            <a:p>
+              <a:pPr algn="ctr"/>
+              <a:endParaRPr lang="it-IT"/>
+            </a:p>
+          </p:txBody>
+        </p:sp>
+      </p:grpSp>
+    </p:spTree>
+    <p:extLst>
+      <p:ext uri="{BB962C8B-B14F-4D97-AF65-F5344CB8AC3E}">
+        <p14:creationId xmlns:p14="http://schemas.microsoft.com/office/powerpoint/2010/main" val="3826393630"/>
+      </p:ext>
+    </p:extLst>
+  </p:cSld>
+  <p:clrMapOvr>
+    <a:masterClrMapping/>
+  </p:clrMapOvr>
+</p:sld>
+</file>
+
 <file path=ppt/theme/theme1.xml><?xml version="1.0" encoding="utf-8"?>
 <a:theme xmlns:a="http://schemas.openxmlformats.org/drawingml/2006/main" name="Citazione">
   <a:themeElements>

--- a/Progetto_HPC.pptx
+++ b/Progetto_HPC.pptx
@@ -5,7 +5,7 @@
     <p:sldMasterId id="2147483702" r:id="rId1"/>
   </p:sldMasterIdLst>
   <p:notesMasterIdLst>
-    <p:notesMasterId r:id="rId16"/>
+    <p:notesMasterId r:id="rId17"/>
   </p:notesMasterIdLst>
   <p:sldIdLst>
     <p:sldId id="256" r:id="rId2"/>
@@ -18,10 +18,11 @@
     <p:sldId id="264" r:id="rId9"/>
     <p:sldId id="268" r:id="rId10"/>
     <p:sldId id="269" r:id="rId11"/>
-    <p:sldId id="270" r:id="rId12"/>
-    <p:sldId id="265" r:id="rId13"/>
-    <p:sldId id="266" r:id="rId14"/>
-    <p:sldId id="267" r:id="rId15"/>
+    <p:sldId id="271" r:id="rId12"/>
+    <p:sldId id="270" r:id="rId13"/>
+    <p:sldId id="265" r:id="rId14"/>
+    <p:sldId id="266" r:id="rId15"/>
+    <p:sldId id="267" r:id="rId16"/>
   </p:sldIdLst>
   <p:sldSz cx="12192000" cy="6858000"/>
   <p:notesSz cx="6858000" cy="9144000"/>
@@ -210,7 +211,7 @@
           <a:p>
             <a:fld id="{7A6B8BA8-9730-4143-87AF-75D0AEF250E9}" type="datetimeFigureOut">
               <a:rPr lang="it-IT" smtClean="0"/>
-              <a:t>31/05/2025</a:t>
+              <a:t>04/06/2025</a:t>
             </a:fld>
             <a:endParaRPr lang="it-IT"/>
           </a:p>
@@ -656,7 +657,7 @@
           <a:effectLst/>
           <a:extLst>
             <a:ext uri="{91240B29-F687-4f45-9708-019B960494DF}">
-              <a14:hiddenLine xmlns="" xmlns:a14="http://schemas.microsoft.com/office/drawing/2010/main" w="9525">
+              <a14:hiddenLine xmlns:a14="http://schemas.microsoft.com/office/drawing/2010/main" xmlns="" w="9525">
                 <a:solidFill>
                   <a:srgbClr val="000000"/>
                 </a:solidFill>
@@ -848,7 +849,7 @@
           <a:p>
             <a:fld id="{D755A5FA-FE2E-4D01-B65C-4DF6F364A15B}" type="datetimeFigureOut">
               <a:rPr lang="it-IT" smtClean="0"/>
-              <a:t>31/05/2025</a:t>
+              <a:t>04/06/2025</a:t>
             </a:fld>
             <a:endParaRPr lang="it-IT"/>
           </a:p>
@@ -1166,7 +1167,7 @@
           <a:p>
             <a:fld id="{D755A5FA-FE2E-4D01-B65C-4DF6F364A15B}" type="datetimeFigureOut">
               <a:rPr lang="it-IT" smtClean="0"/>
-              <a:t>31/05/2025</a:t>
+              <a:t>04/06/2025</a:t>
             </a:fld>
             <a:endParaRPr lang="it-IT"/>
           </a:p>
@@ -1654,7 +1655,7 @@
           <a:p>
             <a:fld id="{D755A5FA-FE2E-4D01-B65C-4DF6F364A15B}" type="datetimeFigureOut">
               <a:rPr lang="it-IT" smtClean="0"/>
-              <a:t>31/05/2025</a:t>
+              <a:t>04/06/2025</a:t>
             </a:fld>
             <a:endParaRPr lang="it-IT"/>
           </a:p>
@@ -2023,7 +2024,7 @@
           <a:p>
             <a:fld id="{D755A5FA-FE2E-4D01-B65C-4DF6F364A15B}" type="datetimeFigureOut">
               <a:rPr lang="it-IT" smtClean="0"/>
-              <a:t>31/05/2025</a:t>
+              <a:t>04/06/2025</a:t>
             </a:fld>
             <a:endParaRPr lang="it-IT"/>
           </a:p>
@@ -2178,7 +2179,7 @@
           <a:ln/>
           <a:extLst>
             <a:ext uri="{91240B29-F687-4f45-9708-019B960494DF}">
-              <a14:hiddenLine xmlns="" xmlns:a14="http://schemas.microsoft.com/office/drawing/2010/main" w="9525">
+              <a14:hiddenLine xmlns:a14="http://schemas.microsoft.com/office/drawing/2010/main" xmlns="" w="9525">
                 <a:solidFill>
                   <a:srgbClr val="000000"/>
                 </a:solidFill>
@@ -2296,7 +2297,7 @@
           <a:p>
             <a:fld id="{D755A5FA-FE2E-4D01-B65C-4DF6F364A15B}" type="datetimeFigureOut">
               <a:rPr lang="it-IT" smtClean="0"/>
-              <a:t>31/05/2025</a:t>
+              <a:t>04/06/2025</a:t>
             </a:fld>
             <a:endParaRPr lang="it-IT"/>
           </a:p>
@@ -2453,7 +2454,7 @@
           <a:ln/>
           <a:extLst>
             <a:ext uri="{91240B29-F687-4f45-9708-019B960494DF}">
-              <a14:hiddenLine xmlns="" xmlns:a14="http://schemas.microsoft.com/office/drawing/2010/main" w="9525">
+              <a14:hiddenLine xmlns:a14="http://schemas.microsoft.com/office/drawing/2010/main" xmlns="" w="9525">
                 <a:solidFill>
                   <a:srgbClr val="000000"/>
                 </a:solidFill>
@@ -2581,7 +2582,7 @@
           <a:p>
             <a:fld id="{D755A5FA-FE2E-4D01-B65C-4DF6F364A15B}" type="datetimeFigureOut">
               <a:rPr lang="it-IT" smtClean="0"/>
-              <a:t>31/05/2025</a:t>
+              <a:t>04/06/2025</a:t>
             </a:fld>
             <a:endParaRPr lang="it-IT"/>
           </a:p>
@@ -2736,7 +2737,7 @@
           <a:ln/>
           <a:extLst>
             <a:ext uri="{91240B29-F687-4f45-9708-019B960494DF}">
-              <a14:hiddenLine xmlns="" xmlns:a14="http://schemas.microsoft.com/office/drawing/2010/main" w="9525">
+              <a14:hiddenLine xmlns:a14="http://schemas.microsoft.com/office/drawing/2010/main" xmlns="" w="9525">
                 <a:solidFill>
                   <a:srgbClr val="000000"/>
                 </a:solidFill>
@@ -2864,7 +2865,7 @@
           <a:p>
             <a:fld id="{D755A5FA-FE2E-4D01-B65C-4DF6F364A15B}" type="datetimeFigureOut">
               <a:rPr lang="it-IT" smtClean="0"/>
-              <a:t>31/05/2025</a:t>
+              <a:t>04/06/2025</a:t>
             </a:fld>
             <a:endParaRPr lang="it-IT"/>
           </a:p>
@@ -3207,7 +3208,7 @@
           <a:p>
             <a:fld id="{D755A5FA-FE2E-4D01-B65C-4DF6F364A15B}" type="datetimeFigureOut">
               <a:rPr lang="it-IT" smtClean="0"/>
-              <a:t>31/05/2025</a:t>
+              <a:t>04/06/2025</a:t>
             </a:fld>
             <a:endParaRPr lang="it-IT"/>
           </a:p>
@@ -3362,7 +3363,7 @@
           <a:ln/>
           <a:extLst>
             <a:ext uri="{91240B29-F687-4f45-9708-019B960494DF}">
-              <a14:hiddenLine xmlns="" xmlns:a14="http://schemas.microsoft.com/office/drawing/2010/main" w="9525">
+              <a14:hiddenLine xmlns:a14="http://schemas.microsoft.com/office/drawing/2010/main" xmlns="" w="9525">
                 <a:solidFill>
                   <a:srgbClr val="000000"/>
                 </a:solidFill>
@@ -3546,7 +3547,7 @@
           <a:p>
             <a:fld id="{D755A5FA-FE2E-4D01-B65C-4DF6F364A15B}" type="datetimeFigureOut">
               <a:rPr lang="it-IT" smtClean="0"/>
-              <a:t>31/05/2025</a:t>
+              <a:t>04/06/2025</a:t>
             </a:fld>
             <a:endParaRPr lang="it-IT"/>
           </a:p>
@@ -3701,7 +3702,7 @@
           <a:ln/>
           <a:extLst>
             <a:ext uri="{91240B29-F687-4f45-9708-019B960494DF}">
-              <a14:hiddenLine xmlns="" xmlns:a14="http://schemas.microsoft.com/office/drawing/2010/main" w="9525">
+              <a14:hiddenLine xmlns:a14="http://schemas.microsoft.com/office/drawing/2010/main" xmlns="" w="9525">
                 <a:solidFill>
                   <a:srgbClr val="000000"/>
                 </a:solidFill>
@@ -4023,7 +4024,7 @@
           <a:p>
             <a:fld id="{D755A5FA-FE2E-4D01-B65C-4DF6F364A15B}" type="datetimeFigureOut">
               <a:rPr lang="it-IT" smtClean="0"/>
-              <a:t>31/05/2025</a:t>
+              <a:t>04/06/2025</a:t>
             </a:fld>
             <a:endParaRPr lang="it-IT"/>
           </a:p>
@@ -4178,7 +4179,7 @@
           <a:ln/>
           <a:extLst>
             <a:ext uri="{91240B29-F687-4f45-9708-019B960494DF}">
-              <a14:hiddenLine xmlns="" xmlns:a14="http://schemas.microsoft.com/office/drawing/2010/main" w="9525">
+              <a14:hiddenLine xmlns:a14="http://schemas.microsoft.com/office/drawing/2010/main" xmlns="" w="9525">
                 <a:solidFill>
                   <a:srgbClr val="000000"/>
                 </a:solidFill>
@@ -4244,7 +4245,7 @@
           <a:p>
             <a:fld id="{D755A5FA-FE2E-4D01-B65C-4DF6F364A15B}" type="datetimeFigureOut">
               <a:rPr lang="it-IT" smtClean="0"/>
-              <a:t>31/05/2025</a:t>
+              <a:t>04/06/2025</a:t>
             </a:fld>
             <a:endParaRPr lang="it-IT"/>
           </a:p>
@@ -4339,7 +4340,7 @@
           <a:p>
             <a:fld id="{D755A5FA-FE2E-4D01-B65C-4DF6F364A15B}" type="datetimeFigureOut">
               <a:rPr lang="it-IT" smtClean="0"/>
-              <a:t>31/05/2025</a:t>
+              <a:t>04/06/2025</a:t>
             </a:fld>
             <a:endParaRPr lang="it-IT"/>
           </a:p>
@@ -4607,7 +4608,7 @@
           <a:ln/>
           <a:extLst>
             <a:ext uri="{91240B29-F687-4f45-9708-019B960494DF}">
-              <a14:hiddenLine xmlns="" xmlns:a14="http://schemas.microsoft.com/office/drawing/2010/main" w="9525">
+              <a14:hiddenLine xmlns:a14="http://schemas.microsoft.com/office/drawing/2010/main" xmlns="" w="9525">
                 <a:solidFill>
                   <a:srgbClr val="000000"/>
                 </a:solidFill>
@@ -4806,7 +4807,7 @@
           <a:p>
             <a:fld id="{D755A5FA-FE2E-4D01-B65C-4DF6F364A15B}" type="datetimeFigureOut">
               <a:rPr lang="it-IT" smtClean="0"/>
-              <a:t>31/05/2025</a:t>
+              <a:t>04/06/2025</a:t>
             </a:fld>
             <a:endParaRPr lang="it-IT"/>
           </a:p>
@@ -5119,7 +5120,7 @@
           <a:p>
             <a:fld id="{D755A5FA-FE2E-4D01-B65C-4DF6F364A15B}" type="datetimeFigureOut">
               <a:rPr lang="it-IT" smtClean="0"/>
-              <a:t>31/05/2025</a:t>
+              <a:t>04/06/2025</a:t>
             </a:fld>
             <a:endParaRPr lang="it-IT"/>
           </a:p>
@@ -5389,7 +5390,7 @@
           <a:p>
             <a:fld id="{D755A5FA-FE2E-4D01-B65C-4DF6F364A15B}" type="datetimeFigureOut">
               <a:rPr lang="it-IT" smtClean="0"/>
-              <a:t>31/05/2025</a:t>
+              <a:t>04/06/2025</a:t>
             </a:fld>
             <a:endParaRPr lang="it-IT"/>
           </a:p>
@@ -6432,6 +6433,136 @@
         <p:cNvPr id="1" name="">
           <a:extLst>
             <a:ext uri="{FF2B5EF4-FFF2-40B4-BE49-F238E27FC236}">
+              <a16:creationId xmlns:a16="http://schemas.microsoft.com/office/drawing/2014/main" id="{79BAA4CF-F887-5995-B5E5-1F56929DD2C7}"/>
+            </a:ext>
+          </a:extLst>
+        </p:cNvPr>
+        <p:cNvGrpSpPr/>
+        <p:nvPr/>
+      </p:nvGrpSpPr>
+      <p:grpSpPr>
+        <a:xfrm>
+          <a:off x="0" y="0"/>
+          <a:ext cx="0" cy="0"/>
+          <a:chOff x="0" y="0"/>
+          <a:chExt cx="0" cy="0"/>
+        </a:xfrm>
+      </p:grpSpPr>
+      <p:sp>
+        <p:nvSpPr>
+          <p:cNvPr id="2" name="Titolo 1">
+            <a:extLst>
+              <a:ext uri="{FF2B5EF4-FFF2-40B4-BE49-F238E27FC236}">
+                <a16:creationId xmlns:a16="http://schemas.microsoft.com/office/drawing/2014/main" id="{3E700D78-A1DC-2C32-3B87-C1C607A3156E}"/>
+              </a:ext>
+            </a:extLst>
+          </p:cNvPr>
+          <p:cNvSpPr>
+            <a:spLocks noGrp="1"/>
+          </p:cNvSpPr>
+          <p:nvPr>
+            <p:ph type="title"/>
+          </p:nvPr>
+        </p:nvSpPr>
+        <p:spPr/>
+        <p:txBody>
+          <a:bodyPr/>
+          <a:lstStyle/>
+          <a:p>
+            <a:r>
+              <a:rPr lang="it-IT" dirty="0" err="1"/>
+              <a:t>Parallelization</a:t>
+            </a:r>
+            <a:r>
+              <a:rPr lang="it-IT" dirty="0"/>
+              <a:t> (3)</a:t>
+            </a:r>
+          </a:p>
+        </p:txBody>
+      </p:sp>
+      <p:pic>
+        <p:nvPicPr>
+          <p:cNvPr id="5" name="Immagine 4">
+            <a:extLst>
+              <a:ext uri="{FF2B5EF4-FFF2-40B4-BE49-F238E27FC236}">
+                <a16:creationId xmlns:a16="http://schemas.microsoft.com/office/drawing/2014/main" id="{35C0E214-4BC0-0CC7-62F7-65F45A911CC5}"/>
+              </a:ext>
+            </a:extLst>
+          </p:cNvPr>
+          <p:cNvPicPr>
+            <a:picLocks noChangeAspect="1"/>
+          </p:cNvPicPr>
+          <p:nvPr/>
+        </p:nvPicPr>
+        <p:blipFill>
+          <a:blip r:embed="rId2"/>
+          <a:srcRect b="34897"/>
+          <a:stretch>
+            <a:fillRect/>
+          </a:stretch>
+        </p:blipFill>
+        <p:spPr>
+          <a:xfrm>
+            <a:off x="810000" y="2519935"/>
+            <a:ext cx="6173061" cy="3547490"/>
+          </a:xfrm>
+          <a:prstGeom prst="rect">
+            <a:avLst/>
+          </a:prstGeom>
+        </p:spPr>
+      </p:pic>
+      <p:pic>
+        <p:nvPicPr>
+          <p:cNvPr id="9" name="Immagine 8">
+            <a:extLst>
+              <a:ext uri="{FF2B5EF4-FFF2-40B4-BE49-F238E27FC236}">
+                <a16:creationId xmlns:a16="http://schemas.microsoft.com/office/drawing/2014/main" id="{27B48C32-9862-1605-491E-DF57D1BEBD73}"/>
+              </a:ext>
+            </a:extLst>
+          </p:cNvPr>
+          <p:cNvPicPr>
+            <a:picLocks noChangeAspect="1"/>
+          </p:cNvPicPr>
+          <p:nvPr/>
+        </p:nvPicPr>
+        <p:blipFill>
+          <a:blip r:embed="rId2"/>
+          <a:srcRect t="65550"/>
+          <a:stretch>
+            <a:fillRect/>
+          </a:stretch>
+        </p:blipFill>
+        <p:spPr>
+          <a:xfrm>
+            <a:off x="5867398" y="3143249"/>
+            <a:ext cx="6173061" cy="1877185"/>
+          </a:xfrm>
+          <a:prstGeom prst="rect">
+            <a:avLst/>
+          </a:prstGeom>
+        </p:spPr>
+      </p:pic>
+    </p:spTree>
+    <p:extLst>
+      <p:ext uri="{BB962C8B-B14F-4D97-AF65-F5344CB8AC3E}">
+        <p14:creationId xmlns:p14="http://schemas.microsoft.com/office/powerpoint/2010/main" val="2837195195"/>
+      </p:ext>
+    </p:extLst>
+  </p:cSld>
+  <p:clrMapOvr>
+    <a:masterClrMapping/>
+  </p:clrMapOvr>
+</p:sld>
+</file>
+
+<file path=ppt/slides/slide12.xml><?xml version="1.0" encoding="utf-8"?>
+<p:sld xmlns:a="http://schemas.openxmlformats.org/drawingml/2006/main" xmlns:r="http://schemas.openxmlformats.org/officeDocument/2006/relationships" xmlns:p="http://schemas.openxmlformats.org/presentationml/2006/main">
+  <p:cSld>
+    <p:spTree>
+      <p:nvGrpSpPr>
+        <p:cNvPr id="1" name="">
+          <a:extLst>
+            <a:ext uri="{FF2B5EF4-FFF2-40B4-BE49-F238E27FC236}">
               <a16:creationId xmlns:a16="http://schemas.microsoft.com/office/drawing/2014/main" id="{FAA579CA-717E-3135-0EC6-E2FA07C970D3}"/>
             </a:ext>
           </a:extLst>
@@ -6582,7 +6713,7 @@
 </p:sld>
 </file>
 
-<file path=ppt/slides/slide12.xml><?xml version="1.0" encoding="utf-8"?>
+<file path=ppt/slides/slide13.xml><?xml version="1.0" encoding="utf-8"?>
 <p:sld xmlns:a="http://schemas.openxmlformats.org/drawingml/2006/main" xmlns:r="http://schemas.openxmlformats.org/officeDocument/2006/relationships" xmlns:p="http://schemas.openxmlformats.org/presentationml/2006/main">
   <p:cSld>
     <p:spTree>
@@ -6745,7 +6876,7 @@
 </p:sld>
 </file>
 
-<file path=ppt/slides/slide13.xml><?xml version="1.0" encoding="utf-8"?>
+<file path=ppt/slides/slide14.xml><?xml version="1.0" encoding="utf-8"?>
 <p:sld xmlns:a="http://schemas.openxmlformats.org/drawingml/2006/main" xmlns:r="http://schemas.openxmlformats.org/officeDocument/2006/relationships" xmlns:p="http://schemas.openxmlformats.org/presentationml/2006/main">
   <p:cSld>
     <p:spTree>
@@ -8335,7 +8466,7 @@
 </p:sld>
 </file>
 
-<file path=ppt/slides/slide14.xml><?xml version="1.0" encoding="utf-8"?>
+<file path=ppt/slides/slide15.xml><?xml version="1.0" encoding="utf-8"?>
 <p:sld xmlns:a="http://schemas.openxmlformats.org/drawingml/2006/main" xmlns:r="http://schemas.openxmlformats.org/officeDocument/2006/relationships" xmlns:p="http://schemas.openxmlformats.org/presentationml/2006/main">
   <p:cSld>
     <p:spTree>
@@ -8714,7 +8845,7 @@
             </a:r>
             <a:r>
               <a:rPr lang="en-US" b="1" dirty="0"/>
-              <a:t>C++ </a:t>
+              <a:t>C </a:t>
             </a:r>
             <a:r>
               <a:rPr lang="en-US" dirty="0"/>

--- a/Progetto_HPC.pptx
+++ b/Progetto_HPC.pptx
@@ -657,7 +657,7 @@
           <a:effectLst/>
           <a:extLst>
             <a:ext uri="{91240B29-F687-4f45-9708-019B960494DF}">
-              <a14:hiddenLine xmlns:a14="http://schemas.microsoft.com/office/drawing/2010/main" xmlns="" w="9525">
+              <a14:hiddenLine xmlns="" xmlns:a14="http://schemas.microsoft.com/office/drawing/2010/main" w="9525">
                 <a:solidFill>
                   <a:srgbClr val="000000"/>
                 </a:solidFill>
@@ -2179,7 +2179,7 @@
           <a:ln/>
           <a:extLst>
             <a:ext uri="{91240B29-F687-4f45-9708-019B960494DF}">
-              <a14:hiddenLine xmlns:a14="http://schemas.microsoft.com/office/drawing/2010/main" xmlns="" w="9525">
+              <a14:hiddenLine xmlns="" xmlns:a14="http://schemas.microsoft.com/office/drawing/2010/main" w="9525">
                 <a:solidFill>
                   <a:srgbClr val="000000"/>
                 </a:solidFill>
@@ -2454,7 +2454,7 @@
           <a:ln/>
           <a:extLst>
             <a:ext uri="{91240B29-F687-4f45-9708-019B960494DF}">
-              <a14:hiddenLine xmlns:a14="http://schemas.microsoft.com/office/drawing/2010/main" xmlns="" w="9525">
+              <a14:hiddenLine xmlns="" xmlns:a14="http://schemas.microsoft.com/office/drawing/2010/main" w="9525">
                 <a:solidFill>
                   <a:srgbClr val="000000"/>
                 </a:solidFill>
@@ -2737,7 +2737,7 @@
           <a:ln/>
           <a:extLst>
             <a:ext uri="{91240B29-F687-4f45-9708-019B960494DF}">
-              <a14:hiddenLine xmlns:a14="http://schemas.microsoft.com/office/drawing/2010/main" xmlns="" w="9525">
+              <a14:hiddenLine xmlns="" xmlns:a14="http://schemas.microsoft.com/office/drawing/2010/main" w="9525">
                 <a:solidFill>
                   <a:srgbClr val="000000"/>
                 </a:solidFill>
@@ -3363,7 +3363,7 @@
           <a:ln/>
           <a:extLst>
             <a:ext uri="{91240B29-F687-4f45-9708-019B960494DF}">
-              <a14:hiddenLine xmlns:a14="http://schemas.microsoft.com/office/drawing/2010/main" xmlns="" w="9525">
+              <a14:hiddenLine xmlns="" xmlns:a14="http://schemas.microsoft.com/office/drawing/2010/main" w="9525">
                 <a:solidFill>
                   <a:srgbClr val="000000"/>
                 </a:solidFill>
@@ -3702,7 +3702,7 @@
           <a:ln/>
           <a:extLst>
             <a:ext uri="{91240B29-F687-4f45-9708-019B960494DF}">
-              <a14:hiddenLine xmlns:a14="http://schemas.microsoft.com/office/drawing/2010/main" xmlns="" w="9525">
+              <a14:hiddenLine xmlns="" xmlns:a14="http://schemas.microsoft.com/office/drawing/2010/main" w="9525">
                 <a:solidFill>
                   <a:srgbClr val="000000"/>
                 </a:solidFill>
@@ -4179,7 +4179,7 @@
           <a:ln/>
           <a:extLst>
             <a:ext uri="{91240B29-F687-4f45-9708-019B960494DF}">
-              <a14:hiddenLine xmlns:a14="http://schemas.microsoft.com/office/drawing/2010/main" xmlns="" w="9525">
+              <a14:hiddenLine xmlns="" xmlns:a14="http://schemas.microsoft.com/office/drawing/2010/main" w="9525">
                 <a:solidFill>
                   <a:srgbClr val="000000"/>
                 </a:solidFill>
@@ -4608,7 +4608,7 @@
           <a:ln/>
           <a:extLst>
             <a:ext uri="{91240B29-F687-4f45-9708-019B960494DF}">
-              <a14:hiddenLine xmlns:a14="http://schemas.microsoft.com/office/drawing/2010/main" xmlns="" w="9525">
+              <a14:hiddenLine xmlns="" xmlns:a14="http://schemas.microsoft.com/office/drawing/2010/main" w="9525">
                 <a:solidFill>
                   <a:srgbClr val="000000"/>
                 </a:solidFill>
@@ -6511,37 +6511,118 @@
           </a:prstGeom>
         </p:spPr>
       </p:pic>
-      <p:pic>
-        <p:nvPicPr>
-          <p:cNvPr id="9" name="Immagine 8">
+      <p:grpSp>
+        <p:nvGrpSpPr>
+          <p:cNvPr id="8" name="Gruppo 7">
             <a:extLst>
               <a:ext uri="{FF2B5EF4-FFF2-40B4-BE49-F238E27FC236}">
-                <a16:creationId xmlns:a16="http://schemas.microsoft.com/office/drawing/2014/main" id="{27B48C32-9862-1605-491E-DF57D1BEBD73}"/>
+                <a16:creationId xmlns:a16="http://schemas.microsoft.com/office/drawing/2014/main" id="{E8F77026-8720-7E11-C368-CBAFD4D198C7}"/>
               </a:ext>
             </a:extLst>
           </p:cNvPr>
-          <p:cNvPicPr>
-            <a:picLocks noChangeAspect="1"/>
-          </p:cNvPicPr>
+          <p:cNvGrpSpPr/>
           <p:nvPr/>
-        </p:nvPicPr>
-        <p:blipFill>
-          <a:blip r:embed="rId2"/>
-          <a:srcRect t="65550"/>
-          <a:stretch>
-            <a:fillRect/>
-          </a:stretch>
-        </p:blipFill>
-        <p:spPr>
+        </p:nvGrpSpPr>
+        <p:grpSpPr>
           <a:xfrm>
-            <a:off x="5867398" y="3143249"/>
-            <a:ext cx="6173061" cy="1877185"/>
+            <a:off x="5840413" y="2755394"/>
+            <a:ext cx="6173061" cy="3076571"/>
+            <a:chOff x="5867845" y="2519935"/>
+            <a:chExt cx="6173061" cy="3076571"/>
           </a:xfrm>
-          <a:prstGeom prst="rect">
-            <a:avLst/>
-          </a:prstGeom>
-        </p:spPr>
-      </p:pic>
+        </p:grpSpPr>
+        <p:pic>
+          <p:nvPicPr>
+            <p:cNvPr id="9" name="Immagine 8">
+              <a:extLst>
+                <a:ext uri="{FF2B5EF4-FFF2-40B4-BE49-F238E27FC236}">
+                  <a16:creationId xmlns:a16="http://schemas.microsoft.com/office/drawing/2014/main" id="{27B48C32-9862-1605-491E-DF57D1BEBD73}"/>
+                </a:ext>
+              </a:extLst>
+            </p:cNvPr>
+            <p:cNvPicPr>
+              <a:picLocks noChangeAspect="1"/>
+            </p:cNvPicPr>
+            <p:nvPr/>
+          </p:nvPicPr>
+          <p:blipFill>
+            <a:blip r:embed="rId2"/>
+            <a:srcRect t="65550"/>
+            <a:stretch>
+              <a:fillRect/>
+            </a:stretch>
+          </p:blipFill>
+          <p:spPr>
+            <a:xfrm>
+              <a:off x="5867845" y="3719321"/>
+              <a:ext cx="6173061" cy="1877185"/>
+            </a:xfrm>
+            <a:prstGeom prst="rect">
+              <a:avLst/>
+            </a:prstGeom>
+          </p:spPr>
+        </p:pic>
+        <p:pic>
+          <p:nvPicPr>
+            <p:cNvPr id="4" name="Immagine 3">
+              <a:extLst>
+                <a:ext uri="{FF2B5EF4-FFF2-40B4-BE49-F238E27FC236}">
+                  <a16:creationId xmlns:a16="http://schemas.microsoft.com/office/drawing/2014/main" id="{78C83EF3-5C92-636B-2424-621A8DC22C3E}"/>
+                </a:ext>
+              </a:extLst>
+            </p:cNvPr>
+            <p:cNvPicPr>
+              <a:picLocks noChangeAspect="1"/>
+            </p:cNvPicPr>
+            <p:nvPr/>
+          </p:nvPicPr>
+          <p:blipFill>
+            <a:blip r:embed="rId3"/>
+            <a:stretch>
+              <a:fillRect/>
+            </a:stretch>
+          </p:blipFill>
+          <p:spPr>
+            <a:xfrm>
+              <a:off x="5950141" y="2519935"/>
+              <a:ext cx="4534533" cy="600159"/>
+            </a:xfrm>
+            <a:prstGeom prst="rect">
+              <a:avLst/>
+            </a:prstGeom>
+          </p:spPr>
+        </p:pic>
+        <p:pic>
+          <p:nvPicPr>
+            <p:cNvPr id="7" name="Immagine 6">
+              <a:extLst>
+                <a:ext uri="{FF2B5EF4-FFF2-40B4-BE49-F238E27FC236}">
+                  <a16:creationId xmlns:a16="http://schemas.microsoft.com/office/drawing/2014/main" id="{93036A05-2EBF-4E57-01BB-7F93A3837F9F}"/>
+                </a:ext>
+              </a:extLst>
+            </p:cNvPr>
+            <p:cNvPicPr>
+              <a:picLocks noChangeAspect="1"/>
+            </p:cNvPicPr>
+            <p:nvPr/>
+          </p:nvPicPr>
+          <p:blipFill>
+            <a:blip r:embed="rId4"/>
+            <a:stretch>
+              <a:fillRect/>
+            </a:stretch>
+          </p:blipFill>
+          <p:spPr>
+            <a:xfrm>
+              <a:off x="5950141" y="3166710"/>
+              <a:ext cx="4906060" cy="562053"/>
+            </a:xfrm>
+            <a:prstGeom prst="rect">
+              <a:avLst/>
+            </a:prstGeom>
+          </p:spPr>
+        </p:pic>
+      </p:grpSp>
     </p:spTree>
     <p:extLst>
       <p:ext uri="{BB962C8B-B14F-4D97-AF65-F5344CB8AC3E}">

--- a/Progetto_HPC.pptx
+++ b/Progetto_HPC.pptx
@@ -211,7 +211,7 @@
           <a:p>
             <a:fld id="{7A6B8BA8-9730-4143-87AF-75D0AEF250E9}" type="datetimeFigureOut">
               <a:rPr lang="it-IT" smtClean="0"/>
-              <a:t>04/06/2025</a:t>
+              <a:t>07/06/2025</a:t>
             </a:fld>
             <a:endParaRPr lang="it-IT"/>
           </a:p>
@@ -657,7 +657,7 @@
           <a:effectLst/>
           <a:extLst>
             <a:ext uri="{91240B29-F687-4f45-9708-019B960494DF}">
-              <a14:hiddenLine xmlns="" xmlns:a14="http://schemas.microsoft.com/office/drawing/2010/main" w="9525">
+              <a14:hiddenLine xmlns:a14="http://schemas.microsoft.com/office/drawing/2010/main" xmlns="" w="9525">
                 <a:solidFill>
                   <a:srgbClr val="000000"/>
                 </a:solidFill>
@@ -849,7 +849,7 @@
           <a:p>
             <a:fld id="{D755A5FA-FE2E-4D01-B65C-4DF6F364A15B}" type="datetimeFigureOut">
               <a:rPr lang="it-IT" smtClean="0"/>
-              <a:t>04/06/2025</a:t>
+              <a:t>07/06/2025</a:t>
             </a:fld>
             <a:endParaRPr lang="it-IT"/>
           </a:p>
@@ -1167,7 +1167,7 @@
           <a:p>
             <a:fld id="{D755A5FA-FE2E-4D01-B65C-4DF6F364A15B}" type="datetimeFigureOut">
               <a:rPr lang="it-IT" smtClean="0"/>
-              <a:t>04/06/2025</a:t>
+              <a:t>07/06/2025</a:t>
             </a:fld>
             <a:endParaRPr lang="it-IT"/>
           </a:p>
@@ -1655,7 +1655,7 @@
           <a:p>
             <a:fld id="{D755A5FA-FE2E-4D01-B65C-4DF6F364A15B}" type="datetimeFigureOut">
               <a:rPr lang="it-IT" smtClean="0"/>
-              <a:t>04/06/2025</a:t>
+              <a:t>07/06/2025</a:t>
             </a:fld>
             <a:endParaRPr lang="it-IT"/>
           </a:p>
@@ -2024,7 +2024,7 @@
           <a:p>
             <a:fld id="{D755A5FA-FE2E-4D01-B65C-4DF6F364A15B}" type="datetimeFigureOut">
               <a:rPr lang="it-IT" smtClean="0"/>
-              <a:t>04/06/2025</a:t>
+              <a:t>07/06/2025</a:t>
             </a:fld>
             <a:endParaRPr lang="it-IT"/>
           </a:p>
@@ -2179,7 +2179,7 @@
           <a:ln/>
           <a:extLst>
             <a:ext uri="{91240B29-F687-4f45-9708-019B960494DF}">
-              <a14:hiddenLine xmlns="" xmlns:a14="http://schemas.microsoft.com/office/drawing/2010/main" w="9525">
+              <a14:hiddenLine xmlns:a14="http://schemas.microsoft.com/office/drawing/2010/main" xmlns="" w="9525">
                 <a:solidFill>
                   <a:srgbClr val="000000"/>
                 </a:solidFill>
@@ -2297,7 +2297,7 @@
           <a:p>
             <a:fld id="{D755A5FA-FE2E-4D01-B65C-4DF6F364A15B}" type="datetimeFigureOut">
               <a:rPr lang="it-IT" smtClean="0"/>
-              <a:t>04/06/2025</a:t>
+              <a:t>07/06/2025</a:t>
             </a:fld>
             <a:endParaRPr lang="it-IT"/>
           </a:p>
@@ -2454,7 +2454,7 @@
           <a:ln/>
           <a:extLst>
             <a:ext uri="{91240B29-F687-4f45-9708-019B960494DF}">
-              <a14:hiddenLine xmlns="" xmlns:a14="http://schemas.microsoft.com/office/drawing/2010/main" w="9525">
+              <a14:hiddenLine xmlns:a14="http://schemas.microsoft.com/office/drawing/2010/main" xmlns="" w="9525">
                 <a:solidFill>
                   <a:srgbClr val="000000"/>
                 </a:solidFill>
@@ -2582,7 +2582,7 @@
           <a:p>
             <a:fld id="{D755A5FA-FE2E-4D01-B65C-4DF6F364A15B}" type="datetimeFigureOut">
               <a:rPr lang="it-IT" smtClean="0"/>
-              <a:t>04/06/2025</a:t>
+              <a:t>07/06/2025</a:t>
             </a:fld>
             <a:endParaRPr lang="it-IT"/>
           </a:p>
@@ -2737,7 +2737,7 @@
           <a:ln/>
           <a:extLst>
             <a:ext uri="{91240B29-F687-4f45-9708-019B960494DF}">
-              <a14:hiddenLine xmlns="" xmlns:a14="http://schemas.microsoft.com/office/drawing/2010/main" w="9525">
+              <a14:hiddenLine xmlns:a14="http://schemas.microsoft.com/office/drawing/2010/main" xmlns="" w="9525">
                 <a:solidFill>
                   <a:srgbClr val="000000"/>
                 </a:solidFill>
@@ -2865,7 +2865,7 @@
           <a:p>
             <a:fld id="{D755A5FA-FE2E-4D01-B65C-4DF6F364A15B}" type="datetimeFigureOut">
               <a:rPr lang="it-IT" smtClean="0"/>
-              <a:t>04/06/2025</a:t>
+              <a:t>07/06/2025</a:t>
             </a:fld>
             <a:endParaRPr lang="it-IT"/>
           </a:p>
@@ -3208,7 +3208,7 @@
           <a:p>
             <a:fld id="{D755A5FA-FE2E-4D01-B65C-4DF6F364A15B}" type="datetimeFigureOut">
               <a:rPr lang="it-IT" smtClean="0"/>
-              <a:t>04/06/2025</a:t>
+              <a:t>07/06/2025</a:t>
             </a:fld>
             <a:endParaRPr lang="it-IT"/>
           </a:p>
@@ -3363,7 +3363,7 @@
           <a:ln/>
           <a:extLst>
             <a:ext uri="{91240B29-F687-4f45-9708-019B960494DF}">
-              <a14:hiddenLine xmlns="" xmlns:a14="http://schemas.microsoft.com/office/drawing/2010/main" w="9525">
+              <a14:hiddenLine xmlns:a14="http://schemas.microsoft.com/office/drawing/2010/main" xmlns="" w="9525">
                 <a:solidFill>
                   <a:srgbClr val="000000"/>
                 </a:solidFill>
@@ -3547,7 +3547,7 @@
           <a:p>
             <a:fld id="{D755A5FA-FE2E-4D01-B65C-4DF6F364A15B}" type="datetimeFigureOut">
               <a:rPr lang="it-IT" smtClean="0"/>
-              <a:t>04/06/2025</a:t>
+              <a:t>07/06/2025</a:t>
             </a:fld>
             <a:endParaRPr lang="it-IT"/>
           </a:p>
@@ -3702,7 +3702,7 @@
           <a:ln/>
           <a:extLst>
             <a:ext uri="{91240B29-F687-4f45-9708-019B960494DF}">
-              <a14:hiddenLine xmlns="" xmlns:a14="http://schemas.microsoft.com/office/drawing/2010/main" w="9525">
+              <a14:hiddenLine xmlns:a14="http://schemas.microsoft.com/office/drawing/2010/main" xmlns="" w="9525">
                 <a:solidFill>
                   <a:srgbClr val="000000"/>
                 </a:solidFill>
@@ -4024,7 +4024,7 @@
           <a:p>
             <a:fld id="{D755A5FA-FE2E-4D01-B65C-4DF6F364A15B}" type="datetimeFigureOut">
               <a:rPr lang="it-IT" smtClean="0"/>
-              <a:t>04/06/2025</a:t>
+              <a:t>07/06/2025</a:t>
             </a:fld>
             <a:endParaRPr lang="it-IT"/>
           </a:p>
@@ -4179,7 +4179,7 @@
           <a:ln/>
           <a:extLst>
             <a:ext uri="{91240B29-F687-4f45-9708-019B960494DF}">
-              <a14:hiddenLine xmlns="" xmlns:a14="http://schemas.microsoft.com/office/drawing/2010/main" w="9525">
+              <a14:hiddenLine xmlns:a14="http://schemas.microsoft.com/office/drawing/2010/main" xmlns="" w="9525">
                 <a:solidFill>
                   <a:srgbClr val="000000"/>
                 </a:solidFill>
@@ -4245,7 +4245,7 @@
           <a:p>
             <a:fld id="{D755A5FA-FE2E-4D01-B65C-4DF6F364A15B}" type="datetimeFigureOut">
               <a:rPr lang="it-IT" smtClean="0"/>
-              <a:t>04/06/2025</a:t>
+              <a:t>07/06/2025</a:t>
             </a:fld>
             <a:endParaRPr lang="it-IT"/>
           </a:p>
@@ -4340,7 +4340,7 @@
           <a:p>
             <a:fld id="{D755A5FA-FE2E-4D01-B65C-4DF6F364A15B}" type="datetimeFigureOut">
               <a:rPr lang="it-IT" smtClean="0"/>
-              <a:t>04/06/2025</a:t>
+              <a:t>07/06/2025</a:t>
             </a:fld>
             <a:endParaRPr lang="it-IT"/>
           </a:p>
@@ -4608,7 +4608,7 @@
           <a:ln/>
           <a:extLst>
             <a:ext uri="{91240B29-F687-4f45-9708-019B960494DF}">
-              <a14:hiddenLine xmlns="" xmlns:a14="http://schemas.microsoft.com/office/drawing/2010/main" w="9525">
+              <a14:hiddenLine xmlns:a14="http://schemas.microsoft.com/office/drawing/2010/main" xmlns="" w="9525">
                 <a:solidFill>
                   <a:srgbClr val="000000"/>
                 </a:solidFill>
@@ -4807,7 +4807,7 @@
           <a:p>
             <a:fld id="{D755A5FA-FE2E-4D01-B65C-4DF6F364A15B}" type="datetimeFigureOut">
               <a:rPr lang="it-IT" smtClean="0"/>
-              <a:t>04/06/2025</a:t>
+              <a:t>07/06/2025</a:t>
             </a:fld>
             <a:endParaRPr lang="it-IT"/>
           </a:p>
@@ -5120,7 +5120,7 @@
           <a:p>
             <a:fld id="{D755A5FA-FE2E-4D01-B65C-4DF6F364A15B}" type="datetimeFigureOut">
               <a:rPr lang="it-IT" smtClean="0"/>
-              <a:t>04/06/2025</a:t>
+              <a:t>07/06/2025</a:t>
             </a:fld>
             <a:endParaRPr lang="it-IT"/>
           </a:p>
@@ -5390,7 +5390,7 @@
           <a:p>
             <a:fld id="{D755A5FA-FE2E-4D01-B65C-4DF6F364A15B}" type="datetimeFigureOut">
               <a:rPr lang="it-IT" smtClean="0"/>
-              <a:t>04/06/2025</a:t>
+              <a:t>07/06/2025</a:t>
             </a:fld>
             <a:endParaRPr lang="it-IT"/>
           </a:p>

--- a/Progetto_HPC.pptx
+++ b/Progetto_HPC.pptx
@@ -211,7 +211,7 @@
           <a:p>
             <a:fld id="{7A6B8BA8-9730-4143-87AF-75D0AEF250E9}" type="datetimeFigureOut">
               <a:rPr lang="it-IT" smtClean="0"/>
-              <a:t>07/06/2025</a:t>
+              <a:t>09/06/2025</a:t>
             </a:fld>
             <a:endParaRPr lang="it-IT"/>
           </a:p>
@@ -657,7 +657,7 @@
           <a:effectLst/>
           <a:extLst>
             <a:ext uri="{91240B29-F687-4f45-9708-019B960494DF}">
-              <a14:hiddenLine xmlns:a14="http://schemas.microsoft.com/office/drawing/2010/main" xmlns="" w="9525">
+              <a14:hiddenLine xmlns="" xmlns:a14="http://schemas.microsoft.com/office/drawing/2010/main" w="9525">
                 <a:solidFill>
                   <a:srgbClr val="000000"/>
                 </a:solidFill>
@@ -849,7 +849,7 @@
           <a:p>
             <a:fld id="{D755A5FA-FE2E-4D01-B65C-4DF6F364A15B}" type="datetimeFigureOut">
               <a:rPr lang="it-IT" smtClean="0"/>
-              <a:t>07/06/2025</a:t>
+              <a:t>09/06/2025</a:t>
             </a:fld>
             <a:endParaRPr lang="it-IT"/>
           </a:p>
@@ -1167,7 +1167,7 @@
           <a:p>
             <a:fld id="{D755A5FA-FE2E-4D01-B65C-4DF6F364A15B}" type="datetimeFigureOut">
               <a:rPr lang="it-IT" smtClean="0"/>
-              <a:t>07/06/2025</a:t>
+              <a:t>09/06/2025</a:t>
             </a:fld>
             <a:endParaRPr lang="it-IT"/>
           </a:p>
@@ -1655,7 +1655,7 @@
           <a:p>
             <a:fld id="{D755A5FA-FE2E-4D01-B65C-4DF6F364A15B}" type="datetimeFigureOut">
               <a:rPr lang="it-IT" smtClean="0"/>
-              <a:t>07/06/2025</a:t>
+              <a:t>09/06/2025</a:t>
             </a:fld>
             <a:endParaRPr lang="it-IT"/>
           </a:p>
@@ -2024,7 +2024,7 @@
           <a:p>
             <a:fld id="{D755A5FA-FE2E-4D01-B65C-4DF6F364A15B}" type="datetimeFigureOut">
               <a:rPr lang="it-IT" smtClean="0"/>
-              <a:t>07/06/2025</a:t>
+              <a:t>09/06/2025</a:t>
             </a:fld>
             <a:endParaRPr lang="it-IT"/>
           </a:p>
@@ -2179,7 +2179,7 @@
           <a:ln/>
           <a:extLst>
             <a:ext uri="{91240B29-F687-4f45-9708-019B960494DF}">
-              <a14:hiddenLine xmlns:a14="http://schemas.microsoft.com/office/drawing/2010/main" xmlns="" w="9525">
+              <a14:hiddenLine xmlns="" xmlns:a14="http://schemas.microsoft.com/office/drawing/2010/main" w="9525">
                 <a:solidFill>
                   <a:srgbClr val="000000"/>
                 </a:solidFill>
@@ -2297,7 +2297,7 @@
           <a:p>
             <a:fld id="{D755A5FA-FE2E-4D01-B65C-4DF6F364A15B}" type="datetimeFigureOut">
               <a:rPr lang="it-IT" smtClean="0"/>
-              <a:t>07/06/2025</a:t>
+              <a:t>09/06/2025</a:t>
             </a:fld>
             <a:endParaRPr lang="it-IT"/>
           </a:p>
@@ -2454,7 +2454,7 @@
           <a:ln/>
           <a:extLst>
             <a:ext uri="{91240B29-F687-4f45-9708-019B960494DF}">
-              <a14:hiddenLine xmlns:a14="http://schemas.microsoft.com/office/drawing/2010/main" xmlns="" w="9525">
+              <a14:hiddenLine xmlns="" xmlns:a14="http://schemas.microsoft.com/office/drawing/2010/main" w="9525">
                 <a:solidFill>
                   <a:srgbClr val="000000"/>
                 </a:solidFill>
@@ -2582,7 +2582,7 @@
           <a:p>
             <a:fld id="{D755A5FA-FE2E-4D01-B65C-4DF6F364A15B}" type="datetimeFigureOut">
               <a:rPr lang="it-IT" smtClean="0"/>
-              <a:t>07/06/2025</a:t>
+              <a:t>09/06/2025</a:t>
             </a:fld>
             <a:endParaRPr lang="it-IT"/>
           </a:p>
@@ -2737,7 +2737,7 @@
           <a:ln/>
           <a:extLst>
             <a:ext uri="{91240B29-F687-4f45-9708-019B960494DF}">
-              <a14:hiddenLine xmlns:a14="http://schemas.microsoft.com/office/drawing/2010/main" xmlns="" w="9525">
+              <a14:hiddenLine xmlns="" xmlns:a14="http://schemas.microsoft.com/office/drawing/2010/main" w="9525">
                 <a:solidFill>
                   <a:srgbClr val="000000"/>
                 </a:solidFill>
@@ -2865,7 +2865,7 @@
           <a:p>
             <a:fld id="{D755A5FA-FE2E-4D01-B65C-4DF6F364A15B}" type="datetimeFigureOut">
               <a:rPr lang="it-IT" smtClean="0"/>
-              <a:t>07/06/2025</a:t>
+              <a:t>09/06/2025</a:t>
             </a:fld>
             <a:endParaRPr lang="it-IT"/>
           </a:p>
@@ -3208,7 +3208,7 @@
           <a:p>
             <a:fld id="{D755A5FA-FE2E-4D01-B65C-4DF6F364A15B}" type="datetimeFigureOut">
               <a:rPr lang="it-IT" smtClean="0"/>
-              <a:t>07/06/2025</a:t>
+              <a:t>09/06/2025</a:t>
             </a:fld>
             <a:endParaRPr lang="it-IT"/>
           </a:p>
@@ -3363,7 +3363,7 @@
           <a:ln/>
           <a:extLst>
             <a:ext uri="{91240B29-F687-4f45-9708-019B960494DF}">
-              <a14:hiddenLine xmlns:a14="http://schemas.microsoft.com/office/drawing/2010/main" xmlns="" w="9525">
+              <a14:hiddenLine xmlns="" xmlns:a14="http://schemas.microsoft.com/office/drawing/2010/main" w="9525">
                 <a:solidFill>
                   <a:srgbClr val="000000"/>
                 </a:solidFill>
@@ -3547,7 +3547,7 @@
           <a:p>
             <a:fld id="{D755A5FA-FE2E-4D01-B65C-4DF6F364A15B}" type="datetimeFigureOut">
               <a:rPr lang="it-IT" smtClean="0"/>
-              <a:t>07/06/2025</a:t>
+              <a:t>09/06/2025</a:t>
             </a:fld>
             <a:endParaRPr lang="it-IT"/>
           </a:p>
@@ -3702,7 +3702,7 @@
           <a:ln/>
           <a:extLst>
             <a:ext uri="{91240B29-F687-4f45-9708-019B960494DF}">
-              <a14:hiddenLine xmlns:a14="http://schemas.microsoft.com/office/drawing/2010/main" xmlns="" w="9525">
+              <a14:hiddenLine xmlns="" xmlns:a14="http://schemas.microsoft.com/office/drawing/2010/main" w="9525">
                 <a:solidFill>
                   <a:srgbClr val="000000"/>
                 </a:solidFill>
@@ -4024,7 +4024,7 @@
           <a:p>
             <a:fld id="{D755A5FA-FE2E-4D01-B65C-4DF6F364A15B}" type="datetimeFigureOut">
               <a:rPr lang="it-IT" smtClean="0"/>
-              <a:t>07/06/2025</a:t>
+              <a:t>09/06/2025</a:t>
             </a:fld>
             <a:endParaRPr lang="it-IT"/>
           </a:p>
@@ -4179,7 +4179,7 @@
           <a:ln/>
           <a:extLst>
             <a:ext uri="{91240B29-F687-4f45-9708-019B960494DF}">
-              <a14:hiddenLine xmlns:a14="http://schemas.microsoft.com/office/drawing/2010/main" xmlns="" w="9525">
+              <a14:hiddenLine xmlns="" xmlns:a14="http://schemas.microsoft.com/office/drawing/2010/main" w="9525">
                 <a:solidFill>
                   <a:srgbClr val="000000"/>
                 </a:solidFill>
@@ -4245,7 +4245,7 @@
           <a:p>
             <a:fld id="{D755A5FA-FE2E-4D01-B65C-4DF6F364A15B}" type="datetimeFigureOut">
               <a:rPr lang="it-IT" smtClean="0"/>
-              <a:t>07/06/2025</a:t>
+              <a:t>09/06/2025</a:t>
             </a:fld>
             <a:endParaRPr lang="it-IT"/>
           </a:p>
@@ -4340,7 +4340,7 @@
           <a:p>
             <a:fld id="{D755A5FA-FE2E-4D01-B65C-4DF6F364A15B}" type="datetimeFigureOut">
               <a:rPr lang="it-IT" smtClean="0"/>
-              <a:t>07/06/2025</a:t>
+              <a:t>09/06/2025</a:t>
             </a:fld>
             <a:endParaRPr lang="it-IT"/>
           </a:p>
@@ -4608,7 +4608,7 @@
           <a:ln/>
           <a:extLst>
             <a:ext uri="{91240B29-F687-4f45-9708-019B960494DF}">
-              <a14:hiddenLine xmlns:a14="http://schemas.microsoft.com/office/drawing/2010/main" xmlns="" w="9525">
+              <a14:hiddenLine xmlns="" xmlns:a14="http://schemas.microsoft.com/office/drawing/2010/main" w="9525">
                 <a:solidFill>
                   <a:srgbClr val="000000"/>
                 </a:solidFill>
@@ -4807,7 +4807,7 @@
           <a:p>
             <a:fld id="{D755A5FA-FE2E-4D01-B65C-4DF6F364A15B}" type="datetimeFigureOut">
               <a:rPr lang="it-IT" smtClean="0"/>
-              <a:t>07/06/2025</a:t>
+              <a:t>09/06/2025</a:t>
             </a:fld>
             <a:endParaRPr lang="it-IT"/>
           </a:p>
@@ -5120,7 +5120,7 @@
           <a:p>
             <a:fld id="{D755A5FA-FE2E-4D01-B65C-4DF6F364A15B}" type="datetimeFigureOut">
               <a:rPr lang="it-IT" smtClean="0"/>
-              <a:t>07/06/2025</a:t>
+              <a:t>09/06/2025</a:t>
             </a:fld>
             <a:endParaRPr lang="it-IT"/>
           </a:p>
@@ -5390,7 +5390,7 @@
           <a:p>
             <a:fld id="{D755A5FA-FE2E-4D01-B65C-4DF6F364A15B}" type="datetimeFigureOut">
               <a:rPr lang="it-IT" smtClean="0"/>
-              <a:t>07/06/2025</a:t>
+              <a:t>09/06/2025</a:t>
             </a:fld>
             <a:endParaRPr lang="it-IT"/>
           </a:p>
@@ -7028,7 +7028,7 @@
             <p:ph idx="1"/>
             <p:extLst>
               <p:ext uri="{D42A27DB-BD31-4B8C-83A1-F6EECF244321}">
-                <p14:modId xmlns:p14="http://schemas.microsoft.com/office/powerpoint/2010/main" val="2774826778"/>
+                <p14:modId xmlns:p14="http://schemas.microsoft.com/office/powerpoint/2010/main" val="3978238527"/>
               </p:ext>
             </p:extLst>
           </p:nvPr>
@@ -7204,7 +7204,7 @@
                           <a:ea typeface="+mn-ea"/>
                           <a:cs typeface="+mn-cs"/>
                         </a:rPr>
-                        <a:t>0.00024</a:t>
+                        <a:t>0.000012</a:t>
                       </a:r>
                     </a:p>
                   </a:txBody>
@@ -7242,7 +7242,7 @@
                           <a:ea typeface="+mn-ea"/>
                           <a:cs typeface="+mn-cs"/>
                         </a:rPr>
-                        <a:t>0.04 </a:t>
+                        <a:t>0.005 </a:t>
                       </a:r>
                       <a:r>
                         <a:rPr lang="it-IT" sz="1800" b="1" kern="1200" dirty="0">
@@ -7254,7 +7254,7 @@
                           <a:ea typeface="+mn-ea"/>
                           <a:cs typeface="+mn-cs"/>
                         </a:rPr>
-                        <a:t>[x0.006]</a:t>
+                        <a:t>[x0.002]</a:t>
                       </a:r>
                     </a:p>
                   </a:txBody>
@@ -7292,7 +7292,7 @@
                           <a:ea typeface="+mn-ea"/>
                           <a:cs typeface="+mn-cs"/>
                         </a:rPr>
-                        <a:t>1.284 </a:t>
+                        <a:t>1.254* </a:t>
                       </a:r>
                       <a:r>
                         <a:rPr lang="it-IT" sz="1800" b="1" kern="1200" dirty="0">
@@ -7304,7 +7304,7 @@
                           <a:ea typeface="+mn-ea"/>
                           <a:cs typeface="+mn-cs"/>
                         </a:rPr>
-                        <a:t>[x0.0001]</a:t>
+                        <a:t>[x0.00001]</a:t>
                       </a:r>
                       <a:endParaRPr lang="it-IT" sz="1800" b="0" kern="1200" dirty="0">
                         <a:solidFill>
@@ -7363,7 +7363,7 @@
                           <a:ea typeface="+mn-ea"/>
                           <a:cs typeface="+mn-cs"/>
                         </a:rPr>
-                        <a:t>[x0.76]</a:t>
+                        <a:t>[x0.4]</a:t>
                       </a:r>
                       <a:endParaRPr lang="it-IT" sz="1800" b="0" kern="1200" dirty="0">
                         <a:solidFill>
@@ -7422,6 +7422,53 @@
                         <a:defRPr/>
                       </a:pPr>
                       <a:r>
+                        <a:rPr lang="it-IT" sz="1800" i="0" kern="1200" dirty="0">
+                          <a:solidFill>
+                            <a:schemeClr val="dk1"/>
+                          </a:solidFill>
+                          <a:effectLst/>
+                          <a:latin typeface="+mn-lt"/>
+                          <a:ea typeface="+mn-ea"/>
+                          <a:cs typeface="+mn-cs"/>
+                        </a:rPr>
+                        <a:t>0.0718</a:t>
+                      </a:r>
+                      <a:endParaRPr lang="it-IT" sz="1800" b="0" kern="1200" dirty="0">
+                        <a:solidFill>
+                          <a:schemeClr val="dk1"/>
+                        </a:solidFill>
+                        <a:effectLst/>
+                        <a:latin typeface="+mn-lt"/>
+                        <a:ea typeface="+mn-ea"/>
+                        <a:cs typeface="+mn-cs"/>
+                      </a:endParaRPr>
+                    </a:p>
+                  </a:txBody>
+                  <a:tcPr/>
+                </a:tc>
+                <a:tc>
+                  <a:txBody>
+                    <a:bodyPr/>
+                    <a:lstStyle/>
+                    <a:p>
+                      <a:pPr marL="0" marR="0" lvl="0" indent="0" algn="ctr" defTabSz="457200" rtl="0" eaLnBrk="1" fontAlgn="auto" latinLnBrk="0" hangingPunct="1">
+                        <a:lnSpc>
+                          <a:spcPct val="100000"/>
+                        </a:lnSpc>
+                        <a:spcBef>
+                          <a:spcPts val="0"/>
+                        </a:spcBef>
+                        <a:spcAft>
+                          <a:spcPts val="0"/>
+                        </a:spcAft>
+                        <a:buClrTx/>
+                        <a:buSzTx/>
+                        <a:buFontTx/>
+                        <a:buNone/>
+                        <a:tabLst/>
+                        <a:defRPr/>
+                      </a:pPr>
+                      <a:r>
                         <a:rPr lang="it-IT" sz="1800" b="0" kern="1200" dirty="0">
                           <a:solidFill>
                             <a:schemeClr val="dk1"/>
@@ -7431,7 +7478,19 @@
                           <a:ea typeface="+mn-ea"/>
                           <a:cs typeface="+mn-cs"/>
                         </a:rPr>
-                        <a:t>0.36</a:t>
+                        <a:t>0.184 </a:t>
+                      </a:r>
+                      <a:r>
+                        <a:rPr lang="it-IT" sz="1800" b="1" kern="1200" dirty="0">
+                          <a:solidFill>
+                            <a:srgbClr val="FF0000"/>
+                          </a:solidFill>
+                          <a:effectLst/>
+                          <a:latin typeface="+mn-lt"/>
+                          <a:ea typeface="+mn-ea"/>
+                          <a:cs typeface="+mn-cs"/>
+                        </a:rPr>
+                        <a:t>[x0.39]</a:t>
                       </a:r>
                     </a:p>
                   </a:txBody>
@@ -7469,7 +7528,7 @@
                           <a:ea typeface="+mn-ea"/>
                           <a:cs typeface="+mn-cs"/>
                         </a:rPr>
-                        <a:t>0.476 </a:t>
+                        <a:t>1.194* </a:t>
                       </a:r>
                       <a:r>
                         <a:rPr lang="it-IT" sz="1800" b="1" kern="1200" dirty="0">
@@ -7481,57 +7540,7 @@
                           <a:ea typeface="+mn-ea"/>
                           <a:cs typeface="+mn-cs"/>
                         </a:rPr>
-                        <a:t>[x0.75]</a:t>
-                      </a:r>
-                    </a:p>
-                  </a:txBody>
-                  <a:tcPr/>
-                </a:tc>
-                <a:tc>
-                  <a:txBody>
-                    <a:bodyPr/>
-                    <a:lstStyle/>
-                    <a:p>
-                      <a:pPr marL="0" marR="0" lvl="0" indent="0" algn="ctr" defTabSz="457200" rtl="0" eaLnBrk="1" fontAlgn="auto" latinLnBrk="0" hangingPunct="1">
-                        <a:lnSpc>
-                          <a:spcPct val="100000"/>
-                        </a:lnSpc>
-                        <a:spcBef>
-                          <a:spcPts val="0"/>
-                        </a:spcBef>
-                        <a:spcAft>
-                          <a:spcPts val="0"/>
-                        </a:spcAft>
-                        <a:buClrTx/>
-                        <a:buSzTx/>
-                        <a:buFontTx/>
-                        <a:buNone/>
-                        <a:tabLst/>
-                        <a:defRPr/>
-                      </a:pPr>
-                      <a:r>
-                        <a:rPr lang="it-IT" sz="1800" b="0" kern="1200" dirty="0">
-                          <a:solidFill>
-                            <a:schemeClr val="dk1"/>
-                          </a:solidFill>
-                          <a:effectLst/>
-                          <a:latin typeface="+mn-lt"/>
-                          <a:ea typeface="+mn-ea"/>
-                          <a:cs typeface="+mn-cs"/>
-                        </a:rPr>
-                        <a:t>1.299 </a:t>
-                      </a:r>
-                      <a:r>
-                        <a:rPr lang="it-IT" sz="1800" b="1" kern="1200" dirty="0">
-                          <a:solidFill>
-                            <a:srgbClr val="FF0000"/>
-                          </a:solidFill>
-                          <a:effectLst/>
-                          <a:latin typeface="+mn-lt"/>
-                          <a:ea typeface="+mn-ea"/>
-                          <a:cs typeface="+mn-cs"/>
-                        </a:rPr>
-                        <a:t>[x0.28]</a:t>
+                        <a:t>[x0.06]</a:t>
                       </a:r>
                       <a:endParaRPr lang="it-IT" sz="1800" b="0" kern="1200" dirty="0">
                         <a:solidFill>
@@ -7590,7 +7599,7 @@
                           <a:ea typeface="+mn-ea"/>
                           <a:cs typeface="+mn-cs"/>
                         </a:rPr>
-                        <a:t>[x167]</a:t>
+                        <a:t>[x35.9]</a:t>
                       </a:r>
                       <a:endParaRPr lang="it-IT" sz="1800" b="0" kern="1200" dirty="0">
                         <a:solidFill>
@@ -7649,6 +7658,53 @@
                         <a:defRPr/>
                       </a:pPr>
                       <a:r>
+                        <a:rPr lang="it-IT" sz="1800" i="0" kern="1200" dirty="0">
+                          <a:solidFill>
+                            <a:schemeClr val="dk1"/>
+                          </a:solidFill>
+                          <a:effectLst/>
+                          <a:latin typeface="+mn-lt"/>
+                          <a:ea typeface="+mn-ea"/>
+                          <a:cs typeface="+mn-cs"/>
+                        </a:rPr>
+                        <a:t>0.5736</a:t>
+                      </a:r>
+                      <a:endParaRPr lang="it-IT" sz="1800" b="0" kern="1200" dirty="0">
+                        <a:solidFill>
+                          <a:schemeClr val="dk1"/>
+                        </a:solidFill>
+                        <a:effectLst/>
+                        <a:latin typeface="+mn-lt"/>
+                        <a:ea typeface="+mn-ea"/>
+                        <a:cs typeface="+mn-cs"/>
+                      </a:endParaRPr>
+                    </a:p>
+                  </a:txBody>
+                  <a:tcPr/>
+                </a:tc>
+                <a:tc>
+                  <a:txBody>
+                    <a:bodyPr/>
+                    <a:lstStyle/>
+                    <a:p>
+                      <a:pPr marL="0" marR="0" lvl="0" indent="0" algn="ctr" defTabSz="457200" rtl="0" eaLnBrk="1" fontAlgn="auto" latinLnBrk="0" hangingPunct="1">
+                        <a:lnSpc>
+                          <a:spcPct val="100000"/>
+                        </a:lnSpc>
+                        <a:spcBef>
+                          <a:spcPts val="0"/>
+                        </a:spcBef>
+                        <a:spcAft>
+                          <a:spcPts val="0"/>
+                        </a:spcAft>
+                        <a:buClrTx/>
+                        <a:buSzTx/>
+                        <a:buFontTx/>
+                        <a:buNone/>
+                        <a:tabLst/>
+                        <a:defRPr/>
+                      </a:pPr>
+                      <a:r>
                         <a:rPr lang="it-IT" sz="1800" b="0" kern="1200" dirty="0">
                           <a:solidFill>
                             <a:schemeClr val="dk1"/>
@@ -7658,7 +7714,19 @@
                           <a:ea typeface="+mn-ea"/>
                           <a:cs typeface="+mn-cs"/>
                         </a:rPr>
-                        <a:t>3.01</a:t>
+                        <a:t>0.304 </a:t>
+                      </a:r>
+                      <a:r>
+                        <a:rPr lang="it-IT" sz="1800" b="1" kern="1200" dirty="0">
+                          <a:solidFill>
+                            <a:srgbClr val="00B050"/>
+                          </a:solidFill>
+                          <a:effectLst/>
+                          <a:latin typeface="+mn-lt"/>
+                          <a:ea typeface="+mn-ea"/>
+                          <a:cs typeface="+mn-cs"/>
+                        </a:rPr>
+                        <a:t>[x1.9]</a:t>
                       </a:r>
                     </a:p>
                   </a:txBody>
@@ -7696,79 +7764,20 @@
                           <a:ea typeface="+mn-ea"/>
                           <a:cs typeface="+mn-cs"/>
                         </a:rPr>
-                        <a:t>0.714 </a:t>
+                        <a:t>1.126* </a:t>
                       </a:r>
                       <a:r>
                         <a:rPr lang="it-IT" sz="1800" b="1" kern="1200" dirty="0">
                           <a:solidFill>
-                            <a:srgbClr val="00B050"/>
+                            <a:srgbClr val="FF0000"/>
                           </a:solidFill>
                           <a:effectLst/>
                           <a:latin typeface="+mn-lt"/>
                           <a:ea typeface="+mn-ea"/>
                           <a:cs typeface="+mn-cs"/>
                         </a:rPr>
-                        <a:t>[x4.2]</a:t>
+                        <a:t>[x0.45]</a:t>
                       </a:r>
-                    </a:p>
-                  </a:txBody>
-                  <a:tcPr/>
-                </a:tc>
-                <a:tc>
-                  <a:txBody>
-                    <a:bodyPr/>
-                    <a:lstStyle/>
-                    <a:p>
-                      <a:pPr marL="0" marR="0" lvl="0" indent="0" algn="ctr" defTabSz="457200" rtl="0" eaLnBrk="1" fontAlgn="auto" latinLnBrk="0" hangingPunct="1">
-                        <a:lnSpc>
-                          <a:spcPct val="100000"/>
-                        </a:lnSpc>
-                        <a:spcBef>
-                          <a:spcPts val="0"/>
-                        </a:spcBef>
-                        <a:spcAft>
-                          <a:spcPts val="0"/>
-                        </a:spcAft>
-                        <a:buClrTx/>
-                        <a:buSzTx/>
-                        <a:buFontTx/>
-                        <a:buNone/>
-                        <a:tabLst/>
-                        <a:defRPr/>
-                      </a:pPr>
-                      <a:r>
-                        <a:rPr lang="it-IT" sz="1800" b="0" kern="1200" dirty="0">
-                          <a:solidFill>
-                            <a:schemeClr val="dk1"/>
-                          </a:solidFill>
-                          <a:effectLst/>
-                          <a:latin typeface="+mn-lt"/>
-                          <a:ea typeface="+mn-ea"/>
-                          <a:cs typeface="+mn-cs"/>
-                        </a:rPr>
-                        <a:t>1.426 </a:t>
-                      </a:r>
-                      <a:r>
-                        <a:rPr lang="it-IT" sz="1800" b="1" kern="1200" dirty="0">
-                          <a:solidFill>
-                            <a:srgbClr val="00B050"/>
-                          </a:solidFill>
-                          <a:effectLst/>
-                          <a:latin typeface="+mn-lt"/>
-                          <a:ea typeface="+mn-ea"/>
-                          <a:cs typeface="+mn-cs"/>
-                        </a:rPr>
-                        <a:t>[x2.1]</a:t>
-                      </a:r>
-                      <a:endParaRPr lang="it-IT" sz="1800" b="0" kern="1200" dirty="0">
-                        <a:solidFill>
-                          <a:srgbClr val="00B050"/>
-                        </a:solidFill>
-                        <a:effectLst/>
-                        <a:latin typeface="+mn-lt"/>
-                        <a:ea typeface="+mn-ea"/>
-                        <a:cs typeface="+mn-cs"/>
-                      </a:endParaRPr>
                     </a:p>
                   </a:txBody>
                   <a:tcPr/>
@@ -7817,7 +7826,7 @@
                           <a:ea typeface="+mn-ea"/>
                           <a:cs typeface="+mn-cs"/>
                         </a:rPr>
-                        <a:t>[x323]</a:t>
+                        <a:t>[x63.7]</a:t>
                       </a:r>
                       <a:endParaRPr lang="it-IT" sz="1800" b="0" kern="1200" dirty="0">
                         <a:solidFill>
@@ -7876,6 +7885,53 @@
                         <a:defRPr/>
                       </a:pPr>
                       <a:r>
+                        <a:rPr lang="it-IT" sz="1800" i="0" kern="1200" dirty="0">
+                          <a:solidFill>
+                            <a:schemeClr val="dk1"/>
+                          </a:solidFill>
+                          <a:effectLst/>
+                          <a:latin typeface="+mn-lt"/>
+                          <a:ea typeface="+mn-ea"/>
+                          <a:cs typeface="+mn-cs"/>
+                        </a:rPr>
+                        <a:t>23.41</a:t>
+                      </a:r>
+                      <a:endParaRPr lang="it-IT" sz="1800" b="0" kern="1200" dirty="0">
+                        <a:solidFill>
+                          <a:schemeClr val="dk1"/>
+                        </a:solidFill>
+                        <a:effectLst/>
+                        <a:latin typeface="+mn-lt"/>
+                        <a:ea typeface="+mn-ea"/>
+                        <a:cs typeface="+mn-cs"/>
+                      </a:endParaRPr>
+                    </a:p>
+                  </a:txBody>
+                  <a:tcPr/>
+                </a:tc>
+                <a:tc>
+                  <a:txBody>
+                    <a:bodyPr/>
+                    <a:lstStyle/>
+                    <a:p>
+                      <a:pPr marL="0" marR="0" lvl="0" indent="0" algn="ctr" defTabSz="457200" rtl="0" eaLnBrk="1" fontAlgn="auto" latinLnBrk="0" hangingPunct="1">
+                        <a:lnSpc>
+                          <a:spcPct val="100000"/>
+                        </a:lnSpc>
+                        <a:spcBef>
+                          <a:spcPts val="0"/>
+                        </a:spcBef>
+                        <a:spcAft>
+                          <a:spcPts val="0"/>
+                        </a:spcAft>
+                        <a:buClrTx/>
+                        <a:buSzTx/>
+                        <a:buFontTx/>
+                        <a:buNone/>
+                        <a:tabLst/>
+                        <a:defRPr/>
+                      </a:pPr>
+                      <a:r>
                         <a:rPr lang="it-IT" sz="1800" b="0" kern="1200" dirty="0">
                           <a:solidFill>
                             <a:schemeClr val="dk1"/>
@@ -7885,7 +7941,19 @@
                           <a:ea typeface="+mn-ea"/>
                           <a:cs typeface="+mn-cs"/>
                         </a:rPr>
-                        <a:t>37.07</a:t>
+                        <a:t>4.31 </a:t>
+                      </a:r>
+                      <a:r>
+                        <a:rPr lang="it-IT" sz="1800" b="1" kern="1200" dirty="0">
+                          <a:solidFill>
+                            <a:srgbClr val="00B050"/>
+                          </a:solidFill>
+                          <a:effectLst/>
+                          <a:latin typeface="+mn-lt"/>
+                          <a:ea typeface="+mn-ea"/>
+                          <a:cs typeface="+mn-cs"/>
+                        </a:rPr>
+                        <a:t>[x5.4]</a:t>
                       </a:r>
                     </a:p>
                   </a:txBody>
@@ -7923,7 +7991,7 @@
                           <a:ea typeface="+mn-ea"/>
                           <a:cs typeface="+mn-cs"/>
                         </a:rPr>
-                        <a:t>7.3996 </a:t>
+                        <a:t>1.887* </a:t>
                       </a:r>
                       <a:r>
                         <a:rPr lang="it-IT" sz="1800" b="1" kern="1200" dirty="0">
@@ -7935,57 +8003,7 @@
                           <a:ea typeface="+mn-ea"/>
                           <a:cs typeface="+mn-cs"/>
                         </a:rPr>
-                        <a:t>[x5]</a:t>
-                      </a:r>
-                    </a:p>
-                  </a:txBody>
-                  <a:tcPr/>
-                </a:tc>
-                <a:tc>
-                  <a:txBody>
-                    <a:bodyPr/>
-                    <a:lstStyle/>
-                    <a:p>
-                      <a:pPr marL="0" marR="0" lvl="0" indent="0" algn="ctr" defTabSz="457200" rtl="0" eaLnBrk="1" fontAlgn="auto" latinLnBrk="0" hangingPunct="1">
-                        <a:lnSpc>
-                          <a:spcPct val="100000"/>
-                        </a:lnSpc>
-                        <a:spcBef>
-                          <a:spcPts val="0"/>
-                        </a:spcBef>
-                        <a:spcAft>
-                          <a:spcPts val="0"/>
-                        </a:spcAft>
-                        <a:buClrTx/>
-                        <a:buSzTx/>
-                        <a:buFontTx/>
-                        <a:buNone/>
-                        <a:tabLst/>
-                        <a:defRPr/>
-                      </a:pPr>
-                      <a:r>
-                        <a:rPr lang="it-IT" sz="1800" b="0" kern="1200" dirty="0">
-                          <a:solidFill>
-                            <a:schemeClr val="dk1"/>
-                          </a:solidFill>
-                          <a:effectLst/>
-                          <a:latin typeface="+mn-lt"/>
-                          <a:ea typeface="+mn-ea"/>
-                          <a:cs typeface="+mn-cs"/>
-                        </a:rPr>
-                        <a:t>1.358 </a:t>
-                      </a:r>
-                      <a:r>
-                        <a:rPr lang="it-IT" sz="1800" b="1" kern="1200" dirty="0">
-                          <a:solidFill>
-                            <a:srgbClr val="00B050"/>
-                          </a:solidFill>
-                          <a:effectLst/>
-                          <a:latin typeface="+mn-lt"/>
-                          <a:ea typeface="+mn-ea"/>
-                          <a:cs typeface="+mn-cs"/>
-                        </a:rPr>
-                        <a:t>[x27.3]</a:t>
+                        <a:t>[x12.4]</a:t>
                       </a:r>
                       <a:endParaRPr lang="it-IT" sz="1800" b="0" kern="1200" dirty="0">
                         <a:solidFill>
@@ -8044,7 +8062,7 @@
                           <a:ea typeface="+mn-ea"/>
                           <a:cs typeface="+mn-cs"/>
                         </a:rPr>
-                        <a:t>[x683]</a:t>
+                        <a:t>[x433]</a:t>
                       </a:r>
                       <a:endParaRPr lang="it-IT" sz="1800" b="0" kern="1200" dirty="0">
                         <a:solidFill>
@@ -8103,6 +8121,53 @@
                         <a:defRPr/>
                       </a:pPr>
                       <a:r>
+                        <a:rPr lang="it-IT" sz="1800" i="0" kern="1200" dirty="0">
+                          <a:solidFill>
+                            <a:schemeClr val="dk1"/>
+                          </a:solidFill>
+                          <a:effectLst/>
+                          <a:latin typeface="+mn-lt"/>
+                          <a:ea typeface="+mn-ea"/>
+                          <a:cs typeface="+mn-cs"/>
+                        </a:rPr>
+                        <a:t>241.43</a:t>
+                      </a:r>
+                      <a:endParaRPr lang="it-IT" sz="1800" b="0" kern="1200" dirty="0">
+                        <a:solidFill>
+                          <a:schemeClr val="dk1"/>
+                        </a:solidFill>
+                        <a:effectLst/>
+                        <a:latin typeface="+mn-lt"/>
+                        <a:ea typeface="+mn-ea"/>
+                        <a:cs typeface="+mn-cs"/>
+                      </a:endParaRPr>
+                    </a:p>
+                  </a:txBody>
+                  <a:tcPr/>
+                </a:tc>
+                <a:tc>
+                  <a:txBody>
+                    <a:bodyPr/>
+                    <a:lstStyle/>
+                    <a:p>
+                      <a:pPr marL="0" marR="0" lvl="0" indent="0" algn="ctr" defTabSz="457200" rtl="0" eaLnBrk="1" fontAlgn="auto" latinLnBrk="0" hangingPunct="1">
+                        <a:lnSpc>
+                          <a:spcPct val="100000"/>
+                        </a:lnSpc>
+                        <a:spcBef>
+                          <a:spcPts val="0"/>
+                        </a:spcBef>
+                        <a:spcAft>
+                          <a:spcPts val="0"/>
+                        </a:spcAft>
+                        <a:buClrTx/>
+                        <a:buSzTx/>
+                        <a:buFontTx/>
+                        <a:buNone/>
+                        <a:tabLst/>
+                        <a:defRPr/>
+                      </a:pPr>
+                      <a:r>
                         <a:rPr lang="it-IT" sz="1800" b="0" kern="1200" dirty="0">
                           <a:solidFill>
                             <a:schemeClr val="dk1"/>
@@ -8112,7 +8177,19 @@
                           <a:ea typeface="+mn-ea"/>
                           <a:cs typeface="+mn-cs"/>
                         </a:rPr>
-                        <a:t>366.46</a:t>
+                        <a:t>44 </a:t>
+                      </a:r>
+                      <a:r>
+                        <a:rPr lang="it-IT" sz="1800" b="1" kern="1200" dirty="0">
+                          <a:solidFill>
+                            <a:srgbClr val="00B050"/>
+                          </a:solidFill>
+                          <a:effectLst/>
+                          <a:latin typeface="+mn-lt"/>
+                          <a:ea typeface="+mn-ea"/>
+                          <a:cs typeface="+mn-cs"/>
+                        </a:rPr>
+                        <a:t>[x5.5]</a:t>
                       </a:r>
                     </a:p>
                   </a:txBody>
@@ -8150,7 +8227,7 @@
                           <a:ea typeface="+mn-ea"/>
                           <a:cs typeface="+mn-cs"/>
                         </a:rPr>
-                        <a:t>78.263 </a:t>
+                        <a:t>7.22 </a:t>
                       </a:r>
                       <a:r>
                         <a:rPr lang="it-IT" sz="1800" b="1" kern="1200" dirty="0">
@@ -8162,57 +8239,7 @@
                           <a:ea typeface="+mn-ea"/>
                           <a:cs typeface="+mn-cs"/>
                         </a:rPr>
-                        <a:t>[x4.7]</a:t>
-                      </a:r>
-                    </a:p>
-                  </a:txBody>
-                  <a:tcPr/>
-                </a:tc>
-                <a:tc>
-                  <a:txBody>
-                    <a:bodyPr/>
-                    <a:lstStyle/>
-                    <a:p>
-                      <a:pPr marL="0" marR="0" lvl="0" indent="0" algn="ctr" defTabSz="457200" rtl="0" eaLnBrk="1" fontAlgn="auto" latinLnBrk="0" hangingPunct="1">
-                        <a:lnSpc>
-                          <a:spcPct val="100000"/>
-                        </a:lnSpc>
-                        <a:spcBef>
-                          <a:spcPts val="0"/>
-                        </a:spcBef>
-                        <a:spcAft>
-                          <a:spcPts val="0"/>
-                        </a:spcAft>
-                        <a:buClrTx/>
-                        <a:buSzTx/>
-                        <a:buFontTx/>
-                        <a:buNone/>
-                        <a:tabLst/>
-                        <a:defRPr/>
-                      </a:pPr>
-                      <a:r>
-                        <a:rPr lang="it-IT" sz="1800" b="0" kern="1200" dirty="0">
-                          <a:solidFill>
-                            <a:schemeClr val="dk1"/>
-                          </a:solidFill>
-                          <a:effectLst/>
-                          <a:latin typeface="+mn-lt"/>
-                          <a:ea typeface="+mn-ea"/>
-                          <a:cs typeface="+mn-cs"/>
-                        </a:rPr>
-                        <a:t>10.38 </a:t>
-                      </a:r>
-                      <a:r>
-                        <a:rPr lang="it-IT" sz="1800" b="1" kern="1200" dirty="0">
-                          <a:solidFill>
-                            <a:srgbClr val="00B050"/>
-                          </a:solidFill>
-                          <a:effectLst/>
-                          <a:latin typeface="+mn-lt"/>
-                          <a:ea typeface="+mn-ea"/>
-                          <a:cs typeface="+mn-cs"/>
-                        </a:rPr>
-                        <a:t>[x35.3]</a:t>
+                        <a:t>[x33.5]</a:t>
                       </a:r>
                       <a:endParaRPr lang="it-IT" sz="1800" b="0" kern="1200" dirty="0">
                         <a:solidFill>
@@ -8271,7 +8298,7 @@
                           <a:ea typeface="+mn-ea"/>
                           <a:cs typeface="+mn-cs"/>
                         </a:rPr>
-                        <a:t>[x549]</a:t>
+                        <a:t>[x365]</a:t>
                       </a:r>
                       <a:endParaRPr lang="it-IT" sz="1800" b="0" kern="1200" dirty="0">
                         <a:solidFill>

--- a/Progetto_HPC.pptx
+++ b/Progetto_HPC.pptx
@@ -5,24 +5,25 @@
     <p:sldMasterId id="2147483702" r:id="rId1"/>
   </p:sldMasterIdLst>
   <p:notesMasterIdLst>
-    <p:notesMasterId r:id="rId17"/>
+    <p:notesMasterId r:id="rId18"/>
   </p:notesMasterIdLst>
   <p:sldIdLst>
     <p:sldId id="256" r:id="rId2"/>
     <p:sldId id="259" r:id="rId3"/>
     <p:sldId id="258" r:id="rId4"/>
-    <p:sldId id="260" r:id="rId5"/>
-    <p:sldId id="261" r:id="rId6"/>
-    <p:sldId id="262" r:id="rId7"/>
-    <p:sldId id="263" r:id="rId8"/>
-    <p:sldId id="264" r:id="rId9"/>
-    <p:sldId id="268" r:id="rId10"/>
-    <p:sldId id="269" r:id="rId11"/>
-    <p:sldId id="271" r:id="rId12"/>
-    <p:sldId id="270" r:id="rId13"/>
-    <p:sldId id="265" r:id="rId14"/>
-    <p:sldId id="266" r:id="rId15"/>
-    <p:sldId id="267" r:id="rId16"/>
+    <p:sldId id="272" r:id="rId5"/>
+    <p:sldId id="260" r:id="rId6"/>
+    <p:sldId id="261" r:id="rId7"/>
+    <p:sldId id="262" r:id="rId8"/>
+    <p:sldId id="263" r:id="rId9"/>
+    <p:sldId id="264" r:id="rId10"/>
+    <p:sldId id="268" r:id="rId11"/>
+    <p:sldId id="269" r:id="rId12"/>
+    <p:sldId id="271" r:id="rId13"/>
+    <p:sldId id="270" r:id="rId14"/>
+    <p:sldId id="265" r:id="rId15"/>
+    <p:sldId id="266" r:id="rId16"/>
+    <p:sldId id="267" r:id="rId17"/>
   </p:sldIdLst>
   <p:sldSz cx="12192000" cy="6858000"/>
   <p:notesSz cx="6858000" cy="9144000"/>
@@ -211,7 +212,7 @@
           <a:p>
             <a:fld id="{7A6B8BA8-9730-4143-87AF-75D0AEF250E9}" type="datetimeFigureOut">
               <a:rPr lang="it-IT" smtClean="0"/>
-              <a:t>09/06/2025</a:t>
+              <a:t>10/06/2025</a:t>
             </a:fld>
             <a:endParaRPr lang="it-IT"/>
           </a:p>
@@ -657,7 +658,7 @@
           <a:effectLst/>
           <a:extLst>
             <a:ext uri="{91240B29-F687-4f45-9708-019B960494DF}">
-              <a14:hiddenLine xmlns="" xmlns:a14="http://schemas.microsoft.com/office/drawing/2010/main" w="9525">
+              <a14:hiddenLine xmlns:a14="http://schemas.microsoft.com/office/drawing/2010/main" xmlns="" w="9525">
                 <a:solidFill>
                   <a:srgbClr val="000000"/>
                 </a:solidFill>
@@ -849,7 +850,7 @@
           <a:p>
             <a:fld id="{D755A5FA-FE2E-4D01-B65C-4DF6F364A15B}" type="datetimeFigureOut">
               <a:rPr lang="it-IT" smtClean="0"/>
-              <a:t>09/06/2025</a:t>
+              <a:t>10/06/2025</a:t>
             </a:fld>
             <a:endParaRPr lang="it-IT"/>
           </a:p>
@@ -1167,7 +1168,7 @@
           <a:p>
             <a:fld id="{D755A5FA-FE2E-4D01-B65C-4DF6F364A15B}" type="datetimeFigureOut">
               <a:rPr lang="it-IT" smtClean="0"/>
-              <a:t>09/06/2025</a:t>
+              <a:t>10/06/2025</a:t>
             </a:fld>
             <a:endParaRPr lang="it-IT"/>
           </a:p>
@@ -1655,7 +1656,7 @@
           <a:p>
             <a:fld id="{D755A5FA-FE2E-4D01-B65C-4DF6F364A15B}" type="datetimeFigureOut">
               <a:rPr lang="it-IT" smtClean="0"/>
-              <a:t>09/06/2025</a:t>
+              <a:t>10/06/2025</a:t>
             </a:fld>
             <a:endParaRPr lang="it-IT"/>
           </a:p>
@@ -2024,7 +2025,7 @@
           <a:p>
             <a:fld id="{D755A5FA-FE2E-4D01-B65C-4DF6F364A15B}" type="datetimeFigureOut">
               <a:rPr lang="it-IT" smtClean="0"/>
-              <a:t>09/06/2025</a:t>
+              <a:t>10/06/2025</a:t>
             </a:fld>
             <a:endParaRPr lang="it-IT"/>
           </a:p>
@@ -2179,7 +2180,7 @@
           <a:ln/>
           <a:extLst>
             <a:ext uri="{91240B29-F687-4f45-9708-019B960494DF}">
-              <a14:hiddenLine xmlns="" xmlns:a14="http://schemas.microsoft.com/office/drawing/2010/main" w="9525">
+              <a14:hiddenLine xmlns:a14="http://schemas.microsoft.com/office/drawing/2010/main" xmlns="" w="9525">
                 <a:solidFill>
                   <a:srgbClr val="000000"/>
                 </a:solidFill>
@@ -2297,7 +2298,7 @@
           <a:p>
             <a:fld id="{D755A5FA-FE2E-4D01-B65C-4DF6F364A15B}" type="datetimeFigureOut">
               <a:rPr lang="it-IT" smtClean="0"/>
-              <a:t>09/06/2025</a:t>
+              <a:t>10/06/2025</a:t>
             </a:fld>
             <a:endParaRPr lang="it-IT"/>
           </a:p>
@@ -2454,7 +2455,7 @@
           <a:ln/>
           <a:extLst>
             <a:ext uri="{91240B29-F687-4f45-9708-019B960494DF}">
-              <a14:hiddenLine xmlns="" xmlns:a14="http://schemas.microsoft.com/office/drawing/2010/main" w="9525">
+              <a14:hiddenLine xmlns:a14="http://schemas.microsoft.com/office/drawing/2010/main" xmlns="" w="9525">
                 <a:solidFill>
                   <a:srgbClr val="000000"/>
                 </a:solidFill>
@@ -2582,7 +2583,7 @@
           <a:p>
             <a:fld id="{D755A5FA-FE2E-4D01-B65C-4DF6F364A15B}" type="datetimeFigureOut">
               <a:rPr lang="it-IT" smtClean="0"/>
-              <a:t>09/06/2025</a:t>
+              <a:t>10/06/2025</a:t>
             </a:fld>
             <a:endParaRPr lang="it-IT"/>
           </a:p>
@@ -2737,7 +2738,7 @@
           <a:ln/>
           <a:extLst>
             <a:ext uri="{91240B29-F687-4f45-9708-019B960494DF}">
-              <a14:hiddenLine xmlns="" xmlns:a14="http://schemas.microsoft.com/office/drawing/2010/main" w="9525">
+              <a14:hiddenLine xmlns:a14="http://schemas.microsoft.com/office/drawing/2010/main" xmlns="" w="9525">
                 <a:solidFill>
                   <a:srgbClr val="000000"/>
                 </a:solidFill>
@@ -2865,7 +2866,7 @@
           <a:p>
             <a:fld id="{D755A5FA-FE2E-4D01-B65C-4DF6F364A15B}" type="datetimeFigureOut">
               <a:rPr lang="it-IT" smtClean="0"/>
-              <a:t>09/06/2025</a:t>
+              <a:t>10/06/2025</a:t>
             </a:fld>
             <a:endParaRPr lang="it-IT"/>
           </a:p>
@@ -3208,7 +3209,7 @@
           <a:p>
             <a:fld id="{D755A5FA-FE2E-4D01-B65C-4DF6F364A15B}" type="datetimeFigureOut">
               <a:rPr lang="it-IT" smtClean="0"/>
-              <a:t>09/06/2025</a:t>
+              <a:t>10/06/2025</a:t>
             </a:fld>
             <a:endParaRPr lang="it-IT"/>
           </a:p>
@@ -3363,7 +3364,7 @@
           <a:ln/>
           <a:extLst>
             <a:ext uri="{91240B29-F687-4f45-9708-019B960494DF}">
-              <a14:hiddenLine xmlns="" xmlns:a14="http://schemas.microsoft.com/office/drawing/2010/main" w="9525">
+              <a14:hiddenLine xmlns:a14="http://schemas.microsoft.com/office/drawing/2010/main" xmlns="" w="9525">
                 <a:solidFill>
                   <a:srgbClr val="000000"/>
                 </a:solidFill>
@@ -3547,7 +3548,7 @@
           <a:p>
             <a:fld id="{D755A5FA-FE2E-4D01-B65C-4DF6F364A15B}" type="datetimeFigureOut">
               <a:rPr lang="it-IT" smtClean="0"/>
-              <a:t>09/06/2025</a:t>
+              <a:t>10/06/2025</a:t>
             </a:fld>
             <a:endParaRPr lang="it-IT"/>
           </a:p>
@@ -3702,7 +3703,7 @@
           <a:ln/>
           <a:extLst>
             <a:ext uri="{91240B29-F687-4f45-9708-019B960494DF}">
-              <a14:hiddenLine xmlns="" xmlns:a14="http://schemas.microsoft.com/office/drawing/2010/main" w="9525">
+              <a14:hiddenLine xmlns:a14="http://schemas.microsoft.com/office/drawing/2010/main" xmlns="" w="9525">
                 <a:solidFill>
                   <a:srgbClr val="000000"/>
                 </a:solidFill>
@@ -4024,7 +4025,7 @@
           <a:p>
             <a:fld id="{D755A5FA-FE2E-4D01-B65C-4DF6F364A15B}" type="datetimeFigureOut">
               <a:rPr lang="it-IT" smtClean="0"/>
-              <a:t>09/06/2025</a:t>
+              <a:t>10/06/2025</a:t>
             </a:fld>
             <a:endParaRPr lang="it-IT"/>
           </a:p>
@@ -4179,7 +4180,7 @@
           <a:ln/>
           <a:extLst>
             <a:ext uri="{91240B29-F687-4f45-9708-019B960494DF}">
-              <a14:hiddenLine xmlns="" xmlns:a14="http://schemas.microsoft.com/office/drawing/2010/main" w="9525">
+              <a14:hiddenLine xmlns:a14="http://schemas.microsoft.com/office/drawing/2010/main" xmlns="" w="9525">
                 <a:solidFill>
                   <a:srgbClr val="000000"/>
                 </a:solidFill>
@@ -4245,7 +4246,7 @@
           <a:p>
             <a:fld id="{D755A5FA-FE2E-4D01-B65C-4DF6F364A15B}" type="datetimeFigureOut">
               <a:rPr lang="it-IT" smtClean="0"/>
-              <a:t>09/06/2025</a:t>
+              <a:t>10/06/2025</a:t>
             </a:fld>
             <a:endParaRPr lang="it-IT"/>
           </a:p>
@@ -4340,7 +4341,7 @@
           <a:p>
             <a:fld id="{D755A5FA-FE2E-4D01-B65C-4DF6F364A15B}" type="datetimeFigureOut">
               <a:rPr lang="it-IT" smtClean="0"/>
-              <a:t>09/06/2025</a:t>
+              <a:t>10/06/2025</a:t>
             </a:fld>
             <a:endParaRPr lang="it-IT"/>
           </a:p>
@@ -4608,7 +4609,7 @@
           <a:ln/>
           <a:extLst>
             <a:ext uri="{91240B29-F687-4f45-9708-019B960494DF}">
-              <a14:hiddenLine xmlns="" xmlns:a14="http://schemas.microsoft.com/office/drawing/2010/main" w="9525">
+              <a14:hiddenLine xmlns:a14="http://schemas.microsoft.com/office/drawing/2010/main" xmlns="" w="9525">
                 <a:solidFill>
                   <a:srgbClr val="000000"/>
                 </a:solidFill>
@@ -4807,7 +4808,7 @@
           <a:p>
             <a:fld id="{D755A5FA-FE2E-4D01-B65C-4DF6F364A15B}" type="datetimeFigureOut">
               <a:rPr lang="it-IT" smtClean="0"/>
-              <a:t>09/06/2025</a:t>
+              <a:t>10/06/2025</a:t>
             </a:fld>
             <a:endParaRPr lang="it-IT"/>
           </a:p>
@@ -5120,7 +5121,7 @@
           <a:p>
             <a:fld id="{D755A5FA-FE2E-4D01-B65C-4DF6F364A15B}" type="datetimeFigureOut">
               <a:rPr lang="it-IT" smtClean="0"/>
-              <a:t>09/06/2025</a:t>
+              <a:t>10/06/2025</a:t>
             </a:fld>
             <a:endParaRPr lang="it-IT"/>
           </a:p>
@@ -5390,7 +5391,7 @@
           <a:p>
             <a:fld id="{D755A5FA-FE2E-4D01-B65C-4DF6F364A15B}" type="datetimeFigureOut">
               <a:rPr lang="it-IT" smtClean="0"/>
-              <a:t>09/06/2025</a:t>
+              <a:t>10/06/2025</a:t>
             </a:fld>
             <a:endParaRPr lang="it-IT"/>
           </a:p>
@@ -6055,6 +6056,384 @@
         <p:cNvPr id="1" name="">
           <a:extLst>
             <a:ext uri="{FF2B5EF4-FFF2-40B4-BE49-F238E27FC236}">
+              <a16:creationId xmlns:a16="http://schemas.microsoft.com/office/drawing/2014/main" id="{A06A31FC-632D-A9EA-457B-B92E57F57D0E}"/>
+            </a:ext>
+          </a:extLst>
+        </p:cNvPr>
+        <p:cNvGrpSpPr/>
+        <p:nvPr/>
+      </p:nvGrpSpPr>
+      <p:grpSpPr>
+        <a:xfrm>
+          <a:off x="0" y="0"/>
+          <a:ext cx="0" cy="0"/>
+          <a:chOff x="0" y="0"/>
+          <a:chExt cx="0" cy="0"/>
+        </a:xfrm>
+      </p:grpSpPr>
+      <p:sp>
+        <p:nvSpPr>
+          <p:cNvPr id="2" name="Titolo 1">
+            <a:extLst>
+              <a:ext uri="{FF2B5EF4-FFF2-40B4-BE49-F238E27FC236}">
+                <a16:creationId xmlns:a16="http://schemas.microsoft.com/office/drawing/2014/main" id="{27D96129-1749-64CC-F41B-7822FFD42191}"/>
+              </a:ext>
+            </a:extLst>
+          </p:cNvPr>
+          <p:cNvSpPr>
+            <a:spLocks noGrp="1"/>
+          </p:cNvSpPr>
+          <p:nvPr>
+            <p:ph type="title"/>
+          </p:nvPr>
+        </p:nvSpPr>
+        <p:spPr/>
+        <p:txBody>
+          <a:bodyPr/>
+          <a:lstStyle/>
+          <a:p>
+            <a:r>
+              <a:rPr lang="it-IT" dirty="0" err="1"/>
+              <a:t>Parallelization</a:t>
+            </a:r>
+            <a:r>
+              <a:rPr lang="it-IT" dirty="0"/>
+              <a:t> (1)</a:t>
+            </a:r>
+          </a:p>
+        </p:txBody>
+      </p:sp>
+      <p:grpSp>
+        <p:nvGrpSpPr>
+          <p:cNvPr id="14" name="Gruppo 13">
+            <a:extLst>
+              <a:ext uri="{FF2B5EF4-FFF2-40B4-BE49-F238E27FC236}">
+                <a16:creationId xmlns:a16="http://schemas.microsoft.com/office/drawing/2014/main" id="{E40FC6D6-0A00-BF83-0FDF-16DC7F9CF151}"/>
+              </a:ext>
+            </a:extLst>
+          </p:cNvPr>
+          <p:cNvGrpSpPr/>
+          <p:nvPr/>
+        </p:nvGrpSpPr>
+        <p:grpSpPr>
+          <a:xfrm>
+            <a:off x="1183948" y="2803384"/>
+            <a:ext cx="4134427" cy="2924583"/>
+            <a:chOff x="672938" y="2423908"/>
+            <a:chExt cx="4134427" cy="2924583"/>
+          </a:xfrm>
+        </p:grpSpPr>
+        <p:pic>
+          <p:nvPicPr>
+            <p:cNvPr id="7" name="Immagine 6">
+              <a:extLst>
+                <a:ext uri="{FF2B5EF4-FFF2-40B4-BE49-F238E27FC236}">
+                  <a16:creationId xmlns:a16="http://schemas.microsoft.com/office/drawing/2014/main" id="{40CCA695-3694-57AA-BAB0-7562AB394ED4}"/>
+                </a:ext>
+              </a:extLst>
+            </p:cNvPr>
+            <p:cNvPicPr>
+              <a:picLocks noChangeAspect="1"/>
+            </p:cNvPicPr>
+            <p:nvPr/>
+          </p:nvPicPr>
+          <p:blipFill>
+            <a:blip r:embed="rId2"/>
+            <a:stretch>
+              <a:fillRect/>
+            </a:stretch>
+          </p:blipFill>
+          <p:spPr>
+            <a:xfrm>
+              <a:off x="672938" y="2423908"/>
+              <a:ext cx="4134427" cy="2924583"/>
+            </a:xfrm>
+            <a:prstGeom prst="rect">
+              <a:avLst/>
+            </a:prstGeom>
+          </p:spPr>
+        </p:pic>
+        <p:sp>
+          <p:nvSpPr>
+            <p:cNvPr id="10" name="Rettangolo 9">
+              <a:extLst>
+                <a:ext uri="{FF2B5EF4-FFF2-40B4-BE49-F238E27FC236}">
+                  <a16:creationId xmlns:a16="http://schemas.microsoft.com/office/drawing/2014/main" id="{3DCABD34-3F69-959A-1464-2B1A9F8EF7E1}"/>
+                </a:ext>
+              </a:extLst>
+            </p:cNvPr>
+            <p:cNvSpPr/>
+            <p:nvPr/>
+          </p:nvSpPr>
+          <p:spPr>
+            <a:xfrm>
+              <a:off x="923925" y="2962275"/>
+              <a:ext cx="3505200" cy="276225"/>
+            </a:xfrm>
+            <a:prstGeom prst="rect">
+              <a:avLst/>
+            </a:prstGeom>
+            <a:noFill/>
+            <a:ln>
+              <a:solidFill>
+                <a:srgbClr val="FF0000"/>
+              </a:solidFill>
+            </a:ln>
+          </p:spPr>
+          <p:style>
+            <a:lnRef idx="2">
+              <a:schemeClr val="accent1">
+                <a:shade val="15000"/>
+              </a:schemeClr>
+            </a:lnRef>
+            <a:fillRef idx="1">
+              <a:schemeClr val="accent1"/>
+            </a:fillRef>
+            <a:effectRef idx="0">
+              <a:schemeClr val="accent1"/>
+            </a:effectRef>
+            <a:fontRef idx="minor">
+              <a:schemeClr val="lt1"/>
+            </a:fontRef>
+          </p:style>
+          <p:txBody>
+            <a:bodyPr rtlCol="0" anchor="ctr"/>
+            <a:lstStyle/>
+            <a:p>
+              <a:pPr algn="ctr"/>
+              <a:endParaRPr lang="it-IT"/>
+            </a:p>
+          </p:txBody>
+        </p:sp>
+        <p:sp>
+          <p:nvSpPr>
+            <p:cNvPr id="12" name="Rettangolo 11">
+              <a:extLst>
+                <a:ext uri="{FF2B5EF4-FFF2-40B4-BE49-F238E27FC236}">
+                  <a16:creationId xmlns:a16="http://schemas.microsoft.com/office/drawing/2014/main" id="{0CAE6CBA-9AA0-A93E-1DF7-01B496DA5FFE}"/>
+                </a:ext>
+              </a:extLst>
+            </p:cNvPr>
+            <p:cNvSpPr/>
+            <p:nvPr/>
+          </p:nvSpPr>
+          <p:spPr>
+            <a:xfrm>
+              <a:off x="2374773" y="4244770"/>
+              <a:ext cx="917067" cy="243410"/>
+            </a:xfrm>
+            <a:prstGeom prst="rect">
+              <a:avLst/>
+            </a:prstGeom>
+            <a:noFill/>
+            <a:ln>
+              <a:solidFill>
+                <a:srgbClr val="FF0000"/>
+              </a:solidFill>
+            </a:ln>
+          </p:spPr>
+          <p:style>
+            <a:lnRef idx="2">
+              <a:schemeClr val="accent1">
+                <a:shade val="15000"/>
+              </a:schemeClr>
+            </a:lnRef>
+            <a:fillRef idx="1">
+              <a:schemeClr val="accent1"/>
+            </a:fillRef>
+            <a:effectRef idx="0">
+              <a:schemeClr val="accent1"/>
+            </a:effectRef>
+            <a:fontRef idx="minor">
+              <a:schemeClr val="lt1"/>
+            </a:fontRef>
+          </p:style>
+          <p:txBody>
+            <a:bodyPr rtlCol="0" anchor="ctr"/>
+            <a:lstStyle/>
+            <a:p>
+              <a:pPr algn="ctr"/>
+              <a:endParaRPr lang="it-IT"/>
+            </a:p>
+          </p:txBody>
+        </p:sp>
+      </p:grpSp>
+      <p:grpSp>
+        <p:nvGrpSpPr>
+          <p:cNvPr id="15" name="Gruppo 14">
+            <a:extLst>
+              <a:ext uri="{FF2B5EF4-FFF2-40B4-BE49-F238E27FC236}">
+                <a16:creationId xmlns:a16="http://schemas.microsoft.com/office/drawing/2014/main" id="{693EEAD8-69B9-3AF1-38A9-ACDB9DBAD8C5}"/>
+              </a:ext>
+            </a:extLst>
+          </p:cNvPr>
+          <p:cNvGrpSpPr/>
+          <p:nvPr/>
+        </p:nvGrpSpPr>
+        <p:grpSpPr>
+          <a:xfrm>
+            <a:off x="6282993" y="2433052"/>
+            <a:ext cx="4725059" cy="3896269"/>
+            <a:chOff x="6656939" y="2423908"/>
+            <a:chExt cx="4725059" cy="3896269"/>
+          </a:xfrm>
+        </p:grpSpPr>
+        <p:pic>
+          <p:nvPicPr>
+            <p:cNvPr id="9" name="Immagine 8">
+              <a:extLst>
+                <a:ext uri="{FF2B5EF4-FFF2-40B4-BE49-F238E27FC236}">
+                  <a16:creationId xmlns:a16="http://schemas.microsoft.com/office/drawing/2014/main" id="{032AEF6C-AE9B-AA02-5E38-933CC609404C}"/>
+                </a:ext>
+              </a:extLst>
+            </p:cNvPr>
+            <p:cNvPicPr>
+              <a:picLocks noChangeAspect="1"/>
+            </p:cNvPicPr>
+            <p:nvPr/>
+          </p:nvPicPr>
+          <p:blipFill>
+            <a:blip r:embed="rId3"/>
+            <a:stretch>
+              <a:fillRect/>
+            </a:stretch>
+          </p:blipFill>
+          <p:spPr>
+            <a:xfrm>
+              <a:off x="6656939" y="2423908"/>
+              <a:ext cx="4725059" cy="3896269"/>
+            </a:xfrm>
+            <a:prstGeom prst="rect">
+              <a:avLst/>
+            </a:prstGeom>
+          </p:spPr>
+        </p:pic>
+        <p:sp>
+          <p:nvSpPr>
+            <p:cNvPr id="11" name="Rettangolo 10">
+              <a:extLst>
+                <a:ext uri="{FF2B5EF4-FFF2-40B4-BE49-F238E27FC236}">
+                  <a16:creationId xmlns:a16="http://schemas.microsoft.com/office/drawing/2014/main" id="{AFEA9FF0-FD74-14ED-9652-0374653D8548}"/>
+                </a:ext>
+              </a:extLst>
+            </p:cNvPr>
+            <p:cNvSpPr/>
+            <p:nvPr/>
+          </p:nvSpPr>
+          <p:spPr>
+            <a:xfrm>
+              <a:off x="6910197" y="2950083"/>
+              <a:ext cx="3505200" cy="276225"/>
+            </a:xfrm>
+            <a:prstGeom prst="rect">
+              <a:avLst/>
+            </a:prstGeom>
+            <a:noFill/>
+            <a:ln>
+              <a:solidFill>
+                <a:srgbClr val="FF0000"/>
+              </a:solidFill>
+            </a:ln>
+          </p:spPr>
+          <p:style>
+            <a:lnRef idx="2">
+              <a:schemeClr val="accent1">
+                <a:shade val="15000"/>
+              </a:schemeClr>
+            </a:lnRef>
+            <a:fillRef idx="1">
+              <a:schemeClr val="accent1"/>
+            </a:fillRef>
+            <a:effectRef idx="0">
+              <a:schemeClr val="accent1"/>
+            </a:effectRef>
+            <a:fontRef idx="minor">
+              <a:schemeClr val="lt1"/>
+            </a:fontRef>
+          </p:style>
+          <p:txBody>
+            <a:bodyPr rtlCol="0" anchor="ctr"/>
+            <a:lstStyle/>
+            <a:p>
+              <a:pPr algn="ctr"/>
+              <a:endParaRPr lang="it-IT"/>
+            </a:p>
+          </p:txBody>
+        </p:sp>
+        <p:sp>
+          <p:nvSpPr>
+            <p:cNvPr id="13" name="Rettangolo 12">
+              <a:extLst>
+                <a:ext uri="{FF2B5EF4-FFF2-40B4-BE49-F238E27FC236}">
+                  <a16:creationId xmlns:a16="http://schemas.microsoft.com/office/drawing/2014/main" id="{F61B5D6A-065E-9E44-B691-F9DC1439B28A}"/>
+                </a:ext>
+              </a:extLst>
+            </p:cNvPr>
+            <p:cNvSpPr/>
+            <p:nvPr/>
+          </p:nvSpPr>
+          <p:spPr>
+            <a:xfrm>
+              <a:off x="8873109" y="4022266"/>
+              <a:ext cx="917067" cy="243410"/>
+            </a:xfrm>
+            <a:prstGeom prst="rect">
+              <a:avLst/>
+            </a:prstGeom>
+            <a:noFill/>
+            <a:ln>
+              <a:solidFill>
+                <a:srgbClr val="FF0000"/>
+              </a:solidFill>
+            </a:ln>
+          </p:spPr>
+          <p:style>
+            <a:lnRef idx="2">
+              <a:schemeClr val="accent1">
+                <a:shade val="15000"/>
+              </a:schemeClr>
+            </a:lnRef>
+            <a:fillRef idx="1">
+              <a:schemeClr val="accent1"/>
+            </a:fillRef>
+            <a:effectRef idx="0">
+              <a:schemeClr val="accent1"/>
+            </a:effectRef>
+            <a:fontRef idx="minor">
+              <a:schemeClr val="lt1"/>
+            </a:fontRef>
+          </p:style>
+          <p:txBody>
+            <a:bodyPr rtlCol="0" anchor="ctr"/>
+            <a:lstStyle/>
+            <a:p>
+              <a:pPr algn="ctr"/>
+              <a:endParaRPr lang="it-IT"/>
+            </a:p>
+          </p:txBody>
+        </p:sp>
+      </p:grpSp>
+    </p:spTree>
+    <p:extLst>
+      <p:ext uri="{BB962C8B-B14F-4D97-AF65-F5344CB8AC3E}">
+        <p14:creationId xmlns:p14="http://schemas.microsoft.com/office/powerpoint/2010/main" val="3826393630"/>
+      </p:ext>
+    </p:extLst>
+  </p:cSld>
+  <p:clrMapOvr>
+    <a:masterClrMapping/>
+  </p:clrMapOvr>
+</p:sld>
+</file>
+
+<file path=ppt/slides/slide11.xml><?xml version="1.0" encoding="utf-8"?>
+<p:sld xmlns:a="http://schemas.openxmlformats.org/drawingml/2006/main" xmlns:r="http://schemas.openxmlformats.org/officeDocument/2006/relationships" xmlns:p="http://schemas.openxmlformats.org/presentationml/2006/main">
+  <p:cSld>
+    <p:spTree>
+      <p:nvGrpSpPr>
+        <p:cNvPr id="1" name="">
+          <a:extLst>
+            <a:ext uri="{FF2B5EF4-FFF2-40B4-BE49-F238E27FC236}">
               <a16:creationId xmlns:a16="http://schemas.microsoft.com/office/drawing/2014/main" id="{22264A8D-8BB6-9282-85ED-817506CD16E9}"/>
             </a:ext>
           </a:extLst>
@@ -6425,7 +6804,7 @@
 </p:sld>
 </file>
 
-<file path=ppt/slides/slide11.xml><?xml version="1.0" encoding="utf-8"?>
+<file path=ppt/slides/slide12.xml><?xml version="1.0" encoding="utf-8"?>
 <p:sld xmlns:a="http://schemas.openxmlformats.org/drawingml/2006/main" xmlns:r="http://schemas.openxmlformats.org/officeDocument/2006/relationships" xmlns:p="http://schemas.openxmlformats.org/presentationml/2006/main">
   <p:cSld>
     <p:spTree>
@@ -6636,7 +7015,7 @@
 </p:sld>
 </file>
 
-<file path=ppt/slides/slide12.xml><?xml version="1.0" encoding="utf-8"?>
+<file path=ppt/slides/slide13.xml><?xml version="1.0" encoding="utf-8"?>
 <p:sld xmlns:a="http://schemas.openxmlformats.org/drawingml/2006/main" xmlns:r="http://schemas.openxmlformats.org/officeDocument/2006/relationships" xmlns:p="http://schemas.openxmlformats.org/presentationml/2006/main">
   <p:cSld>
     <p:spTree>
@@ -6794,7 +7173,7 @@
 </p:sld>
 </file>
 
-<file path=ppt/slides/slide13.xml><?xml version="1.0" encoding="utf-8"?>
+<file path=ppt/slides/slide14.xml><?xml version="1.0" encoding="utf-8"?>
 <p:sld xmlns:a="http://schemas.openxmlformats.org/drawingml/2006/main" xmlns:r="http://schemas.openxmlformats.org/officeDocument/2006/relationships" xmlns:p="http://schemas.openxmlformats.org/presentationml/2006/main">
   <p:cSld>
     <p:spTree>
@@ -6846,42 +7225,6 @@
           </a:p>
         </p:txBody>
       </p:sp>
-      <p:pic>
-        <p:nvPicPr>
-          <p:cNvPr id="7" name="Immagine 6" descr="Immagine che contiene testo, diagramma, schermata, linea&#10;&#10;Il contenuto generato dall'IA potrebbe non essere corretto.">
-            <a:extLst>
-              <a:ext uri="{FF2B5EF4-FFF2-40B4-BE49-F238E27FC236}">
-                <a16:creationId xmlns:a16="http://schemas.microsoft.com/office/drawing/2014/main" id="{BBDA4D62-2D92-573F-09F1-EBAE3DB7135B}"/>
-              </a:ext>
-            </a:extLst>
-          </p:cNvPr>
-          <p:cNvPicPr>
-            <a:picLocks noChangeAspect="1"/>
-          </p:cNvPicPr>
-          <p:nvPr/>
-        </p:nvPicPr>
-        <p:blipFill>
-          <a:blip r:embed="rId2">
-            <a:extLst>
-              <a:ext uri="{28A0092B-C50C-407E-A947-70E740481C1C}">
-                <a14:useLocalDpi xmlns:a14="http://schemas.microsoft.com/office/drawing/2010/main" val="0"/>
-              </a:ext>
-            </a:extLst>
-          </a:blip>
-          <a:stretch>
-            <a:fillRect/>
-          </a:stretch>
-        </p:blipFill>
-        <p:spPr>
-          <a:xfrm>
-            <a:off x="3857624" y="2033587"/>
-            <a:ext cx="8058161" cy="4700594"/>
-          </a:xfrm>
-          <a:prstGeom prst="rect">
-            <a:avLst/>
-          </a:prstGeom>
-        </p:spPr>
-      </p:pic>
       <p:sp>
         <p:nvSpPr>
           <p:cNvPr id="8" name="Segnaposto contenuto 2">
@@ -6919,7 +7262,7 @@
             </a:r>
             <a:r>
               <a:rPr lang="en-US" b="1" dirty="0"/>
-              <a:t>x549 </a:t>
+              <a:t>x362 </a:t>
             </a:r>
             <a:r>
               <a:rPr lang="en-US" dirty="0"/>
@@ -6944,6 +7287,42 @@
           </a:p>
         </p:txBody>
       </p:sp>
+      <p:pic>
+        <p:nvPicPr>
+          <p:cNvPr id="4" name="Immagine 3" descr="Immagine che contiene testo, diagramma, linea, schermata&#10;&#10;Il contenuto generato dall'IA potrebbe non essere corretto.">
+            <a:extLst>
+              <a:ext uri="{FF2B5EF4-FFF2-40B4-BE49-F238E27FC236}">
+                <a16:creationId xmlns:a16="http://schemas.microsoft.com/office/drawing/2014/main" id="{54F28818-B323-2C9E-F627-4F5E7C657588}"/>
+              </a:ext>
+            </a:extLst>
+          </p:cNvPr>
+          <p:cNvPicPr>
+            <a:picLocks noChangeAspect="1"/>
+          </p:cNvPicPr>
+          <p:nvPr/>
+        </p:nvPicPr>
+        <p:blipFill>
+          <a:blip r:embed="rId2">
+            <a:extLst>
+              <a:ext uri="{28A0092B-C50C-407E-A947-70E740481C1C}">
+                <a14:useLocalDpi xmlns:a14="http://schemas.microsoft.com/office/drawing/2010/main" val="0"/>
+              </a:ext>
+            </a:extLst>
+          </a:blip>
+          <a:stretch>
+            <a:fillRect/>
+          </a:stretch>
+        </p:blipFill>
+        <p:spPr>
+          <a:xfrm>
+            <a:off x="3857623" y="2033587"/>
+            <a:ext cx="8058161" cy="4700594"/>
+          </a:xfrm>
+          <a:prstGeom prst="rect">
+            <a:avLst/>
+          </a:prstGeom>
+        </p:spPr>
+      </p:pic>
     </p:spTree>
     <p:extLst>
       <p:ext uri="{BB962C8B-B14F-4D97-AF65-F5344CB8AC3E}">
@@ -6957,7 +7336,7 @@
 </p:sld>
 </file>
 
-<file path=ppt/slides/slide14.xml><?xml version="1.0" encoding="utf-8"?>
+<file path=ppt/slides/slide15.xml><?xml version="1.0" encoding="utf-8"?>
 <p:sld xmlns:a="http://schemas.openxmlformats.org/drawingml/2006/main" xmlns:r="http://schemas.openxmlformats.org/officeDocument/2006/relationships" xmlns:p="http://schemas.openxmlformats.org/presentationml/2006/main">
   <p:cSld>
     <p:spTree>
@@ -7028,13 +7407,13 @@
             <p:ph idx="1"/>
             <p:extLst>
               <p:ext uri="{D42A27DB-BD31-4B8C-83A1-F6EECF244321}">
-                <p14:modId xmlns:p14="http://schemas.microsoft.com/office/powerpoint/2010/main" val="3978238527"/>
+                <p14:modId xmlns:p14="http://schemas.microsoft.com/office/powerpoint/2010/main" val="1460921196"/>
               </p:ext>
             </p:extLst>
           </p:nvPr>
         </p:nvGraphicFramePr>
         <p:xfrm>
-          <a:off x="810000" y="3803904"/>
+          <a:off x="810000" y="3118104"/>
           <a:ext cx="10553701" cy="2225040"/>
         </p:xfrm>
         <a:graphic>
@@ -8339,8 +8718,8 @@
         </p:nvSpPr>
         <p:spPr>
           <a:xfrm>
-            <a:off x="809999" y="2386584"/>
-            <a:ext cx="10553702" cy="1417320"/>
+            <a:off x="810000" y="2304288"/>
+            <a:ext cx="10553702" cy="749808"/>
           </a:xfrm>
           <a:prstGeom prst="rect">
             <a:avLst/>
@@ -8561,6 +8940,550 @@
           </a:p>
         </p:txBody>
       </p:sp>
+      <p:graphicFrame>
+        <p:nvGraphicFramePr>
+          <p:cNvPr id="3" name="Tabella 2">
+            <a:extLst>
+              <a:ext uri="{FF2B5EF4-FFF2-40B4-BE49-F238E27FC236}">
+                <a16:creationId xmlns:a16="http://schemas.microsoft.com/office/drawing/2014/main" id="{68DC84A0-1683-3777-77DE-EE3966B5BAA0}"/>
+              </a:ext>
+            </a:extLst>
+          </p:cNvPr>
+          <p:cNvGraphicFramePr>
+            <a:graphicFrameLocks noGrp="1"/>
+          </p:cNvGraphicFramePr>
+          <p:nvPr>
+            <p:extLst>
+              <p:ext uri="{D42A27DB-BD31-4B8C-83A1-F6EECF244321}">
+                <p14:modId xmlns:p14="http://schemas.microsoft.com/office/powerpoint/2010/main" val="2793649642"/>
+              </p:ext>
+            </p:extLst>
+          </p:nvPr>
+        </p:nvGraphicFramePr>
+        <p:xfrm>
+          <a:off x="3035808" y="5858594"/>
+          <a:ext cx="7535672" cy="741680"/>
+        </p:xfrm>
+        <a:graphic>
+          <a:graphicData uri="http://schemas.openxmlformats.org/drawingml/2006/table">
+            <a:tbl>
+              <a:tblPr firstRow="1" bandRow="1">
+                <a:tableStyleId>{21E4AEA4-8DFA-4A89-87EB-49C32662AFE0}</a:tableStyleId>
+              </a:tblPr>
+              <a:tblGrid>
+                <a:gridCol w="2386584">
+                  <a:extLst>
+                    <a:ext uri="{9D8B030D-6E8A-4147-A177-3AD203B41FA5}">
+                      <a16:colId xmlns:a16="http://schemas.microsoft.com/office/drawing/2014/main" val="199034277"/>
+                    </a:ext>
+                  </a:extLst>
+                </a:gridCol>
+                <a:gridCol w="1783080">
+                  <a:extLst>
+                    <a:ext uri="{9D8B030D-6E8A-4147-A177-3AD203B41FA5}">
+                      <a16:colId xmlns:a16="http://schemas.microsoft.com/office/drawing/2014/main" val="3562024557"/>
+                    </a:ext>
+                  </a:extLst>
+                </a:gridCol>
+                <a:gridCol w="1755648">
+                  <a:extLst>
+                    <a:ext uri="{9D8B030D-6E8A-4147-A177-3AD203B41FA5}">
+                      <a16:colId xmlns:a16="http://schemas.microsoft.com/office/drawing/2014/main" val="4041743436"/>
+                    </a:ext>
+                  </a:extLst>
+                </a:gridCol>
+                <a:gridCol w="1610360">
+                  <a:extLst>
+                    <a:ext uri="{9D8B030D-6E8A-4147-A177-3AD203B41FA5}">
+                      <a16:colId xmlns:a16="http://schemas.microsoft.com/office/drawing/2014/main" val="2071241997"/>
+                    </a:ext>
+                  </a:extLst>
+                </a:gridCol>
+              </a:tblGrid>
+              <a:tr h="370840">
+                <a:tc>
+                  <a:txBody>
+                    <a:bodyPr/>
+                    <a:lstStyle/>
+                    <a:p>
+                      <a:r>
+                        <a:rPr lang="it-IT" dirty="0"/>
+                        <a:t>MINI</a:t>
+                      </a:r>
+                    </a:p>
+                  </a:txBody>
+                  <a:tcPr/>
+                </a:tc>
+                <a:tc>
+                  <a:txBody>
+                    <a:bodyPr/>
+                    <a:lstStyle/>
+                    <a:p>
+                      <a:r>
+                        <a:rPr lang="it-IT" dirty="0"/>
+                        <a:t>SMALL</a:t>
+                      </a:r>
+                    </a:p>
+                  </a:txBody>
+                  <a:tcPr/>
+                </a:tc>
+                <a:tc>
+                  <a:txBody>
+                    <a:bodyPr/>
+                    <a:lstStyle/>
+                    <a:p>
+                      <a:r>
+                        <a:rPr lang="it-IT" dirty="0"/>
+                        <a:t>STANDARD</a:t>
+                      </a:r>
+                    </a:p>
+                  </a:txBody>
+                  <a:tcPr/>
+                </a:tc>
+                <a:tc>
+                  <a:txBody>
+                    <a:bodyPr/>
+                    <a:lstStyle/>
+                    <a:p>
+                      <a:r>
+                        <a:rPr lang="it-IT" dirty="0"/>
+                        <a:t>LARGE</a:t>
+                      </a:r>
+                    </a:p>
+                  </a:txBody>
+                  <a:tcPr/>
+                </a:tc>
+                <a:extLst>
+                  <a:ext uri="{0D108BD9-81ED-4DB2-BD59-A6C34878D82A}">
+                    <a16:rowId xmlns:a16="http://schemas.microsoft.com/office/drawing/2014/main" val="2636430348"/>
+                  </a:ext>
+                </a:extLst>
+              </a:tr>
+              <a:tr h="370840">
+                <a:tc>
+                  <a:txBody>
+                    <a:bodyPr/>
+                    <a:lstStyle/>
+                    <a:p>
+                      <a:r>
+                        <a:rPr lang="it-IT" sz="1800" i="0" kern="1200" dirty="0">
+                          <a:solidFill>
+                            <a:schemeClr val="dk1"/>
+                          </a:solidFill>
+                          <a:effectLst/>
+                          <a:latin typeface="+mn-lt"/>
+                          <a:ea typeface="+mn-ea"/>
+                          <a:cs typeface="+mn-cs"/>
+                        </a:rPr>
+                        <a:t>0.5875 </a:t>
+                      </a:r>
+                      <a:r>
+                        <a:rPr lang="it-IT" sz="1800" b="1" kern="1200" dirty="0">
+                          <a:solidFill>
+                            <a:srgbClr val="FF0000"/>
+                          </a:solidFill>
+                          <a:effectLst/>
+                          <a:latin typeface="+mn-lt"/>
+                          <a:ea typeface="+mn-ea"/>
+                          <a:cs typeface="+mn-cs"/>
+                        </a:rPr>
+                        <a:t>[x0.00002]</a:t>
+                      </a:r>
+                      <a:endParaRPr lang="it-IT" dirty="0"/>
+                    </a:p>
+                  </a:txBody>
+                  <a:tcPr/>
+                </a:tc>
+                <a:tc>
+                  <a:txBody>
+                    <a:bodyPr/>
+                    <a:lstStyle/>
+                    <a:p>
+                      <a:r>
+                        <a:rPr lang="it-IT" sz="1800" i="0" kern="1200" dirty="0">
+                          <a:solidFill>
+                            <a:schemeClr val="dk1"/>
+                          </a:solidFill>
+                          <a:effectLst/>
+                          <a:latin typeface="+mn-lt"/>
+                          <a:ea typeface="+mn-ea"/>
+                          <a:cs typeface="+mn-cs"/>
+                        </a:rPr>
+                        <a:t>0.73 </a:t>
+                      </a:r>
+                      <a:r>
+                        <a:rPr lang="it-IT" sz="1800" b="1" kern="1200" dirty="0">
+                          <a:solidFill>
+                            <a:srgbClr val="FF0000"/>
+                          </a:solidFill>
+                          <a:effectLst/>
+                          <a:latin typeface="+mn-lt"/>
+                          <a:ea typeface="+mn-ea"/>
+                          <a:cs typeface="+mn-cs"/>
+                        </a:rPr>
+                        <a:t>[x0.098]</a:t>
+                      </a:r>
+                      <a:endParaRPr lang="it-IT" dirty="0"/>
+                    </a:p>
+                  </a:txBody>
+                  <a:tcPr/>
+                </a:tc>
+                <a:tc>
+                  <a:txBody>
+                    <a:bodyPr/>
+                    <a:lstStyle/>
+                    <a:p>
+                      <a:r>
+                        <a:rPr lang="it-IT" sz="1800" i="0" kern="1200" dirty="0">
+                          <a:solidFill>
+                            <a:schemeClr val="dk1"/>
+                          </a:solidFill>
+                          <a:effectLst/>
+                          <a:latin typeface="+mn-lt"/>
+                          <a:ea typeface="+mn-ea"/>
+                          <a:cs typeface="+mn-cs"/>
+                        </a:rPr>
+                        <a:t>0.15425 </a:t>
+                      </a:r>
+                      <a:r>
+                        <a:rPr lang="it-IT" sz="1800" b="1" kern="1200" dirty="0">
+                          <a:solidFill>
+                            <a:srgbClr val="00B050"/>
+                          </a:solidFill>
+                          <a:effectLst/>
+                          <a:latin typeface="+mn-lt"/>
+                          <a:ea typeface="+mn-ea"/>
+                          <a:cs typeface="+mn-cs"/>
+                        </a:rPr>
+                        <a:t>[x3.7]</a:t>
+                      </a:r>
+                      <a:endParaRPr lang="it-IT" dirty="0"/>
+                    </a:p>
+                  </a:txBody>
+                  <a:tcPr/>
+                </a:tc>
+                <a:tc>
+                  <a:txBody>
+                    <a:bodyPr/>
+                    <a:lstStyle/>
+                    <a:p>
+                      <a:r>
+                        <a:rPr lang="it-IT" sz="1800" i="0" kern="1200" dirty="0">
+                          <a:solidFill>
+                            <a:schemeClr val="dk1"/>
+                          </a:solidFill>
+                          <a:effectLst/>
+                          <a:latin typeface="+mn-lt"/>
+                          <a:ea typeface="+mn-ea"/>
+                          <a:cs typeface="+mn-cs"/>
+                        </a:rPr>
+                        <a:t>0.7755 </a:t>
+                      </a:r>
+                      <a:r>
+                        <a:rPr lang="it-IT" sz="1800" b="1" kern="1200" dirty="0">
+                          <a:solidFill>
+                            <a:srgbClr val="00B050"/>
+                          </a:solidFill>
+                          <a:effectLst/>
+                          <a:latin typeface="+mn-lt"/>
+                          <a:ea typeface="+mn-ea"/>
+                          <a:cs typeface="+mn-cs"/>
+                        </a:rPr>
+                        <a:t>[x30]</a:t>
+                      </a:r>
+                      <a:endParaRPr lang="it-IT" dirty="0"/>
+                    </a:p>
+                  </a:txBody>
+                  <a:tcPr/>
+                </a:tc>
+                <a:extLst>
+                  <a:ext uri="{0D108BD9-81ED-4DB2-BD59-A6C34878D82A}">
+                    <a16:rowId xmlns:a16="http://schemas.microsoft.com/office/drawing/2014/main" val="2316826285"/>
+                  </a:ext>
+                </a:extLst>
+              </a:tr>
+            </a:tbl>
+          </a:graphicData>
+        </a:graphic>
+      </p:graphicFrame>
+      <p:cxnSp>
+        <p:nvCxnSpPr>
+          <p:cNvPr id="5" name="Connettore 2 4">
+            <a:extLst>
+              <a:ext uri="{FF2B5EF4-FFF2-40B4-BE49-F238E27FC236}">
+                <a16:creationId xmlns:a16="http://schemas.microsoft.com/office/drawing/2014/main" id="{9F6A8182-649D-2182-E1C3-9F3BA7D4E0EE}"/>
+              </a:ext>
+            </a:extLst>
+          </p:cNvPr>
+          <p:cNvCxnSpPr>
+            <a:cxnSpLocks/>
+          </p:cNvCxnSpPr>
+          <p:nvPr/>
+        </p:nvCxnSpPr>
+        <p:spPr>
+          <a:xfrm>
+            <a:off x="7461504" y="5343144"/>
+            <a:ext cx="0" cy="515450"/>
+          </a:xfrm>
+          <a:prstGeom prst="straightConnector1">
+            <a:avLst/>
+          </a:prstGeom>
+          <a:ln>
+            <a:tailEnd type="triangle"/>
+          </a:ln>
+        </p:spPr>
+        <p:style>
+          <a:lnRef idx="1">
+            <a:schemeClr val="accent6"/>
+          </a:lnRef>
+          <a:fillRef idx="0">
+            <a:schemeClr val="accent6"/>
+          </a:fillRef>
+          <a:effectRef idx="0">
+            <a:schemeClr val="accent6"/>
+          </a:effectRef>
+          <a:fontRef idx="minor">
+            <a:schemeClr val="tx1"/>
+          </a:fontRef>
+        </p:style>
+      </p:cxnSp>
+      <p:sp>
+        <p:nvSpPr>
+          <p:cNvPr id="9" name="Segnaposto contenuto 2">
+            <a:extLst>
+              <a:ext uri="{FF2B5EF4-FFF2-40B4-BE49-F238E27FC236}">
+                <a16:creationId xmlns:a16="http://schemas.microsoft.com/office/drawing/2014/main" id="{81591727-71FA-2885-EB6D-25F47C83917D}"/>
+              </a:ext>
+            </a:extLst>
+          </p:cNvPr>
+          <p:cNvSpPr txBox="1">
+            <a:spLocks/>
+          </p:cNvSpPr>
+          <p:nvPr/>
+        </p:nvSpPr>
+        <p:spPr>
+          <a:xfrm>
+            <a:off x="2757683" y="5549222"/>
+            <a:ext cx="707891" cy="618744"/>
+          </a:xfrm>
+          <a:prstGeom prst="rect">
+            <a:avLst/>
+          </a:prstGeom>
+          <a:effectLst>
+            <a:outerShdw blurRad="50800" dir="14400000">
+              <a:srgbClr val="000000">
+                <a:alpha val="40000"/>
+              </a:srgbClr>
+            </a:outerShdw>
+          </a:effectLst>
+        </p:spPr>
+        <p:txBody>
+          <a:bodyPr vert="horz" lIns="91440" tIns="45720" rIns="91440" bIns="45720" rtlCol="0" anchor="ctr">
+            <a:normAutofit/>
+          </a:bodyPr>
+          <a:lstStyle>
+            <a:lvl1pPr marL="342900" indent="-342900" algn="l" defTabSz="457200" rtl="0" eaLnBrk="1" latinLnBrk="0" hangingPunct="1">
+              <a:spcBef>
+                <a:spcPct val="20000"/>
+              </a:spcBef>
+              <a:spcAft>
+                <a:spcPts val="600"/>
+              </a:spcAft>
+              <a:buClr>
+                <a:schemeClr val="accent1"/>
+              </a:buClr>
+              <a:buFont typeface="Wingdings 2" charset="2"/>
+              <a:buChar char=""/>
+              <a:defRPr sz="1800" kern="1200">
+                <a:solidFill>
+                  <a:schemeClr val="tx1"/>
+                </a:solidFill>
+                <a:latin typeface="+mn-lt"/>
+                <a:ea typeface="+mn-ea"/>
+                <a:cs typeface="+mn-cs"/>
+              </a:defRPr>
+            </a:lvl1pPr>
+            <a:lvl2pPr marL="742950" indent="-285750" algn="l" defTabSz="457200" rtl="0" eaLnBrk="1" latinLnBrk="0" hangingPunct="1">
+              <a:spcBef>
+                <a:spcPct val="20000"/>
+              </a:spcBef>
+              <a:spcAft>
+                <a:spcPts val="600"/>
+              </a:spcAft>
+              <a:buClr>
+                <a:schemeClr val="accent1"/>
+              </a:buClr>
+              <a:buFont typeface="Wingdings 2" charset="2"/>
+              <a:buChar char=""/>
+              <a:defRPr sz="1600" kern="1200">
+                <a:solidFill>
+                  <a:schemeClr val="tx1"/>
+                </a:solidFill>
+                <a:latin typeface="+mn-lt"/>
+                <a:ea typeface="+mn-ea"/>
+                <a:cs typeface="+mn-cs"/>
+              </a:defRPr>
+            </a:lvl2pPr>
+            <a:lvl3pPr marL="1143000" indent="-228600" algn="l" defTabSz="457200" rtl="0" eaLnBrk="1" latinLnBrk="0" hangingPunct="1">
+              <a:spcBef>
+                <a:spcPct val="20000"/>
+              </a:spcBef>
+              <a:spcAft>
+                <a:spcPts val="600"/>
+              </a:spcAft>
+              <a:buClr>
+                <a:schemeClr val="accent1"/>
+              </a:buClr>
+              <a:buFont typeface="Wingdings 2" charset="2"/>
+              <a:buChar char=""/>
+              <a:defRPr sz="1400" kern="1200">
+                <a:solidFill>
+                  <a:schemeClr val="tx1"/>
+                </a:solidFill>
+                <a:latin typeface="+mn-lt"/>
+                <a:ea typeface="+mn-ea"/>
+                <a:cs typeface="+mn-cs"/>
+              </a:defRPr>
+            </a:lvl3pPr>
+            <a:lvl4pPr marL="1600200" indent="-228600" algn="l" defTabSz="457200" rtl="0" eaLnBrk="1" latinLnBrk="0" hangingPunct="1">
+              <a:spcBef>
+                <a:spcPct val="20000"/>
+              </a:spcBef>
+              <a:spcAft>
+                <a:spcPts val="600"/>
+              </a:spcAft>
+              <a:buClr>
+                <a:schemeClr val="accent1"/>
+              </a:buClr>
+              <a:buFont typeface="Wingdings 2" charset="2"/>
+              <a:buChar char=""/>
+              <a:defRPr sz="1200" kern="1200">
+                <a:solidFill>
+                  <a:schemeClr val="tx1"/>
+                </a:solidFill>
+                <a:latin typeface="+mn-lt"/>
+                <a:ea typeface="+mn-ea"/>
+                <a:cs typeface="+mn-cs"/>
+              </a:defRPr>
+            </a:lvl4pPr>
+            <a:lvl5pPr marL="2057400" indent="-228600" algn="l" defTabSz="457200" rtl="0" eaLnBrk="1" latinLnBrk="0" hangingPunct="1">
+              <a:spcBef>
+                <a:spcPct val="20000"/>
+              </a:spcBef>
+              <a:spcAft>
+                <a:spcPts val="600"/>
+              </a:spcAft>
+              <a:buClr>
+                <a:schemeClr val="accent1"/>
+              </a:buClr>
+              <a:buFont typeface="Wingdings 2" charset="2"/>
+              <a:buChar char=""/>
+              <a:defRPr sz="1200" kern="1200">
+                <a:solidFill>
+                  <a:schemeClr val="tx1"/>
+                </a:solidFill>
+                <a:latin typeface="+mn-lt"/>
+                <a:ea typeface="+mn-ea"/>
+                <a:cs typeface="+mn-cs"/>
+              </a:defRPr>
+            </a:lvl5pPr>
+            <a:lvl6pPr marL="2400000" indent="-228600" algn="l" defTabSz="457200" rtl="0" eaLnBrk="1" latinLnBrk="0" hangingPunct="1">
+              <a:spcBef>
+                <a:spcPct val="20000"/>
+              </a:spcBef>
+              <a:spcAft>
+                <a:spcPts val="600"/>
+              </a:spcAft>
+              <a:buClr>
+                <a:schemeClr val="accent1"/>
+              </a:buClr>
+              <a:buFont typeface="Wingdings 2" charset="2"/>
+              <a:buChar char=""/>
+              <a:defRPr sz="1200" kern="1200">
+                <a:solidFill>
+                  <a:schemeClr val="tx1"/>
+                </a:solidFill>
+                <a:latin typeface="+mn-lt"/>
+                <a:ea typeface="+mn-ea"/>
+                <a:cs typeface="+mn-cs"/>
+              </a:defRPr>
+            </a:lvl6pPr>
+            <a:lvl7pPr marL="2800000" indent="-228600" algn="l" defTabSz="457200" rtl="0" eaLnBrk="1" latinLnBrk="0" hangingPunct="1">
+              <a:spcBef>
+                <a:spcPct val="20000"/>
+              </a:spcBef>
+              <a:spcAft>
+                <a:spcPts val="600"/>
+              </a:spcAft>
+              <a:buClr>
+                <a:schemeClr val="accent1"/>
+              </a:buClr>
+              <a:buFont typeface="Wingdings 2" charset="2"/>
+              <a:buChar char=""/>
+              <a:defRPr sz="1200" kern="1200">
+                <a:solidFill>
+                  <a:schemeClr val="tx1"/>
+                </a:solidFill>
+                <a:latin typeface="+mn-lt"/>
+                <a:ea typeface="+mn-ea"/>
+                <a:cs typeface="+mn-cs"/>
+              </a:defRPr>
+            </a:lvl7pPr>
+            <a:lvl8pPr marL="3200000" indent="-228600" algn="l" defTabSz="457200" rtl="0" eaLnBrk="1" latinLnBrk="0" hangingPunct="1">
+              <a:spcBef>
+                <a:spcPct val="20000"/>
+              </a:spcBef>
+              <a:spcAft>
+                <a:spcPts val="600"/>
+              </a:spcAft>
+              <a:buClr>
+                <a:schemeClr val="accent1"/>
+              </a:buClr>
+              <a:buFont typeface="Wingdings 2" charset="2"/>
+              <a:buChar char=""/>
+              <a:defRPr sz="1200" kern="1200">
+                <a:solidFill>
+                  <a:schemeClr val="tx1"/>
+                </a:solidFill>
+                <a:latin typeface="+mn-lt"/>
+                <a:ea typeface="+mn-ea"/>
+                <a:cs typeface="+mn-cs"/>
+              </a:defRPr>
+            </a:lvl8pPr>
+            <a:lvl9pPr marL="3600000" indent="-228600" algn="l" defTabSz="457200" rtl="0" eaLnBrk="1" latinLnBrk="0" hangingPunct="1">
+              <a:spcBef>
+                <a:spcPct val="20000"/>
+              </a:spcBef>
+              <a:spcAft>
+                <a:spcPts val="600"/>
+              </a:spcAft>
+              <a:buClr>
+                <a:schemeClr val="accent1"/>
+              </a:buClr>
+              <a:buFont typeface="Wingdings 2" charset="2"/>
+              <a:buChar char=""/>
+              <a:defRPr sz="1200" kern="1200">
+                <a:solidFill>
+                  <a:schemeClr val="tx1"/>
+                </a:solidFill>
+                <a:latin typeface="+mn-lt"/>
+                <a:ea typeface="+mn-ea"/>
+                <a:cs typeface="+mn-cs"/>
+              </a:defRPr>
+            </a:lvl9pPr>
+          </a:lstStyle>
+          <a:p>
+            <a:pPr marL="0" indent="0">
+              <a:buFont typeface="Wingdings 2" charset="2"/>
+              <a:buNone/>
+            </a:pPr>
+            <a:r>
+              <a:rPr lang="en-US" dirty="0"/>
+              <a:t>*</a:t>
+            </a:r>
+          </a:p>
+        </p:txBody>
+      </p:sp>
     </p:spTree>
     <p:extLst>
       <p:ext uri="{BB962C8B-B14F-4D97-AF65-F5344CB8AC3E}">
@@ -8574,7 +9497,7 @@
 </p:sld>
 </file>
 
-<file path=ppt/slides/slide15.xml><?xml version="1.0" encoding="utf-8"?>
+<file path=ppt/slides/slide16.xml><?xml version="1.0" encoding="utf-8"?>
 <p:sld xmlns:a="http://schemas.openxmlformats.org/drawingml/2006/main" xmlns:r="http://schemas.openxmlformats.org/officeDocument/2006/relationships" xmlns:p="http://schemas.openxmlformats.org/presentationml/2006/main">
   <p:cSld>
     <p:spTree>
@@ -8656,13 +9579,13 @@
           <a:p>
             <a:r>
               <a:rPr lang="en-US" dirty="0"/>
-              <a:t>The CUDA implementation achieved an impressive speedup of up to x549 compared to the sequential version. Thanks to its ability to execute thousands of threads concurrently, CUDA is the best choice for most of datasets from small one.</a:t>
+              <a:t>The CUDA implementation achieved an impressive speedup of up to x362 compared to the sequential version. Thanks to its ability to execute thousands of threads concurrently, CUDA is the best choice for most of datasets from small one.</a:t>
             </a:r>
           </a:p>
           <a:p>
             <a:r>
               <a:rPr lang="en-US" dirty="0"/>
-              <a:t>OpenMP delivered good results (up to x35 speedup), with lower development complexity while CUDA is ideal in high-performance environments and large datasets, where NVIDIA GPUs are available, but the implementation is more complex.</a:t>
+              <a:t>OpenMP delivered good results (up to x33 speedup), with lower development complexity while CUDA is ideal in high-performance environments and large datasets, where NVIDIA GPUs are available, but the implementation is more complex.</a:t>
             </a:r>
           </a:p>
           <a:p>
@@ -9291,6 +10214,684 @@
           <a:p>
             <a:r>
               <a:rPr lang="it-IT" dirty="0"/>
+              <a:t>Hardware</a:t>
+            </a:r>
+          </a:p>
+        </p:txBody>
+      </p:sp>
+      <p:sp>
+        <p:nvSpPr>
+          <p:cNvPr id="4" name="Segnaposto contenuto 2">
+            <a:extLst>
+              <a:ext uri="{FF2B5EF4-FFF2-40B4-BE49-F238E27FC236}">
+                <a16:creationId xmlns:a16="http://schemas.microsoft.com/office/drawing/2014/main" id="{B4CADE6D-2F54-282A-37BB-C53909B4E73F}"/>
+              </a:ext>
+            </a:extLst>
+          </p:cNvPr>
+          <p:cNvSpPr txBox="1">
+            <a:spLocks/>
+          </p:cNvSpPr>
+          <p:nvPr/>
+        </p:nvSpPr>
+        <p:spPr>
+          <a:xfrm>
+            <a:off x="4729545" y="2540142"/>
+            <a:ext cx="7076313" cy="2438385"/>
+          </a:xfrm>
+          <a:prstGeom prst="rect">
+            <a:avLst/>
+          </a:prstGeom>
+          <a:effectLst>
+            <a:outerShdw blurRad="50800" dir="14400000">
+              <a:srgbClr val="000000">
+                <a:alpha val="40000"/>
+              </a:srgbClr>
+            </a:outerShdw>
+          </a:effectLst>
+        </p:spPr>
+        <p:txBody>
+          <a:bodyPr vert="horz" lIns="91440" tIns="45720" rIns="91440" bIns="45720" rtlCol="0" anchor="ctr">
+            <a:normAutofit/>
+          </a:bodyPr>
+          <a:lstStyle>
+            <a:lvl1pPr marL="342900" indent="-342900" algn="l" defTabSz="457200" rtl="0" eaLnBrk="1" latinLnBrk="0" hangingPunct="1">
+              <a:spcBef>
+                <a:spcPct val="20000"/>
+              </a:spcBef>
+              <a:spcAft>
+                <a:spcPts val="600"/>
+              </a:spcAft>
+              <a:buClr>
+                <a:schemeClr val="accent1"/>
+              </a:buClr>
+              <a:buFont typeface="Wingdings 2" charset="2"/>
+              <a:buChar char=""/>
+              <a:defRPr sz="1800" kern="1200">
+                <a:solidFill>
+                  <a:schemeClr val="tx1"/>
+                </a:solidFill>
+                <a:latin typeface="+mn-lt"/>
+                <a:ea typeface="+mn-ea"/>
+                <a:cs typeface="+mn-cs"/>
+              </a:defRPr>
+            </a:lvl1pPr>
+            <a:lvl2pPr marL="742950" indent="-285750" algn="l" defTabSz="457200" rtl="0" eaLnBrk="1" latinLnBrk="0" hangingPunct="1">
+              <a:spcBef>
+                <a:spcPct val="20000"/>
+              </a:spcBef>
+              <a:spcAft>
+                <a:spcPts val="600"/>
+              </a:spcAft>
+              <a:buClr>
+                <a:schemeClr val="accent1"/>
+              </a:buClr>
+              <a:buFont typeface="Wingdings 2" charset="2"/>
+              <a:buChar char=""/>
+              <a:defRPr sz="1600" kern="1200">
+                <a:solidFill>
+                  <a:schemeClr val="tx1"/>
+                </a:solidFill>
+                <a:latin typeface="+mn-lt"/>
+                <a:ea typeface="+mn-ea"/>
+                <a:cs typeface="+mn-cs"/>
+              </a:defRPr>
+            </a:lvl2pPr>
+            <a:lvl3pPr marL="1143000" indent="-228600" algn="l" defTabSz="457200" rtl="0" eaLnBrk="1" latinLnBrk="0" hangingPunct="1">
+              <a:spcBef>
+                <a:spcPct val="20000"/>
+              </a:spcBef>
+              <a:spcAft>
+                <a:spcPts val="600"/>
+              </a:spcAft>
+              <a:buClr>
+                <a:schemeClr val="accent1"/>
+              </a:buClr>
+              <a:buFont typeface="Wingdings 2" charset="2"/>
+              <a:buChar char=""/>
+              <a:defRPr sz="1400" kern="1200">
+                <a:solidFill>
+                  <a:schemeClr val="tx1"/>
+                </a:solidFill>
+                <a:latin typeface="+mn-lt"/>
+                <a:ea typeface="+mn-ea"/>
+                <a:cs typeface="+mn-cs"/>
+              </a:defRPr>
+            </a:lvl3pPr>
+            <a:lvl4pPr marL="1600200" indent="-228600" algn="l" defTabSz="457200" rtl="0" eaLnBrk="1" latinLnBrk="0" hangingPunct="1">
+              <a:spcBef>
+                <a:spcPct val="20000"/>
+              </a:spcBef>
+              <a:spcAft>
+                <a:spcPts val="600"/>
+              </a:spcAft>
+              <a:buClr>
+                <a:schemeClr val="accent1"/>
+              </a:buClr>
+              <a:buFont typeface="Wingdings 2" charset="2"/>
+              <a:buChar char=""/>
+              <a:defRPr sz="1200" kern="1200">
+                <a:solidFill>
+                  <a:schemeClr val="tx1"/>
+                </a:solidFill>
+                <a:latin typeface="+mn-lt"/>
+                <a:ea typeface="+mn-ea"/>
+                <a:cs typeface="+mn-cs"/>
+              </a:defRPr>
+            </a:lvl4pPr>
+            <a:lvl5pPr marL="2057400" indent="-228600" algn="l" defTabSz="457200" rtl="0" eaLnBrk="1" latinLnBrk="0" hangingPunct="1">
+              <a:spcBef>
+                <a:spcPct val="20000"/>
+              </a:spcBef>
+              <a:spcAft>
+                <a:spcPts val="600"/>
+              </a:spcAft>
+              <a:buClr>
+                <a:schemeClr val="accent1"/>
+              </a:buClr>
+              <a:buFont typeface="Wingdings 2" charset="2"/>
+              <a:buChar char=""/>
+              <a:defRPr sz="1200" kern="1200">
+                <a:solidFill>
+                  <a:schemeClr val="tx1"/>
+                </a:solidFill>
+                <a:latin typeface="+mn-lt"/>
+                <a:ea typeface="+mn-ea"/>
+                <a:cs typeface="+mn-cs"/>
+              </a:defRPr>
+            </a:lvl5pPr>
+            <a:lvl6pPr marL="2400000" indent="-228600" algn="l" defTabSz="457200" rtl="0" eaLnBrk="1" latinLnBrk="0" hangingPunct="1">
+              <a:spcBef>
+                <a:spcPct val="20000"/>
+              </a:spcBef>
+              <a:spcAft>
+                <a:spcPts val="600"/>
+              </a:spcAft>
+              <a:buClr>
+                <a:schemeClr val="accent1"/>
+              </a:buClr>
+              <a:buFont typeface="Wingdings 2" charset="2"/>
+              <a:buChar char=""/>
+              <a:defRPr sz="1200" kern="1200">
+                <a:solidFill>
+                  <a:schemeClr val="tx1"/>
+                </a:solidFill>
+                <a:latin typeface="+mn-lt"/>
+                <a:ea typeface="+mn-ea"/>
+                <a:cs typeface="+mn-cs"/>
+              </a:defRPr>
+            </a:lvl6pPr>
+            <a:lvl7pPr marL="2800000" indent="-228600" algn="l" defTabSz="457200" rtl="0" eaLnBrk="1" latinLnBrk="0" hangingPunct="1">
+              <a:spcBef>
+                <a:spcPct val="20000"/>
+              </a:spcBef>
+              <a:spcAft>
+                <a:spcPts val="600"/>
+              </a:spcAft>
+              <a:buClr>
+                <a:schemeClr val="accent1"/>
+              </a:buClr>
+              <a:buFont typeface="Wingdings 2" charset="2"/>
+              <a:buChar char=""/>
+              <a:defRPr sz="1200" kern="1200">
+                <a:solidFill>
+                  <a:schemeClr val="tx1"/>
+                </a:solidFill>
+                <a:latin typeface="+mn-lt"/>
+                <a:ea typeface="+mn-ea"/>
+                <a:cs typeface="+mn-cs"/>
+              </a:defRPr>
+            </a:lvl7pPr>
+            <a:lvl8pPr marL="3200000" indent="-228600" algn="l" defTabSz="457200" rtl="0" eaLnBrk="1" latinLnBrk="0" hangingPunct="1">
+              <a:spcBef>
+                <a:spcPct val="20000"/>
+              </a:spcBef>
+              <a:spcAft>
+                <a:spcPts val="600"/>
+              </a:spcAft>
+              <a:buClr>
+                <a:schemeClr val="accent1"/>
+              </a:buClr>
+              <a:buFont typeface="Wingdings 2" charset="2"/>
+              <a:buChar char=""/>
+              <a:defRPr sz="1200" kern="1200">
+                <a:solidFill>
+                  <a:schemeClr val="tx1"/>
+                </a:solidFill>
+                <a:latin typeface="+mn-lt"/>
+                <a:ea typeface="+mn-ea"/>
+                <a:cs typeface="+mn-cs"/>
+              </a:defRPr>
+            </a:lvl8pPr>
+            <a:lvl9pPr marL="3600000" indent="-228600" algn="l" defTabSz="457200" rtl="0" eaLnBrk="1" latinLnBrk="0" hangingPunct="1">
+              <a:spcBef>
+                <a:spcPct val="20000"/>
+              </a:spcBef>
+              <a:spcAft>
+                <a:spcPts val="600"/>
+              </a:spcAft>
+              <a:buClr>
+                <a:schemeClr val="accent1"/>
+              </a:buClr>
+              <a:buFont typeface="Wingdings 2" charset="2"/>
+              <a:buChar char=""/>
+              <a:defRPr sz="1200" kern="1200">
+                <a:solidFill>
+                  <a:schemeClr val="tx1"/>
+                </a:solidFill>
+                <a:latin typeface="+mn-lt"/>
+                <a:ea typeface="+mn-ea"/>
+                <a:cs typeface="+mn-cs"/>
+              </a:defRPr>
+            </a:lvl9pPr>
+          </a:lstStyle>
+          <a:p>
+            <a:pPr marL="0" indent="0">
+              <a:buNone/>
+            </a:pPr>
+            <a:r>
+              <a:rPr lang="it-IT" dirty="0"/>
+              <a:t>MSI Prestige 15 A10SC</a:t>
+            </a:r>
+          </a:p>
+          <a:p>
+            <a:pPr marL="0" indent="0">
+              <a:buNone/>
+            </a:pPr>
+            <a:r>
+              <a:rPr lang="it-IT" b="1" dirty="0"/>
+              <a:t>CPU: </a:t>
+            </a:r>
+            <a:r>
+              <a:rPr lang="it-IT" dirty="0"/>
+              <a:t>Intel Core i7-10710U, 1.1Ghz, 6 core (2 </a:t>
+            </a:r>
+            <a:r>
+              <a:rPr lang="it-IT" dirty="0" err="1"/>
+              <a:t>threads</a:t>
+            </a:r>
+            <a:r>
+              <a:rPr lang="it-IT" dirty="0"/>
+              <a:t> per core)</a:t>
+            </a:r>
+          </a:p>
+          <a:p>
+            <a:pPr marL="0" indent="0">
+              <a:buNone/>
+            </a:pPr>
+            <a:r>
+              <a:rPr lang="it-IT" b="1" dirty="0"/>
+              <a:t>RAM: </a:t>
+            </a:r>
+            <a:r>
+              <a:rPr lang="it-IT" dirty="0"/>
+              <a:t>16GB DDR4</a:t>
+            </a:r>
+            <a:endParaRPr lang="it-IT" b="1" dirty="0"/>
+          </a:p>
+          <a:p>
+            <a:pPr marL="0" indent="0">
+              <a:buNone/>
+            </a:pPr>
+            <a:r>
+              <a:rPr lang="it-IT" b="1" dirty="0"/>
+              <a:t>GPU:</a:t>
+            </a:r>
+            <a:r>
+              <a:rPr lang="it-IT" dirty="0"/>
+              <a:t> Nvidia </a:t>
+            </a:r>
+            <a:r>
+              <a:rPr lang="it-IT" dirty="0" err="1"/>
+              <a:t>GeForce</a:t>
+            </a:r>
+            <a:r>
+              <a:rPr lang="it-IT" dirty="0"/>
+              <a:t> GTX 1650 Mobile, 4GB GDDR5</a:t>
+            </a:r>
+            <a:endParaRPr lang="en-US" dirty="0"/>
+          </a:p>
+          <a:p>
+            <a:pPr marL="0" indent="0">
+              <a:buNone/>
+            </a:pPr>
+            <a:r>
+              <a:rPr lang="en-US" b="1" dirty="0"/>
+              <a:t>OS: </a:t>
+            </a:r>
+            <a:r>
+              <a:rPr lang="en-US" dirty="0"/>
+              <a:t>Ubuntu 24.04 LTS</a:t>
+            </a:r>
+            <a:endParaRPr lang="en-US" b="1" dirty="0"/>
+          </a:p>
+        </p:txBody>
+      </p:sp>
+      <p:pic>
+        <p:nvPicPr>
+          <p:cNvPr id="1026" name="Picture 2" descr="MSI Prestige 15 A10SC-077UK Core i7-10710U 16GB 512GB SSD 15.6 Inch FHD  GeForce GTX 1650 Max-Q 4GB Windows 10 Creator Laptop - Laptops Direct">
+            <a:extLst>
+              <a:ext uri="{FF2B5EF4-FFF2-40B4-BE49-F238E27FC236}">
+                <a16:creationId xmlns:a16="http://schemas.microsoft.com/office/drawing/2014/main" id="{C6730C42-44D7-FA89-7A88-58F8943C8A9C}"/>
+              </a:ext>
+            </a:extLst>
+          </p:cNvPr>
+          <p:cNvPicPr>
+            <a:picLocks noChangeAspect="1" noChangeArrowheads="1"/>
+          </p:cNvPicPr>
+          <p:nvPr/>
+        </p:nvPicPr>
+        <p:blipFill>
+          <a:blip r:embed="rId2">
+            <a:extLst>
+              <a:ext uri="{28A0092B-C50C-407E-A947-70E740481C1C}">
+                <a14:useLocalDpi xmlns:a14="http://schemas.microsoft.com/office/drawing/2010/main" val="0"/>
+              </a:ext>
+            </a:extLst>
+          </a:blip>
+          <a:srcRect/>
+          <a:stretch>
+            <a:fillRect/>
+          </a:stretch>
+        </p:blipFill>
+        <p:spPr bwMode="auto">
+          <a:xfrm>
+            <a:off x="296037" y="2312289"/>
+            <a:ext cx="3771138" cy="3771138"/>
+          </a:xfrm>
+          <a:prstGeom prst="rect">
+            <a:avLst/>
+          </a:prstGeom>
+          <a:noFill/>
+          <a:extLst>
+            <a:ext uri="{909E8E84-426E-40DD-AFC4-6F175D3DCCD1}">
+              <a14:hiddenFill xmlns:a14="http://schemas.microsoft.com/office/drawing/2010/main">
+                <a:solidFill>
+                  <a:srgbClr val="FFFFFF"/>
+                </a:solidFill>
+              </a14:hiddenFill>
+            </a:ext>
+          </a:extLst>
+        </p:spPr>
+      </p:pic>
+      <p:sp>
+        <p:nvSpPr>
+          <p:cNvPr id="12" name="Segnaposto contenuto 2">
+            <a:extLst>
+              <a:ext uri="{FF2B5EF4-FFF2-40B4-BE49-F238E27FC236}">
+                <a16:creationId xmlns:a16="http://schemas.microsoft.com/office/drawing/2014/main" id="{4AF3FA58-3BE1-7BB5-2883-E624EC18FDB7}"/>
+              </a:ext>
+            </a:extLst>
+          </p:cNvPr>
+          <p:cNvSpPr txBox="1">
+            <a:spLocks/>
+          </p:cNvSpPr>
+          <p:nvPr/>
+        </p:nvSpPr>
+        <p:spPr>
+          <a:xfrm>
+            <a:off x="4729544" y="5294088"/>
+            <a:ext cx="7076313" cy="1317024"/>
+          </a:xfrm>
+          <a:prstGeom prst="rect">
+            <a:avLst/>
+          </a:prstGeom>
+          <a:effectLst>
+            <a:outerShdw blurRad="50800" dir="14400000">
+              <a:srgbClr val="000000">
+                <a:alpha val="40000"/>
+              </a:srgbClr>
+            </a:outerShdw>
+          </a:effectLst>
+        </p:spPr>
+        <p:txBody>
+          <a:bodyPr vert="horz" lIns="91440" tIns="45720" rIns="91440" bIns="45720" rtlCol="0" anchor="ctr">
+            <a:normAutofit/>
+          </a:bodyPr>
+          <a:lstStyle>
+            <a:lvl1pPr marL="342900" indent="-342900" algn="l" defTabSz="457200" rtl="0" eaLnBrk="1" latinLnBrk="0" hangingPunct="1">
+              <a:spcBef>
+                <a:spcPct val="20000"/>
+              </a:spcBef>
+              <a:spcAft>
+                <a:spcPts val="600"/>
+              </a:spcAft>
+              <a:buClr>
+                <a:schemeClr val="accent1"/>
+              </a:buClr>
+              <a:buFont typeface="Wingdings 2" charset="2"/>
+              <a:buChar char=""/>
+              <a:defRPr sz="1800" kern="1200">
+                <a:solidFill>
+                  <a:schemeClr val="tx1"/>
+                </a:solidFill>
+                <a:latin typeface="+mn-lt"/>
+                <a:ea typeface="+mn-ea"/>
+                <a:cs typeface="+mn-cs"/>
+              </a:defRPr>
+            </a:lvl1pPr>
+            <a:lvl2pPr marL="742950" indent="-285750" algn="l" defTabSz="457200" rtl="0" eaLnBrk="1" latinLnBrk="0" hangingPunct="1">
+              <a:spcBef>
+                <a:spcPct val="20000"/>
+              </a:spcBef>
+              <a:spcAft>
+                <a:spcPts val="600"/>
+              </a:spcAft>
+              <a:buClr>
+                <a:schemeClr val="accent1"/>
+              </a:buClr>
+              <a:buFont typeface="Wingdings 2" charset="2"/>
+              <a:buChar char=""/>
+              <a:defRPr sz="1600" kern="1200">
+                <a:solidFill>
+                  <a:schemeClr val="tx1"/>
+                </a:solidFill>
+                <a:latin typeface="+mn-lt"/>
+                <a:ea typeface="+mn-ea"/>
+                <a:cs typeface="+mn-cs"/>
+              </a:defRPr>
+            </a:lvl2pPr>
+            <a:lvl3pPr marL="1143000" indent="-228600" algn="l" defTabSz="457200" rtl="0" eaLnBrk="1" latinLnBrk="0" hangingPunct="1">
+              <a:spcBef>
+                <a:spcPct val="20000"/>
+              </a:spcBef>
+              <a:spcAft>
+                <a:spcPts val="600"/>
+              </a:spcAft>
+              <a:buClr>
+                <a:schemeClr val="accent1"/>
+              </a:buClr>
+              <a:buFont typeface="Wingdings 2" charset="2"/>
+              <a:buChar char=""/>
+              <a:defRPr sz="1400" kern="1200">
+                <a:solidFill>
+                  <a:schemeClr val="tx1"/>
+                </a:solidFill>
+                <a:latin typeface="+mn-lt"/>
+                <a:ea typeface="+mn-ea"/>
+                <a:cs typeface="+mn-cs"/>
+              </a:defRPr>
+            </a:lvl3pPr>
+            <a:lvl4pPr marL="1600200" indent="-228600" algn="l" defTabSz="457200" rtl="0" eaLnBrk="1" latinLnBrk="0" hangingPunct="1">
+              <a:spcBef>
+                <a:spcPct val="20000"/>
+              </a:spcBef>
+              <a:spcAft>
+                <a:spcPts val="600"/>
+              </a:spcAft>
+              <a:buClr>
+                <a:schemeClr val="accent1"/>
+              </a:buClr>
+              <a:buFont typeface="Wingdings 2" charset="2"/>
+              <a:buChar char=""/>
+              <a:defRPr sz="1200" kern="1200">
+                <a:solidFill>
+                  <a:schemeClr val="tx1"/>
+                </a:solidFill>
+                <a:latin typeface="+mn-lt"/>
+                <a:ea typeface="+mn-ea"/>
+                <a:cs typeface="+mn-cs"/>
+              </a:defRPr>
+            </a:lvl4pPr>
+            <a:lvl5pPr marL="2057400" indent="-228600" algn="l" defTabSz="457200" rtl="0" eaLnBrk="1" latinLnBrk="0" hangingPunct="1">
+              <a:spcBef>
+                <a:spcPct val="20000"/>
+              </a:spcBef>
+              <a:spcAft>
+                <a:spcPts val="600"/>
+              </a:spcAft>
+              <a:buClr>
+                <a:schemeClr val="accent1"/>
+              </a:buClr>
+              <a:buFont typeface="Wingdings 2" charset="2"/>
+              <a:buChar char=""/>
+              <a:defRPr sz="1200" kern="1200">
+                <a:solidFill>
+                  <a:schemeClr val="tx1"/>
+                </a:solidFill>
+                <a:latin typeface="+mn-lt"/>
+                <a:ea typeface="+mn-ea"/>
+                <a:cs typeface="+mn-cs"/>
+              </a:defRPr>
+            </a:lvl5pPr>
+            <a:lvl6pPr marL="2400000" indent="-228600" algn="l" defTabSz="457200" rtl="0" eaLnBrk="1" latinLnBrk="0" hangingPunct="1">
+              <a:spcBef>
+                <a:spcPct val="20000"/>
+              </a:spcBef>
+              <a:spcAft>
+                <a:spcPts val="600"/>
+              </a:spcAft>
+              <a:buClr>
+                <a:schemeClr val="accent1"/>
+              </a:buClr>
+              <a:buFont typeface="Wingdings 2" charset="2"/>
+              <a:buChar char=""/>
+              <a:defRPr sz="1200" kern="1200">
+                <a:solidFill>
+                  <a:schemeClr val="tx1"/>
+                </a:solidFill>
+                <a:latin typeface="+mn-lt"/>
+                <a:ea typeface="+mn-ea"/>
+                <a:cs typeface="+mn-cs"/>
+              </a:defRPr>
+            </a:lvl6pPr>
+            <a:lvl7pPr marL="2800000" indent="-228600" algn="l" defTabSz="457200" rtl="0" eaLnBrk="1" latinLnBrk="0" hangingPunct="1">
+              <a:spcBef>
+                <a:spcPct val="20000"/>
+              </a:spcBef>
+              <a:spcAft>
+                <a:spcPts val="600"/>
+              </a:spcAft>
+              <a:buClr>
+                <a:schemeClr val="accent1"/>
+              </a:buClr>
+              <a:buFont typeface="Wingdings 2" charset="2"/>
+              <a:buChar char=""/>
+              <a:defRPr sz="1200" kern="1200">
+                <a:solidFill>
+                  <a:schemeClr val="tx1"/>
+                </a:solidFill>
+                <a:latin typeface="+mn-lt"/>
+                <a:ea typeface="+mn-ea"/>
+                <a:cs typeface="+mn-cs"/>
+              </a:defRPr>
+            </a:lvl7pPr>
+            <a:lvl8pPr marL="3200000" indent="-228600" algn="l" defTabSz="457200" rtl="0" eaLnBrk="1" latinLnBrk="0" hangingPunct="1">
+              <a:spcBef>
+                <a:spcPct val="20000"/>
+              </a:spcBef>
+              <a:spcAft>
+                <a:spcPts val="600"/>
+              </a:spcAft>
+              <a:buClr>
+                <a:schemeClr val="accent1"/>
+              </a:buClr>
+              <a:buFont typeface="Wingdings 2" charset="2"/>
+              <a:buChar char=""/>
+              <a:defRPr sz="1200" kern="1200">
+                <a:solidFill>
+                  <a:schemeClr val="tx1"/>
+                </a:solidFill>
+                <a:latin typeface="+mn-lt"/>
+                <a:ea typeface="+mn-ea"/>
+                <a:cs typeface="+mn-cs"/>
+              </a:defRPr>
+            </a:lvl8pPr>
+            <a:lvl9pPr marL="3600000" indent="-228600" algn="l" defTabSz="457200" rtl="0" eaLnBrk="1" latinLnBrk="0" hangingPunct="1">
+              <a:spcBef>
+                <a:spcPct val="20000"/>
+              </a:spcBef>
+              <a:spcAft>
+                <a:spcPts val="600"/>
+              </a:spcAft>
+              <a:buClr>
+                <a:schemeClr val="accent1"/>
+              </a:buClr>
+              <a:buFont typeface="Wingdings 2" charset="2"/>
+              <a:buChar char=""/>
+              <a:defRPr sz="1200" kern="1200">
+                <a:solidFill>
+                  <a:schemeClr val="tx1"/>
+                </a:solidFill>
+                <a:latin typeface="+mn-lt"/>
+                <a:ea typeface="+mn-ea"/>
+                <a:cs typeface="+mn-cs"/>
+              </a:defRPr>
+            </a:lvl9pPr>
+          </a:lstStyle>
+          <a:p>
+            <a:pPr marL="0" indent="0">
+              <a:buNone/>
+            </a:pPr>
+            <a:r>
+              <a:rPr lang="en-US" dirty="0"/>
+              <a:t>Floating-point operations per second (FLOPS)</a:t>
+            </a:r>
+          </a:p>
+          <a:p>
+            <a:pPr marL="0" indent="0">
+              <a:buNone/>
+            </a:pPr>
+            <a:r>
+              <a:rPr lang="en-US" b="1" dirty="0"/>
+              <a:t>CPU: </a:t>
+            </a:r>
+            <a:r>
+              <a:rPr lang="en-US" dirty="0"/>
+              <a:t>105.6 GFLOPS</a:t>
+            </a:r>
+            <a:br>
+              <a:rPr lang="en-US" dirty="0"/>
+            </a:br>
+            <a:r>
+              <a:rPr lang="en-US" b="1" dirty="0"/>
+              <a:t>GPU: </a:t>
+            </a:r>
+            <a:r>
+              <a:rPr lang="en-US" dirty="0"/>
+              <a:t>3.195 TFLOPS</a:t>
+            </a:r>
+          </a:p>
+        </p:txBody>
+      </p:sp>
+    </p:spTree>
+    <p:extLst>
+      <p:ext uri="{BB962C8B-B14F-4D97-AF65-F5344CB8AC3E}">
+        <p14:creationId xmlns:p14="http://schemas.microsoft.com/office/powerpoint/2010/main" val="2603155754"/>
+      </p:ext>
+    </p:extLst>
+  </p:cSld>
+  <p:clrMapOvr>
+    <a:masterClrMapping/>
+  </p:clrMapOvr>
+</p:sld>
+</file>
+
+<file path=ppt/slides/slide4.xml><?xml version="1.0" encoding="utf-8"?>
+<p:sld xmlns:a="http://schemas.openxmlformats.org/drawingml/2006/main" xmlns:r="http://schemas.openxmlformats.org/officeDocument/2006/relationships" xmlns:p="http://schemas.openxmlformats.org/presentationml/2006/main">
+  <p:cSld>
+    <p:spTree>
+      <p:nvGrpSpPr>
+        <p:cNvPr id="1" name="">
+          <a:extLst>
+            <a:ext uri="{FF2B5EF4-FFF2-40B4-BE49-F238E27FC236}">
+              <a16:creationId xmlns:a16="http://schemas.microsoft.com/office/drawing/2014/main" id="{1E7ACCE5-4EB4-E9B1-3536-2A8023CFAC07}"/>
+            </a:ext>
+          </a:extLst>
+        </p:cNvPr>
+        <p:cNvGrpSpPr/>
+        <p:nvPr/>
+      </p:nvGrpSpPr>
+      <p:grpSpPr>
+        <a:xfrm>
+          <a:off x="0" y="0"/>
+          <a:ext cx="0" cy="0"/>
+          <a:chOff x="0" y="0"/>
+          <a:chExt cx="0" cy="0"/>
+        </a:xfrm>
+      </p:grpSpPr>
+      <p:sp>
+        <p:nvSpPr>
+          <p:cNvPr id="2" name="Titolo 1">
+            <a:extLst>
+              <a:ext uri="{FF2B5EF4-FFF2-40B4-BE49-F238E27FC236}">
+                <a16:creationId xmlns:a16="http://schemas.microsoft.com/office/drawing/2014/main" id="{90DC0B23-A51D-082B-E8C8-B4D3B4FAFBAE}"/>
+              </a:ext>
+            </a:extLst>
+          </p:cNvPr>
+          <p:cNvSpPr>
+            <a:spLocks noGrp="1"/>
+          </p:cNvSpPr>
+          <p:nvPr>
+            <p:ph type="title"/>
+          </p:nvPr>
+        </p:nvSpPr>
+        <p:spPr/>
+        <p:txBody>
+          <a:bodyPr/>
+          <a:lstStyle/>
+          <a:p>
+            <a:r>
+              <a:rPr lang="it-IT" dirty="0"/>
               <a:t>Profiling</a:t>
             </a:r>
           </a:p>
@@ -9301,7 +10902,7 @@
           <p:cNvPr id="3" name="Segnaposto contenuto 2">
             <a:extLst>
               <a:ext uri="{FF2B5EF4-FFF2-40B4-BE49-F238E27FC236}">
-                <a16:creationId xmlns:a16="http://schemas.microsoft.com/office/drawing/2014/main" id="{8AB63041-4E5E-2C62-BC82-E34C0C67A09E}"/>
+                <a16:creationId xmlns:a16="http://schemas.microsoft.com/office/drawing/2014/main" id="{15087ACD-1515-AB45-C482-0B68A880A43E}"/>
               </a:ext>
             </a:extLst>
           </p:cNvPr>
@@ -9386,7 +10987,7 @@
           <p:cNvPr id="4" name="Segnaposto contenuto 2">
             <a:extLst>
               <a:ext uri="{FF2B5EF4-FFF2-40B4-BE49-F238E27FC236}">
-                <a16:creationId xmlns:a16="http://schemas.microsoft.com/office/drawing/2014/main" id="{B4CADE6D-2F54-282A-37BB-C53909B4E73F}"/>
+                <a16:creationId xmlns:a16="http://schemas.microsoft.com/office/drawing/2014/main" id="{185128AC-D25B-D9A6-15CE-EDB6EF88D266}"/>
               </a:ext>
             </a:extLst>
           </p:cNvPr>
@@ -9688,7 +11289,7 @@
           <p:cNvPr id="6" name="Immagine 5" descr="Immagine che contiene testo, schermata, Carattere&#10;&#10;Il contenuto generato dall'IA potrebbe non essere corretto.">
             <a:extLst>
               <a:ext uri="{FF2B5EF4-FFF2-40B4-BE49-F238E27FC236}">
-                <a16:creationId xmlns:a16="http://schemas.microsoft.com/office/drawing/2014/main" id="{7ADFDFCD-5171-AD68-07DC-E02D7B6BDBA6}"/>
+                <a16:creationId xmlns:a16="http://schemas.microsoft.com/office/drawing/2014/main" id="{217D53F5-DF63-AC34-C692-1705BD3B9A53}"/>
               </a:ext>
             </a:extLst>
           </p:cNvPr>
@@ -9724,7 +11325,7 @@
           <p:cNvPr id="7" name="Segnaposto contenuto 2">
             <a:extLst>
               <a:ext uri="{FF2B5EF4-FFF2-40B4-BE49-F238E27FC236}">
-                <a16:creationId xmlns:a16="http://schemas.microsoft.com/office/drawing/2014/main" id="{0E762221-7EB4-D5FB-91F2-AD208E7E85FC}"/>
+                <a16:creationId xmlns:a16="http://schemas.microsoft.com/office/drawing/2014/main" id="{5C08147E-0572-21A5-0FE5-F9F30E5F3343}"/>
               </a:ext>
             </a:extLst>
           </p:cNvPr>
@@ -9970,7 +11571,7 @@
           <p:cNvPr id="8" name="Segnaposto contenuto 2">
             <a:extLst>
               <a:ext uri="{FF2B5EF4-FFF2-40B4-BE49-F238E27FC236}">
-                <a16:creationId xmlns:a16="http://schemas.microsoft.com/office/drawing/2014/main" id="{FDFF5967-9078-3B15-D07A-8A1EF4AE0028}"/>
+                <a16:creationId xmlns:a16="http://schemas.microsoft.com/office/drawing/2014/main" id="{9781A9EE-E329-60E7-53E9-78330BCCFBA3}"/>
               </a:ext>
             </a:extLst>
           </p:cNvPr>
@@ -10225,7 +11826,7 @@
           <p:cNvPr id="9" name="Segnaposto contenuto 2">
             <a:extLst>
               <a:ext uri="{FF2B5EF4-FFF2-40B4-BE49-F238E27FC236}">
-                <a16:creationId xmlns:a16="http://schemas.microsoft.com/office/drawing/2014/main" id="{FDCFDFD5-BD65-6F75-502F-0F1F89014317}"/>
+                <a16:creationId xmlns:a16="http://schemas.microsoft.com/office/drawing/2014/main" id="{BE4E1914-4B4E-98E4-48E3-C800EA5969A9}"/>
               </a:ext>
             </a:extLst>
           </p:cNvPr>
@@ -10489,7 +12090,7 @@
           <p:cNvPr id="10" name="Segnaposto contenuto 2">
             <a:extLst>
               <a:ext uri="{FF2B5EF4-FFF2-40B4-BE49-F238E27FC236}">
-                <a16:creationId xmlns:a16="http://schemas.microsoft.com/office/drawing/2014/main" id="{93B9A333-D8E3-C3C0-32F2-96F5A7027F0F}"/>
+                <a16:creationId xmlns:a16="http://schemas.microsoft.com/office/drawing/2014/main" id="{FB25CF56-F1C5-BC92-9E26-8A9C9ED543A0}"/>
               </a:ext>
             </a:extLst>
           </p:cNvPr>
@@ -10752,7 +12353,7 @@
     </p:spTree>
     <p:extLst>
       <p:ext uri="{BB962C8B-B14F-4D97-AF65-F5344CB8AC3E}">
-        <p14:creationId xmlns:p14="http://schemas.microsoft.com/office/powerpoint/2010/main" val="2603155754"/>
+        <p14:creationId xmlns:p14="http://schemas.microsoft.com/office/powerpoint/2010/main" val="912324852"/>
       </p:ext>
     </p:extLst>
   </p:cSld>
@@ -10762,7 +12363,7 @@
 </p:sld>
 </file>
 
-<file path=ppt/slides/slide4.xml><?xml version="1.0" encoding="utf-8"?>
+<file path=ppt/slides/slide5.xml><?xml version="1.0" encoding="utf-8"?>
 <p:sld xmlns:a="http://schemas.openxmlformats.org/drawingml/2006/main" xmlns:r="http://schemas.openxmlformats.org/officeDocument/2006/relationships" xmlns:p="http://schemas.openxmlformats.org/presentationml/2006/main">
   <p:cSld>
     <p:spTree>
@@ -12130,7 +13731,7 @@
 </p:sld>
 </file>
 
-<file path=ppt/slides/slide5.xml><?xml version="1.0" encoding="utf-8"?>
+<file path=ppt/slides/slide6.xml><?xml version="1.0" encoding="utf-8"?>
 <p:sld xmlns:a="http://schemas.openxmlformats.org/drawingml/2006/main" xmlns:r="http://schemas.openxmlformats.org/officeDocument/2006/relationships" xmlns:p="http://schemas.openxmlformats.org/presentationml/2006/main">
   <p:cSld>
     <p:spTree>
@@ -12176,42 +13777,6 @@
           </a:p>
         </p:txBody>
       </p:sp>
-      <p:pic>
-        <p:nvPicPr>
-          <p:cNvPr id="5" name="Immagine 4" descr="Immagine che contiene testo, schermata, diagramma, Policromia&#10;&#10;Il contenuto generato dall'IA potrebbe non essere corretto.">
-            <a:extLst>
-              <a:ext uri="{FF2B5EF4-FFF2-40B4-BE49-F238E27FC236}">
-                <a16:creationId xmlns:a16="http://schemas.microsoft.com/office/drawing/2014/main" id="{4E783286-70C0-7E03-53E2-11BFC20F488B}"/>
-              </a:ext>
-            </a:extLst>
-          </p:cNvPr>
-          <p:cNvPicPr>
-            <a:picLocks noChangeAspect="1"/>
-          </p:cNvPicPr>
-          <p:nvPr/>
-        </p:nvPicPr>
-        <p:blipFill>
-          <a:blip r:embed="rId2">
-            <a:extLst>
-              <a:ext uri="{28A0092B-C50C-407E-A947-70E740481C1C}">
-                <a14:useLocalDpi xmlns:a14="http://schemas.microsoft.com/office/drawing/2010/main" val="0"/>
-              </a:ext>
-            </a:extLst>
-          </a:blip>
-          <a:stretch>
-            <a:fillRect/>
-          </a:stretch>
-        </p:blipFill>
-        <p:spPr>
-          <a:xfrm>
-            <a:off x="3905742" y="2002537"/>
-            <a:ext cx="8088530" cy="4718310"/>
-          </a:xfrm>
-          <a:prstGeom prst="rect">
-            <a:avLst/>
-          </a:prstGeom>
-        </p:spPr>
-      </p:pic>
       <p:sp>
         <p:nvSpPr>
           <p:cNvPr id="6" name="Segnaposto contenuto 2">
@@ -12249,7 +13814,7 @@
             </a:r>
             <a:r>
               <a:rPr lang="en-US" b="1" dirty="0"/>
-              <a:t>x35 </a:t>
+              <a:t>x33 </a:t>
             </a:r>
             <a:r>
               <a:rPr lang="en-US" dirty="0"/>
@@ -12272,7 +13837,7 @@
             </a:r>
             <a:r>
               <a:rPr lang="en-US" b="1" dirty="0"/>
-              <a:t>x4.5</a:t>
+              <a:t>x5</a:t>
             </a:r>
             <a:r>
               <a:rPr lang="en-US" dirty="0"/>
@@ -12282,6 +13847,42 @@
           </a:p>
         </p:txBody>
       </p:sp>
+      <p:pic>
+        <p:nvPicPr>
+          <p:cNvPr id="4" name="Immagine 3" descr="Immagine che contiene testo, schermata, diagramma, Policromia&#10;&#10;Il contenuto generato dall'IA potrebbe non essere corretto.">
+            <a:extLst>
+              <a:ext uri="{FF2B5EF4-FFF2-40B4-BE49-F238E27FC236}">
+                <a16:creationId xmlns:a16="http://schemas.microsoft.com/office/drawing/2014/main" id="{F6D4ACD6-A533-74C0-DC9B-C9BA273BB70A}"/>
+              </a:ext>
+            </a:extLst>
+          </p:cNvPr>
+          <p:cNvPicPr>
+            <a:picLocks noChangeAspect="1"/>
+          </p:cNvPicPr>
+          <p:nvPr/>
+        </p:nvPicPr>
+        <p:blipFill>
+          <a:blip r:embed="rId2">
+            <a:extLst>
+              <a:ext uri="{28A0092B-C50C-407E-A947-70E740481C1C}">
+                <a14:useLocalDpi xmlns:a14="http://schemas.microsoft.com/office/drawing/2010/main" val="0"/>
+              </a:ext>
+            </a:extLst>
+          </a:blip>
+          <a:stretch>
+            <a:fillRect/>
+          </a:stretch>
+        </p:blipFill>
+        <p:spPr>
+          <a:xfrm>
+            <a:off x="3905742" y="2002537"/>
+            <a:ext cx="8088531" cy="4718310"/>
+          </a:xfrm>
+          <a:prstGeom prst="rect">
+            <a:avLst/>
+          </a:prstGeom>
+        </p:spPr>
+      </p:pic>
     </p:spTree>
     <p:extLst>
       <p:ext uri="{BB962C8B-B14F-4D97-AF65-F5344CB8AC3E}">
@@ -12295,7 +13896,7 @@
 </p:sld>
 </file>
 
-<file path=ppt/slides/slide6.xml><?xml version="1.0" encoding="utf-8"?>
+<file path=ppt/slides/slide7.xml><?xml version="1.0" encoding="utf-8"?>
 <p:sld xmlns:a="http://schemas.openxmlformats.org/drawingml/2006/main" xmlns:r="http://schemas.openxmlformats.org/officeDocument/2006/relationships" xmlns:p="http://schemas.openxmlformats.org/presentationml/2006/main">
   <p:cSld>
     <p:spTree>
@@ -12371,7 +13972,7 @@
           <a:p>
             <a:r>
               <a:rPr lang="en-US" dirty="0"/>
-              <a:t>This project demonstrated the effectiveness of using OpenMP to parallelize computational workloads efficiently. Among the tested approaches, GPU offloading (PARALLEL_TARGET) proved to be the most performant, especially on large datasets, due to its ability to massively parallelize operations</a:t>
+              <a:t>This project demonstrated the effectiveness of using OpenMP to parallelize computational workloads efficiently. Among the tested approaches, GPU offloading (PARALLEL_TARGET) proved to be the most performant, especially on large datasets, due to its ability to massively parallelize operations on device</a:t>
             </a:r>
           </a:p>
           <a:p>
@@ -12410,7 +14011,7 @@
 </p:sld>
 </file>
 
-<file path=ppt/slides/slide7.xml><?xml version="1.0" encoding="utf-8"?>
+<file path=ppt/slides/slide8.xml><?xml version="1.0" encoding="utf-8"?>
 <p:sld xmlns:a="http://schemas.openxmlformats.org/drawingml/2006/main" xmlns:r="http://schemas.openxmlformats.org/officeDocument/2006/relationships" xmlns:p="http://schemas.openxmlformats.org/presentationml/2006/main">
   <p:cSld>
     <p:bg>
@@ -12630,7 +14231,7 @@
 </p:sld>
 </file>
 
-<file path=ppt/slides/slide8.xml><?xml version="1.0" encoding="utf-8"?>
+<file path=ppt/slides/slide9.xml><?xml version="1.0" encoding="utf-8"?>
 <p:sld xmlns:a="http://schemas.openxmlformats.org/drawingml/2006/main" xmlns:r="http://schemas.openxmlformats.org/officeDocument/2006/relationships" xmlns:p="http://schemas.openxmlformats.org/presentationml/2006/main">
   <p:cSld>
     <p:spTree>
@@ -13248,384 +14849,6 @@
     <p:extLst>
       <p:ext uri="{BB962C8B-B14F-4D97-AF65-F5344CB8AC3E}">
         <p14:creationId xmlns:p14="http://schemas.microsoft.com/office/powerpoint/2010/main" val="41277479"/>
-      </p:ext>
-    </p:extLst>
-  </p:cSld>
-  <p:clrMapOvr>
-    <a:masterClrMapping/>
-  </p:clrMapOvr>
-</p:sld>
-</file>
-
-<file path=ppt/slides/slide9.xml><?xml version="1.0" encoding="utf-8"?>
-<p:sld xmlns:a="http://schemas.openxmlformats.org/drawingml/2006/main" xmlns:r="http://schemas.openxmlformats.org/officeDocument/2006/relationships" xmlns:p="http://schemas.openxmlformats.org/presentationml/2006/main">
-  <p:cSld>
-    <p:spTree>
-      <p:nvGrpSpPr>
-        <p:cNvPr id="1" name="">
-          <a:extLst>
-            <a:ext uri="{FF2B5EF4-FFF2-40B4-BE49-F238E27FC236}">
-              <a16:creationId xmlns:a16="http://schemas.microsoft.com/office/drawing/2014/main" id="{A06A31FC-632D-A9EA-457B-B92E57F57D0E}"/>
-            </a:ext>
-          </a:extLst>
-        </p:cNvPr>
-        <p:cNvGrpSpPr/>
-        <p:nvPr/>
-      </p:nvGrpSpPr>
-      <p:grpSpPr>
-        <a:xfrm>
-          <a:off x="0" y="0"/>
-          <a:ext cx="0" cy="0"/>
-          <a:chOff x="0" y="0"/>
-          <a:chExt cx="0" cy="0"/>
-        </a:xfrm>
-      </p:grpSpPr>
-      <p:sp>
-        <p:nvSpPr>
-          <p:cNvPr id="2" name="Titolo 1">
-            <a:extLst>
-              <a:ext uri="{FF2B5EF4-FFF2-40B4-BE49-F238E27FC236}">
-                <a16:creationId xmlns:a16="http://schemas.microsoft.com/office/drawing/2014/main" id="{27D96129-1749-64CC-F41B-7822FFD42191}"/>
-              </a:ext>
-            </a:extLst>
-          </p:cNvPr>
-          <p:cNvSpPr>
-            <a:spLocks noGrp="1"/>
-          </p:cNvSpPr>
-          <p:nvPr>
-            <p:ph type="title"/>
-          </p:nvPr>
-        </p:nvSpPr>
-        <p:spPr/>
-        <p:txBody>
-          <a:bodyPr/>
-          <a:lstStyle/>
-          <a:p>
-            <a:r>
-              <a:rPr lang="it-IT" dirty="0" err="1"/>
-              <a:t>Parallelization</a:t>
-            </a:r>
-            <a:r>
-              <a:rPr lang="it-IT" dirty="0"/>
-              <a:t> (1)</a:t>
-            </a:r>
-          </a:p>
-        </p:txBody>
-      </p:sp>
-      <p:grpSp>
-        <p:nvGrpSpPr>
-          <p:cNvPr id="14" name="Gruppo 13">
-            <a:extLst>
-              <a:ext uri="{FF2B5EF4-FFF2-40B4-BE49-F238E27FC236}">
-                <a16:creationId xmlns:a16="http://schemas.microsoft.com/office/drawing/2014/main" id="{E40FC6D6-0A00-BF83-0FDF-16DC7F9CF151}"/>
-              </a:ext>
-            </a:extLst>
-          </p:cNvPr>
-          <p:cNvGrpSpPr/>
-          <p:nvPr/>
-        </p:nvGrpSpPr>
-        <p:grpSpPr>
-          <a:xfrm>
-            <a:off x="1183948" y="2803384"/>
-            <a:ext cx="4134427" cy="2924583"/>
-            <a:chOff x="672938" y="2423908"/>
-            <a:chExt cx="4134427" cy="2924583"/>
-          </a:xfrm>
-        </p:grpSpPr>
-        <p:pic>
-          <p:nvPicPr>
-            <p:cNvPr id="7" name="Immagine 6">
-              <a:extLst>
-                <a:ext uri="{FF2B5EF4-FFF2-40B4-BE49-F238E27FC236}">
-                  <a16:creationId xmlns:a16="http://schemas.microsoft.com/office/drawing/2014/main" id="{40CCA695-3694-57AA-BAB0-7562AB394ED4}"/>
-                </a:ext>
-              </a:extLst>
-            </p:cNvPr>
-            <p:cNvPicPr>
-              <a:picLocks noChangeAspect="1"/>
-            </p:cNvPicPr>
-            <p:nvPr/>
-          </p:nvPicPr>
-          <p:blipFill>
-            <a:blip r:embed="rId2"/>
-            <a:stretch>
-              <a:fillRect/>
-            </a:stretch>
-          </p:blipFill>
-          <p:spPr>
-            <a:xfrm>
-              <a:off x="672938" y="2423908"/>
-              <a:ext cx="4134427" cy="2924583"/>
-            </a:xfrm>
-            <a:prstGeom prst="rect">
-              <a:avLst/>
-            </a:prstGeom>
-          </p:spPr>
-        </p:pic>
-        <p:sp>
-          <p:nvSpPr>
-            <p:cNvPr id="10" name="Rettangolo 9">
-              <a:extLst>
-                <a:ext uri="{FF2B5EF4-FFF2-40B4-BE49-F238E27FC236}">
-                  <a16:creationId xmlns:a16="http://schemas.microsoft.com/office/drawing/2014/main" id="{3DCABD34-3F69-959A-1464-2B1A9F8EF7E1}"/>
-                </a:ext>
-              </a:extLst>
-            </p:cNvPr>
-            <p:cNvSpPr/>
-            <p:nvPr/>
-          </p:nvSpPr>
-          <p:spPr>
-            <a:xfrm>
-              <a:off x="923925" y="2962275"/>
-              <a:ext cx="3505200" cy="276225"/>
-            </a:xfrm>
-            <a:prstGeom prst="rect">
-              <a:avLst/>
-            </a:prstGeom>
-            <a:noFill/>
-            <a:ln>
-              <a:solidFill>
-                <a:srgbClr val="FF0000"/>
-              </a:solidFill>
-            </a:ln>
-          </p:spPr>
-          <p:style>
-            <a:lnRef idx="2">
-              <a:schemeClr val="accent1">
-                <a:shade val="15000"/>
-              </a:schemeClr>
-            </a:lnRef>
-            <a:fillRef idx="1">
-              <a:schemeClr val="accent1"/>
-            </a:fillRef>
-            <a:effectRef idx="0">
-              <a:schemeClr val="accent1"/>
-            </a:effectRef>
-            <a:fontRef idx="minor">
-              <a:schemeClr val="lt1"/>
-            </a:fontRef>
-          </p:style>
-          <p:txBody>
-            <a:bodyPr rtlCol="0" anchor="ctr"/>
-            <a:lstStyle/>
-            <a:p>
-              <a:pPr algn="ctr"/>
-              <a:endParaRPr lang="it-IT"/>
-            </a:p>
-          </p:txBody>
-        </p:sp>
-        <p:sp>
-          <p:nvSpPr>
-            <p:cNvPr id="12" name="Rettangolo 11">
-              <a:extLst>
-                <a:ext uri="{FF2B5EF4-FFF2-40B4-BE49-F238E27FC236}">
-                  <a16:creationId xmlns:a16="http://schemas.microsoft.com/office/drawing/2014/main" id="{0CAE6CBA-9AA0-A93E-1DF7-01B496DA5FFE}"/>
-                </a:ext>
-              </a:extLst>
-            </p:cNvPr>
-            <p:cNvSpPr/>
-            <p:nvPr/>
-          </p:nvSpPr>
-          <p:spPr>
-            <a:xfrm>
-              <a:off x="2374773" y="4244770"/>
-              <a:ext cx="917067" cy="243410"/>
-            </a:xfrm>
-            <a:prstGeom prst="rect">
-              <a:avLst/>
-            </a:prstGeom>
-            <a:noFill/>
-            <a:ln>
-              <a:solidFill>
-                <a:srgbClr val="FF0000"/>
-              </a:solidFill>
-            </a:ln>
-          </p:spPr>
-          <p:style>
-            <a:lnRef idx="2">
-              <a:schemeClr val="accent1">
-                <a:shade val="15000"/>
-              </a:schemeClr>
-            </a:lnRef>
-            <a:fillRef idx="1">
-              <a:schemeClr val="accent1"/>
-            </a:fillRef>
-            <a:effectRef idx="0">
-              <a:schemeClr val="accent1"/>
-            </a:effectRef>
-            <a:fontRef idx="minor">
-              <a:schemeClr val="lt1"/>
-            </a:fontRef>
-          </p:style>
-          <p:txBody>
-            <a:bodyPr rtlCol="0" anchor="ctr"/>
-            <a:lstStyle/>
-            <a:p>
-              <a:pPr algn="ctr"/>
-              <a:endParaRPr lang="it-IT"/>
-            </a:p>
-          </p:txBody>
-        </p:sp>
-      </p:grpSp>
-      <p:grpSp>
-        <p:nvGrpSpPr>
-          <p:cNvPr id="15" name="Gruppo 14">
-            <a:extLst>
-              <a:ext uri="{FF2B5EF4-FFF2-40B4-BE49-F238E27FC236}">
-                <a16:creationId xmlns:a16="http://schemas.microsoft.com/office/drawing/2014/main" id="{693EEAD8-69B9-3AF1-38A9-ACDB9DBAD8C5}"/>
-              </a:ext>
-            </a:extLst>
-          </p:cNvPr>
-          <p:cNvGrpSpPr/>
-          <p:nvPr/>
-        </p:nvGrpSpPr>
-        <p:grpSpPr>
-          <a:xfrm>
-            <a:off x="6282993" y="2433052"/>
-            <a:ext cx="4725059" cy="3896269"/>
-            <a:chOff x="6656939" y="2423908"/>
-            <a:chExt cx="4725059" cy="3896269"/>
-          </a:xfrm>
-        </p:grpSpPr>
-        <p:pic>
-          <p:nvPicPr>
-            <p:cNvPr id="9" name="Immagine 8">
-              <a:extLst>
-                <a:ext uri="{FF2B5EF4-FFF2-40B4-BE49-F238E27FC236}">
-                  <a16:creationId xmlns:a16="http://schemas.microsoft.com/office/drawing/2014/main" id="{032AEF6C-AE9B-AA02-5E38-933CC609404C}"/>
-                </a:ext>
-              </a:extLst>
-            </p:cNvPr>
-            <p:cNvPicPr>
-              <a:picLocks noChangeAspect="1"/>
-            </p:cNvPicPr>
-            <p:nvPr/>
-          </p:nvPicPr>
-          <p:blipFill>
-            <a:blip r:embed="rId3"/>
-            <a:stretch>
-              <a:fillRect/>
-            </a:stretch>
-          </p:blipFill>
-          <p:spPr>
-            <a:xfrm>
-              <a:off x="6656939" y="2423908"/>
-              <a:ext cx="4725059" cy="3896269"/>
-            </a:xfrm>
-            <a:prstGeom prst="rect">
-              <a:avLst/>
-            </a:prstGeom>
-          </p:spPr>
-        </p:pic>
-        <p:sp>
-          <p:nvSpPr>
-            <p:cNvPr id="11" name="Rettangolo 10">
-              <a:extLst>
-                <a:ext uri="{FF2B5EF4-FFF2-40B4-BE49-F238E27FC236}">
-                  <a16:creationId xmlns:a16="http://schemas.microsoft.com/office/drawing/2014/main" id="{AFEA9FF0-FD74-14ED-9652-0374653D8548}"/>
-                </a:ext>
-              </a:extLst>
-            </p:cNvPr>
-            <p:cNvSpPr/>
-            <p:nvPr/>
-          </p:nvSpPr>
-          <p:spPr>
-            <a:xfrm>
-              <a:off x="6910197" y="2950083"/>
-              <a:ext cx="3505200" cy="276225"/>
-            </a:xfrm>
-            <a:prstGeom prst="rect">
-              <a:avLst/>
-            </a:prstGeom>
-            <a:noFill/>
-            <a:ln>
-              <a:solidFill>
-                <a:srgbClr val="FF0000"/>
-              </a:solidFill>
-            </a:ln>
-          </p:spPr>
-          <p:style>
-            <a:lnRef idx="2">
-              <a:schemeClr val="accent1">
-                <a:shade val="15000"/>
-              </a:schemeClr>
-            </a:lnRef>
-            <a:fillRef idx="1">
-              <a:schemeClr val="accent1"/>
-            </a:fillRef>
-            <a:effectRef idx="0">
-              <a:schemeClr val="accent1"/>
-            </a:effectRef>
-            <a:fontRef idx="minor">
-              <a:schemeClr val="lt1"/>
-            </a:fontRef>
-          </p:style>
-          <p:txBody>
-            <a:bodyPr rtlCol="0" anchor="ctr"/>
-            <a:lstStyle/>
-            <a:p>
-              <a:pPr algn="ctr"/>
-              <a:endParaRPr lang="it-IT"/>
-            </a:p>
-          </p:txBody>
-        </p:sp>
-        <p:sp>
-          <p:nvSpPr>
-            <p:cNvPr id="13" name="Rettangolo 12">
-              <a:extLst>
-                <a:ext uri="{FF2B5EF4-FFF2-40B4-BE49-F238E27FC236}">
-                  <a16:creationId xmlns:a16="http://schemas.microsoft.com/office/drawing/2014/main" id="{F61B5D6A-065E-9E44-B691-F9DC1439B28A}"/>
-                </a:ext>
-              </a:extLst>
-            </p:cNvPr>
-            <p:cNvSpPr/>
-            <p:nvPr/>
-          </p:nvSpPr>
-          <p:spPr>
-            <a:xfrm>
-              <a:off x="8873109" y="4022266"/>
-              <a:ext cx="917067" cy="243410"/>
-            </a:xfrm>
-            <a:prstGeom prst="rect">
-              <a:avLst/>
-            </a:prstGeom>
-            <a:noFill/>
-            <a:ln>
-              <a:solidFill>
-                <a:srgbClr val="FF0000"/>
-              </a:solidFill>
-            </a:ln>
-          </p:spPr>
-          <p:style>
-            <a:lnRef idx="2">
-              <a:schemeClr val="accent1">
-                <a:shade val="15000"/>
-              </a:schemeClr>
-            </a:lnRef>
-            <a:fillRef idx="1">
-              <a:schemeClr val="accent1"/>
-            </a:fillRef>
-            <a:effectRef idx="0">
-              <a:schemeClr val="accent1"/>
-            </a:effectRef>
-            <a:fontRef idx="minor">
-              <a:schemeClr val="lt1"/>
-            </a:fontRef>
-          </p:style>
-          <p:txBody>
-            <a:bodyPr rtlCol="0" anchor="ctr"/>
-            <a:lstStyle/>
-            <a:p>
-              <a:pPr algn="ctr"/>
-              <a:endParaRPr lang="it-IT"/>
-            </a:p>
-          </p:txBody>
-        </p:sp>
-      </p:grpSp>
-    </p:spTree>
-    <p:extLst>
-      <p:ext uri="{BB962C8B-B14F-4D97-AF65-F5344CB8AC3E}">
-        <p14:creationId xmlns:p14="http://schemas.microsoft.com/office/powerpoint/2010/main" val="3826393630"/>
       </p:ext>
     </p:extLst>
   </p:cSld>

--- a/Progetto_HPC.pptx
+++ b/Progetto_HPC.pptx
@@ -212,7 +212,7 @@
           <a:p>
             <a:fld id="{7A6B8BA8-9730-4143-87AF-75D0AEF250E9}" type="datetimeFigureOut">
               <a:rPr lang="it-IT" smtClean="0"/>
-              <a:t>10/06/2025</a:t>
+              <a:t>12/06/2025</a:t>
             </a:fld>
             <a:endParaRPr lang="it-IT"/>
           </a:p>
@@ -850,7 +850,7 @@
           <a:p>
             <a:fld id="{D755A5FA-FE2E-4D01-B65C-4DF6F364A15B}" type="datetimeFigureOut">
               <a:rPr lang="it-IT" smtClean="0"/>
-              <a:t>10/06/2025</a:t>
+              <a:t>12/06/2025</a:t>
             </a:fld>
             <a:endParaRPr lang="it-IT"/>
           </a:p>
@@ -1168,7 +1168,7 @@
           <a:p>
             <a:fld id="{D755A5FA-FE2E-4D01-B65C-4DF6F364A15B}" type="datetimeFigureOut">
               <a:rPr lang="it-IT" smtClean="0"/>
-              <a:t>10/06/2025</a:t>
+              <a:t>12/06/2025</a:t>
             </a:fld>
             <a:endParaRPr lang="it-IT"/>
           </a:p>
@@ -1656,7 +1656,7 @@
           <a:p>
             <a:fld id="{D755A5FA-FE2E-4D01-B65C-4DF6F364A15B}" type="datetimeFigureOut">
               <a:rPr lang="it-IT" smtClean="0"/>
-              <a:t>10/06/2025</a:t>
+              <a:t>12/06/2025</a:t>
             </a:fld>
             <a:endParaRPr lang="it-IT"/>
           </a:p>
@@ -2025,7 +2025,7 @@
           <a:p>
             <a:fld id="{D755A5FA-FE2E-4D01-B65C-4DF6F364A15B}" type="datetimeFigureOut">
               <a:rPr lang="it-IT" smtClean="0"/>
-              <a:t>10/06/2025</a:t>
+              <a:t>12/06/2025</a:t>
             </a:fld>
             <a:endParaRPr lang="it-IT"/>
           </a:p>
@@ -2298,7 +2298,7 @@
           <a:p>
             <a:fld id="{D755A5FA-FE2E-4D01-B65C-4DF6F364A15B}" type="datetimeFigureOut">
               <a:rPr lang="it-IT" smtClean="0"/>
-              <a:t>10/06/2025</a:t>
+              <a:t>12/06/2025</a:t>
             </a:fld>
             <a:endParaRPr lang="it-IT"/>
           </a:p>
@@ -2583,7 +2583,7 @@
           <a:p>
             <a:fld id="{D755A5FA-FE2E-4D01-B65C-4DF6F364A15B}" type="datetimeFigureOut">
               <a:rPr lang="it-IT" smtClean="0"/>
-              <a:t>10/06/2025</a:t>
+              <a:t>12/06/2025</a:t>
             </a:fld>
             <a:endParaRPr lang="it-IT"/>
           </a:p>
@@ -2866,7 +2866,7 @@
           <a:p>
             <a:fld id="{D755A5FA-FE2E-4D01-B65C-4DF6F364A15B}" type="datetimeFigureOut">
               <a:rPr lang="it-IT" smtClean="0"/>
-              <a:t>10/06/2025</a:t>
+              <a:t>12/06/2025</a:t>
             </a:fld>
             <a:endParaRPr lang="it-IT"/>
           </a:p>
@@ -3209,7 +3209,7 @@
           <a:p>
             <a:fld id="{D755A5FA-FE2E-4D01-B65C-4DF6F364A15B}" type="datetimeFigureOut">
               <a:rPr lang="it-IT" smtClean="0"/>
-              <a:t>10/06/2025</a:t>
+              <a:t>12/06/2025</a:t>
             </a:fld>
             <a:endParaRPr lang="it-IT"/>
           </a:p>
@@ -3548,7 +3548,7 @@
           <a:p>
             <a:fld id="{D755A5FA-FE2E-4D01-B65C-4DF6F364A15B}" type="datetimeFigureOut">
               <a:rPr lang="it-IT" smtClean="0"/>
-              <a:t>10/06/2025</a:t>
+              <a:t>12/06/2025</a:t>
             </a:fld>
             <a:endParaRPr lang="it-IT"/>
           </a:p>
@@ -4025,7 +4025,7 @@
           <a:p>
             <a:fld id="{D755A5FA-FE2E-4D01-B65C-4DF6F364A15B}" type="datetimeFigureOut">
               <a:rPr lang="it-IT" smtClean="0"/>
-              <a:t>10/06/2025</a:t>
+              <a:t>12/06/2025</a:t>
             </a:fld>
             <a:endParaRPr lang="it-IT"/>
           </a:p>
@@ -4246,7 +4246,7 @@
           <a:p>
             <a:fld id="{D755A5FA-FE2E-4D01-B65C-4DF6F364A15B}" type="datetimeFigureOut">
               <a:rPr lang="it-IT" smtClean="0"/>
-              <a:t>10/06/2025</a:t>
+              <a:t>12/06/2025</a:t>
             </a:fld>
             <a:endParaRPr lang="it-IT"/>
           </a:p>
@@ -4341,7 +4341,7 @@
           <a:p>
             <a:fld id="{D755A5FA-FE2E-4D01-B65C-4DF6F364A15B}" type="datetimeFigureOut">
               <a:rPr lang="it-IT" smtClean="0"/>
-              <a:t>10/06/2025</a:t>
+              <a:t>12/06/2025</a:t>
             </a:fld>
             <a:endParaRPr lang="it-IT"/>
           </a:p>
@@ -4808,7 +4808,7 @@
           <a:p>
             <a:fld id="{D755A5FA-FE2E-4D01-B65C-4DF6F364A15B}" type="datetimeFigureOut">
               <a:rPr lang="it-IT" smtClean="0"/>
-              <a:t>10/06/2025</a:t>
+              <a:t>12/06/2025</a:t>
             </a:fld>
             <a:endParaRPr lang="it-IT"/>
           </a:p>
@@ -5121,7 +5121,7 @@
           <a:p>
             <a:fld id="{D755A5FA-FE2E-4D01-B65C-4DF6F364A15B}" type="datetimeFigureOut">
               <a:rPr lang="it-IT" smtClean="0"/>
-              <a:t>10/06/2025</a:t>
+              <a:t>12/06/2025</a:t>
             </a:fld>
             <a:endParaRPr lang="it-IT"/>
           </a:p>
@@ -5391,7 +5391,7 @@
           <a:p>
             <a:fld id="{D755A5FA-FE2E-4D01-B65C-4DF6F364A15B}" type="datetimeFigureOut">
               <a:rPr lang="it-IT" smtClean="0"/>
-              <a:t>10/06/2025</a:t>
+              <a:t>12/06/2025</a:t>
             </a:fld>
             <a:endParaRPr lang="it-IT"/>
           </a:p>
@@ -7196,6 +7196,42 @@
           <a:chExt cx="0" cy="0"/>
         </a:xfrm>
       </p:grpSpPr>
+      <p:pic>
+        <p:nvPicPr>
+          <p:cNvPr id="5" name="Immagine 4" descr="Immagine che contiene testo, diagramma, schermata, linea&#10;&#10;Il contenuto generato dall'IA potrebbe non essere corretto.">
+            <a:extLst>
+              <a:ext uri="{FF2B5EF4-FFF2-40B4-BE49-F238E27FC236}">
+                <a16:creationId xmlns:a16="http://schemas.microsoft.com/office/drawing/2014/main" id="{13AAA665-2265-8979-9024-9DBDE6F01B64}"/>
+              </a:ext>
+            </a:extLst>
+          </p:cNvPr>
+          <p:cNvPicPr>
+            <a:picLocks noChangeAspect="1"/>
+          </p:cNvPicPr>
+          <p:nvPr/>
+        </p:nvPicPr>
+        <p:blipFill>
+          <a:blip r:embed="rId2">
+            <a:extLst>
+              <a:ext uri="{28A0092B-C50C-407E-A947-70E740481C1C}">
+                <a14:useLocalDpi xmlns:a14="http://schemas.microsoft.com/office/drawing/2010/main" val="0"/>
+              </a:ext>
+            </a:extLst>
+          </a:blip>
+          <a:stretch>
+            <a:fillRect/>
+          </a:stretch>
+        </p:blipFill>
+        <p:spPr>
+          <a:xfrm>
+            <a:off x="3857622" y="2033587"/>
+            <a:ext cx="8058161" cy="4700594"/>
+          </a:xfrm>
+          <a:prstGeom prst="rect">
+            <a:avLst/>
+          </a:prstGeom>
+        </p:spPr>
+      </p:pic>
       <p:sp>
         <p:nvSpPr>
           <p:cNvPr id="2" name="Titolo 1">
@@ -7287,42 +7323,6 @@
           </a:p>
         </p:txBody>
       </p:sp>
-      <p:pic>
-        <p:nvPicPr>
-          <p:cNvPr id="4" name="Immagine 3" descr="Immagine che contiene testo, diagramma, linea, schermata&#10;&#10;Il contenuto generato dall'IA potrebbe non essere corretto.">
-            <a:extLst>
-              <a:ext uri="{FF2B5EF4-FFF2-40B4-BE49-F238E27FC236}">
-                <a16:creationId xmlns:a16="http://schemas.microsoft.com/office/drawing/2014/main" id="{54F28818-B323-2C9E-F627-4F5E7C657588}"/>
-              </a:ext>
-            </a:extLst>
-          </p:cNvPr>
-          <p:cNvPicPr>
-            <a:picLocks noChangeAspect="1"/>
-          </p:cNvPicPr>
-          <p:nvPr/>
-        </p:nvPicPr>
-        <p:blipFill>
-          <a:blip r:embed="rId2">
-            <a:extLst>
-              <a:ext uri="{28A0092B-C50C-407E-A947-70E740481C1C}">
-                <a14:useLocalDpi xmlns:a14="http://schemas.microsoft.com/office/drawing/2010/main" val="0"/>
-              </a:ext>
-            </a:extLst>
-          </a:blip>
-          <a:stretch>
-            <a:fillRect/>
-          </a:stretch>
-        </p:blipFill>
-        <p:spPr>
-          <a:xfrm>
-            <a:off x="3857623" y="2033587"/>
-            <a:ext cx="8058161" cy="4700594"/>
-          </a:xfrm>
-          <a:prstGeom prst="rect">
-            <a:avLst/>
-          </a:prstGeom>
-        </p:spPr>
-      </p:pic>
     </p:spTree>
     <p:extLst>
       <p:ext uri="{BB962C8B-B14F-4D97-AF65-F5344CB8AC3E}">
@@ -7407,13 +7407,13 @@
             <p:ph idx="1"/>
             <p:extLst>
               <p:ext uri="{D42A27DB-BD31-4B8C-83A1-F6EECF244321}">
-                <p14:modId xmlns:p14="http://schemas.microsoft.com/office/powerpoint/2010/main" val="1460921196"/>
+                <p14:modId xmlns:p14="http://schemas.microsoft.com/office/powerpoint/2010/main" val="92913209"/>
               </p:ext>
             </p:extLst>
           </p:nvPr>
         </p:nvGraphicFramePr>
         <p:xfrm>
-          <a:off x="810000" y="3118104"/>
+          <a:off x="819148" y="3803905"/>
           <a:ext cx="10553701" cy="2225040"/>
         </p:xfrm>
         <a:graphic>
@@ -7671,7 +7671,7 @@
                           <a:ea typeface="+mn-ea"/>
                           <a:cs typeface="+mn-cs"/>
                         </a:rPr>
-                        <a:t>1.254* </a:t>
+                        <a:t>0.081 </a:t>
                       </a:r>
                       <a:r>
                         <a:rPr lang="it-IT" sz="1800" b="1" kern="1200" dirty="0">
@@ -7683,7 +7683,7 @@
                           <a:ea typeface="+mn-ea"/>
                           <a:cs typeface="+mn-cs"/>
                         </a:rPr>
-                        <a:t>[x0.00001]</a:t>
+                        <a:t>[x0.0001]</a:t>
                       </a:r>
                       <a:endParaRPr lang="it-IT" sz="1800" b="0" kern="1200" dirty="0">
                         <a:solidFill>
@@ -7907,7 +7907,7 @@
                           <a:ea typeface="+mn-ea"/>
                           <a:cs typeface="+mn-cs"/>
                         </a:rPr>
-                        <a:t>1.194* </a:t>
+                        <a:t>0.118 </a:t>
                       </a:r>
                       <a:r>
                         <a:rPr lang="it-IT" sz="1800" b="1" kern="1200" dirty="0">
@@ -7919,7 +7919,7 @@
                           <a:ea typeface="+mn-ea"/>
                           <a:cs typeface="+mn-cs"/>
                         </a:rPr>
-                        <a:t>[x0.06]</a:t>
+                        <a:t>[x0.6]</a:t>
                       </a:r>
                       <a:endParaRPr lang="it-IT" sz="1800" b="0" kern="1200" dirty="0">
                         <a:solidFill>
@@ -8143,19 +8143,19 @@
                           <a:ea typeface="+mn-ea"/>
                           <a:cs typeface="+mn-cs"/>
                         </a:rPr>
-                        <a:t>1.126* </a:t>
+                        <a:t>0.376 </a:t>
                       </a:r>
                       <a:r>
                         <a:rPr lang="it-IT" sz="1800" b="1" kern="1200" dirty="0">
                           <a:solidFill>
-                            <a:srgbClr val="FF0000"/>
+                            <a:srgbClr val="00B050"/>
                           </a:solidFill>
                           <a:effectLst/>
                           <a:latin typeface="+mn-lt"/>
                           <a:ea typeface="+mn-ea"/>
                           <a:cs typeface="+mn-cs"/>
                         </a:rPr>
-                        <a:t>[x0.45]</a:t>
+                        <a:t>[x1.5]</a:t>
                       </a:r>
                     </a:p>
                   </a:txBody>
@@ -8370,7 +8370,7 @@
                           <a:ea typeface="+mn-ea"/>
                           <a:cs typeface="+mn-cs"/>
                         </a:rPr>
-                        <a:t>1.887* </a:t>
+                        <a:t>1.598 </a:t>
                       </a:r>
                       <a:r>
                         <a:rPr lang="it-IT" sz="1800" b="1" kern="1200" dirty="0">
@@ -8382,7 +8382,7 @@
                           <a:ea typeface="+mn-ea"/>
                           <a:cs typeface="+mn-cs"/>
                         </a:rPr>
-                        <a:t>[x12.4]</a:t>
+                        <a:t>[x14.6]</a:t>
                       </a:r>
                       <a:endParaRPr lang="it-IT" sz="1800" b="0" kern="1200" dirty="0">
                         <a:solidFill>
@@ -8597,7 +8597,7 @@
                         <a:defRPr/>
                       </a:pPr>
                       <a:r>
-                        <a:rPr lang="it-IT" sz="1800" b="0" kern="1200" dirty="0">
+                        <a:rPr lang="it-IT" sz="1800" b="0" kern="1200">
                           <a:solidFill>
                             <a:schemeClr val="dk1"/>
                           </a:solidFill>
@@ -8606,10 +8606,10 @@
                           <a:ea typeface="+mn-ea"/>
                           <a:cs typeface="+mn-cs"/>
                         </a:rPr>
-                        <a:t>7.22 </a:t>
+                        <a:t>14.71 </a:t>
                       </a:r>
                       <a:r>
-                        <a:rPr lang="it-IT" sz="1800" b="1" kern="1200" dirty="0">
+                        <a:rPr lang="it-IT" sz="1800" b="1" kern="1200">
                           <a:solidFill>
                             <a:srgbClr val="00B050"/>
                           </a:solidFill>
@@ -8618,7 +8618,7 @@
                           <a:ea typeface="+mn-ea"/>
                           <a:cs typeface="+mn-cs"/>
                         </a:rPr>
-                        <a:t>[x33.5]</a:t>
+                        <a:t>[x16.4]</a:t>
                       </a:r>
                       <a:endParaRPr lang="it-IT" sz="1800" b="0" kern="1200" dirty="0">
                         <a:solidFill>
@@ -8718,7 +8718,7 @@
         </p:nvSpPr>
         <p:spPr>
           <a:xfrm>
-            <a:off x="810000" y="2304288"/>
+            <a:off x="810000" y="2561463"/>
             <a:ext cx="10553702" cy="749808"/>
           </a:xfrm>
           <a:prstGeom prst="rect">
@@ -8937,550 +8937,6 @@
               <a:t>Near the execution time, is indicated relative speedup</a:t>
             </a:r>
             <a:endParaRPr lang="en-US" b="1" dirty="0"/>
-          </a:p>
-        </p:txBody>
-      </p:sp>
-      <p:graphicFrame>
-        <p:nvGraphicFramePr>
-          <p:cNvPr id="3" name="Tabella 2">
-            <a:extLst>
-              <a:ext uri="{FF2B5EF4-FFF2-40B4-BE49-F238E27FC236}">
-                <a16:creationId xmlns:a16="http://schemas.microsoft.com/office/drawing/2014/main" id="{68DC84A0-1683-3777-77DE-EE3966B5BAA0}"/>
-              </a:ext>
-            </a:extLst>
-          </p:cNvPr>
-          <p:cNvGraphicFramePr>
-            <a:graphicFrameLocks noGrp="1"/>
-          </p:cNvGraphicFramePr>
-          <p:nvPr>
-            <p:extLst>
-              <p:ext uri="{D42A27DB-BD31-4B8C-83A1-F6EECF244321}">
-                <p14:modId xmlns:p14="http://schemas.microsoft.com/office/powerpoint/2010/main" val="2793649642"/>
-              </p:ext>
-            </p:extLst>
-          </p:nvPr>
-        </p:nvGraphicFramePr>
-        <p:xfrm>
-          <a:off x="3035808" y="5858594"/>
-          <a:ext cx="7535672" cy="741680"/>
-        </p:xfrm>
-        <a:graphic>
-          <a:graphicData uri="http://schemas.openxmlformats.org/drawingml/2006/table">
-            <a:tbl>
-              <a:tblPr firstRow="1" bandRow="1">
-                <a:tableStyleId>{21E4AEA4-8DFA-4A89-87EB-49C32662AFE0}</a:tableStyleId>
-              </a:tblPr>
-              <a:tblGrid>
-                <a:gridCol w="2386584">
-                  <a:extLst>
-                    <a:ext uri="{9D8B030D-6E8A-4147-A177-3AD203B41FA5}">
-                      <a16:colId xmlns:a16="http://schemas.microsoft.com/office/drawing/2014/main" val="199034277"/>
-                    </a:ext>
-                  </a:extLst>
-                </a:gridCol>
-                <a:gridCol w="1783080">
-                  <a:extLst>
-                    <a:ext uri="{9D8B030D-6E8A-4147-A177-3AD203B41FA5}">
-                      <a16:colId xmlns:a16="http://schemas.microsoft.com/office/drawing/2014/main" val="3562024557"/>
-                    </a:ext>
-                  </a:extLst>
-                </a:gridCol>
-                <a:gridCol w="1755648">
-                  <a:extLst>
-                    <a:ext uri="{9D8B030D-6E8A-4147-A177-3AD203B41FA5}">
-                      <a16:colId xmlns:a16="http://schemas.microsoft.com/office/drawing/2014/main" val="4041743436"/>
-                    </a:ext>
-                  </a:extLst>
-                </a:gridCol>
-                <a:gridCol w="1610360">
-                  <a:extLst>
-                    <a:ext uri="{9D8B030D-6E8A-4147-A177-3AD203B41FA5}">
-                      <a16:colId xmlns:a16="http://schemas.microsoft.com/office/drawing/2014/main" val="2071241997"/>
-                    </a:ext>
-                  </a:extLst>
-                </a:gridCol>
-              </a:tblGrid>
-              <a:tr h="370840">
-                <a:tc>
-                  <a:txBody>
-                    <a:bodyPr/>
-                    <a:lstStyle/>
-                    <a:p>
-                      <a:r>
-                        <a:rPr lang="it-IT" dirty="0"/>
-                        <a:t>MINI</a:t>
-                      </a:r>
-                    </a:p>
-                  </a:txBody>
-                  <a:tcPr/>
-                </a:tc>
-                <a:tc>
-                  <a:txBody>
-                    <a:bodyPr/>
-                    <a:lstStyle/>
-                    <a:p>
-                      <a:r>
-                        <a:rPr lang="it-IT" dirty="0"/>
-                        <a:t>SMALL</a:t>
-                      </a:r>
-                    </a:p>
-                  </a:txBody>
-                  <a:tcPr/>
-                </a:tc>
-                <a:tc>
-                  <a:txBody>
-                    <a:bodyPr/>
-                    <a:lstStyle/>
-                    <a:p>
-                      <a:r>
-                        <a:rPr lang="it-IT" dirty="0"/>
-                        <a:t>STANDARD</a:t>
-                      </a:r>
-                    </a:p>
-                  </a:txBody>
-                  <a:tcPr/>
-                </a:tc>
-                <a:tc>
-                  <a:txBody>
-                    <a:bodyPr/>
-                    <a:lstStyle/>
-                    <a:p>
-                      <a:r>
-                        <a:rPr lang="it-IT" dirty="0"/>
-                        <a:t>LARGE</a:t>
-                      </a:r>
-                    </a:p>
-                  </a:txBody>
-                  <a:tcPr/>
-                </a:tc>
-                <a:extLst>
-                  <a:ext uri="{0D108BD9-81ED-4DB2-BD59-A6C34878D82A}">
-                    <a16:rowId xmlns:a16="http://schemas.microsoft.com/office/drawing/2014/main" val="2636430348"/>
-                  </a:ext>
-                </a:extLst>
-              </a:tr>
-              <a:tr h="370840">
-                <a:tc>
-                  <a:txBody>
-                    <a:bodyPr/>
-                    <a:lstStyle/>
-                    <a:p>
-                      <a:r>
-                        <a:rPr lang="it-IT" sz="1800" i="0" kern="1200" dirty="0">
-                          <a:solidFill>
-                            <a:schemeClr val="dk1"/>
-                          </a:solidFill>
-                          <a:effectLst/>
-                          <a:latin typeface="+mn-lt"/>
-                          <a:ea typeface="+mn-ea"/>
-                          <a:cs typeface="+mn-cs"/>
-                        </a:rPr>
-                        <a:t>0.5875 </a:t>
-                      </a:r>
-                      <a:r>
-                        <a:rPr lang="it-IT" sz="1800" b="1" kern="1200" dirty="0">
-                          <a:solidFill>
-                            <a:srgbClr val="FF0000"/>
-                          </a:solidFill>
-                          <a:effectLst/>
-                          <a:latin typeface="+mn-lt"/>
-                          <a:ea typeface="+mn-ea"/>
-                          <a:cs typeface="+mn-cs"/>
-                        </a:rPr>
-                        <a:t>[x0.00002]</a:t>
-                      </a:r>
-                      <a:endParaRPr lang="it-IT" dirty="0"/>
-                    </a:p>
-                  </a:txBody>
-                  <a:tcPr/>
-                </a:tc>
-                <a:tc>
-                  <a:txBody>
-                    <a:bodyPr/>
-                    <a:lstStyle/>
-                    <a:p>
-                      <a:r>
-                        <a:rPr lang="it-IT" sz="1800" i="0" kern="1200" dirty="0">
-                          <a:solidFill>
-                            <a:schemeClr val="dk1"/>
-                          </a:solidFill>
-                          <a:effectLst/>
-                          <a:latin typeface="+mn-lt"/>
-                          <a:ea typeface="+mn-ea"/>
-                          <a:cs typeface="+mn-cs"/>
-                        </a:rPr>
-                        <a:t>0.73 </a:t>
-                      </a:r>
-                      <a:r>
-                        <a:rPr lang="it-IT" sz="1800" b="1" kern="1200" dirty="0">
-                          <a:solidFill>
-                            <a:srgbClr val="FF0000"/>
-                          </a:solidFill>
-                          <a:effectLst/>
-                          <a:latin typeface="+mn-lt"/>
-                          <a:ea typeface="+mn-ea"/>
-                          <a:cs typeface="+mn-cs"/>
-                        </a:rPr>
-                        <a:t>[x0.098]</a:t>
-                      </a:r>
-                      <a:endParaRPr lang="it-IT" dirty="0"/>
-                    </a:p>
-                  </a:txBody>
-                  <a:tcPr/>
-                </a:tc>
-                <a:tc>
-                  <a:txBody>
-                    <a:bodyPr/>
-                    <a:lstStyle/>
-                    <a:p>
-                      <a:r>
-                        <a:rPr lang="it-IT" sz="1800" i="0" kern="1200" dirty="0">
-                          <a:solidFill>
-                            <a:schemeClr val="dk1"/>
-                          </a:solidFill>
-                          <a:effectLst/>
-                          <a:latin typeface="+mn-lt"/>
-                          <a:ea typeface="+mn-ea"/>
-                          <a:cs typeface="+mn-cs"/>
-                        </a:rPr>
-                        <a:t>0.15425 </a:t>
-                      </a:r>
-                      <a:r>
-                        <a:rPr lang="it-IT" sz="1800" b="1" kern="1200" dirty="0">
-                          <a:solidFill>
-                            <a:srgbClr val="00B050"/>
-                          </a:solidFill>
-                          <a:effectLst/>
-                          <a:latin typeface="+mn-lt"/>
-                          <a:ea typeface="+mn-ea"/>
-                          <a:cs typeface="+mn-cs"/>
-                        </a:rPr>
-                        <a:t>[x3.7]</a:t>
-                      </a:r>
-                      <a:endParaRPr lang="it-IT" dirty="0"/>
-                    </a:p>
-                  </a:txBody>
-                  <a:tcPr/>
-                </a:tc>
-                <a:tc>
-                  <a:txBody>
-                    <a:bodyPr/>
-                    <a:lstStyle/>
-                    <a:p>
-                      <a:r>
-                        <a:rPr lang="it-IT" sz="1800" i="0" kern="1200" dirty="0">
-                          <a:solidFill>
-                            <a:schemeClr val="dk1"/>
-                          </a:solidFill>
-                          <a:effectLst/>
-                          <a:latin typeface="+mn-lt"/>
-                          <a:ea typeface="+mn-ea"/>
-                          <a:cs typeface="+mn-cs"/>
-                        </a:rPr>
-                        <a:t>0.7755 </a:t>
-                      </a:r>
-                      <a:r>
-                        <a:rPr lang="it-IT" sz="1800" b="1" kern="1200" dirty="0">
-                          <a:solidFill>
-                            <a:srgbClr val="00B050"/>
-                          </a:solidFill>
-                          <a:effectLst/>
-                          <a:latin typeface="+mn-lt"/>
-                          <a:ea typeface="+mn-ea"/>
-                          <a:cs typeface="+mn-cs"/>
-                        </a:rPr>
-                        <a:t>[x30]</a:t>
-                      </a:r>
-                      <a:endParaRPr lang="it-IT" dirty="0"/>
-                    </a:p>
-                  </a:txBody>
-                  <a:tcPr/>
-                </a:tc>
-                <a:extLst>
-                  <a:ext uri="{0D108BD9-81ED-4DB2-BD59-A6C34878D82A}">
-                    <a16:rowId xmlns:a16="http://schemas.microsoft.com/office/drawing/2014/main" val="2316826285"/>
-                  </a:ext>
-                </a:extLst>
-              </a:tr>
-            </a:tbl>
-          </a:graphicData>
-        </a:graphic>
-      </p:graphicFrame>
-      <p:cxnSp>
-        <p:nvCxnSpPr>
-          <p:cNvPr id="5" name="Connettore 2 4">
-            <a:extLst>
-              <a:ext uri="{FF2B5EF4-FFF2-40B4-BE49-F238E27FC236}">
-                <a16:creationId xmlns:a16="http://schemas.microsoft.com/office/drawing/2014/main" id="{9F6A8182-649D-2182-E1C3-9F3BA7D4E0EE}"/>
-              </a:ext>
-            </a:extLst>
-          </p:cNvPr>
-          <p:cNvCxnSpPr>
-            <a:cxnSpLocks/>
-          </p:cNvCxnSpPr>
-          <p:nvPr/>
-        </p:nvCxnSpPr>
-        <p:spPr>
-          <a:xfrm>
-            <a:off x="7461504" y="5343144"/>
-            <a:ext cx="0" cy="515450"/>
-          </a:xfrm>
-          <a:prstGeom prst="straightConnector1">
-            <a:avLst/>
-          </a:prstGeom>
-          <a:ln>
-            <a:tailEnd type="triangle"/>
-          </a:ln>
-        </p:spPr>
-        <p:style>
-          <a:lnRef idx="1">
-            <a:schemeClr val="accent6"/>
-          </a:lnRef>
-          <a:fillRef idx="0">
-            <a:schemeClr val="accent6"/>
-          </a:fillRef>
-          <a:effectRef idx="0">
-            <a:schemeClr val="accent6"/>
-          </a:effectRef>
-          <a:fontRef idx="minor">
-            <a:schemeClr val="tx1"/>
-          </a:fontRef>
-        </p:style>
-      </p:cxnSp>
-      <p:sp>
-        <p:nvSpPr>
-          <p:cNvPr id="9" name="Segnaposto contenuto 2">
-            <a:extLst>
-              <a:ext uri="{FF2B5EF4-FFF2-40B4-BE49-F238E27FC236}">
-                <a16:creationId xmlns:a16="http://schemas.microsoft.com/office/drawing/2014/main" id="{81591727-71FA-2885-EB6D-25F47C83917D}"/>
-              </a:ext>
-            </a:extLst>
-          </p:cNvPr>
-          <p:cNvSpPr txBox="1">
-            <a:spLocks/>
-          </p:cNvSpPr>
-          <p:nvPr/>
-        </p:nvSpPr>
-        <p:spPr>
-          <a:xfrm>
-            <a:off x="2757683" y="5549222"/>
-            <a:ext cx="707891" cy="618744"/>
-          </a:xfrm>
-          <a:prstGeom prst="rect">
-            <a:avLst/>
-          </a:prstGeom>
-          <a:effectLst>
-            <a:outerShdw blurRad="50800" dir="14400000">
-              <a:srgbClr val="000000">
-                <a:alpha val="40000"/>
-              </a:srgbClr>
-            </a:outerShdw>
-          </a:effectLst>
-        </p:spPr>
-        <p:txBody>
-          <a:bodyPr vert="horz" lIns="91440" tIns="45720" rIns="91440" bIns="45720" rtlCol="0" anchor="ctr">
-            <a:normAutofit/>
-          </a:bodyPr>
-          <a:lstStyle>
-            <a:lvl1pPr marL="342900" indent="-342900" algn="l" defTabSz="457200" rtl="0" eaLnBrk="1" latinLnBrk="0" hangingPunct="1">
-              <a:spcBef>
-                <a:spcPct val="20000"/>
-              </a:spcBef>
-              <a:spcAft>
-                <a:spcPts val="600"/>
-              </a:spcAft>
-              <a:buClr>
-                <a:schemeClr val="accent1"/>
-              </a:buClr>
-              <a:buFont typeface="Wingdings 2" charset="2"/>
-              <a:buChar char=""/>
-              <a:defRPr sz="1800" kern="1200">
-                <a:solidFill>
-                  <a:schemeClr val="tx1"/>
-                </a:solidFill>
-                <a:latin typeface="+mn-lt"/>
-                <a:ea typeface="+mn-ea"/>
-                <a:cs typeface="+mn-cs"/>
-              </a:defRPr>
-            </a:lvl1pPr>
-            <a:lvl2pPr marL="742950" indent="-285750" algn="l" defTabSz="457200" rtl="0" eaLnBrk="1" latinLnBrk="0" hangingPunct="1">
-              <a:spcBef>
-                <a:spcPct val="20000"/>
-              </a:spcBef>
-              <a:spcAft>
-                <a:spcPts val="600"/>
-              </a:spcAft>
-              <a:buClr>
-                <a:schemeClr val="accent1"/>
-              </a:buClr>
-              <a:buFont typeface="Wingdings 2" charset="2"/>
-              <a:buChar char=""/>
-              <a:defRPr sz="1600" kern="1200">
-                <a:solidFill>
-                  <a:schemeClr val="tx1"/>
-                </a:solidFill>
-                <a:latin typeface="+mn-lt"/>
-                <a:ea typeface="+mn-ea"/>
-                <a:cs typeface="+mn-cs"/>
-              </a:defRPr>
-            </a:lvl2pPr>
-            <a:lvl3pPr marL="1143000" indent="-228600" algn="l" defTabSz="457200" rtl="0" eaLnBrk="1" latinLnBrk="0" hangingPunct="1">
-              <a:spcBef>
-                <a:spcPct val="20000"/>
-              </a:spcBef>
-              <a:spcAft>
-                <a:spcPts val="600"/>
-              </a:spcAft>
-              <a:buClr>
-                <a:schemeClr val="accent1"/>
-              </a:buClr>
-              <a:buFont typeface="Wingdings 2" charset="2"/>
-              <a:buChar char=""/>
-              <a:defRPr sz="1400" kern="1200">
-                <a:solidFill>
-                  <a:schemeClr val="tx1"/>
-                </a:solidFill>
-                <a:latin typeface="+mn-lt"/>
-                <a:ea typeface="+mn-ea"/>
-                <a:cs typeface="+mn-cs"/>
-              </a:defRPr>
-            </a:lvl3pPr>
-            <a:lvl4pPr marL="1600200" indent="-228600" algn="l" defTabSz="457200" rtl="0" eaLnBrk="1" latinLnBrk="0" hangingPunct="1">
-              <a:spcBef>
-                <a:spcPct val="20000"/>
-              </a:spcBef>
-              <a:spcAft>
-                <a:spcPts val="600"/>
-              </a:spcAft>
-              <a:buClr>
-                <a:schemeClr val="accent1"/>
-              </a:buClr>
-              <a:buFont typeface="Wingdings 2" charset="2"/>
-              <a:buChar char=""/>
-              <a:defRPr sz="1200" kern="1200">
-                <a:solidFill>
-                  <a:schemeClr val="tx1"/>
-                </a:solidFill>
-                <a:latin typeface="+mn-lt"/>
-                <a:ea typeface="+mn-ea"/>
-                <a:cs typeface="+mn-cs"/>
-              </a:defRPr>
-            </a:lvl4pPr>
-            <a:lvl5pPr marL="2057400" indent="-228600" algn="l" defTabSz="457200" rtl="0" eaLnBrk="1" latinLnBrk="0" hangingPunct="1">
-              <a:spcBef>
-                <a:spcPct val="20000"/>
-              </a:spcBef>
-              <a:spcAft>
-                <a:spcPts val="600"/>
-              </a:spcAft>
-              <a:buClr>
-                <a:schemeClr val="accent1"/>
-              </a:buClr>
-              <a:buFont typeface="Wingdings 2" charset="2"/>
-              <a:buChar char=""/>
-              <a:defRPr sz="1200" kern="1200">
-                <a:solidFill>
-                  <a:schemeClr val="tx1"/>
-                </a:solidFill>
-                <a:latin typeface="+mn-lt"/>
-                <a:ea typeface="+mn-ea"/>
-                <a:cs typeface="+mn-cs"/>
-              </a:defRPr>
-            </a:lvl5pPr>
-            <a:lvl6pPr marL="2400000" indent="-228600" algn="l" defTabSz="457200" rtl="0" eaLnBrk="1" latinLnBrk="0" hangingPunct="1">
-              <a:spcBef>
-                <a:spcPct val="20000"/>
-              </a:spcBef>
-              <a:spcAft>
-                <a:spcPts val="600"/>
-              </a:spcAft>
-              <a:buClr>
-                <a:schemeClr val="accent1"/>
-              </a:buClr>
-              <a:buFont typeface="Wingdings 2" charset="2"/>
-              <a:buChar char=""/>
-              <a:defRPr sz="1200" kern="1200">
-                <a:solidFill>
-                  <a:schemeClr val="tx1"/>
-                </a:solidFill>
-                <a:latin typeface="+mn-lt"/>
-                <a:ea typeface="+mn-ea"/>
-                <a:cs typeface="+mn-cs"/>
-              </a:defRPr>
-            </a:lvl6pPr>
-            <a:lvl7pPr marL="2800000" indent="-228600" algn="l" defTabSz="457200" rtl="0" eaLnBrk="1" latinLnBrk="0" hangingPunct="1">
-              <a:spcBef>
-                <a:spcPct val="20000"/>
-              </a:spcBef>
-              <a:spcAft>
-                <a:spcPts val="600"/>
-              </a:spcAft>
-              <a:buClr>
-                <a:schemeClr val="accent1"/>
-              </a:buClr>
-              <a:buFont typeface="Wingdings 2" charset="2"/>
-              <a:buChar char=""/>
-              <a:defRPr sz="1200" kern="1200">
-                <a:solidFill>
-                  <a:schemeClr val="tx1"/>
-                </a:solidFill>
-                <a:latin typeface="+mn-lt"/>
-                <a:ea typeface="+mn-ea"/>
-                <a:cs typeface="+mn-cs"/>
-              </a:defRPr>
-            </a:lvl7pPr>
-            <a:lvl8pPr marL="3200000" indent="-228600" algn="l" defTabSz="457200" rtl="0" eaLnBrk="1" latinLnBrk="0" hangingPunct="1">
-              <a:spcBef>
-                <a:spcPct val="20000"/>
-              </a:spcBef>
-              <a:spcAft>
-                <a:spcPts val="600"/>
-              </a:spcAft>
-              <a:buClr>
-                <a:schemeClr val="accent1"/>
-              </a:buClr>
-              <a:buFont typeface="Wingdings 2" charset="2"/>
-              <a:buChar char=""/>
-              <a:defRPr sz="1200" kern="1200">
-                <a:solidFill>
-                  <a:schemeClr val="tx1"/>
-                </a:solidFill>
-                <a:latin typeface="+mn-lt"/>
-                <a:ea typeface="+mn-ea"/>
-                <a:cs typeface="+mn-cs"/>
-              </a:defRPr>
-            </a:lvl8pPr>
-            <a:lvl9pPr marL="3600000" indent="-228600" algn="l" defTabSz="457200" rtl="0" eaLnBrk="1" latinLnBrk="0" hangingPunct="1">
-              <a:spcBef>
-                <a:spcPct val="20000"/>
-              </a:spcBef>
-              <a:spcAft>
-                <a:spcPts val="600"/>
-              </a:spcAft>
-              <a:buClr>
-                <a:schemeClr val="accent1"/>
-              </a:buClr>
-              <a:buFont typeface="Wingdings 2" charset="2"/>
-              <a:buChar char=""/>
-              <a:defRPr sz="1200" kern="1200">
-                <a:solidFill>
-                  <a:schemeClr val="tx1"/>
-                </a:solidFill>
-                <a:latin typeface="+mn-lt"/>
-                <a:ea typeface="+mn-ea"/>
-                <a:cs typeface="+mn-cs"/>
-              </a:defRPr>
-            </a:lvl9pPr>
-          </a:lstStyle>
-          <a:p>
-            <a:pPr marL="0" indent="0">
-              <a:buFont typeface="Wingdings 2" charset="2"/>
-              <a:buNone/>
-            </a:pPr>
-            <a:r>
-              <a:rPr lang="en-US" dirty="0"/>
-              <a:t>*</a:t>
-            </a:r>
           </a:p>
         </p:txBody>
       </p:sp>
@@ -9585,7 +9041,7 @@
           <a:p>
             <a:r>
               <a:rPr lang="en-US" dirty="0"/>
-              <a:t>OpenMP delivered good results (up to x33 speedup), with lower development complexity while CUDA is ideal in high-performance environments and large datasets, where NVIDIA GPUs are available, but the implementation is more complex.</a:t>
+              <a:t>OpenMP delivered good results (up to x16 speedup), with lower development complexity while CUDA is ideal in high-performance environments and large datasets, where NVIDIA GPUs are available, but the implementation is more complex.</a:t>
             </a:r>
           </a:p>
           <a:p>
@@ -10998,7 +10454,7 @@
         </p:nvSpPr>
         <p:spPr>
           <a:xfrm>
-            <a:off x="6561963" y="2987817"/>
+            <a:off x="6629838" y="2680989"/>
             <a:ext cx="5181600" cy="2438385"/>
           </a:xfrm>
           <a:prstGeom prst="rect">
@@ -11261,7 +10717,7 @@
             </a:r>
             <a:r>
               <a:rPr lang="it-IT" dirty="0"/>
-              <a:t>, </a:t>
+              <a:t> (on standard dataset), </a:t>
             </a:r>
             <a:r>
               <a:rPr lang="it-IT" dirty="0" err="1"/>
@@ -13036,12 +12492,42 @@
           </p:txBody>
         </p:sp>
       </p:grpSp>
+      <p:pic>
+        <p:nvPicPr>
+          <p:cNvPr id="21" name="Immagine 20">
+            <a:extLst>
+              <a:ext uri="{FF2B5EF4-FFF2-40B4-BE49-F238E27FC236}">
+                <a16:creationId xmlns:a16="http://schemas.microsoft.com/office/drawing/2014/main" id="{A2130C0C-1B78-8A3A-2370-0509ECE51C0A}"/>
+              </a:ext>
+            </a:extLst>
+          </p:cNvPr>
+          <p:cNvPicPr>
+            <a:picLocks noChangeAspect="1"/>
+          </p:cNvPicPr>
+          <p:nvPr/>
+        </p:nvPicPr>
+        <p:blipFill>
+          <a:blip r:embed="rId3"/>
+          <a:stretch>
+            <a:fillRect/>
+          </a:stretch>
+        </p:blipFill>
+        <p:spPr>
+          <a:xfrm>
+            <a:off x="8033871" y="2630771"/>
+            <a:ext cx="4158129" cy="725881"/>
+          </a:xfrm>
+          <a:prstGeom prst="rect">
+            <a:avLst/>
+          </a:prstGeom>
+        </p:spPr>
+      </p:pic>
       <p:grpSp>
         <p:nvGrpSpPr>
-          <p:cNvPr id="19" name="Gruppo 18">
+          <p:cNvPr id="28" name="Gruppo 27">
             <a:extLst>
               <a:ext uri="{FF2B5EF4-FFF2-40B4-BE49-F238E27FC236}">
-                <a16:creationId xmlns:a16="http://schemas.microsoft.com/office/drawing/2014/main" id="{636C8D7B-E6F7-1988-0244-628DD00D60FC}"/>
+                <a16:creationId xmlns:a16="http://schemas.microsoft.com/office/drawing/2014/main" id="{32DF0047-E317-273F-CB24-B6EB2A45AEC0}"/>
               </a:ext>
             </a:extLst>
           </p:cNvPr>
@@ -13050,18 +12536,18 @@
         </p:nvGrpSpPr>
         <p:grpSpPr>
           <a:xfrm>
-            <a:off x="4198187" y="2604175"/>
-            <a:ext cx="3716434" cy="3912466"/>
-            <a:chOff x="4198187" y="2444174"/>
-            <a:chExt cx="4101594" cy="4317942"/>
+            <a:off x="4246437" y="2594208"/>
+            <a:ext cx="4293139" cy="3906815"/>
+            <a:chOff x="4246437" y="2594208"/>
+            <a:chExt cx="4293139" cy="3906815"/>
           </a:xfrm>
         </p:grpSpPr>
         <p:pic>
           <p:nvPicPr>
-            <p:cNvPr id="11" name="Immagine 10">
+            <p:cNvPr id="15" name="Immagine 14">
               <a:extLst>
                 <a:ext uri="{FF2B5EF4-FFF2-40B4-BE49-F238E27FC236}">
-                  <a16:creationId xmlns:a16="http://schemas.microsoft.com/office/drawing/2014/main" id="{ADABEDCE-DB40-F79B-9DCC-8F724852E81D}"/>
+                  <a16:creationId xmlns:a16="http://schemas.microsoft.com/office/drawing/2014/main" id="{3F1DEEA0-5EB3-5919-2BEF-FC34CD31EE59}"/>
                 </a:ext>
               </a:extLst>
             </p:cNvPr>
@@ -13071,15 +12557,15 @@
             <p:nvPr/>
           </p:nvPicPr>
           <p:blipFill>
-            <a:blip r:embed="rId3"/>
+            <a:blip r:embed="rId4"/>
             <a:stretch>
               <a:fillRect/>
             </a:stretch>
           </p:blipFill>
           <p:spPr>
             <a:xfrm>
-              <a:off x="4198187" y="2444174"/>
-              <a:ext cx="4101594" cy="4317942"/>
+              <a:off x="4246437" y="2594208"/>
+              <a:ext cx="3638221" cy="3906815"/>
             </a:xfrm>
             <a:prstGeom prst="rect">
               <a:avLst/>
@@ -13100,8 +12586,8 @@
           </p:nvSpPr>
           <p:spPr>
             <a:xfrm>
-              <a:off x="4277381" y="2770632"/>
-              <a:ext cx="1501627" cy="733790"/>
+              <a:off x="4269944" y="2899977"/>
+              <a:ext cx="1360617" cy="664884"/>
             </a:xfrm>
             <a:prstGeom prst="rect">
               <a:avLst/>
@@ -13152,8 +12638,8 @@
           </p:nvSpPr>
           <p:spPr>
             <a:xfrm>
-              <a:off x="4786953" y="4002104"/>
-              <a:ext cx="3512828" cy="1612312"/>
+              <a:off x="4731665" y="4015808"/>
+              <a:ext cx="3182956" cy="1460908"/>
             </a:xfrm>
             <a:prstGeom prst="rect">
               <a:avLst/>
@@ -13204,8 +12690,8 @@
           </p:nvSpPr>
           <p:spPr>
             <a:xfrm>
-              <a:off x="4268560" y="6188204"/>
-              <a:ext cx="1501627" cy="222607"/>
+              <a:off x="4499696" y="5694870"/>
+              <a:ext cx="1360617" cy="201703"/>
             </a:xfrm>
             <a:prstGeom prst="rect">
               <a:avLst/>
@@ -13242,87 +12728,6 @@
             </a:p>
           </p:txBody>
         </p:sp>
-      </p:grpSp>
-      <p:grpSp>
-        <p:nvGrpSpPr>
-          <p:cNvPr id="26" name="Gruppo 25">
-            <a:extLst>
-              <a:ext uri="{FF2B5EF4-FFF2-40B4-BE49-F238E27FC236}">
-                <a16:creationId xmlns:a16="http://schemas.microsoft.com/office/drawing/2014/main" id="{B8CE7FD8-D560-B913-FFFF-C0884E4CCA84}"/>
-              </a:ext>
-            </a:extLst>
-          </p:cNvPr>
-          <p:cNvGrpSpPr/>
-          <p:nvPr/>
-        </p:nvGrpSpPr>
-        <p:grpSpPr>
-          <a:xfrm>
-            <a:off x="8033871" y="2630771"/>
-            <a:ext cx="4158129" cy="3650617"/>
-            <a:chOff x="8033871" y="2630771"/>
-            <a:chExt cx="4158129" cy="3650617"/>
-          </a:xfrm>
-        </p:grpSpPr>
-        <p:pic>
-          <p:nvPicPr>
-            <p:cNvPr id="18" name="Immagine 17">
-              <a:extLst>
-                <a:ext uri="{FF2B5EF4-FFF2-40B4-BE49-F238E27FC236}">
-                  <a16:creationId xmlns:a16="http://schemas.microsoft.com/office/drawing/2014/main" id="{555C6452-3EB1-361A-6E11-0E4E76C989E6}"/>
-                </a:ext>
-              </a:extLst>
-            </p:cNvPr>
-            <p:cNvPicPr>
-              <a:picLocks noChangeAspect="1"/>
-            </p:cNvPicPr>
-            <p:nvPr/>
-          </p:nvPicPr>
-          <p:blipFill>
-            <a:blip r:embed="rId4"/>
-            <a:stretch>
-              <a:fillRect/>
-            </a:stretch>
-          </p:blipFill>
-          <p:spPr>
-            <a:xfrm>
-              <a:off x="8033871" y="3575304"/>
-              <a:ext cx="4158129" cy="2706084"/>
-            </a:xfrm>
-            <a:prstGeom prst="rect">
-              <a:avLst/>
-            </a:prstGeom>
-          </p:spPr>
-        </p:pic>
-        <p:pic>
-          <p:nvPicPr>
-            <p:cNvPr id="21" name="Immagine 20">
-              <a:extLst>
-                <a:ext uri="{FF2B5EF4-FFF2-40B4-BE49-F238E27FC236}">
-                  <a16:creationId xmlns:a16="http://schemas.microsoft.com/office/drawing/2014/main" id="{A2130C0C-1B78-8A3A-2370-0509ECE51C0A}"/>
-                </a:ext>
-              </a:extLst>
-            </p:cNvPr>
-            <p:cNvPicPr>
-              <a:picLocks noChangeAspect="1"/>
-            </p:cNvPicPr>
-            <p:nvPr/>
-          </p:nvPicPr>
-          <p:blipFill>
-            <a:blip r:embed="rId5"/>
-            <a:stretch>
-              <a:fillRect/>
-            </a:stretch>
-          </p:blipFill>
-          <p:spPr>
-            <a:xfrm>
-              <a:off x="8033871" y="2630771"/>
-              <a:ext cx="4158129" cy="725881"/>
-            </a:xfrm>
-            <a:prstGeom prst="rect">
-              <a:avLst/>
-            </a:prstGeom>
-          </p:spPr>
-        </p:pic>
         <p:sp>
           <p:nvSpPr>
             <p:cNvPr id="22" name="Segnaposto contenuto 2">
@@ -13561,58 +12966,109 @@
             </a:p>
           </p:txBody>
         </p:sp>
-        <p:sp>
-          <p:nvSpPr>
-            <p:cNvPr id="23" name="Rettangolo 22">
+      </p:grpSp>
+      <p:sp>
+        <p:nvSpPr>
+          <p:cNvPr id="23" name="Rettangolo 22">
+            <a:extLst>
+              <a:ext uri="{FF2B5EF4-FFF2-40B4-BE49-F238E27FC236}">
+                <a16:creationId xmlns:a16="http://schemas.microsoft.com/office/drawing/2014/main" id="{30D0CEF8-EE1D-1196-89C9-8F4165117064}"/>
+              </a:ext>
+            </a:extLst>
+          </p:cNvPr>
+          <p:cNvSpPr/>
+          <p:nvPr/>
+        </p:nvSpPr>
+        <p:spPr>
+          <a:xfrm>
+            <a:off x="8050386" y="2779776"/>
+            <a:ext cx="4141614" cy="576876"/>
+          </a:xfrm>
+          <a:prstGeom prst="rect">
+            <a:avLst/>
+          </a:prstGeom>
+          <a:noFill/>
+          <a:ln>
+            <a:solidFill>
+              <a:srgbClr val="FF0000"/>
+            </a:solidFill>
+          </a:ln>
+        </p:spPr>
+        <p:style>
+          <a:lnRef idx="2">
+            <a:schemeClr val="accent1">
+              <a:shade val="15000"/>
+            </a:schemeClr>
+          </a:lnRef>
+          <a:fillRef idx="1">
+            <a:schemeClr val="accent1"/>
+          </a:fillRef>
+          <a:effectRef idx="0">
+            <a:schemeClr val="accent1"/>
+          </a:effectRef>
+          <a:fontRef idx="minor">
+            <a:schemeClr val="lt1"/>
+          </a:fontRef>
+        </p:style>
+        <p:txBody>
+          <a:bodyPr rtlCol="0" anchor="ctr"/>
+          <a:lstStyle/>
+          <a:p>
+            <a:pPr algn="ctr"/>
+            <a:endParaRPr lang="it-IT"/>
+          </a:p>
+        </p:txBody>
+      </p:sp>
+      <p:grpSp>
+        <p:nvGrpSpPr>
+          <p:cNvPr id="27" name="Gruppo 26">
+            <a:extLst>
+              <a:ext uri="{FF2B5EF4-FFF2-40B4-BE49-F238E27FC236}">
+                <a16:creationId xmlns:a16="http://schemas.microsoft.com/office/drawing/2014/main" id="{819F217A-4634-A6AE-913A-E4456B23E31D}"/>
+              </a:ext>
+            </a:extLst>
+          </p:cNvPr>
+          <p:cNvGrpSpPr/>
+          <p:nvPr/>
+        </p:nvGrpSpPr>
+        <p:grpSpPr>
+          <a:xfrm>
+            <a:off x="8057395" y="3733272"/>
+            <a:ext cx="4129367" cy="2502396"/>
+            <a:chOff x="8057395" y="3733272"/>
+            <a:chExt cx="4129367" cy="2502396"/>
+          </a:xfrm>
+        </p:grpSpPr>
+        <p:pic>
+          <p:nvPicPr>
+            <p:cNvPr id="20" name="Immagine 19">
               <a:extLst>
                 <a:ext uri="{FF2B5EF4-FFF2-40B4-BE49-F238E27FC236}">
-                  <a16:creationId xmlns:a16="http://schemas.microsoft.com/office/drawing/2014/main" id="{30D0CEF8-EE1D-1196-89C9-8F4165117064}"/>
+                  <a16:creationId xmlns:a16="http://schemas.microsoft.com/office/drawing/2014/main" id="{9CDF0697-5C6C-3E37-EA71-26DB01F22D34}"/>
                 </a:ext>
               </a:extLst>
             </p:cNvPr>
-            <p:cNvSpPr/>
+            <p:cNvPicPr>
+              <a:picLocks noChangeAspect="1"/>
+            </p:cNvPicPr>
             <p:nvPr/>
-          </p:nvSpPr>
+          </p:nvPicPr>
+          <p:blipFill>
+            <a:blip r:embed="rId5"/>
+            <a:stretch>
+              <a:fillRect/>
+            </a:stretch>
+          </p:blipFill>
           <p:spPr>
             <a:xfrm>
-              <a:off x="8050386" y="2779776"/>
-              <a:ext cx="4141614" cy="576876"/>
+              <a:off x="8057395" y="3733272"/>
+              <a:ext cx="4129367" cy="2502396"/>
             </a:xfrm>
             <a:prstGeom prst="rect">
               <a:avLst/>
             </a:prstGeom>
-            <a:noFill/>
-            <a:ln>
-              <a:solidFill>
-                <a:srgbClr val="FF0000"/>
-              </a:solidFill>
-            </a:ln>
           </p:spPr>
-          <p:style>
-            <a:lnRef idx="2">
-              <a:schemeClr val="accent1">
-                <a:shade val="15000"/>
-              </a:schemeClr>
-            </a:lnRef>
-            <a:fillRef idx="1">
-              <a:schemeClr val="accent1"/>
-            </a:fillRef>
-            <a:effectRef idx="0">
-              <a:schemeClr val="accent1"/>
-            </a:effectRef>
-            <a:fontRef idx="minor">
-              <a:schemeClr val="lt1"/>
-            </a:fontRef>
-          </p:style>
-          <p:txBody>
-            <a:bodyPr rtlCol="0" anchor="ctr"/>
-            <a:lstStyle/>
-            <a:p>
-              <a:pPr algn="ctr"/>
-              <a:endParaRPr lang="it-IT"/>
-            </a:p>
-          </p:txBody>
-        </p:sp>
+        </p:pic>
         <p:sp>
           <p:nvSpPr>
             <p:cNvPr id="24" name="Rettangolo 23">
@@ -13748,6 +13204,42 @@
           <a:chExt cx="0" cy="0"/>
         </a:xfrm>
       </p:grpSpPr>
+      <p:pic>
+        <p:nvPicPr>
+          <p:cNvPr id="5" name="Immagine 4" descr="Immagine che contiene testo, schermata, diagramma, linea&#10;&#10;Il contenuto generato dall'IA potrebbe non essere corretto.">
+            <a:extLst>
+              <a:ext uri="{FF2B5EF4-FFF2-40B4-BE49-F238E27FC236}">
+                <a16:creationId xmlns:a16="http://schemas.microsoft.com/office/drawing/2014/main" id="{84BC39A4-4C29-88C4-1FA4-6DE971F55BCD}"/>
+              </a:ext>
+            </a:extLst>
+          </p:cNvPr>
+          <p:cNvPicPr>
+            <a:picLocks noChangeAspect="1"/>
+          </p:cNvPicPr>
+          <p:nvPr/>
+        </p:nvPicPr>
+        <p:blipFill>
+          <a:blip r:embed="rId2">
+            <a:extLst>
+              <a:ext uri="{28A0092B-C50C-407E-A947-70E740481C1C}">
+                <a14:useLocalDpi xmlns:a14="http://schemas.microsoft.com/office/drawing/2010/main" val="0"/>
+              </a:ext>
+            </a:extLst>
+          </a:blip>
+          <a:stretch>
+            <a:fillRect/>
+          </a:stretch>
+        </p:blipFill>
+        <p:spPr>
+          <a:xfrm>
+            <a:off x="3905741" y="2002537"/>
+            <a:ext cx="8088532" cy="4718310"/>
+          </a:xfrm>
+          <a:prstGeom prst="rect">
+            <a:avLst/>
+          </a:prstGeom>
+        </p:spPr>
+      </p:pic>
       <p:sp>
         <p:nvSpPr>
           <p:cNvPr id="2" name="Titolo 1">
@@ -13814,7 +13306,7 @@
             </a:r>
             <a:r>
               <a:rPr lang="en-US" b="1" dirty="0"/>
-              <a:t>x33 </a:t>
+              <a:t>x16 </a:t>
             </a:r>
             <a:r>
               <a:rPr lang="en-US" dirty="0"/>
@@ -13847,42 +13339,6 @@
           </a:p>
         </p:txBody>
       </p:sp>
-      <p:pic>
-        <p:nvPicPr>
-          <p:cNvPr id="4" name="Immagine 3" descr="Immagine che contiene testo, schermata, diagramma, Policromia&#10;&#10;Il contenuto generato dall'IA potrebbe non essere corretto.">
-            <a:extLst>
-              <a:ext uri="{FF2B5EF4-FFF2-40B4-BE49-F238E27FC236}">
-                <a16:creationId xmlns:a16="http://schemas.microsoft.com/office/drawing/2014/main" id="{F6D4ACD6-A533-74C0-DC9B-C9BA273BB70A}"/>
-              </a:ext>
-            </a:extLst>
-          </p:cNvPr>
-          <p:cNvPicPr>
-            <a:picLocks noChangeAspect="1"/>
-          </p:cNvPicPr>
-          <p:nvPr/>
-        </p:nvPicPr>
-        <p:blipFill>
-          <a:blip r:embed="rId2">
-            <a:extLst>
-              <a:ext uri="{28A0092B-C50C-407E-A947-70E740481C1C}">
-                <a14:useLocalDpi xmlns:a14="http://schemas.microsoft.com/office/drawing/2010/main" val="0"/>
-              </a:ext>
-            </a:extLst>
-          </a:blip>
-          <a:stretch>
-            <a:fillRect/>
-          </a:stretch>
-        </p:blipFill>
-        <p:spPr>
-          <a:xfrm>
-            <a:off x="3905742" y="2002537"/>
-            <a:ext cx="8088531" cy="4718310"/>
-          </a:xfrm>
-          <a:prstGeom prst="rect">
-            <a:avLst/>
-          </a:prstGeom>
-        </p:spPr>
-      </p:pic>
     </p:spTree>
     <p:extLst>
       <p:ext uri="{BB962C8B-B14F-4D97-AF65-F5344CB8AC3E}">
